--- a/tutorial/T01/tut01.pptx
+++ b/tutorial/T01/tut01.pptx
@@ -5364,7 +5364,7 @@
             </a:r>
             <a:r>
               <a:rPr lang="en-HK" dirty="0"/>
-              <a:t>. (Passcode: csci4430)</a:t>
+              <a:t>.</a:t>
             </a:r>
           </a:p>
         </p:txBody>

--- a/tutorial/T01/tut01.pptx
+++ b/tutorial/T01/tut01.pptx
@@ -5364,8 +5364,13 @@
             </a:r>
             <a:r>
               <a:rPr lang="en-HK" dirty="0"/>
-              <a:t>.</a:t>
-            </a:r>
+              <a:t>. (The password </a:t>
+            </a:r>
+            <a:r>
+              <a:rPr lang="en-HK"/>
+              <a:t>is username.)</a:t>
+            </a:r>
+            <a:endParaRPr lang="en-HK" dirty="0"/>
           </a:p>
         </p:txBody>
       </p:sp>

--- a/tutorial/T01/tut01.pptx
+++ b/tutorial/T01/tut01.pptx
@@ -128,17 +128,86 @@
 </p:presentation>
 </file>
 
-<file path=ppt/revisionInfo.xml><?xml version="1.0" encoding="utf-8"?>
-<p1510:revInfo xmlns:a="http://schemas.openxmlformats.org/drawingml/2006/main" xmlns:r="http://schemas.openxmlformats.org/officeDocument/2006/relationships" xmlns:p1510="http://schemas.microsoft.com/office/powerpoint/2015/10/main">
-  <p1510:revLst>
-    <p1510:client id="{1A9491C6-FD31-4FA7-98FA-39E25D0B6578}" v="12" dt="2022-01-09T11:29:04.756"/>
-    <p1510:client id="{A2A67607-707D-9A4B-B498-57C0CB8C6AF6}" v="85" dt="2022-01-09T09:17:51.271"/>
-  </p1510:revLst>
-</p1510:revInfo>
-</file>
-
 <file path=ppt/changesInfos/changesInfo1.xml><?xml version="1.0" encoding="utf-8"?>
 <pc:chgInfo xmlns:a="http://schemas.openxmlformats.org/drawingml/2006/main" xmlns:r="http://schemas.openxmlformats.org/officeDocument/2006/relationships" xmlns:ac="http://schemas.microsoft.com/office/drawing/2013/main/command" xmlns:pc="http://schemas.microsoft.com/office/powerpoint/2013/main/command">
+  <pc:docChgLst>
+    <pc:chgData name="SONG, Qingyu" userId="498998f4-7f18-4549-a740-dcfb6e1e3d22" providerId="ADAL" clId="{24D6E530-C0B9-47B9-A1D5-C0EEE4E4E5F0}"/>
+    <pc:docChg chg="custSel modSld">
+      <pc:chgData name="SONG, Qingyu" userId="498998f4-7f18-4549-a740-dcfb6e1e3d22" providerId="ADAL" clId="{24D6E530-C0B9-47B9-A1D5-C0EEE4E4E5F0}" dt="2023-01-09T07:03:14.712" v="37" actId="20577"/>
+      <pc:docMkLst>
+        <pc:docMk/>
+      </pc:docMkLst>
+      <pc:sldChg chg="modSp mod">
+        <pc:chgData name="SONG, Qingyu" userId="498998f4-7f18-4549-a740-dcfb6e1e3d22" providerId="ADAL" clId="{24D6E530-C0B9-47B9-A1D5-C0EEE4E4E5F0}" dt="2023-01-09T07:01:10.522" v="1" actId="20577"/>
+        <pc:sldMkLst>
+          <pc:docMk/>
+          <pc:sldMk cId="356419186" sldId="256"/>
+        </pc:sldMkLst>
+        <pc:spChg chg="mod">
+          <ac:chgData name="SONG, Qingyu" userId="498998f4-7f18-4549-a740-dcfb6e1e3d22" providerId="ADAL" clId="{24D6E530-C0B9-47B9-A1D5-C0EEE4E4E5F0}" dt="2023-01-09T07:01:10.522" v="1" actId="20577"/>
+          <ac:spMkLst>
+            <pc:docMk/>
+            <pc:sldMk cId="356419186" sldId="256"/>
+            <ac:spMk id="2" creationId="{37E55C1B-43BC-8B40-A7BE-D3C3F3D8A40E}"/>
+          </ac:spMkLst>
+        </pc:spChg>
+      </pc:sldChg>
+      <pc:sldChg chg="modSp mod">
+        <pc:chgData name="SONG, Qingyu" userId="498998f4-7f18-4549-a740-dcfb6e1e3d22" providerId="ADAL" clId="{24D6E530-C0B9-47B9-A1D5-C0EEE4E4E5F0}" dt="2023-01-09T07:01:35.700" v="10" actId="20577"/>
+        <pc:sldMkLst>
+          <pc:docMk/>
+          <pc:sldMk cId="1947847713" sldId="257"/>
+        </pc:sldMkLst>
+        <pc:spChg chg="mod">
+          <ac:chgData name="SONG, Qingyu" userId="498998f4-7f18-4549-a740-dcfb6e1e3d22" providerId="ADAL" clId="{24D6E530-C0B9-47B9-A1D5-C0EEE4E4E5F0}" dt="2023-01-09T07:01:35.700" v="10" actId="20577"/>
+          <ac:spMkLst>
+            <pc:docMk/>
+            <pc:sldMk cId="1947847713" sldId="257"/>
+            <ac:spMk id="3" creationId="{8F20472D-613F-3748-9CBD-88055CDB4B08}"/>
+          </ac:spMkLst>
+        </pc:spChg>
+      </pc:sldChg>
+      <pc:sldChg chg="modSp mod">
+        <pc:chgData name="SONG, Qingyu" userId="498998f4-7f18-4549-a740-dcfb6e1e3d22" providerId="ADAL" clId="{24D6E530-C0B9-47B9-A1D5-C0EEE4E4E5F0}" dt="2023-01-09T07:03:14.712" v="37" actId="20577"/>
+        <pc:sldMkLst>
+          <pc:docMk/>
+          <pc:sldMk cId="1871005255" sldId="270"/>
+        </pc:sldMkLst>
+        <pc:spChg chg="mod">
+          <ac:chgData name="SONG, Qingyu" userId="498998f4-7f18-4549-a740-dcfb6e1e3d22" providerId="ADAL" clId="{24D6E530-C0B9-47B9-A1D5-C0EEE4E4E5F0}" dt="2023-01-09T07:03:14.712" v="37" actId="20577"/>
+          <ac:spMkLst>
+            <pc:docMk/>
+            <pc:sldMk cId="1871005255" sldId="270"/>
+            <ac:spMk id="3" creationId="{8F20472D-613F-3748-9CBD-88055CDB4B08}"/>
+          </ac:spMkLst>
+        </pc:spChg>
+      </pc:sldChg>
+    </pc:docChg>
+  </pc:docChgLst>
+  <pc:docChgLst>
+    <pc:chgData name="Qingyu Song" userId="O4NG2utMRSC9bShTQouuMd1Uq3x00QhxVtEheGSGOoU=" providerId="None" clId="Web-{1A9491C6-FD31-4FA7-98FA-39E25D0B6578}"/>
+    <pc:docChg chg="modSld">
+      <pc:chgData name="Qingyu Song" userId="O4NG2utMRSC9bShTQouuMd1Uq3x00QhxVtEheGSGOoU=" providerId="None" clId="Web-{1A9491C6-FD31-4FA7-98FA-39E25D0B6578}" dt="2022-01-09T11:29:04.756" v="11" actId="20577"/>
+      <pc:docMkLst>
+        <pc:docMk/>
+      </pc:docMkLst>
+      <pc:sldChg chg="modSp">
+        <pc:chgData name="Qingyu Song" userId="O4NG2utMRSC9bShTQouuMd1Uq3x00QhxVtEheGSGOoU=" providerId="None" clId="Web-{1A9491C6-FD31-4FA7-98FA-39E25D0B6578}" dt="2022-01-09T11:29:04.756" v="11" actId="20577"/>
+        <pc:sldMkLst>
+          <pc:docMk/>
+          <pc:sldMk cId="1947847713" sldId="257"/>
+        </pc:sldMkLst>
+        <pc:spChg chg="mod">
+          <ac:chgData name="Qingyu Song" userId="O4NG2utMRSC9bShTQouuMd1Uq3x00QhxVtEheGSGOoU=" providerId="None" clId="Web-{1A9491C6-FD31-4FA7-98FA-39E25D0B6578}" dt="2022-01-09T11:29:04.756" v="11" actId="20577"/>
+          <ac:spMkLst>
+            <pc:docMk/>
+            <pc:sldMk cId="1947847713" sldId="257"/>
+            <ac:spMk id="3" creationId="{8F20472D-613F-3748-9CBD-88055CDB4B08}"/>
+          </ac:spMkLst>
+        </pc:spChg>
+      </pc:sldChg>
+    </pc:docChg>
+  </pc:docChgLst>
   <pc:docChgLst>
     <pc:chgData name="SONG, Qingyu" userId="498998f4-7f18-4549-a740-dcfb6e1e3d22" providerId="ADAL" clId="{A2A67607-707D-9A4B-B498-57C0CB8C6AF6}"/>
     <pc:docChg chg="undo custSel addSld delSld modSld">
@@ -783,30 +852,6 @@
       </pc:sldChg>
     </pc:docChg>
   </pc:docChgLst>
-  <pc:docChgLst>
-    <pc:chgData name="Qingyu Song" userId="O4NG2utMRSC9bShTQouuMd1Uq3x00QhxVtEheGSGOoU=" providerId="None" clId="Web-{1A9491C6-FD31-4FA7-98FA-39E25D0B6578}"/>
-    <pc:docChg chg="modSld">
-      <pc:chgData name="Qingyu Song" userId="O4NG2utMRSC9bShTQouuMd1Uq3x00QhxVtEheGSGOoU=" providerId="None" clId="Web-{1A9491C6-FD31-4FA7-98FA-39E25D0B6578}" dt="2022-01-09T11:29:04.756" v="11" actId="20577"/>
-      <pc:docMkLst>
-        <pc:docMk/>
-      </pc:docMkLst>
-      <pc:sldChg chg="modSp">
-        <pc:chgData name="Qingyu Song" userId="O4NG2utMRSC9bShTQouuMd1Uq3x00QhxVtEheGSGOoU=" providerId="None" clId="Web-{1A9491C6-FD31-4FA7-98FA-39E25D0B6578}" dt="2022-01-09T11:29:04.756" v="11" actId="20577"/>
-        <pc:sldMkLst>
-          <pc:docMk/>
-          <pc:sldMk cId="1947847713" sldId="257"/>
-        </pc:sldMkLst>
-        <pc:spChg chg="mod">
-          <ac:chgData name="Qingyu Song" userId="O4NG2utMRSC9bShTQouuMd1Uq3x00QhxVtEheGSGOoU=" providerId="None" clId="Web-{1A9491C6-FD31-4FA7-98FA-39E25D0B6578}" dt="2022-01-09T11:29:04.756" v="11" actId="20577"/>
-          <ac:spMkLst>
-            <pc:docMk/>
-            <pc:sldMk cId="1947847713" sldId="257"/>
-            <ac:spMk id="3" creationId="{8F20472D-613F-3748-9CBD-88055CDB4B08}"/>
-          </ac:spMkLst>
-        </pc:spChg>
-      </pc:sldChg>
-    </pc:docChg>
-  </pc:docChgLst>
 </pc:chgInfo>
 </file>
 
@@ -959,7 +1004,7 @@
           <a:p>
             <a:fld id="{2425905D-C0C4-D040-B3F5-79CCA23FA4EB}" type="datetimeFigureOut">
               <a:rPr lang="en-US" smtClean="0"/>
-              <a:t>1/10/2022</a:t>
+              <a:t>1/9/2023</a:t>
             </a:fld>
             <a:endParaRPr lang="en-US"/>
           </a:p>
@@ -1159,7 +1204,7 @@
           <a:p>
             <a:fld id="{2425905D-C0C4-D040-B3F5-79CCA23FA4EB}" type="datetimeFigureOut">
               <a:rPr lang="en-US" smtClean="0"/>
-              <a:t>1/10/2022</a:t>
+              <a:t>1/9/2023</a:t>
             </a:fld>
             <a:endParaRPr lang="en-US"/>
           </a:p>
@@ -1369,7 +1414,7 @@
           <a:p>
             <a:fld id="{2425905D-C0C4-D040-B3F5-79CCA23FA4EB}" type="datetimeFigureOut">
               <a:rPr lang="en-US" smtClean="0"/>
-              <a:t>1/10/2022</a:t>
+              <a:t>1/9/2023</a:t>
             </a:fld>
             <a:endParaRPr lang="en-US"/>
           </a:p>
@@ -1569,7 +1614,7 @@
           <a:p>
             <a:fld id="{2425905D-C0C4-D040-B3F5-79CCA23FA4EB}" type="datetimeFigureOut">
               <a:rPr lang="en-US" smtClean="0"/>
-              <a:t>1/10/2022</a:t>
+              <a:t>1/9/2023</a:t>
             </a:fld>
             <a:endParaRPr lang="en-US"/>
           </a:p>
@@ -1845,7 +1890,7 @@
           <a:p>
             <a:fld id="{2425905D-C0C4-D040-B3F5-79CCA23FA4EB}" type="datetimeFigureOut">
               <a:rPr lang="en-US" smtClean="0"/>
-              <a:t>1/10/2022</a:t>
+              <a:t>1/9/2023</a:t>
             </a:fld>
             <a:endParaRPr lang="en-US"/>
           </a:p>
@@ -2113,7 +2158,7 @@
           <a:p>
             <a:fld id="{2425905D-C0C4-D040-B3F5-79CCA23FA4EB}" type="datetimeFigureOut">
               <a:rPr lang="en-US" smtClean="0"/>
-              <a:t>1/10/2022</a:t>
+              <a:t>1/9/2023</a:t>
             </a:fld>
             <a:endParaRPr lang="en-US"/>
           </a:p>
@@ -2528,7 +2573,7 @@
           <a:p>
             <a:fld id="{2425905D-C0C4-D040-B3F5-79CCA23FA4EB}" type="datetimeFigureOut">
               <a:rPr lang="en-US" smtClean="0"/>
-              <a:t>1/10/2022</a:t>
+              <a:t>1/9/2023</a:t>
             </a:fld>
             <a:endParaRPr lang="en-US"/>
           </a:p>
@@ -2670,7 +2715,7 @@
           <a:p>
             <a:fld id="{2425905D-C0C4-D040-B3F5-79CCA23FA4EB}" type="datetimeFigureOut">
               <a:rPr lang="en-US" smtClean="0"/>
-              <a:t>1/10/2022</a:t>
+              <a:t>1/9/2023</a:t>
             </a:fld>
             <a:endParaRPr lang="en-US"/>
           </a:p>
@@ -2783,7 +2828,7 @@
           <a:p>
             <a:fld id="{2425905D-C0C4-D040-B3F5-79CCA23FA4EB}" type="datetimeFigureOut">
               <a:rPr lang="en-US" smtClean="0"/>
-              <a:t>1/10/2022</a:t>
+              <a:t>1/9/2023</a:t>
             </a:fld>
             <a:endParaRPr lang="en-US"/>
           </a:p>
@@ -3096,7 +3141,7 @@
           <a:p>
             <a:fld id="{2425905D-C0C4-D040-B3F5-79CCA23FA4EB}" type="datetimeFigureOut">
               <a:rPr lang="en-US" smtClean="0"/>
-              <a:t>1/10/2022</a:t>
+              <a:t>1/9/2023</a:t>
             </a:fld>
             <a:endParaRPr lang="en-US"/>
           </a:p>
@@ -3385,7 +3430,7 @@
           <a:p>
             <a:fld id="{2425905D-C0C4-D040-B3F5-79CCA23FA4EB}" type="datetimeFigureOut">
               <a:rPr lang="en-US" smtClean="0"/>
-              <a:t>1/10/2022</a:t>
+              <a:t>1/9/2023</a:t>
             </a:fld>
             <a:endParaRPr lang="en-US"/>
           </a:p>
@@ -3628,7 +3673,7 @@
           <a:p>
             <a:fld id="{2425905D-C0C4-D040-B3F5-79CCA23FA4EB}" type="datetimeFigureOut">
               <a:rPr lang="en-US" smtClean="0"/>
-              <a:t>1/10/2022</a:t>
+              <a:t>1/9/2023</a:t>
             </a:fld>
             <a:endParaRPr lang="en-US"/>
           </a:p>
@@ -4075,7 +4120,7 @@
           <a:p>
             <a:r>
               <a:rPr lang="en-US" sz="6600" b="1" dirty="0"/>
-              <a:t>CSCI 4430 - Spring 22</a:t>
+              <a:t>CSCI 4430 - Spring 23</a:t>
             </a:r>
           </a:p>
         </p:txBody>
@@ -5321,7 +5366,7 @@
         </p:spPr>
         <p:txBody>
           <a:bodyPr>
-            <a:normAutofit/>
+            <a:normAutofit fontScale="92500" lnSpcReduction="10000"/>
           </a:bodyPr>
           <a:lstStyle/>
           <a:p>
@@ -5364,13 +5409,8 @@
             </a:r>
             <a:r>
               <a:rPr lang="en-HK" dirty="0"/>
-              <a:t>. (The password </a:t>
-            </a:r>
-            <a:r>
-              <a:rPr lang="en-HK"/>
-              <a:t>is username.)</a:t>
-            </a:r>
-            <a:endParaRPr lang="en-HK" dirty="0"/>
+              <a:t>. (The password is identical to the username.)</a:t>
+            </a:r>
           </a:p>
         </p:txBody>
       </p:sp>
@@ -5643,7 +5683,15 @@
           <a:p>
             <a:r>
               <a:rPr lang="en-US" sz="3200" dirty="0"/>
-              <a:t>Due: Sat, 29 Jan. 11:59:59 p.m.</a:t>
+              <a:t>Due: Mon, 13 </a:t>
+            </a:r>
+            <a:r>
+              <a:rPr lang="en-US" altLang="zh-CN" sz="3200" dirty="0"/>
+              <a:t>Feb</a:t>
+            </a:r>
+            <a:r>
+              <a:rPr lang="en-US" sz="3200" dirty="0"/>
+              <a:t>. 11:59:59 p.m.</a:t>
             </a:r>
           </a:p>
           <a:p>

--- a/tutorial/T01/tut01.pptx
+++ b/tutorial/T01/tut01.pptx
@@ -9,19 +9,20 @@
     <p:sldId id="257" r:id="rId3"/>
     <p:sldId id="258" r:id="rId4"/>
     <p:sldId id="259" r:id="rId5"/>
-    <p:sldId id="260" r:id="rId6"/>
-    <p:sldId id="261" r:id="rId7"/>
+    <p:sldId id="261" r:id="rId6"/>
+    <p:sldId id="260" r:id="rId7"/>
     <p:sldId id="262" r:id="rId8"/>
-    <p:sldId id="263" r:id="rId9"/>
-    <p:sldId id="264" r:id="rId10"/>
-    <p:sldId id="265" r:id="rId11"/>
-    <p:sldId id="266" r:id="rId12"/>
-    <p:sldId id="267" r:id="rId13"/>
-    <p:sldId id="268" r:id="rId14"/>
-    <p:sldId id="269" r:id="rId15"/>
-    <p:sldId id="270" r:id="rId16"/>
-    <p:sldId id="271" r:id="rId17"/>
-    <p:sldId id="272" r:id="rId18"/>
+    <p:sldId id="273" r:id="rId9"/>
+    <p:sldId id="263" r:id="rId10"/>
+    <p:sldId id="264" r:id="rId11"/>
+    <p:sldId id="265" r:id="rId12"/>
+    <p:sldId id="266" r:id="rId13"/>
+    <p:sldId id="267" r:id="rId14"/>
+    <p:sldId id="268" r:id="rId15"/>
+    <p:sldId id="269" r:id="rId16"/>
+    <p:sldId id="270" r:id="rId17"/>
+    <p:sldId id="271" r:id="rId18"/>
+    <p:sldId id="272" r:id="rId19"/>
   </p:sldIdLst>
   <p:sldSz cx="12192000" cy="6858000"/>
   <p:notesSz cx="6858000" cy="9144000"/>
@@ -178,30 +179,6 @@
           <ac:spMkLst>
             <pc:docMk/>
             <pc:sldMk cId="1871005255" sldId="270"/>
-            <ac:spMk id="3" creationId="{8F20472D-613F-3748-9CBD-88055CDB4B08}"/>
-          </ac:spMkLst>
-        </pc:spChg>
-      </pc:sldChg>
-    </pc:docChg>
-  </pc:docChgLst>
-  <pc:docChgLst>
-    <pc:chgData name="Qingyu Song" userId="O4NG2utMRSC9bShTQouuMd1Uq3x00QhxVtEheGSGOoU=" providerId="None" clId="Web-{1A9491C6-FD31-4FA7-98FA-39E25D0B6578}"/>
-    <pc:docChg chg="modSld">
-      <pc:chgData name="Qingyu Song" userId="O4NG2utMRSC9bShTQouuMd1Uq3x00QhxVtEheGSGOoU=" providerId="None" clId="Web-{1A9491C6-FD31-4FA7-98FA-39E25D0B6578}" dt="2022-01-09T11:29:04.756" v="11" actId="20577"/>
-      <pc:docMkLst>
-        <pc:docMk/>
-      </pc:docMkLst>
-      <pc:sldChg chg="modSp">
-        <pc:chgData name="Qingyu Song" userId="O4NG2utMRSC9bShTQouuMd1Uq3x00QhxVtEheGSGOoU=" providerId="None" clId="Web-{1A9491C6-FD31-4FA7-98FA-39E25D0B6578}" dt="2022-01-09T11:29:04.756" v="11" actId="20577"/>
-        <pc:sldMkLst>
-          <pc:docMk/>
-          <pc:sldMk cId="1947847713" sldId="257"/>
-        </pc:sldMkLst>
-        <pc:spChg chg="mod">
-          <ac:chgData name="Qingyu Song" userId="O4NG2utMRSC9bShTQouuMd1Uq3x00QhxVtEheGSGOoU=" providerId="None" clId="Web-{1A9491C6-FD31-4FA7-98FA-39E25D0B6578}" dt="2022-01-09T11:29:04.756" v="11" actId="20577"/>
-          <ac:spMkLst>
-            <pc:docMk/>
-            <pc:sldMk cId="1947847713" sldId="257"/>
             <ac:spMk id="3" creationId="{8F20472D-613F-3748-9CBD-88055CDB4B08}"/>
           </ac:spMkLst>
         </pc:spChg>
@@ -852,6 +829,30 @@
       </pc:sldChg>
     </pc:docChg>
   </pc:docChgLst>
+  <pc:docChgLst>
+    <pc:chgData name="Qingyu Song" userId="O4NG2utMRSC9bShTQouuMd1Uq3x00QhxVtEheGSGOoU=" providerId="None" clId="Web-{1A9491C6-FD31-4FA7-98FA-39E25D0B6578}"/>
+    <pc:docChg chg="modSld">
+      <pc:chgData name="Qingyu Song" userId="O4NG2utMRSC9bShTQouuMd1Uq3x00QhxVtEheGSGOoU=" providerId="None" clId="Web-{1A9491C6-FD31-4FA7-98FA-39E25D0B6578}" dt="2022-01-09T11:29:04.756" v="11" actId="20577"/>
+      <pc:docMkLst>
+        <pc:docMk/>
+      </pc:docMkLst>
+      <pc:sldChg chg="modSp">
+        <pc:chgData name="Qingyu Song" userId="O4NG2utMRSC9bShTQouuMd1Uq3x00QhxVtEheGSGOoU=" providerId="None" clId="Web-{1A9491C6-FD31-4FA7-98FA-39E25D0B6578}" dt="2022-01-09T11:29:04.756" v="11" actId="20577"/>
+        <pc:sldMkLst>
+          <pc:docMk/>
+          <pc:sldMk cId="1947847713" sldId="257"/>
+        </pc:sldMkLst>
+        <pc:spChg chg="mod">
+          <ac:chgData name="Qingyu Song" userId="O4NG2utMRSC9bShTQouuMd1Uq3x00QhxVtEheGSGOoU=" providerId="None" clId="Web-{1A9491C6-FD31-4FA7-98FA-39E25D0B6578}" dt="2022-01-09T11:29:04.756" v="11" actId="20577"/>
+          <ac:spMkLst>
+            <pc:docMk/>
+            <pc:sldMk cId="1947847713" sldId="257"/>
+            <ac:spMk id="3" creationId="{8F20472D-613F-3748-9CBD-88055CDB4B08}"/>
+          </ac:spMkLst>
+        </pc:spChg>
+      </pc:sldChg>
+    </pc:docChg>
+  </pc:docChgLst>
 </pc:chgInfo>
 </file>
 
@@ -1004,7 +1005,7 @@
           <a:p>
             <a:fld id="{2425905D-C0C4-D040-B3F5-79CCA23FA4EB}" type="datetimeFigureOut">
               <a:rPr lang="en-US" smtClean="0"/>
-              <a:t>1/9/2023</a:t>
+              <a:t>1/17/2023</a:t>
             </a:fld>
             <a:endParaRPr lang="en-US"/>
           </a:p>
@@ -1204,7 +1205,7 @@
           <a:p>
             <a:fld id="{2425905D-C0C4-D040-B3F5-79CCA23FA4EB}" type="datetimeFigureOut">
               <a:rPr lang="en-US" smtClean="0"/>
-              <a:t>1/9/2023</a:t>
+              <a:t>1/17/2023</a:t>
             </a:fld>
             <a:endParaRPr lang="en-US"/>
           </a:p>
@@ -1414,7 +1415,7 @@
           <a:p>
             <a:fld id="{2425905D-C0C4-D040-B3F5-79CCA23FA4EB}" type="datetimeFigureOut">
               <a:rPr lang="en-US" smtClean="0"/>
-              <a:t>1/9/2023</a:t>
+              <a:t>1/17/2023</a:t>
             </a:fld>
             <a:endParaRPr lang="en-US"/>
           </a:p>
@@ -1614,7 +1615,7 @@
           <a:p>
             <a:fld id="{2425905D-C0C4-D040-B3F5-79CCA23FA4EB}" type="datetimeFigureOut">
               <a:rPr lang="en-US" smtClean="0"/>
-              <a:t>1/9/2023</a:t>
+              <a:t>1/17/2023</a:t>
             </a:fld>
             <a:endParaRPr lang="en-US"/>
           </a:p>
@@ -1890,7 +1891,7 @@
           <a:p>
             <a:fld id="{2425905D-C0C4-D040-B3F5-79CCA23FA4EB}" type="datetimeFigureOut">
               <a:rPr lang="en-US" smtClean="0"/>
-              <a:t>1/9/2023</a:t>
+              <a:t>1/17/2023</a:t>
             </a:fld>
             <a:endParaRPr lang="en-US"/>
           </a:p>
@@ -2158,7 +2159,7 @@
           <a:p>
             <a:fld id="{2425905D-C0C4-D040-B3F5-79CCA23FA4EB}" type="datetimeFigureOut">
               <a:rPr lang="en-US" smtClean="0"/>
-              <a:t>1/9/2023</a:t>
+              <a:t>1/17/2023</a:t>
             </a:fld>
             <a:endParaRPr lang="en-US"/>
           </a:p>
@@ -2573,7 +2574,7 @@
           <a:p>
             <a:fld id="{2425905D-C0C4-D040-B3F5-79CCA23FA4EB}" type="datetimeFigureOut">
               <a:rPr lang="en-US" smtClean="0"/>
-              <a:t>1/9/2023</a:t>
+              <a:t>1/17/2023</a:t>
             </a:fld>
             <a:endParaRPr lang="en-US"/>
           </a:p>
@@ -2715,7 +2716,7 @@
           <a:p>
             <a:fld id="{2425905D-C0C4-D040-B3F5-79CCA23FA4EB}" type="datetimeFigureOut">
               <a:rPr lang="en-US" smtClean="0"/>
-              <a:t>1/9/2023</a:t>
+              <a:t>1/17/2023</a:t>
             </a:fld>
             <a:endParaRPr lang="en-US"/>
           </a:p>
@@ -2828,7 +2829,7 @@
           <a:p>
             <a:fld id="{2425905D-C0C4-D040-B3F5-79CCA23FA4EB}" type="datetimeFigureOut">
               <a:rPr lang="en-US" smtClean="0"/>
-              <a:t>1/9/2023</a:t>
+              <a:t>1/17/2023</a:t>
             </a:fld>
             <a:endParaRPr lang="en-US"/>
           </a:p>
@@ -3141,7 +3142,7 @@
           <a:p>
             <a:fld id="{2425905D-C0C4-D040-B3F5-79CCA23FA4EB}" type="datetimeFigureOut">
               <a:rPr lang="en-US" smtClean="0"/>
-              <a:t>1/9/2023</a:t>
+              <a:t>1/17/2023</a:t>
             </a:fld>
             <a:endParaRPr lang="en-US"/>
           </a:p>
@@ -3430,7 +3431,7 @@
           <a:p>
             <a:fld id="{2425905D-C0C4-D040-B3F5-79CCA23FA4EB}" type="datetimeFigureOut">
               <a:rPr lang="en-US" smtClean="0"/>
-              <a:t>1/9/2023</a:t>
+              <a:t>1/17/2023</a:t>
             </a:fld>
             <a:endParaRPr lang="en-US"/>
           </a:p>
@@ -3673,7 +3674,7 @@
           <a:p>
             <a:fld id="{2425905D-C0C4-D040-B3F5-79CCA23FA4EB}" type="datetimeFigureOut">
               <a:rPr lang="en-US" smtClean="0"/>
-              <a:t>1/9/2023</a:t>
+              <a:t>1/17/2023</a:t>
             </a:fld>
             <a:endParaRPr lang="en-US"/>
           </a:p>
@@ -4266,7 +4267,7 @@
           <a:p>
             <a:r>
               <a:rPr lang="en-US" b="1" dirty="0"/>
-              <a:t>Socket Programming-Server: listen()</a:t>
+              <a:t>Socket Programming-Server: bind()</a:t>
             </a:r>
           </a:p>
         </p:txBody>
@@ -4290,7 +4291,7 @@
         <p:spPr>
           <a:xfrm>
             <a:off x="838200" y="1825625"/>
-            <a:ext cx="10515600" cy="1325563"/>
+            <a:ext cx="10515600" cy="1754326"/>
           </a:xfrm>
         </p:spPr>
         <p:txBody>
@@ -4303,8 +4304,8 @@
               <a:buNone/>
             </a:pPr>
             <a:r>
-              <a:rPr lang="en-US" sz="3200" dirty="0"/>
-              <a:t>Listen for connections on a socket</a:t>
+              <a:rPr lang="en-US" sz="3500" dirty="0"/>
+              <a:t>Bind an address to a socket</a:t>
             </a:r>
           </a:p>
           <a:p>
@@ -4319,12 +4320,6 @@
             </a:pPr>
             <a:endParaRPr lang="en-US" sz="3200" dirty="0"/>
           </a:p>
-          <a:p>
-            <a:pPr marL="0" indent="0">
-              <a:buNone/>
-            </a:pPr>
-            <a:endParaRPr lang="en-US" sz="3200" dirty="0"/>
-          </a:p>
         </p:txBody>
       </p:sp>
       <p:pic>
@@ -4332,7 +4327,7 @@
           <p:cNvPr id="5" name="Picture 4">
             <a:extLst>
               <a:ext uri="{FF2B5EF4-FFF2-40B4-BE49-F238E27FC236}">
-                <a16:creationId xmlns:a16="http://schemas.microsoft.com/office/drawing/2014/main" id="{C3480844-4AD9-7945-A207-E3FE35124D43}"/>
+                <a16:creationId xmlns:a16="http://schemas.microsoft.com/office/drawing/2014/main" id="{273285BD-3165-3D46-A0CB-9A06242E6EF4}"/>
               </a:ext>
             </a:extLst>
           </p:cNvPr>
@@ -4349,8 +4344,8 @@
         </p:blipFill>
         <p:spPr>
           <a:xfrm>
-            <a:off x="1121229" y="2844801"/>
-            <a:ext cx="7366000" cy="711200"/>
+            <a:off x="923474" y="2674261"/>
+            <a:ext cx="10541000" cy="863600"/>
           </a:xfrm>
           <a:prstGeom prst="rect">
             <a:avLst/>
@@ -4362,7 +4357,7 @@
           <p:cNvPr id="6" name="Rectangle 5">
             <a:extLst>
               <a:ext uri="{FF2B5EF4-FFF2-40B4-BE49-F238E27FC236}">
-                <a16:creationId xmlns:a16="http://schemas.microsoft.com/office/drawing/2014/main" id="{3B692967-652C-AB4A-9FFE-F0D2464A2DD4}"/>
+                <a16:creationId xmlns:a16="http://schemas.microsoft.com/office/drawing/2014/main" id="{8B586356-C565-9B40-BF75-839DA7B53FCB}"/>
               </a:ext>
             </a:extLst>
           </p:cNvPr>
@@ -4371,22 +4366,121 @@
         </p:nvSpPr>
         <p:spPr>
           <a:xfrm>
-            <a:off x="838200" y="3953040"/>
-            <a:ext cx="2382062" cy="461665"/>
+            <a:off x="838199" y="3889059"/>
+            <a:ext cx="7445829" cy="2308324"/>
           </a:xfrm>
           <a:prstGeom prst="rect">
             <a:avLst/>
           </a:prstGeom>
         </p:spPr>
         <p:txBody>
-          <a:bodyPr wrap="none">
+          <a:bodyPr wrap="square">
             <a:spAutoFit/>
           </a:bodyPr>
           <a:lstStyle/>
           <a:p>
             <a:r>
               <a:rPr lang="en-US" sz="2400" dirty="0"/>
-              <a:t>listen(</a:t>
+              <a:t>struct </a:t>
+            </a:r>
+            <a:r>
+              <a:rPr lang="en-US" sz="2400" dirty="0" err="1"/>
+              <a:t>sockaddr_in</a:t>
+            </a:r>
+            <a:r>
+              <a:rPr lang="en-US" sz="2400" dirty="0"/>
+              <a:t> </a:t>
+            </a:r>
+            <a:r>
+              <a:rPr lang="en-US" sz="2400" dirty="0" err="1"/>
+              <a:t>addr</a:t>
+            </a:r>
+            <a:r>
+              <a:rPr lang="en-US" sz="2400" dirty="0"/>
+              <a:t>; </a:t>
+            </a:r>
+          </a:p>
+          <a:p>
+            <a:r>
+              <a:rPr lang="en-US" sz="2400" dirty="0" err="1"/>
+              <a:t>memset</a:t>
+            </a:r>
+            <a:r>
+              <a:rPr lang="en-US" sz="2400" dirty="0"/>
+              <a:t>(&amp;</a:t>
+            </a:r>
+            <a:r>
+              <a:rPr lang="en-US" sz="2400" dirty="0" err="1"/>
+              <a:t>addr</a:t>
+            </a:r>
+            <a:r>
+              <a:rPr lang="en-US" sz="2400" dirty="0"/>
+              <a:t>, 0, </a:t>
+            </a:r>
+            <a:r>
+              <a:rPr lang="en-US" sz="2400" dirty="0" err="1"/>
+              <a:t>sizeof</a:t>
+            </a:r>
+            <a:r>
+              <a:rPr lang="en-US" sz="2400" dirty="0"/>
+              <a:t>(</a:t>
+            </a:r>
+            <a:r>
+              <a:rPr lang="en-US" sz="2400" dirty="0" err="1"/>
+              <a:t>addr</a:t>
+            </a:r>
+            <a:r>
+              <a:rPr lang="en-US" sz="2400" dirty="0"/>
+              <a:t>)); </a:t>
+            </a:r>
+          </a:p>
+          <a:p>
+            <a:r>
+              <a:rPr lang="en-US" sz="2400" dirty="0" err="1"/>
+              <a:t>addr.sin_family</a:t>
+            </a:r>
+            <a:r>
+              <a:rPr lang="en-US" sz="2400" dirty="0"/>
+              <a:t> = AF_INET; </a:t>
+            </a:r>
+            <a:r>
+              <a:rPr lang="en-HK" sz="2400" dirty="0"/>
+              <a:t>% Address family</a:t>
+            </a:r>
+            <a:endParaRPr lang="en-US" sz="2400" dirty="0"/>
+          </a:p>
+          <a:p>
+            <a:r>
+              <a:rPr lang="en-US" sz="2400" dirty="0" err="1"/>
+              <a:t>addr.sin_addr.s_addr</a:t>
+            </a:r>
+            <a:r>
+              <a:rPr lang="en-US" sz="2400" dirty="0"/>
+              <a:t> = INADDR_ANY; % 0.0.0.0</a:t>
+            </a:r>
+          </a:p>
+          <a:p>
+            <a:r>
+              <a:rPr lang="en-US" sz="2400" dirty="0" err="1"/>
+              <a:t>addr.sin_port</a:t>
+            </a:r>
+            <a:r>
+              <a:rPr lang="en-US" sz="2400" dirty="0"/>
+              <a:t> = </a:t>
+            </a:r>
+            <a:r>
+              <a:rPr lang="en-US" sz="2400" dirty="0" err="1"/>
+              <a:t>htons</a:t>
+            </a:r>
+            <a:r>
+              <a:rPr lang="en-US" sz="2400" dirty="0"/>
+              <a:t>(port); % Host to network long</a:t>
+            </a:r>
+          </a:p>
+          <a:p>
+            <a:r>
+              <a:rPr lang="en-US" sz="2400" dirty="0"/>
+              <a:t>bind(</a:t>
             </a:r>
             <a:r>
               <a:rPr lang="en-US" sz="2400" dirty="0" err="1"/>
@@ -4394,7 +4488,39 @@
             </a:r>
             <a:r>
               <a:rPr lang="en-US" sz="2400" dirty="0"/>
-              <a:t>, 10);</a:t>
+              <a:t>, (struct </a:t>
+            </a:r>
+            <a:r>
+              <a:rPr lang="en-US" sz="2400" dirty="0" err="1"/>
+              <a:t>sockaddr</a:t>
+            </a:r>
+            <a:r>
+              <a:rPr lang="en-US" sz="2400" dirty="0"/>
+              <a:t> *) &amp;</a:t>
+            </a:r>
+            <a:r>
+              <a:rPr lang="en-US" sz="2400" dirty="0" err="1"/>
+              <a:t>addr</a:t>
+            </a:r>
+            <a:r>
+              <a:rPr lang="en-US" sz="2400" dirty="0"/>
+              <a:t>, </a:t>
+            </a:r>
+            <a:r>
+              <a:rPr lang="en-US" sz="2400" dirty="0" err="1"/>
+              <a:t>sizeof</a:t>
+            </a:r>
+            <a:r>
+              <a:rPr lang="en-US" sz="2400" dirty="0"/>
+              <a:t>(</a:t>
+            </a:r>
+            <a:r>
+              <a:rPr lang="en-US" sz="2400" dirty="0" err="1"/>
+              <a:t>addr</a:t>
+            </a:r>
+            <a:r>
+              <a:rPr lang="en-US" sz="2400" dirty="0"/>
+              <a:t>));</a:t>
             </a:r>
           </a:p>
         </p:txBody>
@@ -4402,7 +4528,7 @@
     </p:spTree>
     <p:extLst>
       <p:ext uri="{BB962C8B-B14F-4D97-AF65-F5344CB8AC3E}">
-        <p14:creationId xmlns:p14="http://schemas.microsoft.com/office/powerpoint/2010/main" val="3781525919"/>
+        <p14:creationId xmlns:p14="http://schemas.microsoft.com/office/powerpoint/2010/main" val="3355003134"/>
       </p:ext>
     </p:extLst>
   </p:cSld>
@@ -4452,6 +4578,192 @@
           <a:p>
             <a:r>
               <a:rPr lang="en-US" b="1" dirty="0"/>
+              <a:t>Socket Programming-Server: listen()</a:t>
+            </a:r>
+          </a:p>
+        </p:txBody>
+      </p:sp>
+      <p:sp>
+        <p:nvSpPr>
+          <p:cNvPr id="3" name="Content Placeholder 2">
+            <a:extLst>
+              <a:ext uri="{FF2B5EF4-FFF2-40B4-BE49-F238E27FC236}">
+                <a16:creationId xmlns:a16="http://schemas.microsoft.com/office/drawing/2014/main" id="{8F20472D-613F-3748-9CBD-88055CDB4B08}"/>
+              </a:ext>
+            </a:extLst>
+          </p:cNvPr>
+          <p:cNvSpPr>
+            <a:spLocks noGrp="1"/>
+          </p:cNvSpPr>
+          <p:nvPr>
+            <p:ph idx="1"/>
+          </p:nvPr>
+        </p:nvSpPr>
+        <p:spPr>
+          <a:xfrm>
+            <a:off x="838200" y="1825625"/>
+            <a:ext cx="10515600" cy="1325563"/>
+          </a:xfrm>
+        </p:spPr>
+        <p:txBody>
+          <a:bodyPr>
+            <a:normAutofit/>
+          </a:bodyPr>
+          <a:lstStyle/>
+          <a:p>
+            <a:pPr marL="0" indent="0">
+              <a:buNone/>
+            </a:pPr>
+            <a:r>
+              <a:rPr lang="en-US" sz="3200" dirty="0"/>
+              <a:t>Listen for connections on a socket</a:t>
+            </a:r>
+          </a:p>
+          <a:p>
+            <a:pPr marL="0" indent="0">
+              <a:buNone/>
+            </a:pPr>
+            <a:endParaRPr lang="en-US" sz="3200" dirty="0"/>
+          </a:p>
+          <a:p>
+            <a:pPr marL="0" indent="0">
+              <a:buNone/>
+            </a:pPr>
+            <a:endParaRPr lang="en-US" sz="3200" dirty="0"/>
+          </a:p>
+          <a:p>
+            <a:pPr marL="0" indent="0">
+              <a:buNone/>
+            </a:pPr>
+            <a:endParaRPr lang="en-US" sz="3200" dirty="0"/>
+          </a:p>
+        </p:txBody>
+      </p:sp>
+      <p:pic>
+        <p:nvPicPr>
+          <p:cNvPr id="5" name="Picture 4">
+            <a:extLst>
+              <a:ext uri="{FF2B5EF4-FFF2-40B4-BE49-F238E27FC236}">
+                <a16:creationId xmlns:a16="http://schemas.microsoft.com/office/drawing/2014/main" id="{C3480844-4AD9-7945-A207-E3FE35124D43}"/>
+              </a:ext>
+            </a:extLst>
+          </p:cNvPr>
+          <p:cNvPicPr>
+            <a:picLocks noChangeAspect="1"/>
+          </p:cNvPicPr>
+          <p:nvPr/>
+        </p:nvPicPr>
+        <p:blipFill>
+          <a:blip r:embed="rId2"/>
+          <a:stretch>
+            <a:fillRect/>
+          </a:stretch>
+        </p:blipFill>
+        <p:spPr>
+          <a:xfrm>
+            <a:off x="1121229" y="2844801"/>
+            <a:ext cx="7366000" cy="711200"/>
+          </a:xfrm>
+          <a:prstGeom prst="rect">
+            <a:avLst/>
+          </a:prstGeom>
+        </p:spPr>
+      </p:pic>
+      <p:sp>
+        <p:nvSpPr>
+          <p:cNvPr id="6" name="Rectangle 5">
+            <a:extLst>
+              <a:ext uri="{FF2B5EF4-FFF2-40B4-BE49-F238E27FC236}">
+                <a16:creationId xmlns:a16="http://schemas.microsoft.com/office/drawing/2014/main" id="{3B692967-652C-AB4A-9FFE-F0D2464A2DD4}"/>
+              </a:ext>
+            </a:extLst>
+          </p:cNvPr>
+          <p:cNvSpPr/>
+          <p:nvPr/>
+        </p:nvSpPr>
+        <p:spPr>
+          <a:xfrm>
+            <a:off x="838200" y="3953040"/>
+            <a:ext cx="2382062" cy="461665"/>
+          </a:xfrm>
+          <a:prstGeom prst="rect">
+            <a:avLst/>
+          </a:prstGeom>
+        </p:spPr>
+        <p:txBody>
+          <a:bodyPr wrap="none">
+            <a:spAutoFit/>
+          </a:bodyPr>
+          <a:lstStyle/>
+          <a:p>
+            <a:r>
+              <a:rPr lang="en-US" sz="2400" dirty="0"/>
+              <a:t>listen(</a:t>
+            </a:r>
+            <a:r>
+              <a:rPr lang="en-US" sz="2400" dirty="0" err="1"/>
+              <a:t>sockfd</a:t>
+            </a:r>
+            <a:r>
+              <a:rPr lang="en-US" sz="2400" dirty="0"/>
+              <a:t>, 10);</a:t>
+            </a:r>
+          </a:p>
+        </p:txBody>
+      </p:sp>
+    </p:spTree>
+    <p:extLst>
+      <p:ext uri="{BB962C8B-B14F-4D97-AF65-F5344CB8AC3E}">
+        <p14:creationId xmlns:p14="http://schemas.microsoft.com/office/powerpoint/2010/main" val="3781525919"/>
+      </p:ext>
+    </p:extLst>
+  </p:cSld>
+  <p:clrMapOvr>
+    <a:masterClrMapping/>
+  </p:clrMapOvr>
+</p:sld>
+</file>
+
+<file path=ppt/slides/slide12.xml><?xml version="1.0" encoding="utf-8"?>
+<p:sld xmlns:a="http://schemas.openxmlformats.org/drawingml/2006/main" xmlns:r="http://schemas.openxmlformats.org/officeDocument/2006/relationships" xmlns:p="http://schemas.openxmlformats.org/presentationml/2006/main">
+  <p:cSld>
+    <p:spTree>
+      <p:nvGrpSpPr>
+        <p:cNvPr id="1" name=""/>
+        <p:cNvGrpSpPr/>
+        <p:nvPr/>
+      </p:nvGrpSpPr>
+      <p:grpSpPr>
+        <a:xfrm>
+          <a:off x="0" y="0"/>
+          <a:ext cx="0" cy="0"/>
+          <a:chOff x="0" y="0"/>
+          <a:chExt cx="0" cy="0"/>
+        </a:xfrm>
+      </p:grpSpPr>
+      <p:sp>
+        <p:nvSpPr>
+          <p:cNvPr id="2" name="Title 1">
+            <a:extLst>
+              <a:ext uri="{FF2B5EF4-FFF2-40B4-BE49-F238E27FC236}">
+                <a16:creationId xmlns:a16="http://schemas.microsoft.com/office/drawing/2014/main" id="{45C79BA1-37A3-5741-B0A1-E64646E4283C}"/>
+              </a:ext>
+            </a:extLst>
+          </p:cNvPr>
+          <p:cNvSpPr>
+            <a:spLocks noGrp="1"/>
+          </p:cNvSpPr>
+          <p:nvPr>
+            <p:ph type="title"/>
+          </p:nvPr>
+        </p:nvSpPr>
+        <p:spPr/>
+        <p:txBody>
+          <a:bodyPr/>
+          <a:lstStyle/>
+          <a:p>
+            <a:r>
+              <a:rPr lang="en-US" b="1" dirty="0"/>
               <a:t>Socket Programming-Client: connect()</a:t>
             </a:r>
           </a:p>
@@ -4716,7 +5028,7 @@
 </p:sld>
 </file>
 
-<file path=ppt/slides/slide12.xml><?xml version="1.0" encoding="utf-8"?>
+<file path=ppt/slides/slide13.xml><?xml version="1.0" encoding="utf-8"?>
 <p:sld xmlns:a="http://schemas.openxmlformats.org/drawingml/2006/main" xmlns:r="http://schemas.openxmlformats.org/officeDocument/2006/relationships" xmlns:p="http://schemas.openxmlformats.org/presentationml/2006/main">
   <p:cSld>
     <p:spTree>
@@ -4945,7 +5257,7 @@
 </p:sld>
 </file>
 
-<file path=ppt/slides/slide13.xml><?xml version="1.0" encoding="utf-8"?>
+<file path=ppt/slides/slide14.xml><?xml version="1.0" encoding="utf-8"?>
 <p:sld xmlns:a="http://schemas.openxmlformats.org/drawingml/2006/main" xmlns:r="http://schemas.openxmlformats.org/officeDocument/2006/relationships" xmlns:p="http://schemas.openxmlformats.org/presentationml/2006/main">
   <p:cSld>
     <p:spTree>
@@ -5059,7 +5371,15 @@
             <a:pPr hangingPunct="0"/>
             <a:r>
               <a:rPr lang="en-US" sz="2400" dirty="0"/>
-              <a:t>send(conn, buffer, MSG_SIZE, MSG_NOSIGNAL);</a:t>
+              <a:t>send(</a:t>
+            </a:r>
+            <a:r>
+              <a:rPr lang="en-US" sz="2400" dirty="0" err="1"/>
+              <a:t>sockfd</a:t>
+            </a:r>
+            <a:r>
+              <a:rPr lang="en-US" sz="2400" dirty="0"/>
+              <a:t>, buffer, MSG_SIZE, MSG_NOSIGNAL);</a:t>
             </a:r>
           </a:p>
         </p:txBody>
@@ -5107,7 +5427,7 @@
 </p:sld>
 </file>
 
-<file path=ppt/slides/slide14.xml><?xml version="1.0" encoding="utf-8"?>
+<file path=ppt/slides/slide15.xml><?xml version="1.0" encoding="utf-8"?>
 <p:sld xmlns:a="http://schemas.openxmlformats.org/drawingml/2006/main" xmlns:r="http://schemas.openxmlformats.org/officeDocument/2006/relationships" xmlns:p="http://schemas.openxmlformats.org/presentationml/2006/main">
   <p:cSld>
     <p:spTree>
@@ -5297,136 +5617,6 @@
 </p:sld>
 </file>
 
-<file path=ppt/slides/slide15.xml><?xml version="1.0" encoding="utf-8"?>
-<p:sld xmlns:a="http://schemas.openxmlformats.org/drawingml/2006/main" xmlns:r="http://schemas.openxmlformats.org/officeDocument/2006/relationships" xmlns:p="http://schemas.openxmlformats.org/presentationml/2006/main">
-  <p:cSld>
-    <p:spTree>
-      <p:nvGrpSpPr>
-        <p:cNvPr id="1" name=""/>
-        <p:cNvGrpSpPr/>
-        <p:nvPr/>
-      </p:nvGrpSpPr>
-      <p:grpSpPr>
-        <a:xfrm>
-          <a:off x="0" y="0"/>
-          <a:ext cx="0" cy="0"/>
-          <a:chOff x="0" y="0"/>
-          <a:chExt cx="0" cy="0"/>
-        </a:xfrm>
-      </p:grpSpPr>
-      <p:sp>
-        <p:nvSpPr>
-          <p:cNvPr id="2" name="Title 1">
-            <a:extLst>
-              <a:ext uri="{FF2B5EF4-FFF2-40B4-BE49-F238E27FC236}">
-                <a16:creationId xmlns:a16="http://schemas.microsoft.com/office/drawing/2014/main" id="{45C79BA1-37A3-5741-B0A1-E64646E4283C}"/>
-              </a:ext>
-            </a:extLst>
-          </p:cNvPr>
-          <p:cNvSpPr>
-            <a:spLocks noGrp="1"/>
-          </p:cNvSpPr>
-          <p:nvPr>
-            <p:ph type="title"/>
-          </p:nvPr>
-        </p:nvSpPr>
-        <p:spPr/>
-        <p:txBody>
-          <a:bodyPr/>
-          <a:lstStyle/>
-          <a:p>
-            <a:r>
-              <a:rPr lang="en-US" b="1" dirty="0"/>
-              <a:t>Socket Programming: A Demo</a:t>
-            </a:r>
-          </a:p>
-        </p:txBody>
-      </p:sp>
-      <p:sp>
-        <p:nvSpPr>
-          <p:cNvPr id="3" name="Content Placeholder 2">
-            <a:extLst>
-              <a:ext uri="{FF2B5EF4-FFF2-40B4-BE49-F238E27FC236}">
-                <a16:creationId xmlns:a16="http://schemas.microsoft.com/office/drawing/2014/main" id="{8F20472D-613F-3748-9CBD-88055CDB4B08}"/>
-              </a:ext>
-            </a:extLst>
-          </p:cNvPr>
-          <p:cNvSpPr>
-            <a:spLocks noGrp="1"/>
-          </p:cNvSpPr>
-          <p:nvPr>
-            <p:ph idx="1"/>
-          </p:nvPr>
-        </p:nvSpPr>
-        <p:spPr>
-          <a:xfrm>
-            <a:off x="838200" y="1825625"/>
-            <a:ext cx="10515600" cy="1701346"/>
-          </a:xfrm>
-        </p:spPr>
-        <p:txBody>
-          <a:bodyPr>
-            <a:normAutofit fontScale="92500" lnSpcReduction="10000"/>
-          </a:bodyPr>
-          <a:lstStyle/>
-          <a:p>
-            <a:r>
-              <a:rPr lang="en-HK" dirty="0">
-                <a:hlinkClick r:id="rId2"/>
-              </a:rPr>
-              <a:t>eecs482/</a:t>
-            </a:r>
-            <a:r>
-              <a:rPr lang="en-HK" dirty="0" err="1">
-                <a:hlinkClick r:id="rId2"/>
-              </a:rPr>
-              <a:t>bgreeves</a:t>
-            </a:r>
-            <a:r>
-              <a:rPr lang="en-HK" dirty="0">
-                <a:hlinkClick r:id="rId2"/>
-              </a:rPr>
-              <a:t>-socket-example: Sockets example from discussion</a:t>
-            </a:r>
-            <a:endParaRPr lang="en-HK" dirty="0"/>
-          </a:p>
-          <a:p>
-            <a:r>
-              <a:rPr lang="en-HK" dirty="0"/>
-              <a:t>Linux or Mac OS.</a:t>
-            </a:r>
-          </a:p>
-          <a:p>
-            <a:r>
-              <a:rPr lang="en-HK" dirty="0"/>
-              <a:t>A virtual machine is provided </a:t>
-            </a:r>
-            <a:r>
-              <a:rPr lang="en-HK" dirty="0">
-                <a:hlinkClick r:id="rId3"/>
-              </a:rPr>
-              <a:t>here</a:t>
-            </a:r>
-            <a:r>
-              <a:rPr lang="en-HK" dirty="0"/>
-              <a:t>. (The password is identical to the username.)</a:t>
-            </a:r>
-          </a:p>
-        </p:txBody>
-      </p:sp>
-    </p:spTree>
-    <p:extLst>
-      <p:ext uri="{BB962C8B-B14F-4D97-AF65-F5344CB8AC3E}">
-        <p14:creationId xmlns:p14="http://schemas.microsoft.com/office/powerpoint/2010/main" val="1871005255"/>
-      </p:ext>
-    </p:extLst>
-  </p:cSld>
-  <p:clrMapOvr>
-    <a:masterClrMapping/>
-  </p:clrMapOvr>
-</p:sld>
-</file>
-
 <file path=ppt/slides/slide16.xml><?xml version="1.0" encoding="utf-8"?>
 <p:sld xmlns:a="http://schemas.openxmlformats.org/drawingml/2006/main" xmlns:r="http://schemas.openxmlformats.org/officeDocument/2006/relationships" xmlns:p="http://schemas.openxmlformats.org/presentationml/2006/main">
   <p:cSld>
@@ -5467,6 +5657,178 @@
           <a:p>
             <a:r>
               <a:rPr lang="en-US" b="1" dirty="0"/>
+              <a:t>Socket Programming: A Demo</a:t>
+            </a:r>
+          </a:p>
+        </p:txBody>
+      </p:sp>
+      <p:sp>
+        <p:nvSpPr>
+          <p:cNvPr id="3" name="Content Placeholder 2">
+            <a:extLst>
+              <a:ext uri="{FF2B5EF4-FFF2-40B4-BE49-F238E27FC236}">
+                <a16:creationId xmlns:a16="http://schemas.microsoft.com/office/drawing/2014/main" id="{8F20472D-613F-3748-9CBD-88055CDB4B08}"/>
+              </a:ext>
+            </a:extLst>
+          </p:cNvPr>
+          <p:cNvSpPr>
+            <a:spLocks noGrp="1"/>
+          </p:cNvSpPr>
+          <p:nvPr>
+            <p:ph idx="1"/>
+          </p:nvPr>
+        </p:nvSpPr>
+        <p:spPr>
+          <a:xfrm>
+            <a:off x="838200" y="1825625"/>
+            <a:ext cx="10515600" cy="1998230"/>
+          </a:xfrm>
+        </p:spPr>
+        <p:txBody>
+          <a:bodyPr>
+            <a:normAutofit fontScale="85000" lnSpcReduction="10000"/>
+          </a:bodyPr>
+          <a:lstStyle/>
+          <a:p>
+            <a:r>
+              <a:rPr lang="en-HK" dirty="0">
+                <a:hlinkClick r:id="rId2"/>
+              </a:rPr>
+              <a:t>eecs482/</a:t>
+            </a:r>
+            <a:r>
+              <a:rPr lang="en-HK" dirty="0" err="1">
+                <a:hlinkClick r:id="rId2"/>
+              </a:rPr>
+              <a:t>bgreeves</a:t>
+            </a:r>
+            <a:r>
+              <a:rPr lang="en-HK" dirty="0">
+                <a:hlinkClick r:id="rId2"/>
+              </a:rPr>
+              <a:t>-socket-example: Sockets example from discussion</a:t>
+            </a:r>
+            <a:endParaRPr lang="en-HK" dirty="0"/>
+          </a:p>
+          <a:p>
+            <a:r>
+              <a:rPr lang="en-HK" dirty="0"/>
+              <a:t>Linux or Mac OS.</a:t>
+            </a:r>
+          </a:p>
+          <a:p>
+            <a:r>
+              <a:rPr lang="en-HK" dirty="0"/>
+              <a:t>A virtual machine is provided </a:t>
+            </a:r>
+            <a:r>
+              <a:rPr lang="en-HK" dirty="0">
+                <a:hlinkClick r:id="rId3"/>
+              </a:rPr>
+              <a:t>here</a:t>
+            </a:r>
+            <a:r>
+              <a:rPr lang="en-HK" dirty="0"/>
+              <a:t>. (The password is identical to the username.)</a:t>
+            </a:r>
+          </a:p>
+          <a:p>
+            <a:r>
+              <a:rPr lang="en-US" altLang="zh-CN" dirty="0"/>
+              <a:t>Tip: Manually s</a:t>
+            </a:r>
+            <a:r>
+              <a:rPr lang="en-US" dirty="0"/>
+              <a:t>et shared folder between your PC/laptop and VM: </a:t>
+            </a:r>
+            <a:r>
+              <a:rPr lang="en-US" dirty="0" err="1"/>
+              <a:t>sudo</a:t>
+            </a:r>
+            <a:r>
+              <a:rPr lang="en-US" dirty="0"/>
+              <a:t> mount - t </a:t>
+            </a:r>
+            <a:r>
+              <a:rPr lang="en-US" dirty="0" err="1"/>
+              <a:t>vboxsf</a:t>
+            </a:r>
+            <a:r>
+              <a:rPr lang="en-US" dirty="0"/>
+              <a:t>   </a:t>
+            </a:r>
+            <a:r>
+              <a:rPr lang="en-US" i="1" u="sng" dirty="0"/>
+              <a:t>folder name in VirtualBox App setting</a:t>
+            </a:r>
+            <a:r>
+              <a:rPr lang="en-US" i="1" dirty="0"/>
+              <a:t>   </a:t>
+            </a:r>
+            <a:r>
+              <a:rPr lang="en-US" i="1" u="sng" dirty="0"/>
+              <a:t>folder name in VM</a:t>
+            </a:r>
+            <a:endParaRPr lang="en-HK" dirty="0"/>
+          </a:p>
+          <a:p>
+            <a:endParaRPr lang="en-HK" dirty="0"/>
+          </a:p>
+        </p:txBody>
+      </p:sp>
+    </p:spTree>
+    <p:extLst>
+      <p:ext uri="{BB962C8B-B14F-4D97-AF65-F5344CB8AC3E}">
+        <p14:creationId xmlns:p14="http://schemas.microsoft.com/office/powerpoint/2010/main" val="1871005255"/>
+      </p:ext>
+    </p:extLst>
+  </p:cSld>
+  <p:clrMapOvr>
+    <a:masterClrMapping/>
+  </p:clrMapOvr>
+</p:sld>
+</file>
+
+<file path=ppt/slides/slide17.xml><?xml version="1.0" encoding="utf-8"?>
+<p:sld xmlns:a="http://schemas.openxmlformats.org/drawingml/2006/main" xmlns:r="http://schemas.openxmlformats.org/officeDocument/2006/relationships" xmlns:p="http://schemas.openxmlformats.org/presentationml/2006/main">
+  <p:cSld>
+    <p:spTree>
+      <p:nvGrpSpPr>
+        <p:cNvPr id="1" name=""/>
+        <p:cNvGrpSpPr/>
+        <p:nvPr/>
+      </p:nvGrpSpPr>
+      <p:grpSpPr>
+        <a:xfrm>
+          <a:off x="0" y="0"/>
+          <a:ext cx="0" cy="0"/>
+          <a:chOff x="0" y="0"/>
+          <a:chExt cx="0" cy="0"/>
+        </a:xfrm>
+      </p:grpSpPr>
+      <p:sp>
+        <p:nvSpPr>
+          <p:cNvPr id="2" name="Title 1">
+            <a:extLst>
+              <a:ext uri="{FF2B5EF4-FFF2-40B4-BE49-F238E27FC236}">
+                <a16:creationId xmlns:a16="http://schemas.microsoft.com/office/drawing/2014/main" id="{45C79BA1-37A3-5741-B0A1-E64646E4283C}"/>
+              </a:ext>
+            </a:extLst>
+          </p:cNvPr>
+          <p:cNvSpPr>
+            <a:spLocks noGrp="1"/>
+          </p:cNvSpPr>
+          <p:nvPr>
+            <p:ph type="title"/>
+          </p:nvPr>
+        </p:nvSpPr>
+        <p:spPr/>
+        <p:txBody>
+          <a:bodyPr/>
+          <a:lstStyle/>
+          <a:p>
+            <a:r>
+              <a:rPr lang="en-US" b="1" dirty="0"/>
               <a:t>Socket Programming: Resources</a:t>
             </a:r>
           </a:p>
@@ -5549,7 +5911,7 @@
 </p:sld>
 </file>
 
-<file path=ppt/slides/slide17.xml><?xml version="1.0" encoding="utf-8"?>
+<file path=ppt/slides/slide18.xml><?xml version="1.0" encoding="utf-8"?>
 <p:sld xmlns:a="http://schemas.openxmlformats.org/drawingml/2006/main" xmlns:r="http://schemas.openxmlformats.org/officeDocument/2006/relationships" xmlns:p="http://schemas.openxmlformats.org/presentationml/2006/main">
   <p:cSld>
     <p:spTree>
@@ -5985,7 +6347,7 @@
           <a:p>
             <a:r>
               <a:rPr lang="en-US" b="1" dirty="0"/>
-              <a:t>Socket Programming: Server Side</a:t>
+              <a:t>Socket Programming: Client Side</a:t>
             </a:r>
           </a:p>
         </p:txBody>
@@ -5995,7 +6357,7 @@
           <p:cNvPr id="4" name="Content Placeholder 3">
             <a:extLst>
               <a:ext uri="{FF2B5EF4-FFF2-40B4-BE49-F238E27FC236}">
-                <a16:creationId xmlns:a16="http://schemas.microsoft.com/office/drawing/2014/main" id="{E1F1B7FF-0FBF-3D45-81DD-BA45BC44D742}"/>
+                <a16:creationId xmlns:a16="http://schemas.microsoft.com/office/drawing/2014/main" id="{E0803F26-69FA-F141-8053-17ADFC76B873}"/>
               </a:ext>
             </a:extLst>
           </p:cNvPr>
@@ -6014,18 +6376,1758 @@
         </p:blipFill>
         <p:spPr>
           <a:xfrm>
-            <a:off x="5164072" y="1429063"/>
-            <a:ext cx="1863856" cy="4824100"/>
+            <a:off x="654267" y="2193925"/>
+            <a:ext cx="1955800" cy="3238500"/>
           </a:xfrm>
           <a:prstGeom prst="rect">
             <a:avLst/>
           </a:prstGeom>
         </p:spPr>
       </p:pic>
+      <p:graphicFrame>
+        <p:nvGraphicFramePr>
+          <p:cNvPr id="25" name="Group 4">
+            <a:extLst>
+              <a:ext uri="{FF2B5EF4-FFF2-40B4-BE49-F238E27FC236}">
+                <a16:creationId xmlns:a16="http://schemas.microsoft.com/office/drawing/2014/main" id="{B790D8A6-3FF2-4898-8C0B-11A5983724CF}"/>
+              </a:ext>
+            </a:extLst>
+          </p:cNvPr>
+          <p:cNvGraphicFramePr>
+            <a:graphicFrameLocks noGrp="1"/>
+          </p:cNvGraphicFramePr>
+          <p:nvPr>
+            <p:extLst>
+              <p:ext uri="{D42A27DB-BD31-4B8C-83A1-F6EECF244321}">
+                <p14:modId xmlns:p14="http://schemas.microsoft.com/office/powerpoint/2010/main" val="2291284723"/>
+              </p:ext>
+            </p:extLst>
+          </p:nvPr>
+        </p:nvGraphicFramePr>
+        <p:xfrm>
+          <a:off x="8298873" y="4090988"/>
+          <a:ext cx="3505200" cy="2377440"/>
+        </p:xfrm>
+        <a:graphic>
+          <a:graphicData uri="http://schemas.openxmlformats.org/drawingml/2006/table">
+            <a:tbl>
+              <a:tblPr/>
+              <a:tblGrid>
+                <a:gridCol w="1752600">
+                  <a:extLst>
+                    <a:ext uri="{9D8B030D-6E8A-4147-A177-3AD203B41FA5}">
+                      <a16:colId xmlns:a16="http://schemas.microsoft.com/office/drawing/2014/main" val="20000"/>
+                    </a:ext>
+                  </a:extLst>
+                </a:gridCol>
+                <a:gridCol w="1752600">
+                  <a:extLst>
+                    <a:ext uri="{9D8B030D-6E8A-4147-A177-3AD203B41FA5}">
+                      <a16:colId xmlns:a16="http://schemas.microsoft.com/office/drawing/2014/main" val="20001"/>
+                    </a:ext>
+                  </a:extLst>
+                </a:gridCol>
+              </a:tblGrid>
+              <a:tr h="320675">
+                <a:tc gridSpan="2">
+                  <a:txBody>
+                    <a:bodyPr/>
+                    <a:lstStyle/>
+                    <a:p>
+                      <a:pPr marL="0" marR="0" lvl="0" indent="0" algn="ctr" defTabSz="914400" rtl="0" eaLnBrk="1" fontAlgn="base" latinLnBrk="0" hangingPunct="1">
+                        <a:lnSpc>
+                          <a:spcPct val="100000"/>
+                        </a:lnSpc>
+                        <a:spcBef>
+                          <a:spcPct val="20000"/>
+                        </a:spcBef>
+                        <a:spcAft>
+                          <a:spcPct val="0"/>
+                        </a:spcAft>
+                        <a:buClrTx/>
+                        <a:buSzTx/>
+                        <a:buFontTx/>
+                        <a:buNone/>
+                        <a:tabLst/>
+                      </a:pPr>
+                      <a:r>
+                        <a:rPr kumimoji="1" lang="en-US" altLang="zh-TW" sz="1600" b="1" i="0" u="none" strike="noStrike" cap="none" normalizeH="0" baseline="0" dirty="0">
+                          <a:ln>
+                            <a:noFill/>
+                          </a:ln>
+                          <a:solidFill>
+                            <a:schemeClr val="tx1"/>
+                          </a:solidFill>
+                          <a:effectLst/>
+                          <a:latin typeface="Calibri" pitchFamily="34" charset="0"/>
+                          <a:ea typeface="新細明體" pitchFamily="18" charset="-120"/>
+                        </a:rPr>
+                        <a:t>Important System calls</a:t>
+                      </a:r>
+                    </a:p>
+                  </a:txBody>
+                  <a:tcPr marT="91440" marB="91440" horzOverflow="overflow">
+                    <a:lnL w="28575" cap="flat" cmpd="sng" algn="ctr">
+                      <a:solidFill>
+                        <a:schemeClr val="tx1"/>
+                      </a:solidFill>
+                      <a:prstDash val="solid"/>
+                      <a:round/>
+                      <a:headEnd type="none" w="med" len="med"/>
+                      <a:tailEnd type="none" w="med" len="med"/>
+                    </a:lnL>
+                    <a:lnR w="28575" cap="flat" cmpd="sng" algn="ctr">
+                      <a:solidFill>
+                        <a:schemeClr val="tx1"/>
+                      </a:solidFill>
+                      <a:prstDash val="solid"/>
+                      <a:round/>
+                      <a:headEnd type="none" w="med" len="med"/>
+                      <a:tailEnd type="none" w="med" len="med"/>
+                    </a:lnR>
+                    <a:lnT w="28575" cap="flat" cmpd="sng" algn="ctr">
+                      <a:solidFill>
+                        <a:schemeClr val="tx1"/>
+                      </a:solidFill>
+                      <a:prstDash val="solid"/>
+                      <a:round/>
+                      <a:headEnd type="none" w="med" len="med"/>
+                      <a:tailEnd type="none" w="med" len="med"/>
+                    </a:lnT>
+                    <a:lnB w="12700" cap="flat" cmpd="sng" algn="ctr">
+                      <a:solidFill>
+                        <a:schemeClr val="tx1"/>
+                      </a:solidFill>
+                      <a:prstDash val="solid"/>
+                      <a:round/>
+                      <a:headEnd type="none" w="med" len="med"/>
+                      <a:tailEnd type="none" w="med" len="med"/>
+                    </a:lnB>
+                    <a:lnTlToBr>
+                      <a:noFill/>
+                    </a:lnTlToBr>
+                    <a:lnBlToTr>
+                      <a:noFill/>
+                    </a:lnBlToTr>
+                    <a:solidFill>
+                      <a:schemeClr val="bg1"/>
+                    </a:solidFill>
+                  </a:tcPr>
+                </a:tc>
+                <a:tc hMerge="1">
+                  <a:txBody>
+                    <a:bodyPr/>
+                    <a:lstStyle/>
+                    <a:p>
+                      <a:endParaRPr lang="en-US"/>
+                    </a:p>
+                  </a:txBody>
+                  <a:tcPr/>
+                </a:tc>
+                <a:extLst>
+                  <a:ext uri="{0D108BD9-81ED-4DB2-BD59-A6C34878D82A}">
+                    <a16:rowId xmlns:a16="http://schemas.microsoft.com/office/drawing/2014/main" val="10000"/>
+                  </a:ext>
+                </a:extLst>
+              </a:tr>
+              <a:tr h="319088">
+                <a:tc>
+                  <a:txBody>
+                    <a:bodyPr/>
+                    <a:lstStyle/>
+                    <a:p>
+                      <a:pPr marL="0" marR="0" lvl="0" indent="0" algn="ctr" defTabSz="914400" rtl="0" eaLnBrk="1" fontAlgn="base" latinLnBrk="0" hangingPunct="1">
+                        <a:lnSpc>
+                          <a:spcPct val="100000"/>
+                        </a:lnSpc>
+                        <a:spcBef>
+                          <a:spcPct val="20000"/>
+                        </a:spcBef>
+                        <a:spcAft>
+                          <a:spcPct val="0"/>
+                        </a:spcAft>
+                        <a:buClrTx/>
+                        <a:buSzTx/>
+                        <a:buFontTx/>
+                        <a:buNone/>
+                        <a:tabLst/>
+                      </a:pPr>
+                      <a:r>
+                        <a:rPr kumimoji="1" lang="en-US" altLang="zh-TW" sz="1600" b="1" i="0" u="none" strike="noStrike" cap="none" normalizeH="0" baseline="0" dirty="0">
+                          <a:ln>
+                            <a:noFill/>
+                          </a:ln>
+                          <a:solidFill>
+                            <a:schemeClr val="tx1"/>
+                          </a:solidFill>
+                          <a:effectLst/>
+                          <a:latin typeface="Calibri" pitchFamily="34" charset="0"/>
+                          <a:ea typeface="新細明體" pitchFamily="18" charset="-120"/>
+                        </a:rPr>
+                        <a:t>Client side</a:t>
+                      </a:r>
+                    </a:p>
+                  </a:txBody>
+                  <a:tcPr marT="91440" marB="91440" horzOverflow="overflow">
+                    <a:lnL w="28575" cap="flat" cmpd="sng" algn="ctr">
+                      <a:solidFill>
+                        <a:schemeClr val="tx1"/>
+                      </a:solidFill>
+                      <a:prstDash val="solid"/>
+                      <a:round/>
+                      <a:headEnd type="none" w="med" len="med"/>
+                      <a:tailEnd type="none" w="med" len="med"/>
+                    </a:lnL>
+                    <a:lnR w="12700" cap="flat" cmpd="sng" algn="ctr">
+                      <a:solidFill>
+                        <a:schemeClr val="tx1"/>
+                      </a:solidFill>
+                      <a:prstDash val="solid"/>
+                      <a:round/>
+                      <a:headEnd type="none" w="med" len="med"/>
+                      <a:tailEnd type="none" w="med" len="med"/>
+                    </a:lnR>
+                    <a:lnT w="12700" cap="flat" cmpd="sng" algn="ctr">
+                      <a:solidFill>
+                        <a:schemeClr val="tx1"/>
+                      </a:solidFill>
+                      <a:prstDash val="solid"/>
+                      <a:round/>
+                      <a:headEnd type="none" w="med" len="med"/>
+                      <a:tailEnd type="none" w="med" len="med"/>
+                    </a:lnT>
+                    <a:lnB w="12700" cap="flat" cmpd="sng" algn="ctr">
+                      <a:solidFill>
+                        <a:schemeClr val="tx1"/>
+                      </a:solidFill>
+                      <a:prstDash val="solid"/>
+                      <a:round/>
+                      <a:headEnd type="none" w="med" len="med"/>
+                      <a:tailEnd type="none" w="med" len="med"/>
+                    </a:lnB>
+                    <a:lnTlToBr>
+                      <a:noFill/>
+                    </a:lnTlToBr>
+                    <a:lnBlToTr>
+                      <a:noFill/>
+                    </a:lnBlToTr>
+                    <a:solidFill>
+                      <a:schemeClr val="bg1"/>
+                    </a:solidFill>
+                  </a:tcPr>
+                </a:tc>
+                <a:tc>
+                  <a:txBody>
+                    <a:bodyPr/>
+                    <a:lstStyle/>
+                    <a:p>
+                      <a:pPr marL="0" marR="0" lvl="0" indent="0" algn="ctr" defTabSz="914400" rtl="0" eaLnBrk="1" fontAlgn="base" latinLnBrk="0" hangingPunct="1">
+                        <a:lnSpc>
+                          <a:spcPct val="100000"/>
+                        </a:lnSpc>
+                        <a:spcBef>
+                          <a:spcPct val="20000"/>
+                        </a:spcBef>
+                        <a:spcAft>
+                          <a:spcPct val="0"/>
+                        </a:spcAft>
+                        <a:buClrTx/>
+                        <a:buSzTx/>
+                        <a:buFontTx/>
+                        <a:buNone/>
+                        <a:tabLst/>
+                      </a:pPr>
+                      <a:r>
+                        <a:rPr kumimoji="1" lang="en-US" altLang="zh-TW" sz="1600" b="1" i="0" u="none" strike="noStrike" cap="none" normalizeH="0" baseline="0" dirty="0">
+                          <a:ln>
+                            <a:noFill/>
+                          </a:ln>
+                          <a:solidFill>
+                            <a:schemeClr val="tx1"/>
+                          </a:solidFill>
+                          <a:effectLst/>
+                          <a:latin typeface="Calibri" pitchFamily="34" charset="0"/>
+                          <a:ea typeface="新細明體" pitchFamily="18" charset="-120"/>
+                        </a:rPr>
+                        <a:t>Server side</a:t>
+                      </a:r>
+                    </a:p>
+                  </a:txBody>
+                  <a:tcPr marT="91440" marB="91440" horzOverflow="overflow">
+                    <a:lnL w="12700" cap="flat" cmpd="sng" algn="ctr">
+                      <a:solidFill>
+                        <a:schemeClr val="tx1"/>
+                      </a:solidFill>
+                      <a:prstDash val="solid"/>
+                      <a:round/>
+                      <a:headEnd type="none" w="med" len="med"/>
+                      <a:tailEnd type="none" w="med" len="med"/>
+                    </a:lnL>
+                    <a:lnR w="28575" cap="flat" cmpd="sng" algn="ctr">
+                      <a:solidFill>
+                        <a:schemeClr val="tx1"/>
+                      </a:solidFill>
+                      <a:prstDash val="solid"/>
+                      <a:round/>
+                      <a:headEnd type="none" w="med" len="med"/>
+                      <a:tailEnd type="none" w="med" len="med"/>
+                    </a:lnR>
+                    <a:lnT w="12700" cap="flat" cmpd="sng" algn="ctr">
+                      <a:solidFill>
+                        <a:schemeClr val="tx1"/>
+                      </a:solidFill>
+                      <a:prstDash val="solid"/>
+                      <a:round/>
+                      <a:headEnd type="none" w="med" len="med"/>
+                      <a:tailEnd type="none" w="med" len="med"/>
+                    </a:lnT>
+                    <a:lnB w="12700" cap="flat" cmpd="sng" algn="ctr">
+                      <a:solidFill>
+                        <a:schemeClr val="tx1"/>
+                      </a:solidFill>
+                      <a:prstDash val="solid"/>
+                      <a:round/>
+                      <a:headEnd type="none" w="med" len="med"/>
+                      <a:tailEnd type="none" w="med" len="med"/>
+                    </a:lnB>
+                    <a:lnTlToBr>
+                      <a:noFill/>
+                    </a:lnTlToBr>
+                    <a:lnBlToTr>
+                      <a:noFill/>
+                    </a:lnBlToTr>
+                    <a:solidFill>
+                      <a:schemeClr val="bg1"/>
+                    </a:solidFill>
+                  </a:tcPr>
+                </a:tc>
+                <a:extLst>
+                  <a:ext uri="{0D108BD9-81ED-4DB2-BD59-A6C34878D82A}">
+                    <a16:rowId xmlns:a16="http://schemas.microsoft.com/office/drawing/2014/main" val="10001"/>
+                  </a:ext>
+                </a:extLst>
+              </a:tr>
+              <a:tr h="320675">
+                <a:tc gridSpan="2">
+                  <a:txBody>
+                    <a:bodyPr/>
+                    <a:lstStyle/>
+                    <a:p>
+                      <a:pPr marL="0" marR="0" lvl="0" indent="0" algn="ctr" defTabSz="914400" rtl="0" eaLnBrk="1" fontAlgn="base" latinLnBrk="0" hangingPunct="1">
+                        <a:lnSpc>
+                          <a:spcPct val="100000"/>
+                        </a:lnSpc>
+                        <a:spcBef>
+                          <a:spcPct val="20000"/>
+                        </a:spcBef>
+                        <a:spcAft>
+                          <a:spcPct val="0"/>
+                        </a:spcAft>
+                        <a:buClrTx/>
+                        <a:buSzTx/>
+                        <a:buFontTx/>
+                        <a:buNone/>
+                        <a:tabLst/>
+                      </a:pPr>
+                      <a:r>
+                        <a:rPr kumimoji="1" lang="en-US" altLang="zh-TW" sz="1600" b="1" i="0" u="none" strike="noStrike" cap="none" normalizeH="0" baseline="0">
+                          <a:ln>
+                            <a:noFill/>
+                          </a:ln>
+                          <a:solidFill>
+                            <a:schemeClr val="tx1"/>
+                          </a:solidFill>
+                          <a:effectLst/>
+                          <a:latin typeface="Consolas" pitchFamily="49" charset="0"/>
+                          <a:ea typeface="新細明體" pitchFamily="18" charset="-120"/>
+                        </a:rPr>
+                        <a:t>socket()</a:t>
+                      </a:r>
+                    </a:p>
+                  </a:txBody>
+                  <a:tcPr marT="91440" marB="91440" horzOverflow="overflow">
+                    <a:lnL w="28575" cap="flat" cmpd="sng" algn="ctr">
+                      <a:solidFill>
+                        <a:schemeClr val="tx1"/>
+                      </a:solidFill>
+                      <a:prstDash val="solid"/>
+                      <a:round/>
+                      <a:headEnd type="none" w="med" len="med"/>
+                      <a:tailEnd type="none" w="med" len="med"/>
+                    </a:lnL>
+                    <a:lnR w="28575" cap="flat" cmpd="sng" algn="ctr">
+                      <a:solidFill>
+                        <a:schemeClr val="tx1"/>
+                      </a:solidFill>
+                      <a:prstDash val="solid"/>
+                      <a:round/>
+                      <a:headEnd type="none" w="med" len="med"/>
+                      <a:tailEnd type="none" w="med" len="med"/>
+                    </a:lnR>
+                    <a:lnT w="12700" cap="flat" cmpd="sng" algn="ctr">
+                      <a:solidFill>
+                        <a:schemeClr val="tx1"/>
+                      </a:solidFill>
+                      <a:prstDash val="solid"/>
+                      <a:round/>
+                      <a:headEnd type="none" w="med" len="med"/>
+                      <a:tailEnd type="none" w="med" len="med"/>
+                    </a:lnT>
+                    <a:lnB w="12700" cap="flat" cmpd="sng" algn="ctr">
+                      <a:solidFill>
+                        <a:schemeClr val="tx1"/>
+                      </a:solidFill>
+                      <a:prstDash val="solid"/>
+                      <a:round/>
+                      <a:headEnd type="none" w="med" len="med"/>
+                      <a:tailEnd type="none" w="med" len="med"/>
+                    </a:lnB>
+                    <a:lnTlToBr>
+                      <a:noFill/>
+                    </a:lnTlToBr>
+                    <a:lnBlToTr>
+                      <a:noFill/>
+                    </a:lnBlToTr>
+                    <a:solidFill>
+                      <a:schemeClr val="bg1"/>
+                    </a:solidFill>
+                  </a:tcPr>
+                </a:tc>
+                <a:tc hMerge="1">
+                  <a:txBody>
+                    <a:bodyPr/>
+                    <a:lstStyle/>
+                    <a:p>
+                      <a:endParaRPr lang="en-US"/>
+                    </a:p>
+                  </a:txBody>
+                  <a:tcPr/>
+                </a:tc>
+                <a:extLst>
+                  <a:ext uri="{0D108BD9-81ED-4DB2-BD59-A6C34878D82A}">
+                    <a16:rowId xmlns:a16="http://schemas.microsoft.com/office/drawing/2014/main" val="10002"/>
+                  </a:ext>
+                </a:extLst>
+              </a:tr>
+              <a:tr h="320675">
+                <a:tc>
+                  <a:txBody>
+                    <a:bodyPr/>
+                    <a:lstStyle/>
+                    <a:p>
+                      <a:pPr marL="0" marR="0" lvl="0" indent="0" algn="ctr" defTabSz="914400" rtl="0" eaLnBrk="1" fontAlgn="base" latinLnBrk="0" hangingPunct="1">
+                        <a:lnSpc>
+                          <a:spcPct val="100000"/>
+                        </a:lnSpc>
+                        <a:spcBef>
+                          <a:spcPct val="20000"/>
+                        </a:spcBef>
+                        <a:spcAft>
+                          <a:spcPct val="0"/>
+                        </a:spcAft>
+                        <a:buClrTx/>
+                        <a:buSzTx/>
+                        <a:buFontTx/>
+                        <a:buNone/>
+                        <a:tabLst/>
+                      </a:pPr>
+                      <a:r>
+                        <a:rPr kumimoji="1" lang="en-US" altLang="zh-TW" sz="1600" b="1" i="0" u="none" strike="noStrike" cap="none" normalizeH="0" baseline="0">
+                          <a:ln>
+                            <a:noFill/>
+                          </a:ln>
+                          <a:solidFill>
+                            <a:schemeClr val="tx1"/>
+                          </a:solidFill>
+                          <a:effectLst/>
+                          <a:latin typeface="Consolas" pitchFamily="49" charset="0"/>
+                          <a:ea typeface="新細明體" pitchFamily="18" charset="-120"/>
+                        </a:rPr>
+                        <a:t>bind()*</a:t>
+                      </a:r>
+                    </a:p>
+                  </a:txBody>
+                  <a:tcPr marT="91440" marB="91440" horzOverflow="overflow">
+                    <a:lnL w="28575" cap="flat" cmpd="sng" algn="ctr">
+                      <a:solidFill>
+                        <a:schemeClr val="tx1"/>
+                      </a:solidFill>
+                      <a:prstDash val="solid"/>
+                      <a:round/>
+                      <a:headEnd type="none" w="med" len="med"/>
+                      <a:tailEnd type="none" w="med" len="med"/>
+                    </a:lnL>
+                    <a:lnR w="12700" cap="flat" cmpd="sng" algn="ctr">
+                      <a:solidFill>
+                        <a:schemeClr val="tx1"/>
+                      </a:solidFill>
+                      <a:prstDash val="solid"/>
+                      <a:round/>
+                      <a:headEnd type="none" w="med" len="med"/>
+                      <a:tailEnd type="none" w="med" len="med"/>
+                    </a:lnR>
+                    <a:lnT w="12700" cap="flat" cmpd="sng" algn="ctr">
+                      <a:solidFill>
+                        <a:schemeClr val="tx1"/>
+                      </a:solidFill>
+                      <a:prstDash val="solid"/>
+                      <a:round/>
+                      <a:headEnd type="none" w="med" len="med"/>
+                      <a:tailEnd type="none" w="med" len="med"/>
+                    </a:lnT>
+                    <a:lnB w="12700" cap="flat" cmpd="sng" algn="ctr">
+                      <a:solidFill>
+                        <a:schemeClr val="tx1"/>
+                      </a:solidFill>
+                      <a:prstDash val="solid"/>
+                      <a:round/>
+                      <a:headEnd type="none" w="med" len="med"/>
+                      <a:tailEnd type="none" w="med" len="med"/>
+                    </a:lnB>
+                    <a:lnTlToBr>
+                      <a:noFill/>
+                    </a:lnTlToBr>
+                    <a:lnBlToTr>
+                      <a:noFill/>
+                    </a:lnBlToTr>
+                    <a:solidFill>
+                      <a:schemeClr val="bg1"/>
+                    </a:solidFill>
+                  </a:tcPr>
+                </a:tc>
+                <a:tc>
+                  <a:txBody>
+                    <a:bodyPr/>
+                    <a:lstStyle/>
+                    <a:p>
+                      <a:pPr marL="0" marR="0" lvl="0" indent="0" algn="ctr" defTabSz="914400" rtl="0" eaLnBrk="1" fontAlgn="base" latinLnBrk="0" hangingPunct="1">
+                        <a:lnSpc>
+                          <a:spcPct val="100000"/>
+                        </a:lnSpc>
+                        <a:spcBef>
+                          <a:spcPct val="20000"/>
+                        </a:spcBef>
+                        <a:spcAft>
+                          <a:spcPct val="0"/>
+                        </a:spcAft>
+                        <a:buClrTx/>
+                        <a:buSzTx/>
+                        <a:buFontTx/>
+                        <a:buNone/>
+                        <a:tabLst/>
+                      </a:pPr>
+                      <a:r>
+                        <a:rPr kumimoji="1" lang="en-US" altLang="zh-TW" sz="1600" b="1" i="0" u="none" strike="noStrike" cap="none" normalizeH="0" baseline="0">
+                          <a:ln>
+                            <a:noFill/>
+                          </a:ln>
+                          <a:solidFill>
+                            <a:schemeClr val="tx1"/>
+                          </a:solidFill>
+                          <a:effectLst/>
+                          <a:latin typeface="Consolas" pitchFamily="49" charset="0"/>
+                          <a:ea typeface="新細明體" pitchFamily="18" charset="-120"/>
+                        </a:rPr>
+                        <a:t>bind()</a:t>
+                      </a:r>
+                    </a:p>
+                  </a:txBody>
+                  <a:tcPr marT="91440" marB="91440" horzOverflow="overflow">
+                    <a:lnL w="12700" cap="flat" cmpd="sng" algn="ctr">
+                      <a:solidFill>
+                        <a:schemeClr val="tx1"/>
+                      </a:solidFill>
+                      <a:prstDash val="solid"/>
+                      <a:round/>
+                      <a:headEnd type="none" w="med" len="med"/>
+                      <a:tailEnd type="none" w="med" len="med"/>
+                    </a:lnL>
+                    <a:lnR w="28575" cap="flat" cmpd="sng" algn="ctr">
+                      <a:solidFill>
+                        <a:schemeClr val="tx1"/>
+                      </a:solidFill>
+                      <a:prstDash val="solid"/>
+                      <a:round/>
+                      <a:headEnd type="none" w="med" len="med"/>
+                      <a:tailEnd type="none" w="med" len="med"/>
+                    </a:lnR>
+                    <a:lnT w="12700" cap="flat" cmpd="sng" algn="ctr">
+                      <a:solidFill>
+                        <a:schemeClr val="tx1"/>
+                      </a:solidFill>
+                      <a:prstDash val="solid"/>
+                      <a:round/>
+                      <a:headEnd type="none" w="med" len="med"/>
+                      <a:tailEnd type="none" w="med" len="med"/>
+                    </a:lnT>
+                    <a:lnB w="12700" cap="flat" cmpd="sng" algn="ctr">
+                      <a:solidFill>
+                        <a:schemeClr val="tx1"/>
+                      </a:solidFill>
+                      <a:prstDash val="solid"/>
+                      <a:round/>
+                      <a:headEnd type="none" w="med" len="med"/>
+                      <a:tailEnd type="none" w="med" len="med"/>
+                    </a:lnB>
+                    <a:lnTlToBr>
+                      <a:noFill/>
+                    </a:lnTlToBr>
+                    <a:lnBlToTr>
+                      <a:noFill/>
+                    </a:lnBlToTr>
+                    <a:solidFill>
+                      <a:schemeClr val="bg1"/>
+                    </a:solidFill>
+                  </a:tcPr>
+                </a:tc>
+                <a:extLst>
+                  <a:ext uri="{0D108BD9-81ED-4DB2-BD59-A6C34878D82A}">
+                    <a16:rowId xmlns:a16="http://schemas.microsoft.com/office/drawing/2014/main" val="10003"/>
+                  </a:ext>
+                </a:extLst>
+              </a:tr>
+              <a:tr h="320675">
+                <a:tc>
+                  <a:txBody>
+                    <a:bodyPr/>
+                    <a:lstStyle/>
+                    <a:p>
+                      <a:pPr marL="0" marR="0" lvl="0" indent="0" algn="ctr" defTabSz="914400" rtl="0" eaLnBrk="1" fontAlgn="base" latinLnBrk="0" hangingPunct="1">
+                        <a:lnSpc>
+                          <a:spcPct val="100000"/>
+                        </a:lnSpc>
+                        <a:spcBef>
+                          <a:spcPct val="20000"/>
+                        </a:spcBef>
+                        <a:spcAft>
+                          <a:spcPct val="0"/>
+                        </a:spcAft>
+                        <a:buClrTx/>
+                        <a:buSzTx/>
+                        <a:buFontTx/>
+                        <a:buNone/>
+                        <a:tabLst/>
+                      </a:pPr>
+                      <a:r>
+                        <a:rPr kumimoji="1" lang="en-US" altLang="zh-TW" sz="1600" b="1" i="0" u="none" strike="noStrike" cap="none" normalizeH="0" baseline="0">
+                          <a:ln>
+                            <a:noFill/>
+                          </a:ln>
+                          <a:solidFill>
+                            <a:schemeClr val="tx1"/>
+                          </a:solidFill>
+                          <a:effectLst/>
+                          <a:latin typeface="Consolas" pitchFamily="49" charset="0"/>
+                          <a:ea typeface="新細明體" pitchFamily="18" charset="-120"/>
+                        </a:rPr>
+                        <a:t>connect()</a:t>
+                      </a:r>
+                    </a:p>
+                  </a:txBody>
+                  <a:tcPr marT="91440" marB="91440" horzOverflow="overflow">
+                    <a:lnL w="28575" cap="flat" cmpd="sng" algn="ctr">
+                      <a:solidFill>
+                        <a:schemeClr val="tx1"/>
+                      </a:solidFill>
+                      <a:prstDash val="solid"/>
+                      <a:round/>
+                      <a:headEnd type="none" w="med" len="med"/>
+                      <a:tailEnd type="none" w="med" len="med"/>
+                    </a:lnL>
+                    <a:lnR w="12700" cap="flat" cmpd="sng" algn="ctr">
+                      <a:solidFill>
+                        <a:schemeClr val="tx1"/>
+                      </a:solidFill>
+                      <a:prstDash val="solid"/>
+                      <a:round/>
+                      <a:headEnd type="none" w="med" len="med"/>
+                      <a:tailEnd type="none" w="med" len="med"/>
+                    </a:lnR>
+                    <a:lnT w="12700" cap="flat" cmpd="sng" algn="ctr">
+                      <a:solidFill>
+                        <a:schemeClr val="tx1"/>
+                      </a:solidFill>
+                      <a:prstDash val="solid"/>
+                      <a:round/>
+                      <a:headEnd type="none" w="med" len="med"/>
+                      <a:tailEnd type="none" w="med" len="med"/>
+                    </a:lnT>
+                    <a:lnB w="28575" cap="flat" cmpd="sng" algn="ctr">
+                      <a:solidFill>
+                        <a:schemeClr val="tx1"/>
+                      </a:solidFill>
+                      <a:prstDash val="solid"/>
+                      <a:round/>
+                      <a:headEnd type="none" w="med" len="med"/>
+                      <a:tailEnd type="none" w="med" len="med"/>
+                    </a:lnB>
+                    <a:lnTlToBr>
+                      <a:noFill/>
+                    </a:lnTlToBr>
+                    <a:lnBlToTr>
+                      <a:noFill/>
+                    </a:lnBlToTr>
+                    <a:solidFill>
+                      <a:schemeClr val="bg1"/>
+                    </a:solidFill>
+                  </a:tcPr>
+                </a:tc>
+                <a:tc>
+                  <a:txBody>
+                    <a:bodyPr/>
+                    <a:lstStyle/>
+                    <a:p>
+                      <a:pPr marL="0" marR="0" lvl="0" indent="0" algn="ctr" defTabSz="914400" rtl="0" eaLnBrk="1" fontAlgn="base" latinLnBrk="0" hangingPunct="1">
+                        <a:lnSpc>
+                          <a:spcPct val="100000"/>
+                        </a:lnSpc>
+                        <a:spcBef>
+                          <a:spcPct val="20000"/>
+                        </a:spcBef>
+                        <a:spcAft>
+                          <a:spcPct val="0"/>
+                        </a:spcAft>
+                        <a:buClrTx/>
+                        <a:buSzTx/>
+                        <a:buFontTx/>
+                        <a:buNone/>
+                        <a:tabLst/>
+                      </a:pPr>
+                      <a:r>
+                        <a:rPr kumimoji="1" lang="en-US" altLang="zh-TW" sz="1600" b="1" i="0" u="none" strike="noStrike" cap="none" normalizeH="0" baseline="0" dirty="0">
+                          <a:ln>
+                            <a:noFill/>
+                          </a:ln>
+                          <a:solidFill>
+                            <a:schemeClr val="tx1"/>
+                          </a:solidFill>
+                          <a:effectLst/>
+                          <a:latin typeface="Consolas" pitchFamily="49" charset="0"/>
+                          <a:ea typeface="新細明體" pitchFamily="18" charset="-120"/>
+                        </a:rPr>
+                        <a:t>listen() and accept()</a:t>
+                      </a:r>
+                    </a:p>
+                  </a:txBody>
+                  <a:tcPr marT="91440" marB="91440" horzOverflow="overflow">
+                    <a:lnL w="12700" cap="flat" cmpd="sng" algn="ctr">
+                      <a:solidFill>
+                        <a:schemeClr val="tx1"/>
+                      </a:solidFill>
+                      <a:prstDash val="solid"/>
+                      <a:round/>
+                      <a:headEnd type="none" w="med" len="med"/>
+                      <a:tailEnd type="none" w="med" len="med"/>
+                    </a:lnL>
+                    <a:lnR w="28575" cap="flat" cmpd="sng" algn="ctr">
+                      <a:solidFill>
+                        <a:schemeClr val="tx1"/>
+                      </a:solidFill>
+                      <a:prstDash val="solid"/>
+                      <a:round/>
+                      <a:headEnd type="none" w="med" len="med"/>
+                      <a:tailEnd type="none" w="med" len="med"/>
+                    </a:lnR>
+                    <a:lnT w="12700" cap="flat" cmpd="sng" algn="ctr">
+                      <a:solidFill>
+                        <a:schemeClr val="tx1"/>
+                      </a:solidFill>
+                      <a:prstDash val="solid"/>
+                      <a:round/>
+                      <a:headEnd type="none" w="med" len="med"/>
+                      <a:tailEnd type="none" w="med" len="med"/>
+                    </a:lnT>
+                    <a:lnB w="28575" cap="flat" cmpd="sng" algn="ctr">
+                      <a:solidFill>
+                        <a:schemeClr val="tx1"/>
+                      </a:solidFill>
+                      <a:prstDash val="solid"/>
+                      <a:round/>
+                      <a:headEnd type="none" w="med" len="med"/>
+                      <a:tailEnd type="none" w="med" len="med"/>
+                    </a:lnB>
+                    <a:lnTlToBr>
+                      <a:noFill/>
+                    </a:lnTlToBr>
+                    <a:lnBlToTr>
+                      <a:noFill/>
+                    </a:lnBlToTr>
+                    <a:solidFill>
+                      <a:schemeClr val="bg1"/>
+                    </a:solidFill>
+                  </a:tcPr>
+                </a:tc>
+                <a:extLst>
+                  <a:ext uri="{0D108BD9-81ED-4DB2-BD59-A6C34878D82A}">
+                    <a16:rowId xmlns:a16="http://schemas.microsoft.com/office/drawing/2014/main" val="10004"/>
+                  </a:ext>
+                </a:extLst>
+              </a:tr>
+            </a:tbl>
+          </a:graphicData>
+        </a:graphic>
+      </p:graphicFrame>
+      <p:sp>
+        <p:nvSpPr>
+          <p:cNvPr id="26" name="Text Box 23">
+            <a:extLst>
+              <a:ext uri="{FF2B5EF4-FFF2-40B4-BE49-F238E27FC236}">
+                <a16:creationId xmlns:a16="http://schemas.microsoft.com/office/drawing/2014/main" id="{7A54562F-34E2-483C-B5CF-18BB05D38594}"/>
+              </a:ext>
+            </a:extLst>
+          </p:cNvPr>
+          <p:cNvSpPr txBox="1">
+            <a:spLocks noChangeArrowheads="1"/>
+          </p:cNvSpPr>
+          <p:nvPr/>
+        </p:nvSpPr>
+        <p:spPr bwMode="auto">
+          <a:xfrm>
+            <a:off x="9289473" y="6553200"/>
+            <a:ext cx="1624013" cy="284163"/>
+          </a:xfrm>
+          <a:prstGeom prst="rect">
+            <a:avLst/>
+          </a:prstGeom>
+          <a:noFill/>
+          <a:ln w="9525">
+            <a:solidFill>
+              <a:schemeClr val="tx1"/>
+            </a:solidFill>
+            <a:miter lim="800000"/>
+            <a:headEnd/>
+            <a:tailEnd/>
+          </a:ln>
+        </p:spPr>
+        <p:txBody>
+          <a:bodyPr wrap="none">
+            <a:spAutoFit/>
+          </a:bodyPr>
+          <a:lstStyle/>
+          <a:p>
+            <a:r>
+              <a:rPr lang="en-US" altLang="zh-TW" sz="1200" b="1">
+                <a:latin typeface="Consolas" pitchFamily="49" charset="0"/>
+              </a:rPr>
+              <a:t>* means optional.</a:t>
+            </a:r>
+          </a:p>
+        </p:txBody>
+      </p:sp>
+      <p:sp>
+        <p:nvSpPr>
+          <p:cNvPr id="28" name="Text Box 25">
+            <a:extLst>
+              <a:ext uri="{FF2B5EF4-FFF2-40B4-BE49-F238E27FC236}">
+                <a16:creationId xmlns:a16="http://schemas.microsoft.com/office/drawing/2014/main" id="{B349E0B2-B1CC-4E2B-8A05-26F655F0CC74}"/>
+              </a:ext>
+            </a:extLst>
+          </p:cNvPr>
+          <p:cNvSpPr txBox="1">
+            <a:spLocks noChangeArrowheads="1"/>
+          </p:cNvSpPr>
+          <p:nvPr/>
+        </p:nvSpPr>
+        <p:spPr bwMode="auto">
+          <a:xfrm>
+            <a:off x="3879273" y="1731963"/>
+            <a:ext cx="1196975" cy="376237"/>
+          </a:xfrm>
+          <a:prstGeom prst="rect">
+            <a:avLst/>
+          </a:prstGeom>
+          <a:solidFill>
+            <a:srgbClr val="FFFF99"/>
+          </a:solidFill>
+          <a:ln w="9525">
+            <a:solidFill>
+              <a:schemeClr val="tx1"/>
+            </a:solidFill>
+            <a:miter lim="800000"/>
+            <a:headEnd/>
+            <a:tailEnd/>
+          </a:ln>
+        </p:spPr>
+        <p:txBody>
+          <a:bodyPr wrap="none">
+            <a:spAutoFit/>
+          </a:bodyPr>
+          <a:lstStyle/>
+          <a:p>
+            <a:r>
+              <a:rPr lang="en-US" altLang="zh-TW" b="1">
+                <a:latin typeface="Consolas" pitchFamily="49" charset="0"/>
+              </a:rPr>
+              <a:t>socket()</a:t>
+            </a:r>
+          </a:p>
+        </p:txBody>
+      </p:sp>
+      <p:sp>
+        <p:nvSpPr>
+          <p:cNvPr id="29" name="Text Box 26">
+            <a:extLst>
+              <a:ext uri="{FF2B5EF4-FFF2-40B4-BE49-F238E27FC236}">
+                <a16:creationId xmlns:a16="http://schemas.microsoft.com/office/drawing/2014/main" id="{5F967E97-62E0-49CC-9B1F-80CF9AFA4616}"/>
+              </a:ext>
+            </a:extLst>
+          </p:cNvPr>
+          <p:cNvSpPr txBox="1">
+            <a:spLocks noChangeArrowheads="1"/>
+          </p:cNvSpPr>
+          <p:nvPr/>
+        </p:nvSpPr>
+        <p:spPr bwMode="auto">
+          <a:xfrm>
+            <a:off x="7613073" y="1731963"/>
+            <a:ext cx="1322388" cy="376237"/>
+          </a:xfrm>
+          <a:prstGeom prst="rect">
+            <a:avLst/>
+          </a:prstGeom>
+          <a:solidFill>
+            <a:srgbClr val="FFFF99"/>
+          </a:solidFill>
+          <a:ln w="9525">
+            <a:solidFill>
+              <a:schemeClr val="tx1"/>
+            </a:solidFill>
+            <a:miter lim="800000"/>
+            <a:headEnd/>
+            <a:tailEnd/>
+          </a:ln>
+        </p:spPr>
+        <p:txBody>
+          <a:bodyPr wrap="none">
+            <a:spAutoFit/>
+          </a:bodyPr>
+          <a:lstStyle/>
+          <a:p>
+            <a:r>
+              <a:rPr lang="en-US" altLang="zh-TW" b="1">
+                <a:latin typeface="Consolas" pitchFamily="49" charset="0"/>
+              </a:rPr>
+              <a:t>connect()</a:t>
+            </a:r>
+          </a:p>
+        </p:txBody>
+      </p:sp>
+      <p:sp>
+        <p:nvSpPr>
+          <p:cNvPr id="30" name="Text Box 27">
+            <a:extLst>
+              <a:ext uri="{FF2B5EF4-FFF2-40B4-BE49-F238E27FC236}">
+                <a16:creationId xmlns:a16="http://schemas.microsoft.com/office/drawing/2014/main" id="{36394CA4-56E8-4F71-BF9C-8942D3D99C29}"/>
+              </a:ext>
+            </a:extLst>
+          </p:cNvPr>
+          <p:cNvSpPr txBox="1">
+            <a:spLocks noChangeArrowheads="1"/>
+          </p:cNvSpPr>
+          <p:nvPr/>
+        </p:nvSpPr>
+        <p:spPr bwMode="auto">
+          <a:xfrm>
+            <a:off x="10045123" y="1579563"/>
+            <a:ext cx="946150" cy="376237"/>
+          </a:xfrm>
+          <a:prstGeom prst="rect">
+            <a:avLst/>
+          </a:prstGeom>
+          <a:solidFill>
+            <a:srgbClr val="FFFF99"/>
+          </a:solidFill>
+          <a:ln w="9525">
+            <a:solidFill>
+              <a:schemeClr val="tx1"/>
+            </a:solidFill>
+            <a:miter lim="800000"/>
+            <a:headEnd/>
+            <a:tailEnd/>
+          </a:ln>
+        </p:spPr>
+        <p:txBody>
+          <a:bodyPr wrap="none">
+            <a:spAutoFit/>
+          </a:bodyPr>
+          <a:lstStyle/>
+          <a:p>
+            <a:r>
+              <a:rPr lang="en-US" altLang="zh-TW" b="1">
+                <a:latin typeface="Consolas" pitchFamily="49" charset="0"/>
+              </a:rPr>
+              <a:t>read()</a:t>
+            </a:r>
+          </a:p>
+        </p:txBody>
+      </p:sp>
+      <p:sp>
+        <p:nvSpPr>
+          <p:cNvPr id="31" name="Text Box 28">
+            <a:extLst>
+              <a:ext uri="{FF2B5EF4-FFF2-40B4-BE49-F238E27FC236}">
+                <a16:creationId xmlns:a16="http://schemas.microsoft.com/office/drawing/2014/main" id="{4F254A27-E9B8-4605-B129-6E3DCF15A37B}"/>
+              </a:ext>
+            </a:extLst>
+          </p:cNvPr>
+          <p:cNvSpPr txBox="1">
+            <a:spLocks noChangeArrowheads="1"/>
+          </p:cNvSpPr>
+          <p:nvPr/>
+        </p:nvSpPr>
+        <p:spPr bwMode="auto">
+          <a:xfrm>
+            <a:off x="10197523" y="2193925"/>
+            <a:ext cx="1071563" cy="376238"/>
+          </a:xfrm>
+          <a:prstGeom prst="rect">
+            <a:avLst/>
+          </a:prstGeom>
+          <a:solidFill>
+            <a:srgbClr val="FFFF99"/>
+          </a:solidFill>
+          <a:ln w="9525">
+            <a:solidFill>
+              <a:schemeClr val="tx1"/>
+            </a:solidFill>
+            <a:miter lim="800000"/>
+            <a:headEnd/>
+            <a:tailEnd/>
+          </a:ln>
+        </p:spPr>
+        <p:txBody>
+          <a:bodyPr wrap="none">
+            <a:spAutoFit/>
+          </a:bodyPr>
+          <a:lstStyle/>
+          <a:p>
+            <a:r>
+              <a:rPr lang="en-US" altLang="zh-TW" b="1">
+                <a:latin typeface="Consolas" pitchFamily="49" charset="0"/>
+              </a:rPr>
+              <a:t>write()</a:t>
+            </a:r>
+          </a:p>
+        </p:txBody>
+      </p:sp>
+      <p:sp>
+        <p:nvSpPr>
+          <p:cNvPr id="32" name="Line 29">
+            <a:extLst>
+              <a:ext uri="{FF2B5EF4-FFF2-40B4-BE49-F238E27FC236}">
+                <a16:creationId xmlns:a16="http://schemas.microsoft.com/office/drawing/2014/main" id="{EE022D9B-70C9-49F4-867D-EB2F6CE90012}"/>
+              </a:ext>
+            </a:extLst>
+          </p:cNvPr>
+          <p:cNvSpPr>
+            <a:spLocks noChangeShapeType="1"/>
+          </p:cNvSpPr>
+          <p:nvPr/>
+        </p:nvSpPr>
+        <p:spPr bwMode="auto">
+          <a:xfrm>
+            <a:off x="5250873" y="1898650"/>
+            <a:ext cx="457200" cy="0"/>
+          </a:xfrm>
+          <a:prstGeom prst="line">
+            <a:avLst/>
+          </a:prstGeom>
+          <a:noFill/>
+          <a:ln w="9525">
+            <a:solidFill>
+              <a:schemeClr val="tx1"/>
+            </a:solidFill>
+            <a:round/>
+            <a:headEnd/>
+            <a:tailEnd type="triangle" w="med" len="med"/>
+          </a:ln>
+        </p:spPr>
+        <p:txBody>
+          <a:bodyPr/>
+          <a:lstStyle/>
+          <a:p>
+            <a:endParaRPr lang="en-US"/>
+          </a:p>
+        </p:txBody>
+      </p:sp>
+      <p:sp>
+        <p:nvSpPr>
+          <p:cNvPr id="33" name="Text Box 30">
+            <a:extLst>
+              <a:ext uri="{FF2B5EF4-FFF2-40B4-BE49-F238E27FC236}">
+                <a16:creationId xmlns:a16="http://schemas.microsoft.com/office/drawing/2014/main" id="{5C981432-1053-4886-994D-96FD62A43136}"/>
+              </a:ext>
+            </a:extLst>
+          </p:cNvPr>
+          <p:cNvSpPr txBox="1">
+            <a:spLocks noChangeArrowheads="1"/>
+          </p:cNvSpPr>
+          <p:nvPr/>
+        </p:nvSpPr>
+        <p:spPr bwMode="auto">
+          <a:xfrm>
+            <a:off x="5860473" y="1731963"/>
+            <a:ext cx="946150" cy="376237"/>
+          </a:xfrm>
+          <a:prstGeom prst="rect">
+            <a:avLst/>
+          </a:prstGeom>
+          <a:solidFill>
+            <a:srgbClr val="FFFF99"/>
+          </a:solidFill>
+          <a:ln w="9525">
+            <a:solidFill>
+              <a:schemeClr val="tx1"/>
+            </a:solidFill>
+            <a:miter lim="800000"/>
+            <a:headEnd/>
+            <a:tailEnd/>
+          </a:ln>
+        </p:spPr>
+        <p:txBody>
+          <a:bodyPr wrap="none">
+            <a:spAutoFit/>
+          </a:bodyPr>
+          <a:lstStyle/>
+          <a:p>
+            <a:r>
+              <a:rPr lang="en-US" altLang="zh-TW" b="1">
+                <a:latin typeface="Consolas" pitchFamily="49" charset="0"/>
+              </a:rPr>
+              <a:t>bind()</a:t>
+            </a:r>
+          </a:p>
+        </p:txBody>
+      </p:sp>
+      <p:sp>
+        <p:nvSpPr>
+          <p:cNvPr id="34" name="Line 31">
+            <a:extLst>
+              <a:ext uri="{FF2B5EF4-FFF2-40B4-BE49-F238E27FC236}">
+                <a16:creationId xmlns:a16="http://schemas.microsoft.com/office/drawing/2014/main" id="{D03A8788-6318-45CC-ABD4-27871781EA33}"/>
+              </a:ext>
+            </a:extLst>
+          </p:cNvPr>
+          <p:cNvSpPr>
+            <a:spLocks noChangeShapeType="1"/>
+          </p:cNvSpPr>
+          <p:nvPr/>
+        </p:nvSpPr>
+        <p:spPr bwMode="auto">
+          <a:xfrm>
+            <a:off x="7003473" y="1898650"/>
+            <a:ext cx="457200" cy="0"/>
+          </a:xfrm>
+          <a:prstGeom prst="line">
+            <a:avLst/>
+          </a:prstGeom>
+          <a:noFill/>
+          <a:ln w="9525">
+            <a:solidFill>
+              <a:schemeClr val="tx1"/>
+            </a:solidFill>
+            <a:round/>
+            <a:headEnd/>
+            <a:tailEnd type="triangle" w="med" len="med"/>
+          </a:ln>
+        </p:spPr>
+        <p:txBody>
+          <a:bodyPr/>
+          <a:lstStyle/>
+          <a:p>
+            <a:endParaRPr lang="en-US"/>
+          </a:p>
+        </p:txBody>
+      </p:sp>
+      <p:sp>
+        <p:nvSpPr>
+          <p:cNvPr id="35" name="Line 32">
+            <a:extLst>
+              <a:ext uri="{FF2B5EF4-FFF2-40B4-BE49-F238E27FC236}">
+                <a16:creationId xmlns:a16="http://schemas.microsoft.com/office/drawing/2014/main" id="{6BC02E92-741B-4076-9CA5-EE3BF3B45AF2}"/>
+              </a:ext>
+            </a:extLst>
+          </p:cNvPr>
+          <p:cNvSpPr>
+            <a:spLocks noChangeShapeType="1"/>
+          </p:cNvSpPr>
+          <p:nvPr/>
+        </p:nvSpPr>
+        <p:spPr bwMode="auto">
+          <a:xfrm flipV="1">
+            <a:off x="9137073" y="1746250"/>
+            <a:ext cx="838200" cy="152400"/>
+          </a:xfrm>
+          <a:prstGeom prst="line">
+            <a:avLst/>
+          </a:prstGeom>
+          <a:noFill/>
+          <a:ln w="9525">
+            <a:solidFill>
+              <a:schemeClr val="tx1"/>
+            </a:solidFill>
+            <a:round/>
+            <a:headEnd/>
+            <a:tailEnd type="triangle" w="med" len="med"/>
+          </a:ln>
+        </p:spPr>
+        <p:txBody>
+          <a:bodyPr/>
+          <a:lstStyle/>
+          <a:p>
+            <a:endParaRPr lang="en-US"/>
+          </a:p>
+        </p:txBody>
+      </p:sp>
+      <p:sp>
+        <p:nvSpPr>
+          <p:cNvPr id="36" name="Line 33">
+            <a:extLst>
+              <a:ext uri="{FF2B5EF4-FFF2-40B4-BE49-F238E27FC236}">
+                <a16:creationId xmlns:a16="http://schemas.microsoft.com/office/drawing/2014/main" id="{02BCE078-78EF-4D78-8F82-5AFC53B73CCD}"/>
+              </a:ext>
+            </a:extLst>
+          </p:cNvPr>
+          <p:cNvSpPr>
+            <a:spLocks noChangeShapeType="1"/>
+          </p:cNvSpPr>
+          <p:nvPr/>
+        </p:nvSpPr>
+        <p:spPr bwMode="auto">
+          <a:xfrm>
+            <a:off x="9213273" y="1974850"/>
+            <a:ext cx="914400" cy="381000"/>
+          </a:xfrm>
+          <a:prstGeom prst="line">
+            <a:avLst/>
+          </a:prstGeom>
+          <a:noFill/>
+          <a:ln w="9525">
+            <a:solidFill>
+              <a:schemeClr val="tx1"/>
+            </a:solidFill>
+            <a:round/>
+            <a:headEnd/>
+            <a:tailEnd type="triangle" w="med" len="med"/>
+          </a:ln>
+        </p:spPr>
+        <p:txBody>
+          <a:bodyPr/>
+          <a:lstStyle/>
+          <a:p>
+            <a:endParaRPr lang="en-US"/>
+          </a:p>
+        </p:txBody>
+      </p:sp>
+      <p:sp>
+        <p:nvSpPr>
+          <p:cNvPr id="37" name="Text Box 34">
+            <a:extLst>
+              <a:ext uri="{FF2B5EF4-FFF2-40B4-BE49-F238E27FC236}">
+                <a16:creationId xmlns:a16="http://schemas.microsoft.com/office/drawing/2014/main" id="{54855DA5-3B7B-400A-85BC-4B77A3CAA497}"/>
+              </a:ext>
+            </a:extLst>
+          </p:cNvPr>
+          <p:cNvSpPr txBox="1">
+            <a:spLocks noChangeArrowheads="1"/>
+          </p:cNvSpPr>
+          <p:nvPr/>
+        </p:nvSpPr>
+        <p:spPr bwMode="auto">
+          <a:xfrm>
+            <a:off x="3803073" y="2427288"/>
+            <a:ext cx="1866900" cy="314325"/>
+          </a:xfrm>
+          <a:prstGeom prst="rect">
+            <a:avLst/>
+          </a:prstGeom>
+          <a:solidFill>
+            <a:schemeClr val="bg1"/>
+          </a:solidFill>
+          <a:ln w="9525">
+            <a:solidFill>
+              <a:srgbClr val="FF3300"/>
+            </a:solidFill>
+            <a:miter lim="800000"/>
+            <a:headEnd/>
+            <a:tailEnd/>
+          </a:ln>
+        </p:spPr>
+        <p:txBody>
+          <a:bodyPr wrap="none">
+            <a:spAutoFit/>
+          </a:bodyPr>
+          <a:lstStyle/>
+          <a:p>
+            <a:r>
+              <a:rPr lang="en-US" altLang="zh-TW" sz="1400" b="1">
+                <a:latin typeface="Consolas" pitchFamily="49" charset="0"/>
+              </a:rPr>
+              <a:t>Client flow chart</a:t>
+            </a:r>
+          </a:p>
+        </p:txBody>
+      </p:sp>
+      <p:sp>
+        <p:nvSpPr>
+          <p:cNvPr id="39" name="Text Box 35">
+            <a:extLst>
+              <a:ext uri="{FF2B5EF4-FFF2-40B4-BE49-F238E27FC236}">
+                <a16:creationId xmlns:a16="http://schemas.microsoft.com/office/drawing/2014/main" id="{0BA18B2A-53F2-429B-94D1-4347D91C8727}"/>
+              </a:ext>
+            </a:extLst>
+          </p:cNvPr>
+          <p:cNvSpPr txBox="1">
+            <a:spLocks noChangeArrowheads="1"/>
+          </p:cNvSpPr>
+          <p:nvPr/>
+        </p:nvSpPr>
+        <p:spPr bwMode="auto">
+          <a:xfrm>
+            <a:off x="3710998" y="3205163"/>
+            <a:ext cx="4054475" cy="677862"/>
+          </a:xfrm>
+          <a:prstGeom prst="rect">
+            <a:avLst/>
+          </a:prstGeom>
+          <a:solidFill>
+            <a:schemeClr val="bg1"/>
+          </a:solidFill>
+          <a:ln w="9525">
+            <a:solidFill>
+              <a:srgbClr val="000000"/>
+            </a:solidFill>
+            <a:miter lim="800000"/>
+            <a:headEnd/>
+            <a:tailEnd/>
+          </a:ln>
+          <a:effectLst/>
+        </p:spPr>
+        <p:txBody>
+          <a:bodyPr tIns="91440" bIns="91440">
+            <a:spAutoFit/>
+          </a:bodyPr>
+          <a:lstStyle/>
+          <a:p>
+            <a:pPr fontAlgn="auto">
+              <a:spcBef>
+                <a:spcPts val="0"/>
+              </a:spcBef>
+              <a:spcAft>
+                <a:spcPts val="0"/>
+              </a:spcAft>
+              <a:defRPr/>
+            </a:pPr>
+            <a:r>
+              <a:rPr kumimoji="0" lang="en-US" altLang="zh-TW" sz="1600" kern="0" dirty="0">
+                <a:solidFill>
+                  <a:sysClr val="windowText" lastClr="000000"/>
+                </a:solidFill>
+                <a:latin typeface="Calibri" pitchFamily="34" charset="0"/>
+              </a:rPr>
+              <a:t>Step (1). </a:t>
+            </a:r>
+            <a:r>
+              <a:rPr kumimoji="0" lang="en-US" altLang="zh-TW" sz="1600" b="1" kern="0" dirty="0">
+                <a:solidFill>
+                  <a:sysClr val="windowText" lastClr="000000"/>
+                </a:solidFill>
+                <a:latin typeface="Calibri" pitchFamily="34" charset="0"/>
+              </a:rPr>
+              <a:t>socket()</a:t>
+            </a:r>
+            <a:endParaRPr kumimoji="0" lang="en-US" altLang="zh-TW" sz="1600" kern="0" dirty="0">
+              <a:solidFill>
+                <a:sysClr val="windowText" lastClr="000000"/>
+              </a:solidFill>
+              <a:latin typeface="Calibri" pitchFamily="34" charset="0"/>
+            </a:endParaRPr>
+          </a:p>
+          <a:p>
+            <a:pPr fontAlgn="auto">
+              <a:spcBef>
+                <a:spcPts val="0"/>
+              </a:spcBef>
+              <a:spcAft>
+                <a:spcPts val="0"/>
+              </a:spcAft>
+              <a:defRPr/>
+            </a:pPr>
+            <a:r>
+              <a:rPr kumimoji="0" lang="en-US" altLang="zh-TW" sz="1600" kern="0" dirty="0">
+                <a:solidFill>
+                  <a:sysClr val="windowText" lastClr="000000"/>
+                </a:solidFill>
+                <a:latin typeface="Calibri" pitchFamily="34" charset="0"/>
+              </a:rPr>
+              <a:t>- Create a socket.</a:t>
+            </a:r>
+          </a:p>
+        </p:txBody>
+      </p:sp>
+      <p:sp>
+        <p:nvSpPr>
+          <p:cNvPr id="40" name="Text Box 38">
+            <a:extLst>
+              <a:ext uri="{FF2B5EF4-FFF2-40B4-BE49-F238E27FC236}">
+                <a16:creationId xmlns:a16="http://schemas.microsoft.com/office/drawing/2014/main" id="{4FD705B2-E615-4486-8E51-8D9E89067FCE}"/>
+              </a:ext>
+            </a:extLst>
+          </p:cNvPr>
+          <p:cNvSpPr txBox="1">
+            <a:spLocks noChangeArrowheads="1"/>
+          </p:cNvSpPr>
+          <p:nvPr/>
+        </p:nvSpPr>
+        <p:spPr bwMode="auto">
+          <a:xfrm>
+            <a:off x="3726873" y="4029075"/>
+            <a:ext cx="4054475" cy="1169988"/>
+          </a:xfrm>
+          <a:prstGeom prst="rect">
+            <a:avLst/>
+          </a:prstGeom>
+          <a:solidFill>
+            <a:schemeClr val="bg1"/>
+          </a:solidFill>
+          <a:ln w="9525">
+            <a:solidFill>
+              <a:srgbClr val="000000"/>
+            </a:solidFill>
+            <a:miter lim="800000"/>
+            <a:headEnd/>
+            <a:tailEnd/>
+          </a:ln>
+          <a:effectLst/>
+        </p:spPr>
+        <p:txBody>
+          <a:bodyPr tIns="91440" bIns="91440">
+            <a:spAutoFit/>
+          </a:bodyPr>
+          <a:lstStyle/>
+          <a:p>
+            <a:pPr fontAlgn="auto">
+              <a:spcBef>
+                <a:spcPts val="0"/>
+              </a:spcBef>
+              <a:spcAft>
+                <a:spcPts val="0"/>
+              </a:spcAft>
+              <a:defRPr/>
+            </a:pPr>
+            <a:r>
+              <a:rPr kumimoji="0" lang="en-US" altLang="zh-TW" sz="1600" kern="0" dirty="0">
+                <a:solidFill>
+                  <a:sysClr val="windowText" lastClr="000000"/>
+                </a:solidFill>
+                <a:latin typeface="Calibri" pitchFamily="34" charset="0"/>
+              </a:rPr>
+              <a:t>Step (2). </a:t>
+            </a:r>
+            <a:r>
+              <a:rPr kumimoji="0" lang="en-US" altLang="zh-TW" sz="1600" b="1" kern="0" dirty="0">
+                <a:solidFill>
+                  <a:sysClr val="windowText" lastClr="000000"/>
+                </a:solidFill>
+                <a:latin typeface="Calibri" pitchFamily="34" charset="0"/>
+              </a:rPr>
+              <a:t>bind() [optional]</a:t>
+            </a:r>
+            <a:endParaRPr kumimoji="0" lang="en-US" altLang="zh-TW" sz="1600" kern="0" dirty="0">
+              <a:solidFill>
+                <a:sysClr val="windowText" lastClr="000000"/>
+              </a:solidFill>
+              <a:latin typeface="Calibri" pitchFamily="34" charset="0"/>
+            </a:endParaRPr>
+          </a:p>
+          <a:p>
+            <a:pPr fontAlgn="auto">
+              <a:spcBef>
+                <a:spcPts val="0"/>
+              </a:spcBef>
+              <a:spcAft>
+                <a:spcPts val="0"/>
+              </a:spcAft>
+              <a:defRPr/>
+            </a:pPr>
+            <a:r>
+              <a:rPr kumimoji="0" lang="en-US" altLang="zh-TW" sz="1600" kern="0" dirty="0">
+                <a:solidFill>
+                  <a:sysClr val="windowText" lastClr="000000"/>
+                </a:solidFill>
+                <a:latin typeface="Calibri" pitchFamily="34" charset="0"/>
+              </a:rPr>
+              <a:t>- Assign the socket a port number.</a:t>
+            </a:r>
+          </a:p>
+          <a:p>
+            <a:pPr fontAlgn="auto">
+              <a:spcBef>
+                <a:spcPts val="0"/>
+              </a:spcBef>
+              <a:spcAft>
+                <a:spcPts val="0"/>
+              </a:spcAft>
+              <a:defRPr/>
+            </a:pPr>
+            <a:r>
+              <a:rPr kumimoji="0" lang="en-US" altLang="zh-TW" sz="1600" kern="0" dirty="0">
+                <a:solidFill>
+                  <a:sysClr val="windowText" lastClr="000000"/>
+                </a:solidFill>
+                <a:latin typeface="Calibri" pitchFamily="34" charset="0"/>
+              </a:rPr>
+              <a:t>- Skip this step and will have a random port number assigned.</a:t>
+            </a:r>
+          </a:p>
+        </p:txBody>
+      </p:sp>
+      <p:sp>
+        <p:nvSpPr>
+          <p:cNvPr id="41" name="Text Box 39">
+            <a:extLst>
+              <a:ext uri="{FF2B5EF4-FFF2-40B4-BE49-F238E27FC236}">
+                <a16:creationId xmlns:a16="http://schemas.microsoft.com/office/drawing/2014/main" id="{425660A0-F0FC-4EAD-8E96-5425A334D0A0}"/>
+              </a:ext>
+            </a:extLst>
+          </p:cNvPr>
+          <p:cNvSpPr txBox="1">
+            <a:spLocks noChangeArrowheads="1"/>
+          </p:cNvSpPr>
+          <p:nvPr/>
+        </p:nvSpPr>
+        <p:spPr bwMode="auto">
+          <a:xfrm>
+            <a:off x="3726873" y="5327650"/>
+            <a:ext cx="4054475" cy="923925"/>
+          </a:xfrm>
+          <a:prstGeom prst="rect">
+            <a:avLst/>
+          </a:prstGeom>
+          <a:solidFill>
+            <a:schemeClr val="bg1"/>
+          </a:solidFill>
+          <a:ln w="9525">
+            <a:solidFill>
+              <a:srgbClr val="000000"/>
+            </a:solidFill>
+            <a:miter lim="800000"/>
+            <a:headEnd/>
+            <a:tailEnd/>
+          </a:ln>
+          <a:effectLst/>
+        </p:spPr>
+        <p:txBody>
+          <a:bodyPr tIns="91440" bIns="91440">
+            <a:spAutoFit/>
+          </a:bodyPr>
+          <a:lstStyle/>
+          <a:p>
+            <a:pPr fontAlgn="auto">
+              <a:spcBef>
+                <a:spcPts val="0"/>
+              </a:spcBef>
+              <a:spcAft>
+                <a:spcPts val="0"/>
+              </a:spcAft>
+              <a:defRPr/>
+            </a:pPr>
+            <a:r>
+              <a:rPr kumimoji="0" lang="en-US" altLang="zh-TW" sz="1600" kern="0" dirty="0">
+                <a:solidFill>
+                  <a:sysClr val="windowText" lastClr="000000"/>
+                </a:solidFill>
+                <a:latin typeface="Calibri" pitchFamily="34" charset="0"/>
+              </a:rPr>
+              <a:t>Step (3). </a:t>
+            </a:r>
+            <a:r>
+              <a:rPr kumimoji="0" lang="en-US" altLang="zh-TW" sz="1600" b="1" kern="0" dirty="0">
+                <a:solidFill>
+                  <a:sysClr val="windowText" lastClr="000000"/>
+                </a:solidFill>
+                <a:latin typeface="Calibri" pitchFamily="34" charset="0"/>
+              </a:rPr>
+              <a:t>connect()</a:t>
+            </a:r>
+            <a:endParaRPr kumimoji="0" lang="en-US" altLang="zh-TW" sz="1600" kern="0" dirty="0">
+              <a:solidFill>
+                <a:sysClr val="windowText" lastClr="000000"/>
+              </a:solidFill>
+              <a:latin typeface="Calibri" pitchFamily="34" charset="0"/>
+            </a:endParaRPr>
+          </a:p>
+          <a:p>
+            <a:pPr fontAlgn="auto">
+              <a:spcBef>
+                <a:spcPts val="0"/>
+              </a:spcBef>
+              <a:spcAft>
+                <a:spcPts val="0"/>
+              </a:spcAft>
+              <a:defRPr/>
+            </a:pPr>
+            <a:r>
+              <a:rPr kumimoji="0" lang="en-US" altLang="zh-TW" sz="1600" kern="0" dirty="0">
+                <a:solidFill>
+                  <a:sysClr val="windowText" lastClr="000000"/>
+                </a:solidFill>
+                <a:latin typeface="Calibri" pitchFamily="34" charset="0"/>
+              </a:rPr>
+              <a:t>- Connect to the remote server.</a:t>
+            </a:r>
+          </a:p>
+          <a:p>
+            <a:pPr fontAlgn="auto">
+              <a:spcBef>
+                <a:spcPts val="0"/>
+              </a:spcBef>
+              <a:spcAft>
+                <a:spcPts val="0"/>
+              </a:spcAft>
+              <a:defRPr/>
+            </a:pPr>
+            <a:r>
+              <a:rPr kumimoji="0" lang="en-US" altLang="zh-TW" sz="1600" kern="0" dirty="0">
+                <a:solidFill>
+                  <a:sysClr val="windowText" lastClr="000000"/>
+                </a:solidFill>
+                <a:latin typeface="Calibri" pitchFamily="34" charset="0"/>
+              </a:rPr>
+              <a:t>- It is a blocking system call.</a:t>
+            </a:r>
+          </a:p>
+        </p:txBody>
+      </p:sp>
+      <p:sp>
+        <p:nvSpPr>
+          <p:cNvPr id="42" name="Text Box 40">
+            <a:extLst>
+              <a:ext uri="{FF2B5EF4-FFF2-40B4-BE49-F238E27FC236}">
+                <a16:creationId xmlns:a16="http://schemas.microsoft.com/office/drawing/2014/main" id="{B79A84F8-8051-49DE-BB9D-732F6E45B1CB}"/>
+              </a:ext>
+            </a:extLst>
+          </p:cNvPr>
+          <p:cNvSpPr txBox="1">
+            <a:spLocks noChangeArrowheads="1"/>
+          </p:cNvSpPr>
+          <p:nvPr/>
+        </p:nvSpPr>
+        <p:spPr bwMode="auto">
+          <a:xfrm>
+            <a:off x="8527473" y="3111500"/>
+            <a:ext cx="2500313" cy="830263"/>
+          </a:xfrm>
+          <a:prstGeom prst="rect">
+            <a:avLst/>
+          </a:prstGeom>
+          <a:noFill/>
+          <a:ln w="9525">
+            <a:noFill/>
+            <a:miter lim="800000"/>
+            <a:headEnd/>
+            <a:tailEnd/>
+          </a:ln>
+          <a:effectLst/>
+        </p:spPr>
+        <p:txBody>
+          <a:bodyPr wrap="none">
+            <a:spAutoFit/>
+          </a:bodyPr>
+          <a:lstStyle/>
+          <a:p>
+            <a:pPr fontAlgn="auto">
+              <a:spcBef>
+                <a:spcPts val="0"/>
+              </a:spcBef>
+              <a:spcAft>
+                <a:spcPts val="0"/>
+              </a:spcAft>
+              <a:defRPr/>
+            </a:pPr>
+            <a:r>
+              <a:rPr kumimoji="0" lang="en-US" altLang="zh-TW" sz="1600" b="1" kern="0">
+                <a:solidFill>
+                  <a:sysClr val="windowText" lastClr="000000"/>
+                </a:solidFill>
+                <a:latin typeface="Calibri" pitchFamily="34" charset="0"/>
+              </a:rPr>
+              <a:t>read()</a:t>
+            </a:r>
+            <a:r>
+              <a:rPr kumimoji="0" lang="en-US" altLang="zh-TW" sz="1600" kern="0">
+                <a:solidFill>
+                  <a:sysClr val="windowText" lastClr="000000"/>
+                </a:solidFill>
+                <a:latin typeface="Calibri" pitchFamily="34" charset="0"/>
+              </a:rPr>
+              <a:t> – to receive data.</a:t>
+            </a:r>
+          </a:p>
+          <a:p>
+            <a:pPr fontAlgn="auto">
+              <a:spcBef>
+                <a:spcPts val="0"/>
+              </a:spcBef>
+              <a:spcAft>
+                <a:spcPts val="0"/>
+              </a:spcAft>
+              <a:defRPr/>
+            </a:pPr>
+            <a:r>
+              <a:rPr kumimoji="0" lang="en-US" altLang="zh-TW" sz="1600" b="1" kern="0">
+                <a:solidFill>
+                  <a:sysClr val="windowText" lastClr="000000"/>
+                </a:solidFill>
+                <a:latin typeface="Calibri" pitchFamily="34" charset="0"/>
+              </a:rPr>
+              <a:t>write()</a:t>
+            </a:r>
+            <a:r>
+              <a:rPr kumimoji="0" lang="en-US" altLang="zh-TW" sz="1600" kern="0">
+                <a:solidFill>
+                  <a:sysClr val="windowText" lastClr="000000"/>
+                </a:solidFill>
+                <a:latin typeface="Calibri" pitchFamily="34" charset="0"/>
+              </a:rPr>
+              <a:t> – to send data.</a:t>
+            </a:r>
+          </a:p>
+          <a:p>
+            <a:pPr fontAlgn="auto">
+              <a:spcBef>
+                <a:spcPts val="0"/>
+              </a:spcBef>
+              <a:spcAft>
+                <a:spcPts val="0"/>
+              </a:spcAft>
+              <a:defRPr/>
+            </a:pPr>
+            <a:r>
+              <a:rPr kumimoji="0" lang="en-US" altLang="zh-TW" sz="1600" b="1" kern="0">
+                <a:solidFill>
+                  <a:sysClr val="windowText" lastClr="000000"/>
+                </a:solidFill>
+                <a:latin typeface="Calibri" pitchFamily="34" charset="0"/>
+              </a:rPr>
+              <a:t>close()</a:t>
+            </a:r>
+            <a:r>
+              <a:rPr kumimoji="0" lang="en-US" altLang="zh-TW" sz="1600" kern="0">
+                <a:solidFill>
+                  <a:sysClr val="windowText" lastClr="000000"/>
+                </a:solidFill>
+                <a:latin typeface="Calibri" pitchFamily="34" charset="0"/>
+              </a:rPr>
+              <a:t> – to close the socket</a:t>
+            </a:r>
+          </a:p>
+        </p:txBody>
+      </p:sp>
     </p:spTree>
     <p:extLst>
       <p:ext uri="{BB962C8B-B14F-4D97-AF65-F5344CB8AC3E}">
-        <p14:creationId xmlns:p14="http://schemas.microsoft.com/office/powerpoint/2010/main" val="2648031906"/>
+        <p14:creationId xmlns:p14="http://schemas.microsoft.com/office/powerpoint/2010/main" val="2279024797"/>
       </p:ext>
     </p:extLst>
   </p:cSld>
@@ -6075,7 +8177,7 @@
           <a:p>
             <a:r>
               <a:rPr lang="en-US" b="1" dirty="0"/>
-              <a:t>Socket Programming: Client Side</a:t>
+              <a:t>Socket Programming: Server Side</a:t>
             </a:r>
           </a:p>
         </p:txBody>
@@ -6085,7 +8187,7 @@
           <p:cNvPr id="4" name="Content Placeholder 3">
             <a:extLst>
               <a:ext uri="{FF2B5EF4-FFF2-40B4-BE49-F238E27FC236}">
-                <a16:creationId xmlns:a16="http://schemas.microsoft.com/office/drawing/2014/main" id="{E0803F26-69FA-F141-8053-17ADFC76B873}"/>
+                <a16:creationId xmlns:a16="http://schemas.microsoft.com/office/drawing/2014/main" id="{E1F1B7FF-0FBF-3D45-81DD-BA45BC44D742}"/>
               </a:ext>
             </a:extLst>
           </p:cNvPr>
@@ -6104,18 +8206,1701 @@
         </p:blipFill>
         <p:spPr>
           <a:xfrm>
-            <a:off x="5118100" y="2382044"/>
-            <a:ext cx="1955800" cy="3238500"/>
+            <a:off x="744919" y="1555113"/>
+            <a:ext cx="1863856" cy="4824100"/>
           </a:xfrm>
           <a:prstGeom prst="rect">
             <a:avLst/>
           </a:prstGeom>
         </p:spPr>
       </p:pic>
+      <p:graphicFrame>
+        <p:nvGraphicFramePr>
+          <p:cNvPr id="6" name="Group 4">
+            <a:extLst>
+              <a:ext uri="{FF2B5EF4-FFF2-40B4-BE49-F238E27FC236}">
+                <a16:creationId xmlns:a16="http://schemas.microsoft.com/office/drawing/2014/main" id="{5EE5234C-2895-47D5-BEE5-B6EAF2F4F088}"/>
+              </a:ext>
+            </a:extLst>
+          </p:cNvPr>
+          <p:cNvGraphicFramePr>
+            <a:graphicFrameLocks noGrp="1"/>
+          </p:cNvGraphicFramePr>
+          <p:nvPr>
+            <p:extLst>
+              <p:ext uri="{D42A27DB-BD31-4B8C-83A1-F6EECF244321}">
+                <p14:modId xmlns:p14="http://schemas.microsoft.com/office/powerpoint/2010/main" val="382363475"/>
+              </p:ext>
+            </p:extLst>
+          </p:nvPr>
+        </p:nvGraphicFramePr>
+        <p:xfrm>
+          <a:off x="8548688" y="4102101"/>
+          <a:ext cx="3505200" cy="2377440"/>
+        </p:xfrm>
+        <a:graphic>
+          <a:graphicData uri="http://schemas.openxmlformats.org/drawingml/2006/table">
+            <a:tbl>
+              <a:tblPr/>
+              <a:tblGrid>
+                <a:gridCol w="1752600">
+                  <a:extLst>
+                    <a:ext uri="{9D8B030D-6E8A-4147-A177-3AD203B41FA5}">
+                      <a16:colId xmlns:a16="http://schemas.microsoft.com/office/drawing/2014/main" val="20000"/>
+                    </a:ext>
+                  </a:extLst>
+                </a:gridCol>
+                <a:gridCol w="1752600">
+                  <a:extLst>
+                    <a:ext uri="{9D8B030D-6E8A-4147-A177-3AD203B41FA5}">
+                      <a16:colId xmlns:a16="http://schemas.microsoft.com/office/drawing/2014/main" val="20001"/>
+                    </a:ext>
+                  </a:extLst>
+                </a:gridCol>
+              </a:tblGrid>
+              <a:tr h="320675">
+                <a:tc gridSpan="2">
+                  <a:txBody>
+                    <a:bodyPr/>
+                    <a:lstStyle/>
+                    <a:p>
+                      <a:pPr marL="0" marR="0" lvl="0" indent="0" algn="ctr" defTabSz="914400" rtl="0" eaLnBrk="1" fontAlgn="base" latinLnBrk="0" hangingPunct="1">
+                        <a:lnSpc>
+                          <a:spcPct val="100000"/>
+                        </a:lnSpc>
+                        <a:spcBef>
+                          <a:spcPct val="20000"/>
+                        </a:spcBef>
+                        <a:spcAft>
+                          <a:spcPct val="0"/>
+                        </a:spcAft>
+                        <a:buClrTx/>
+                        <a:buSzTx/>
+                        <a:buFontTx/>
+                        <a:buNone/>
+                        <a:tabLst/>
+                      </a:pPr>
+                      <a:r>
+                        <a:rPr kumimoji="1" lang="en-US" altLang="zh-TW" sz="1600" b="1" i="0" u="none" strike="noStrike" cap="none" normalizeH="0" baseline="0" dirty="0">
+                          <a:ln>
+                            <a:noFill/>
+                          </a:ln>
+                          <a:solidFill>
+                            <a:schemeClr val="tx1"/>
+                          </a:solidFill>
+                          <a:effectLst/>
+                          <a:latin typeface="Calibri" pitchFamily="34" charset="0"/>
+                          <a:ea typeface="新細明體" pitchFamily="18" charset="-120"/>
+                        </a:rPr>
+                        <a:t>Important System calls</a:t>
+                      </a:r>
+                    </a:p>
+                  </a:txBody>
+                  <a:tcPr marT="91440" marB="91440" horzOverflow="overflow">
+                    <a:lnL w="28575" cap="flat" cmpd="sng" algn="ctr">
+                      <a:solidFill>
+                        <a:schemeClr val="tx1"/>
+                      </a:solidFill>
+                      <a:prstDash val="solid"/>
+                      <a:round/>
+                      <a:headEnd type="none" w="med" len="med"/>
+                      <a:tailEnd type="none" w="med" len="med"/>
+                    </a:lnL>
+                    <a:lnR w="28575" cap="flat" cmpd="sng" algn="ctr">
+                      <a:solidFill>
+                        <a:schemeClr val="tx1"/>
+                      </a:solidFill>
+                      <a:prstDash val="solid"/>
+                      <a:round/>
+                      <a:headEnd type="none" w="med" len="med"/>
+                      <a:tailEnd type="none" w="med" len="med"/>
+                    </a:lnR>
+                    <a:lnT w="28575" cap="flat" cmpd="sng" algn="ctr">
+                      <a:solidFill>
+                        <a:schemeClr val="tx1"/>
+                      </a:solidFill>
+                      <a:prstDash val="solid"/>
+                      <a:round/>
+                      <a:headEnd type="none" w="med" len="med"/>
+                      <a:tailEnd type="none" w="med" len="med"/>
+                    </a:lnT>
+                    <a:lnB w="12700" cap="flat" cmpd="sng" algn="ctr">
+                      <a:solidFill>
+                        <a:schemeClr val="tx1"/>
+                      </a:solidFill>
+                      <a:prstDash val="solid"/>
+                      <a:round/>
+                      <a:headEnd type="none" w="med" len="med"/>
+                      <a:tailEnd type="none" w="med" len="med"/>
+                    </a:lnB>
+                    <a:lnTlToBr>
+                      <a:noFill/>
+                    </a:lnTlToBr>
+                    <a:lnBlToTr>
+                      <a:noFill/>
+                    </a:lnBlToTr>
+                    <a:solidFill>
+                      <a:schemeClr val="bg1"/>
+                    </a:solidFill>
+                  </a:tcPr>
+                </a:tc>
+                <a:tc hMerge="1">
+                  <a:txBody>
+                    <a:bodyPr/>
+                    <a:lstStyle/>
+                    <a:p>
+                      <a:endParaRPr lang="en-US"/>
+                    </a:p>
+                  </a:txBody>
+                  <a:tcPr/>
+                </a:tc>
+                <a:extLst>
+                  <a:ext uri="{0D108BD9-81ED-4DB2-BD59-A6C34878D82A}">
+                    <a16:rowId xmlns:a16="http://schemas.microsoft.com/office/drawing/2014/main" val="10000"/>
+                  </a:ext>
+                </a:extLst>
+              </a:tr>
+              <a:tr h="319088">
+                <a:tc>
+                  <a:txBody>
+                    <a:bodyPr/>
+                    <a:lstStyle/>
+                    <a:p>
+                      <a:pPr marL="0" marR="0" lvl="0" indent="0" algn="ctr" defTabSz="914400" rtl="0" eaLnBrk="1" fontAlgn="base" latinLnBrk="0" hangingPunct="1">
+                        <a:lnSpc>
+                          <a:spcPct val="100000"/>
+                        </a:lnSpc>
+                        <a:spcBef>
+                          <a:spcPct val="20000"/>
+                        </a:spcBef>
+                        <a:spcAft>
+                          <a:spcPct val="0"/>
+                        </a:spcAft>
+                        <a:buClrTx/>
+                        <a:buSzTx/>
+                        <a:buFontTx/>
+                        <a:buNone/>
+                        <a:tabLst/>
+                      </a:pPr>
+                      <a:r>
+                        <a:rPr kumimoji="1" lang="en-US" altLang="zh-TW" sz="1600" b="1" i="0" u="none" strike="noStrike" cap="none" normalizeH="0" baseline="0">
+                          <a:ln>
+                            <a:noFill/>
+                          </a:ln>
+                          <a:solidFill>
+                            <a:schemeClr val="tx1"/>
+                          </a:solidFill>
+                          <a:effectLst/>
+                          <a:latin typeface="Calibri" pitchFamily="34" charset="0"/>
+                          <a:ea typeface="新細明體" pitchFamily="18" charset="-120"/>
+                        </a:rPr>
+                        <a:t>Client side</a:t>
+                      </a:r>
+                    </a:p>
+                  </a:txBody>
+                  <a:tcPr marT="91440" marB="91440" horzOverflow="overflow">
+                    <a:lnL w="28575" cap="flat" cmpd="sng" algn="ctr">
+                      <a:solidFill>
+                        <a:schemeClr val="tx1"/>
+                      </a:solidFill>
+                      <a:prstDash val="solid"/>
+                      <a:round/>
+                      <a:headEnd type="none" w="med" len="med"/>
+                      <a:tailEnd type="none" w="med" len="med"/>
+                    </a:lnL>
+                    <a:lnR w="12700" cap="flat" cmpd="sng" algn="ctr">
+                      <a:solidFill>
+                        <a:schemeClr val="tx1"/>
+                      </a:solidFill>
+                      <a:prstDash val="solid"/>
+                      <a:round/>
+                      <a:headEnd type="none" w="med" len="med"/>
+                      <a:tailEnd type="none" w="med" len="med"/>
+                    </a:lnR>
+                    <a:lnT w="12700" cap="flat" cmpd="sng" algn="ctr">
+                      <a:solidFill>
+                        <a:schemeClr val="tx1"/>
+                      </a:solidFill>
+                      <a:prstDash val="solid"/>
+                      <a:round/>
+                      <a:headEnd type="none" w="med" len="med"/>
+                      <a:tailEnd type="none" w="med" len="med"/>
+                    </a:lnT>
+                    <a:lnB w="12700" cap="flat" cmpd="sng" algn="ctr">
+                      <a:solidFill>
+                        <a:schemeClr val="tx1"/>
+                      </a:solidFill>
+                      <a:prstDash val="solid"/>
+                      <a:round/>
+                      <a:headEnd type="none" w="med" len="med"/>
+                      <a:tailEnd type="none" w="med" len="med"/>
+                    </a:lnB>
+                    <a:lnTlToBr>
+                      <a:noFill/>
+                    </a:lnTlToBr>
+                    <a:lnBlToTr>
+                      <a:noFill/>
+                    </a:lnBlToTr>
+                    <a:solidFill>
+                      <a:schemeClr val="bg1"/>
+                    </a:solidFill>
+                  </a:tcPr>
+                </a:tc>
+                <a:tc>
+                  <a:txBody>
+                    <a:bodyPr/>
+                    <a:lstStyle/>
+                    <a:p>
+                      <a:pPr marL="0" marR="0" lvl="0" indent="0" algn="ctr" defTabSz="914400" rtl="0" eaLnBrk="1" fontAlgn="base" latinLnBrk="0" hangingPunct="1">
+                        <a:lnSpc>
+                          <a:spcPct val="100000"/>
+                        </a:lnSpc>
+                        <a:spcBef>
+                          <a:spcPct val="20000"/>
+                        </a:spcBef>
+                        <a:spcAft>
+                          <a:spcPct val="0"/>
+                        </a:spcAft>
+                        <a:buClrTx/>
+                        <a:buSzTx/>
+                        <a:buFontTx/>
+                        <a:buNone/>
+                        <a:tabLst/>
+                      </a:pPr>
+                      <a:r>
+                        <a:rPr kumimoji="1" lang="en-US" altLang="zh-TW" sz="1600" b="1" i="0" u="none" strike="noStrike" cap="none" normalizeH="0" baseline="0" dirty="0">
+                          <a:ln>
+                            <a:noFill/>
+                          </a:ln>
+                          <a:solidFill>
+                            <a:schemeClr val="tx1"/>
+                          </a:solidFill>
+                          <a:effectLst/>
+                          <a:latin typeface="Calibri" pitchFamily="34" charset="0"/>
+                          <a:ea typeface="新細明體" pitchFamily="18" charset="-120"/>
+                        </a:rPr>
+                        <a:t>Server side</a:t>
+                      </a:r>
+                    </a:p>
+                  </a:txBody>
+                  <a:tcPr marT="91440" marB="91440" horzOverflow="overflow">
+                    <a:lnL w="12700" cap="flat" cmpd="sng" algn="ctr">
+                      <a:solidFill>
+                        <a:schemeClr val="tx1"/>
+                      </a:solidFill>
+                      <a:prstDash val="solid"/>
+                      <a:round/>
+                      <a:headEnd type="none" w="med" len="med"/>
+                      <a:tailEnd type="none" w="med" len="med"/>
+                    </a:lnL>
+                    <a:lnR w="28575" cap="flat" cmpd="sng" algn="ctr">
+                      <a:solidFill>
+                        <a:schemeClr val="tx1"/>
+                      </a:solidFill>
+                      <a:prstDash val="solid"/>
+                      <a:round/>
+                      <a:headEnd type="none" w="med" len="med"/>
+                      <a:tailEnd type="none" w="med" len="med"/>
+                    </a:lnR>
+                    <a:lnT w="12700" cap="flat" cmpd="sng" algn="ctr">
+                      <a:solidFill>
+                        <a:schemeClr val="tx1"/>
+                      </a:solidFill>
+                      <a:prstDash val="solid"/>
+                      <a:round/>
+                      <a:headEnd type="none" w="med" len="med"/>
+                      <a:tailEnd type="none" w="med" len="med"/>
+                    </a:lnT>
+                    <a:lnB w="12700" cap="flat" cmpd="sng" algn="ctr">
+                      <a:solidFill>
+                        <a:schemeClr val="tx1"/>
+                      </a:solidFill>
+                      <a:prstDash val="solid"/>
+                      <a:round/>
+                      <a:headEnd type="none" w="med" len="med"/>
+                      <a:tailEnd type="none" w="med" len="med"/>
+                    </a:lnB>
+                    <a:lnTlToBr>
+                      <a:noFill/>
+                    </a:lnTlToBr>
+                    <a:lnBlToTr>
+                      <a:noFill/>
+                    </a:lnBlToTr>
+                    <a:solidFill>
+                      <a:schemeClr val="bg1"/>
+                    </a:solidFill>
+                  </a:tcPr>
+                </a:tc>
+                <a:extLst>
+                  <a:ext uri="{0D108BD9-81ED-4DB2-BD59-A6C34878D82A}">
+                    <a16:rowId xmlns:a16="http://schemas.microsoft.com/office/drawing/2014/main" val="10001"/>
+                  </a:ext>
+                </a:extLst>
+              </a:tr>
+              <a:tr h="320675">
+                <a:tc gridSpan="2">
+                  <a:txBody>
+                    <a:bodyPr/>
+                    <a:lstStyle/>
+                    <a:p>
+                      <a:pPr marL="0" marR="0" lvl="0" indent="0" algn="ctr" defTabSz="914400" rtl="0" eaLnBrk="1" fontAlgn="base" latinLnBrk="0" hangingPunct="1">
+                        <a:lnSpc>
+                          <a:spcPct val="100000"/>
+                        </a:lnSpc>
+                        <a:spcBef>
+                          <a:spcPct val="20000"/>
+                        </a:spcBef>
+                        <a:spcAft>
+                          <a:spcPct val="0"/>
+                        </a:spcAft>
+                        <a:buClrTx/>
+                        <a:buSzTx/>
+                        <a:buFontTx/>
+                        <a:buNone/>
+                        <a:tabLst/>
+                      </a:pPr>
+                      <a:r>
+                        <a:rPr kumimoji="1" lang="en-US" altLang="zh-TW" sz="1600" b="1" i="0" u="none" strike="noStrike" cap="none" normalizeH="0" baseline="0">
+                          <a:ln>
+                            <a:noFill/>
+                          </a:ln>
+                          <a:solidFill>
+                            <a:schemeClr val="tx1"/>
+                          </a:solidFill>
+                          <a:effectLst/>
+                          <a:latin typeface="Consolas" pitchFamily="49" charset="0"/>
+                          <a:ea typeface="新細明體" pitchFamily="18" charset="-120"/>
+                        </a:rPr>
+                        <a:t>socket()</a:t>
+                      </a:r>
+                    </a:p>
+                  </a:txBody>
+                  <a:tcPr marT="91440" marB="91440" horzOverflow="overflow">
+                    <a:lnL w="28575" cap="flat" cmpd="sng" algn="ctr">
+                      <a:solidFill>
+                        <a:schemeClr val="tx1"/>
+                      </a:solidFill>
+                      <a:prstDash val="solid"/>
+                      <a:round/>
+                      <a:headEnd type="none" w="med" len="med"/>
+                      <a:tailEnd type="none" w="med" len="med"/>
+                    </a:lnL>
+                    <a:lnR w="28575" cap="flat" cmpd="sng" algn="ctr">
+                      <a:solidFill>
+                        <a:schemeClr val="tx1"/>
+                      </a:solidFill>
+                      <a:prstDash val="solid"/>
+                      <a:round/>
+                      <a:headEnd type="none" w="med" len="med"/>
+                      <a:tailEnd type="none" w="med" len="med"/>
+                    </a:lnR>
+                    <a:lnT w="12700" cap="flat" cmpd="sng" algn="ctr">
+                      <a:solidFill>
+                        <a:schemeClr val="tx1"/>
+                      </a:solidFill>
+                      <a:prstDash val="solid"/>
+                      <a:round/>
+                      <a:headEnd type="none" w="med" len="med"/>
+                      <a:tailEnd type="none" w="med" len="med"/>
+                    </a:lnT>
+                    <a:lnB w="12700" cap="flat" cmpd="sng" algn="ctr">
+                      <a:solidFill>
+                        <a:schemeClr val="tx1"/>
+                      </a:solidFill>
+                      <a:prstDash val="solid"/>
+                      <a:round/>
+                      <a:headEnd type="none" w="med" len="med"/>
+                      <a:tailEnd type="none" w="med" len="med"/>
+                    </a:lnB>
+                    <a:lnTlToBr>
+                      <a:noFill/>
+                    </a:lnTlToBr>
+                    <a:lnBlToTr>
+                      <a:noFill/>
+                    </a:lnBlToTr>
+                    <a:solidFill>
+                      <a:schemeClr val="bg1"/>
+                    </a:solidFill>
+                  </a:tcPr>
+                </a:tc>
+                <a:tc hMerge="1">
+                  <a:txBody>
+                    <a:bodyPr/>
+                    <a:lstStyle/>
+                    <a:p>
+                      <a:endParaRPr lang="en-US"/>
+                    </a:p>
+                  </a:txBody>
+                  <a:tcPr/>
+                </a:tc>
+                <a:extLst>
+                  <a:ext uri="{0D108BD9-81ED-4DB2-BD59-A6C34878D82A}">
+                    <a16:rowId xmlns:a16="http://schemas.microsoft.com/office/drawing/2014/main" val="10002"/>
+                  </a:ext>
+                </a:extLst>
+              </a:tr>
+              <a:tr h="320675">
+                <a:tc>
+                  <a:txBody>
+                    <a:bodyPr/>
+                    <a:lstStyle/>
+                    <a:p>
+                      <a:pPr marL="0" marR="0" lvl="0" indent="0" algn="ctr" defTabSz="914400" rtl="0" eaLnBrk="1" fontAlgn="base" latinLnBrk="0" hangingPunct="1">
+                        <a:lnSpc>
+                          <a:spcPct val="100000"/>
+                        </a:lnSpc>
+                        <a:spcBef>
+                          <a:spcPct val="20000"/>
+                        </a:spcBef>
+                        <a:spcAft>
+                          <a:spcPct val="0"/>
+                        </a:spcAft>
+                        <a:buClrTx/>
+                        <a:buSzTx/>
+                        <a:buFontTx/>
+                        <a:buNone/>
+                        <a:tabLst/>
+                      </a:pPr>
+                      <a:r>
+                        <a:rPr kumimoji="1" lang="en-US" altLang="zh-TW" sz="1600" b="1" i="0" u="none" strike="noStrike" cap="none" normalizeH="0" baseline="0">
+                          <a:ln>
+                            <a:noFill/>
+                          </a:ln>
+                          <a:solidFill>
+                            <a:schemeClr val="tx1"/>
+                          </a:solidFill>
+                          <a:effectLst/>
+                          <a:latin typeface="Consolas" pitchFamily="49" charset="0"/>
+                          <a:ea typeface="新細明體" pitchFamily="18" charset="-120"/>
+                        </a:rPr>
+                        <a:t>bind()*</a:t>
+                      </a:r>
+                    </a:p>
+                  </a:txBody>
+                  <a:tcPr marT="91440" marB="91440" horzOverflow="overflow">
+                    <a:lnL w="28575" cap="flat" cmpd="sng" algn="ctr">
+                      <a:solidFill>
+                        <a:schemeClr val="tx1"/>
+                      </a:solidFill>
+                      <a:prstDash val="solid"/>
+                      <a:round/>
+                      <a:headEnd type="none" w="med" len="med"/>
+                      <a:tailEnd type="none" w="med" len="med"/>
+                    </a:lnL>
+                    <a:lnR w="12700" cap="flat" cmpd="sng" algn="ctr">
+                      <a:solidFill>
+                        <a:schemeClr val="tx1"/>
+                      </a:solidFill>
+                      <a:prstDash val="solid"/>
+                      <a:round/>
+                      <a:headEnd type="none" w="med" len="med"/>
+                      <a:tailEnd type="none" w="med" len="med"/>
+                    </a:lnR>
+                    <a:lnT w="12700" cap="flat" cmpd="sng" algn="ctr">
+                      <a:solidFill>
+                        <a:schemeClr val="tx1"/>
+                      </a:solidFill>
+                      <a:prstDash val="solid"/>
+                      <a:round/>
+                      <a:headEnd type="none" w="med" len="med"/>
+                      <a:tailEnd type="none" w="med" len="med"/>
+                    </a:lnT>
+                    <a:lnB w="12700" cap="flat" cmpd="sng" algn="ctr">
+                      <a:solidFill>
+                        <a:schemeClr val="tx1"/>
+                      </a:solidFill>
+                      <a:prstDash val="solid"/>
+                      <a:round/>
+                      <a:headEnd type="none" w="med" len="med"/>
+                      <a:tailEnd type="none" w="med" len="med"/>
+                    </a:lnB>
+                    <a:lnTlToBr>
+                      <a:noFill/>
+                    </a:lnTlToBr>
+                    <a:lnBlToTr>
+                      <a:noFill/>
+                    </a:lnBlToTr>
+                    <a:solidFill>
+                      <a:schemeClr val="bg1"/>
+                    </a:solidFill>
+                  </a:tcPr>
+                </a:tc>
+                <a:tc>
+                  <a:txBody>
+                    <a:bodyPr/>
+                    <a:lstStyle/>
+                    <a:p>
+                      <a:pPr marL="0" marR="0" lvl="0" indent="0" algn="ctr" defTabSz="914400" rtl="0" eaLnBrk="1" fontAlgn="base" latinLnBrk="0" hangingPunct="1">
+                        <a:lnSpc>
+                          <a:spcPct val="100000"/>
+                        </a:lnSpc>
+                        <a:spcBef>
+                          <a:spcPct val="20000"/>
+                        </a:spcBef>
+                        <a:spcAft>
+                          <a:spcPct val="0"/>
+                        </a:spcAft>
+                        <a:buClrTx/>
+                        <a:buSzTx/>
+                        <a:buFontTx/>
+                        <a:buNone/>
+                        <a:tabLst/>
+                      </a:pPr>
+                      <a:r>
+                        <a:rPr kumimoji="1" lang="en-US" altLang="zh-TW" sz="1600" b="1" i="0" u="none" strike="noStrike" cap="none" normalizeH="0" baseline="0">
+                          <a:ln>
+                            <a:noFill/>
+                          </a:ln>
+                          <a:solidFill>
+                            <a:schemeClr val="tx1"/>
+                          </a:solidFill>
+                          <a:effectLst/>
+                          <a:latin typeface="Consolas" pitchFamily="49" charset="0"/>
+                          <a:ea typeface="新細明體" pitchFamily="18" charset="-120"/>
+                        </a:rPr>
+                        <a:t>bind()</a:t>
+                      </a:r>
+                    </a:p>
+                  </a:txBody>
+                  <a:tcPr marT="91440" marB="91440" horzOverflow="overflow">
+                    <a:lnL w="12700" cap="flat" cmpd="sng" algn="ctr">
+                      <a:solidFill>
+                        <a:schemeClr val="tx1"/>
+                      </a:solidFill>
+                      <a:prstDash val="solid"/>
+                      <a:round/>
+                      <a:headEnd type="none" w="med" len="med"/>
+                      <a:tailEnd type="none" w="med" len="med"/>
+                    </a:lnL>
+                    <a:lnR w="28575" cap="flat" cmpd="sng" algn="ctr">
+                      <a:solidFill>
+                        <a:schemeClr val="tx1"/>
+                      </a:solidFill>
+                      <a:prstDash val="solid"/>
+                      <a:round/>
+                      <a:headEnd type="none" w="med" len="med"/>
+                      <a:tailEnd type="none" w="med" len="med"/>
+                    </a:lnR>
+                    <a:lnT w="12700" cap="flat" cmpd="sng" algn="ctr">
+                      <a:solidFill>
+                        <a:schemeClr val="tx1"/>
+                      </a:solidFill>
+                      <a:prstDash val="solid"/>
+                      <a:round/>
+                      <a:headEnd type="none" w="med" len="med"/>
+                      <a:tailEnd type="none" w="med" len="med"/>
+                    </a:lnT>
+                    <a:lnB w="12700" cap="flat" cmpd="sng" algn="ctr">
+                      <a:solidFill>
+                        <a:schemeClr val="tx1"/>
+                      </a:solidFill>
+                      <a:prstDash val="solid"/>
+                      <a:round/>
+                      <a:headEnd type="none" w="med" len="med"/>
+                      <a:tailEnd type="none" w="med" len="med"/>
+                    </a:lnB>
+                    <a:lnTlToBr>
+                      <a:noFill/>
+                    </a:lnTlToBr>
+                    <a:lnBlToTr>
+                      <a:noFill/>
+                    </a:lnBlToTr>
+                    <a:solidFill>
+                      <a:schemeClr val="bg1"/>
+                    </a:solidFill>
+                  </a:tcPr>
+                </a:tc>
+                <a:extLst>
+                  <a:ext uri="{0D108BD9-81ED-4DB2-BD59-A6C34878D82A}">
+                    <a16:rowId xmlns:a16="http://schemas.microsoft.com/office/drawing/2014/main" val="10003"/>
+                  </a:ext>
+                </a:extLst>
+              </a:tr>
+              <a:tr h="320675">
+                <a:tc>
+                  <a:txBody>
+                    <a:bodyPr/>
+                    <a:lstStyle/>
+                    <a:p>
+                      <a:pPr marL="0" marR="0" lvl="0" indent="0" algn="ctr" defTabSz="914400" rtl="0" eaLnBrk="1" fontAlgn="base" latinLnBrk="0" hangingPunct="1">
+                        <a:lnSpc>
+                          <a:spcPct val="100000"/>
+                        </a:lnSpc>
+                        <a:spcBef>
+                          <a:spcPct val="20000"/>
+                        </a:spcBef>
+                        <a:spcAft>
+                          <a:spcPct val="0"/>
+                        </a:spcAft>
+                        <a:buClrTx/>
+                        <a:buSzTx/>
+                        <a:buFontTx/>
+                        <a:buNone/>
+                        <a:tabLst/>
+                      </a:pPr>
+                      <a:r>
+                        <a:rPr kumimoji="1" lang="en-US" altLang="zh-TW" sz="1600" b="1" i="0" u="none" strike="noStrike" cap="none" normalizeH="0" baseline="0">
+                          <a:ln>
+                            <a:noFill/>
+                          </a:ln>
+                          <a:solidFill>
+                            <a:schemeClr val="tx1"/>
+                          </a:solidFill>
+                          <a:effectLst/>
+                          <a:latin typeface="Consolas" pitchFamily="49" charset="0"/>
+                          <a:ea typeface="新細明體" pitchFamily="18" charset="-120"/>
+                        </a:rPr>
+                        <a:t>connect()</a:t>
+                      </a:r>
+                    </a:p>
+                  </a:txBody>
+                  <a:tcPr marT="91440" marB="91440" horzOverflow="overflow">
+                    <a:lnL w="28575" cap="flat" cmpd="sng" algn="ctr">
+                      <a:solidFill>
+                        <a:schemeClr val="tx1"/>
+                      </a:solidFill>
+                      <a:prstDash val="solid"/>
+                      <a:round/>
+                      <a:headEnd type="none" w="med" len="med"/>
+                      <a:tailEnd type="none" w="med" len="med"/>
+                    </a:lnL>
+                    <a:lnR w="12700" cap="flat" cmpd="sng" algn="ctr">
+                      <a:solidFill>
+                        <a:schemeClr val="tx1"/>
+                      </a:solidFill>
+                      <a:prstDash val="solid"/>
+                      <a:round/>
+                      <a:headEnd type="none" w="med" len="med"/>
+                      <a:tailEnd type="none" w="med" len="med"/>
+                    </a:lnR>
+                    <a:lnT w="12700" cap="flat" cmpd="sng" algn="ctr">
+                      <a:solidFill>
+                        <a:schemeClr val="tx1"/>
+                      </a:solidFill>
+                      <a:prstDash val="solid"/>
+                      <a:round/>
+                      <a:headEnd type="none" w="med" len="med"/>
+                      <a:tailEnd type="none" w="med" len="med"/>
+                    </a:lnT>
+                    <a:lnB w="28575" cap="flat" cmpd="sng" algn="ctr">
+                      <a:solidFill>
+                        <a:schemeClr val="tx1"/>
+                      </a:solidFill>
+                      <a:prstDash val="solid"/>
+                      <a:round/>
+                      <a:headEnd type="none" w="med" len="med"/>
+                      <a:tailEnd type="none" w="med" len="med"/>
+                    </a:lnB>
+                    <a:lnTlToBr>
+                      <a:noFill/>
+                    </a:lnTlToBr>
+                    <a:lnBlToTr>
+                      <a:noFill/>
+                    </a:lnBlToTr>
+                    <a:solidFill>
+                      <a:schemeClr val="bg1"/>
+                    </a:solidFill>
+                  </a:tcPr>
+                </a:tc>
+                <a:tc>
+                  <a:txBody>
+                    <a:bodyPr/>
+                    <a:lstStyle/>
+                    <a:p>
+                      <a:pPr marL="0" marR="0" lvl="0" indent="0" algn="ctr" defTabSz="914400" rtl="0" eaLnBrk="1" fontAlgn="base" latinLnBrk="0" hangingPunct="1">
+                        <a:lnSpc>
+                          <a:spcPct val="100000"/>
+                        </a:lnSpc>
+                        <a:spcBef>
+                          <a:spcPct val="20000"/>
+                        </a:spcBef>
+                        <a:spcAft>
+                          <a:spcPct val="0"/>
+                        </a:spcAft>
+                        <a:buClrTx/>
+                        <a:buSzTx/>
+                        <a:buFontTx/>
+                        <a:buNone/>
+                        <a:tabLst/>
+                      </a:pPr>
+                      <a:r>
+                        <a:rPr kumimoji="1" lang="en-US" altLang="zh-TW" sz="1600" b="1" i="0" u="none" strike="noStrike" cap="none" normalizeH="0" baseline="0" dirty="0">
+                          <a:ln>
+                            <a:noFill/>
+                          </a:ln>
+                          <a:solidFill>
+                            <a:schemeClr val="tx1"/>
+                          </a:solidFill>
+                          <a:effectLst/>
+                          <a:latin typeface="Consolas" pitchFamily="49" charset="0"/>
+                          <a:ea typeface="新細明體" pitchFamily="18" charset="-120"/>
+                        </a:rPr>
+                        <a:t>listen() and accept()</a:t>
+                      </a:r>
+                    </a:p>
+                  </a:txBody>
+                  <a:tcPr marT="91440" marB="91440" horzOverflow="overflow">
+                    <a:lnL w="12700" cap="flat" cmpd="sng" algn="ctr">
+                      <a:solidFill>
+                        <a:schemeClr val="tx1"/>
+                      </a:solidFill>
+                      <a:prstDash val="solid"/>
+                      <a:round/>
+                      <a:headEnd type="none" w="med" len="med"/>
+                      <a:tailEnd type="none" w="med" len="med"/>
+                    </a:lnL>
+                    <a:lnR w="28575" cap="flat" cmpd="sng" algn="ctr">
+                      <a:solidFill>
+                        <a:schemeClr val="tx1"/>
+                      </a:solidFill>
+                      <a:prstDash val="solid"/>
+                      <a:round/>
+                      <a:headEnd type="none" w="med" len="med"/>
+                      <a:tailEnd type="none" w="med" len="med"/>
+                    </a:lnR>
+                    <a:lnT w="12700" cap="flat" cmpd="sng" algn="ctr">
+                      <a:solidFill>
+                        <a:schemeClr val="tx1"/>
+                      </a:solidFill>
+                      <a:prstDash val="solid"/>
+                      <a:round/>
+                      <a:headEnd type="none" w="med" len="med"/>
+                      <a:tailEnd type="none" w="med" len="med"/>
+                    </a:lnT>
+                    <a:lnB w="28575" cap="flat" cmpd="sng" algn="ctr">
+                      <a:solidFill>
+                        <a:schemeClr val="tx1"/>
+                      </a:solidFill>
+                      <a:prstDash val="solid"/>
+                      <a:round/>
+                      <a:headEnd type="none" w="med" len="med"/>
+                      <a:tailEnd type="none" w="med" len="med"/>
+                    </a:lnB>
+                    <a:lnTlToBr>
+                      <a:noFill/>
+                    </a:lnTlToBr>
+                    <a:lnBlToTr>
+                      <a:noFill/>
+                    </a:lnBlToTr>
+                    <a:solidFill>
+                      <a:schemeClr val="bg1"/>
+                    </a:solidFill>
+                  </a:tcPr>
+                </a:tc>
+                <a:extLst>
+                  <a:ext uri="{0D108BD9-81ED-4DB2-BD59-A6C34878D82A}">
+                    <a16:rowId xmlns:a16="http://schemas.microsoft.com/office/drawing/2014/main" val="10004"/>
+                  </a:ext>
+                </a:extLst>
+              </a:tr>
+            </a:tbl>
+          </a:graphicData>
+        </a:graphic>
+      </p:graphicFrame>
+      <p:sp>
+        <p:nvSpPr>
+          <p:cNvPr id="8" name="Text Box 25">
+            <a:extLst>
+              <a:ext uri="{FF2B5EF4-FFF2-40B4-BE49-F238E27FC236}">
+                <a16:creationId xmlns:a16="http://schemas.microsoft.com/office/drawing/2014/main" id="{70714A64-A22E-499D-A5F9-BAEE59F850BF}"/>
+              </a:ext>
+            </a:extLst>
+          </p:cNvPr>
+          <p:cNvSpPr txBox="1">
+            <a:spLocks noChangeArrowheads="1"/>
+          </p:cNvSpPr>
+          <p:nvPr/>
+        </p:nvSpPr>
+        <p:spPr bwMode="auto">
+          <a:xfrm>
+            <a:off x="4129088" y="1743076"/>
+            <a:ext cx="1196975" cy="376237"/>
+          </a:xfrm>
+          <a:prstGeom prst="rect">
+            <a:avLst/>
+          </a:prstGeom>
+          <a:solidFill>
+            <a:srgbClr val="FFFF99"/>
+          </a:solidFill>
+          <a:ln w="9525">
+            <a:solidFill>
+              <a:schemeClr val="tx1"/>
+            </a:solidFill>
+            <a:miter lim="800000"/>
+            <a:headEnd/>
+            <a:tailEnd/>
+          </a:ln>
+        </p:spPr>
+        <p:txBody>
+          <a:bodyPr wrap="none">
+            <a:spAutoFit/>
+          </a:bodyPr>
+          <a:lstStyle/>
+          <a:p>
+            <a:r>
+              <a:rPr lang="en-US" altLang="zh-TW" b="1" dirty="0">
+                <a:latin typeface="Consolas" pitchFamily="49" charset="0"/>
+              </a:rPr>
+              <a:t>socket()</a:t>
+            </a:r>
+          </a:p>
+        </p:txBody>
+      </p:sp>
+      <p:sp>
+        <p:nvSpPr>
+          <p:cNvPr id="9" name="Text Box 26">
+            <a:extLst>
+              <a:ext uri="{FF2B5EF4-FFF2-40B4-BE49-F238E27FC236}">
+                <a16:creationId xmlns:a16="http://schemas.microsoft.com/office/drawing/2014/main" id="{AAB19A18-9873-4911-BFDE-D5B965E362FC}"/>
+              </a:ext>
+            </a:extLst>
+          </p:cNvPr>
+          <p:cNvSpPr txBox="1">
+            <a:spLocks noChangeArrowheads="1"/>
+          </p:cNvSpPr>
+          <p:nvPr/>
+        </p:nvSpPr>
+        <p:spPr bwMode="auto">
+          <a:xfrm>
+            <a:off x="7862888" y="1743076"/>
+            <a:ext cx="1196975" cy="376237"/>
+          </a:xfrm>
+          <a:prstGeom prst="rect">
+            <a:avLst/>
+          </a:prstGeom>
+          <a:solidFill>
+            <a:srgbClr val="FFFF99"/>
+          </a:solidFill>
+          <a:ln w="9525">
+            <a:solidFill>
+              <a:schemeClr val="tx1"/>
+            </a:solidFill>
+            <a:miter lim="800000"/>
+            <a:headEnd/>
+            <a:tailEnd/>
+          </a:ln>
+        </p:spPr>
+        <p:txBody>
+          <a:bodyPr wrap="none">
+            <a:spAutoFit/>
+          </a:bodyPr>
+          <a:lstStyle/>
+          <a:p>
+            <a:r>
+              <a:rPr lang="en-US" altLang="zh-TW" b="1">
+                <a:latin typeface="Consolas" pitchFamily="49" charset="0"/>
+              </a:rPr>
+              <a:t>listen()</a:t>
+            </a:r>
+          </a:p>
+        </p:txBody>
+      </p:sp>
+      <p:sp>
+        <p:nvSpPr>
+          <p:cNvPr id="10" name="Text Box 27">
+            <a:extLst>
+              <a:ext uri="{FF2B5EF4-FFF2-40B4-BE49-F238E27FC236}">
+                <a16:creationId xmlns:a16="http://schemas.microsoft.com/office/drawing/2014/main" id="{CF6365C8-AAD7-4AC0-926D-27E0580F5FDD}"/>
+              </a:ext>
+            </a:extLst>
+          </p:cNvPr>
+          <p:cNvSpPr txBox="1">
+            <a:spLocks noChangeArrowheads="1"/>
+          </p:cNvSpPr>
+          <p:nvPr/>
+        </p:nvSpPr>
+        <p:spPr bwMode="auto">
+          <a:xfrm>
+            <a:off x="10599738" y="1762126"/>
+            <a:ext cx="946150" cy="376237"/>
+          </a:xfrm>
+          <a:prstGeom prst="rect">
+            <a:avLst/>
+          </a:prstGeom>
+          <a:solidFill>
+            <a:srgbClr val="FFFF99"/>
+          </a:solidFill>
+          <a:ln w="9525">
+            <a:solidFill>
+              <a:schemeClr val="tx1"/>
+            </a:solidFill>
+            <a:miter lim="800000"/>
+            <a:headEnd/>
+            <a:tailEnd/>
+          </a:ln>
+        </p:spPr>
+        <p:txBody>
+          <a:bodyPr wrap="none">
+            <a:spAutoFit/>
+          </a:bodyPr>
+          <a:lstStyle/>
+          <a:p>
+            <a:r>
+              <a:rPr lang="en-US" altLang="zh-TW" b="1">
+                <a:latin typeface="Consolas" pitchFamily="49" charset="0"/>
+              </a:rPr>
+              <a:t>read()</a:t>
+            </a:r>
+          </a:p>
+        </p:txBody>
+      </p:sp>
+      <p:sp>
+        <p:nvSpPr>
+          <p:cNvPr id="11" name="Text Box 28">
+            <a:extLst>
+              <a:ext uri="{FF2B5EF4-FFF2-40B4-BE49-F238E27FC236}">
+                <a16:creationId xmlns:a16="http://schemas.microsoft.com/office/drawing/2014/main" id="{8E3C78D9-C6DE-4941-94EF-0B59567E29D9}"/>
+              </a:ext>
+            </a:extLst>
+          </p:cNvPr>
+          <p:cNvSpPr txBox="1">
+            <a:spLocks noChangeArrowheads="1"/>
+          </p:cNvSpPr>
+          <p:nvPr/>
+        </p:nvSpPr>
+        <p:spPr bwMode="auto">
+          <a:xfrm>
+            <a:off x="10752138" y="2371726"/>
+            <a:ext cx="1071563" cy="376237"/>
+          </a:xfrm>
+          <a:prstGeom prst="rect">
+            <a:avLst/>
+          </a:prstGeom>
+          <a:solidFill>
+            <a:srgbClr val="FFFF99"/>
+          </a:solidFill>
+          <a:ln w="9525">
+            <a:solidFill>
+              <a:schemeClr val="tx1"/>
+            </a:solidFill>
+            <a:miter lim="800000"/>
+            <a:headEnd/>
+            <a:tailEnd/>
+          </a:ln>
+        </p:spPr>
+        <p:txBody>
+          <a:bodyPr wrap="none">
+            <a:spAutoFit/>
+          </a:bodyPr>
+          <a:lstStyle/>
+          <a:p>
+            <a:r>
+              <a:rPr lang="en-US" altLang="zh-TW" b="1">
+                <a:latin typeface="Consolas" pitchFamily="49" charset="0"/>
+              </a:rPr>
+              <a:t>write()</a:t>
+            </a:r>
+          </a:p>
+        </p:txBody>
+      </p:sp>
+      <p:sp>
+        <p:nvSpPr>
+          <p:cNvPr id="12" name="Line 29">
+            <a:extLst>
+              <a:ext uri="{FF2B5EF4-FFF2-40B4-BE49-F238E27FC236}">
+                <a16:creationId xmlns:a16="http://schemas.microsoft.com/office/drawing/2014/main" id="{0DE6630A-B88D-4468-AE78-131AE81A15AB}"/>
+              </a:ext>
+            </a:extLst>
+          </p:cNvPr>
+          <p:cNvSpPr>
+            <a:spLocks noChangeShapeType="1"/>
+          </p:cNvSpPr>
+          <p:nvPr/>
+        </p:nvSpPr>
+        <p:spPr bwMode="auto">
+          <a:xfrm>
+            <a:off x="5500688" y="1909763"/>
+            <a:ext cx="457200" cy="0"/>
+          </a:xfrm>
+          <a:prstGeom prst="line">
+            <a:avLst/>
+          </a:prstGeom>
+          <a:noFill/>
+          <a:ln w="9525">
+            <a:solidFill>
+              <a:schemeClr val="tx1"/>
+            </a:solidFill>
+            <a:round/>
+            <a:headEnd/>
+            <a:tailEnd type="triangle" w="med" len="med"/>
+          </a:ln>
+        </p:spPr>
+        <p:txBody>
+          <a:bodyPr/>
+          <a:lstStyle/>
+          <a:p>
+            <a:endParaRPr lang="en-US"/>
+          </a:p>
+        </p:txBody>
+      </p:sp>
+      <p:sp>
+        <p:nvSpPr>
+          <p:cNvPr id="13" name="Text Box 30">
+            <a:extLst>
+              <a:ext uri="{FF2B5EF4-FFF2-40B4-BE49-F238E27FC236}">
+                <a16:creationId xmlns:a16="http://schemas.microsoft.com/office/drawing/2014/main" id="{6E1491DA-84FF-46FE-BA55-02D6CCEFAE98}"/>
+              </a:ext>
+            </a:extLst>
+          </p:cNvPr>
+          <p:cNvSpPr txBox="1">
+            <a:spLocks noChangeArrowheads="1"/>
+          </p:cNvSpPr>
+          <p:nvPr/>
+        </p:nvSpPr>
+        <p:spPr bwMode="auto">
+          <a:xfrm>
+            <a:off x="6110288" y="1743076"/>
+            <a:ext cx="946150" cy="376237"/>
+          </a:xfrm>
+          <a:prstGeom prst="rect">
+            <a:avLst/>
+          </a:prstGeom>
+          <a:solidFill>
+            <a:srgbClr val="FFFF99"/>
+          </a:solidFill>
+          <a:ln w="9525">
+            <a:solidFill>
+              <a:schemeClr val="tx1"/>
+            </a:solidFill>
+            <a:miter lim="800000"/>
+            <a:headEnd/>
+            <a:tailEnd/>
+          </a:ln>
+        </p:spPr>
+        <p:txBody>
+          <a:bodyPr wrap="none">
+            <a:spAutoFit/>
+          </a:bodyPr>
+          <a:lstStyle/>
+          <a:p>
+            <a:r>
+              <a:rPr lang="en-US" altLang="zh-TW" b="1">
+                <a:latin typeface="Consolas" pitchFamily="49" charset="0"/>
+              </a:rPr>
+              <a:t>bind()</a:t>
+            </a:r>
+          </a:p>
+        </p:txBody>
+      </p:sp>
+      <p:sp>
+        <p:nvSpPr>
+          <p:cNvPr id="14" name="Line 31">
+            <a:extLst>
+              <a:ext uri="{FF2B5EF4-FFF2-40B4-BE49-F238E27FC236}">
+                <a16:creationId xmlns:a16="http://schemas.microsoft.com/office/drawing/2014/main" id="{74017E5F-A164-46D4-BAF4-B71F5C6CDFFB}"/>
+              </a:ext>
+            </a:extLst>
+          </p:cNvPr>
+          <p:cNvSpPr>
+            <a:spLocks noChangeShapeType="1"/>
+          </p:cNvSpPr>
+          <p:nvPr/>
+        </p:nvSpPr>
+        <p:spPr bwMode="auto">
+          <a:xfrm>
+            <a:off x="7253288" y="1909763"/>
+            <a:ext cx="457200" cy="0"/>
+          </a:xfrm>
+          <a:prstGeom prst="line">
+            <a:avLst/>
+          </a:prstGeom>
+          <a:noFill/>
+          <a:ln w="9525">
+            <a:solidFill>
+              <a:schemeClr val="tx1"/>
+            </a:solidFill>
+            <a:round/>
+            <a:headEnd/>
+            <a:tailEnd type="triangle" w="med" len="med"/>
+          </a:ln>
+        </p:spPr>
+        <p:txBody>
+          <a:bodyPr/>
+          <a:lstStyle/>
+          <a:p>
+            <a:endParaRPr lang="en-US"/>
+          </a:p>
+        </p:txBody>
+      </p:sp>
+      <p:sp>
+        <p:nvSpPr>
+          <p:cNvPr id="15" name="Line 32">
+            <a:extLst>
+              <a:ext uri="{FF2B5EF4-FFF2-40B4-BE49-F238E27FC236}">
+                <a16:creationId xmlns:a16="http://schemas.microsoft.com/office/drawing/2014/main" id="{D4D59AC5-37F2-42FD-86C4-59E687C70423}"/>
+              </a:ext>
+            </a:extLst>
+          </p:cNvPr>
+          <p:cNvSpPr>
+            <a:spLocks noChangeShapeType="1"/>
+          </p:cNvSpPr>
+          <p:nvPr/>
+        </p:nvSpPr>
+        <p:spPr bwMode="auto">
+          <a:xfrm flipV="1">
+            <a:off x="9234488" y="1985963"/>
+            <a:ext cx="1219200" cy="457200"/>
+          </a:xfrm>
+          <a:prstGeom prst="line">
+            <a:avLst/>
+          </a:prstGeom>
+          <a:noFill/>
+          <a:ln w="9525">
+            <a:solidFill>
+              <a:schemeClr val="tx1"/>
+            </a:solidFill>
+            <a:round/>
+            <a:headEnd/>
+            <a:tailEnd type="triangle" w="med" len="med"/>
+          </a:ln>
+        </p:spPr>
+        <p:txBody>
+          <a:bodyPr/>
+          <a:lstStyle/>
+          <a:p>
+            <a:endParaRPr lang="en-US"/>
+          </a:p>
+        </p:txBody>
+      </p:sp>
+      <p:sp>
+        <p:nvSpPr>
+          <p:cNvPr id="16" name="Line 33">
+            <a:extLst>
+              <a:ext uri="{FF2B5EF4-FFF2-40B4-BE49-F238E27FC236}">
+                <a16:creationId xmlns:a16="http://schemas.microsoft.com/office/drawing/2014/main" id="{5EAFD17E-38D0-4DFE-971D-79CE4A8F354B}"/>
+              </a:ext>
+            </a:extLst>
+          </p:cNvPr>
+          <p:cNvSpPr>
+            <a:spLocks noChangeShapeType="1"/>
+          </p:cNvSpPr>
+          <p:nvPr/>
+        </p:nvSpPr>
+        <p:spPr bwMode="auto">
+          <a:xfrm flipV="1">
+            <a:off x="9234488" y="2595563"/>
+            <a:ext cx="1447800" cy="0"/>
+          </a:xfrm>
+          <a:prstGeom prst="line">
+            <a:avLst/>
+          </a:prstGeom>
+          <a:noFill/>
+          <a:ln w="9525">
+            <a:solidFill>
+              <a:schemeClr val="tx1"/>
+            </a:solidFill>
+            <a:round/>
+            <a:headEnd/>
+            <a:tailEnd type="triangle" w="med" len="med"/>
+          </a:ln>
+        </p:spPr>
+        <p:txBody>
+          <a:bodyPr/>
+          <a:lstStyle/>
+          <a:p>
+            <a:endParaRPr lang="en-US"/>
+          </a:p>
+        </p:txBody>
+      </p:sp>
+      <p:sp>
+        <p:nvSpPr>
+          <p:cNvPr id="17" name="Text Box 34">
+            <a:extLst>
+              <a:ext uri="{FF2B5EF4-FFF2-40B4-BE49-F238E27FC236}">
+                <a16:creationId xmlns:a16="http://schemas.microsoft.com/office/drawing/2014/main" id="{DC2F8C2D-A59B-4E45-8FA5-FC56637B0D8D}"/>
+              </a:ext>
+            </a:extLst>
+          </p:cNvPr>
+          <p:cNvSpPr txBox="1">
+            <a:spLocks noChangeArrowheads="1"/>
+          </p:cNvSpPr>
+          <p:nvPr/>
+        </p:nvSpPr>
+        <p:spPr bwMode="auto">
+          <a:xfrm>
+            <a:off x="4052888" y="2438401"/>
+            <a:ext cx="1866900" cy="314325"/>
+          </a:xfrm>
+          <a:prstGeom prst="rect">
+            <a:avLst/>
+          </a:prstGeom>
+          <a:solidFill>
+            <a:schemeClr val="bg1"/>
+          </a:solidFill>
+          <a:ln w="9525">
+            <a:solidFill>
+              <a:srgbClr val="FF3300"/>
+            </a:solidFill>
+            <a:miter lim="800000"/>
+            <a:headEnd/>
+            <a:tailEnd/>
+          </a:ln>
+        </p:spPr>
+        <p:txBody>
+          <a:bodyPr wrap="none">
+            <a:spAutoFit/>
+          </a:bodyPr>
+          <a:lstStyle/>
+          <a:p>
+            <a:r>
+              <a:rPr lang="en-US" altLang="zh-TW" sz="1400" b="1" dirty="0">
+                <a:latin typeface="Consolas" pitchFamily="49" charset="0"/>
+              </a:rPr>
+              <a:t>Server flow chart</a:t>
+            </a:r>
+          </a:p>
+        </p:txBody>
+      </p:sp>
+      <p:sp>
+        <p:nvSpPr>
+          <p:cNvPr id="18" name="Text Box 35">
+            <a:extLst>
+              <a:ext uri="{FF2B5EF4-FFF2-40B4-BE49-F238E27FC236}">
+                <a16:creationId xmlns:a16="http://schemas.microsoft.com/office/drawing/2014/main" id="{76BDD808-3BFD-433E-BDE6-FC23921E96F0}"/>
+              </a:ext>
+            </a:extLst>
+          </p:cNvPr>
+          <p:cNvSpPr txBox="1">
+            <a:spLocks noChangeArrowheads="1"/>
+          </p:cNvSpPr>
+          <p:nvPr/>
+        </p:nvSpPr>
+        <p:spPr bwMode="auto">
+          <a:xfrm>
+            <a:off x="3960813" y="3216276"/>
+            <a:ext cx="4054475" cy="438150"/>
+          </a:xfrm>
+          <a:prstGeom prst="rect">
+            <a:avLst/>
+          </a:prstGeom>
+          <a:solidFill>
+            <a:schemeClr val="bg1"/>
+          </a:solidFill>
+          <a:ln w="9525">
+            <a:solidFill>
+              <a:schemeClr val="tx1"/>
+            </a:solidFill>
+            <a:miter lim="800000"/>
+            <a:headEnd/>
+            <a:tailEnd/>
+          </a:ln>
+        </p:spPr>
+        <p:txBody>
+          <a:bodyPr tIns="91440" bIns="91440">
+            <a:spAutoFit/>
+          </a:bodyPr>
+          <a:lstStyle/>
+          <a:p>
+            <a:r>
+              <a:rPr lang="en-US" altLang="zh-TW" sz="1600" dirty="0">
+                <a:latin typeface="Calibri" pitchFamily="34" charset="0"/>
+              </a:rPr>
+              <a:t>Step (1) &amp; Step(2) [ you know them now. ]</a:t>
+            </a:r>
+          </a:p>
+        </p:txBody>
+      </p:sp>
+      <p:sp>
+        <p:nvSpPr>
+          <p:cNvPr id="19" name="Rectangle 36">
+            <a:extLst>
+              <a:ext uri="{FF2B5EF4-FFF2-40B4-BE49-F238E27FC236}">
+                <a16:creationId xmlns:a16="http://schemas.microsoft.com/office/drawing/2014/main" id="{E17C543E-AA26-4EE5-B6E2-E51CDE572255}"/>
+              </a:ext>
+            </a:extLst>
+          </p:cNvPr>
+          <p:cNvSpPr>
+            <a:spLocks noChangeArrowheads="1"/>
+          </p:cNvSpPr>
+          <p:nvPr/>
+        </p:nvSpPr>
+        <p:spPr bwMode="auto">
+          <a:xfrm>
+            <a:off x="8548688" y="3052763"/>
+            <a:ext cx="3505200" cy="914400"/>
+          </a:xfrm>
+          <a:prstGeom prst="rect">
+            <a:avLst/>
+          </a:prstGeom>
+          <a:solidFill>
+            <a:schemeClr val="bg1"/>
+          </a:solidFill>
+          <a:ln w="9525">
+            <a:solidFill>
+              <a:schemeClr val="tx1"/>
+            </a:solidFill>
+            <a:miter lim="800000"/>
+            <a:headEnd/>
+            <a:tailEnd/>
+          </a:ln>
+        </p:spPr>
+        <p:txBody>
+          <a:bodyPr wrap="none" anchor="ctr"/>
+          <a:lstStyle/>
+          <a:p>
+            <a:endParaRPr lang="en-US"/>
+          </a:p>
+        </p:txBody>
+      </p:sp>
+      <p:sp>
+        <p:nvSpPr>
+          <p:cNvPr id="20" name="Text Box 37">
+            <a:extLst>
+              <a:ext uri="{FF2B5EF4-FFF2-40B4-BE49-F238E27FC236}">
+                <a16:creationId xmlns:a16="http://schemas.microsoft.com/office/drawing/2014/main" id="{BE8C8833-AB35-4972-8EB1-3911354DF231}"/>
+              </a:ext>
+            </a:extLst>
+          </p:cNvPr>
+          <p:cNvSpPr txBox="1">
+            <a:spLocks noChangeArrowheads="1"/>
+          </p:cNvSpPr>
+          <p:nvPr/>
+        </p:nvSpPr>
+        <p:spPr bwMode="auto">
+          <a:xfrm>
+            <a:off x="3976688" y="4040188"/>
+            <a:ext cx="4054475" cy="927100"/>
+          </a:xfrm>
+          <a:prstGeom prst="rect">
+            <a:avLst/>
+          </a:prstGeom>
+          <a:solidFill>
+            <a:schemeClr val="bg1"/>
+          </a:solidFill>
+          <a:ln w="9525">
+            <a:solidFill>
+              <a:schemeClr val="tx1"/>
+            </a:solidFill>
+            <a:miter lim="800000"/>
+            <a:headEnd/>
+            <a:tailEnd/>
+          </a:ln>
+        </p:spPr>
+        <p:txBody>
+          <a:bodyPr tIns="91440" bIns="91440">
+            <a:spAutoFit/>
+          </a:bodyPr>
+          <a:lstStyle/>
+          <a:p>
+            <a:r>
+              <a:rPr lang="en-US" altLang="zh-TW" sz="1600">
+                <a:latin typeface="Calibri" pitchFamily="34" charset="0"/>
+              </a:rPr>
+              <a:t>Step (3). </a:t>
+            </a:r>
+            <a:r>
+              <a:rPr lang="en-US" altLang="zh-TW" sz="1600" b="1">
+                <a:latin typeface="Calibri" pitchFamily="34" charset="0"/>
+              </a:rPr>
+              <a:t>listen()</a:t>
+            </a:r>
+            <a:endParaRPr lang="en-US" altLang="zh-TW" sz="1600">
+              <a:latin typeface="Calibri" pitchFamily="34" charset="0"/>
+            </a:endParaRPr>
+          </a:p>
+          <a:p>
+            <a:r>
+              <a:rPr lang="en-US" altLang="zh-TW" sz="1600">
+                <a:latin typeface="Calibri" pitchFamily="34" charset="0"/>
+              </a:rPr>
+              <a:t>- It sets the port to be listening to incoming connections, for TCP only.</a:t>
+            </a:r>
+          </a:p>
+        </p:txBody>
+      </p:sp>
+      <p:sp>
+        <p:nvSpPr>
+          <p:cNvPr id="21" name="Text Box 38">
+            <a:extLst>
+              <a:ext uri="{FF2B5EF4-FFF2-40B4-BE49-F238E27FC236}">
+                <a16:creationId xmlns:a16="http://schemas.microsoft.com/office/drawing/2014/main" id="{B21DE8A7-EBC6-4163-AA06-1C09A09EF97C}"/>
+              </a:ext>
+            </a:extLst>
+          </p:cNvPr>
+          <p:cNvSpPr txBox="1">
+            <a:spLocks noChangeArrowheads="1"/>
+          </p:cNvSpPr>
+          <p:nvPr/>
+        </p:nvSpPr>
+        <p:spPr bwMode="auto">
+          <a:xfrm>
+            <a:off x="3976688" y="5338763"/>
+            <a:ext cx="4054475" cy="927100"/>
+          </a:xfrm>
+          <a:prstGeom prst="rect">
+            <a:avLst/>
+          </a:prstGeom>
+          <a:solidFill>
+            <a:schemeClr val="bg1"/>
+          </a:solidFill>
+          <a:ln w="9525">
+            <a:solidFill>
+              <a:schemeClr val="tx1"/>
+            </a:solidFill>
+            <a:miter lim="800000"/>
+            <a:headEnd/>
+            <a:tailEnd/>
+          </a:ln>
+        </p:spPr>
+        <p:txBody>
+          <a:bodyPr tIns="91440" bIns="91440">
+            <a:spAutoFit/>
+          </a:bodyPr>
+          <a:lstStyle/>
+          <a:p>
+            <a:r>
+              <a:rPr lang="en-US" altLang="zh-TW" sz="1600" dirty="0">
+                <a:latin typeface="Calibri" pitchFamily="34" charset="0"/>
+              </a:rPr>
+              <a:t>Step (4). </a:t>
+            </a:r>
+            <a:r>
+              <a:rPr lang="en-US" altLang="zh-TW" sz="1600" b="1" dirty="0">
+                <a:latin typeface="Calibri" pitchFamily="34" charset="0"/>
+              </a:rPr>
+              <a:t>accept()</a:t>
+            </a:r>
+            <a:endParaRPr lang="en-US" altLang="zh-TW" sz="1600" dirty="0">
+              <a:latin typeface="Calibri" pitchFamily="34" charset="0"/>
+            </a:endParaRPr>
+          </a:p>
+          <a:p>
+            <a:r>
+              <a:rPr lang="en-US" altLang="zh-TW" sz="1600" dirty="0">
+                <a:latin typeface="Calibri" pitchFamily="34" charset="0"/>
+              </a:rPr>
+              <a:t>- Accept incoming connections.</a:t>
+            </a:r>
+          </a:p>
+          <a:p>
+            <a:r>
+              <a:rPr lang="en-US" altLang="zh-TW" sz="1600" dirty="0">
+                <a:latin typeface="Calibri" pitchFamily="34" charset="0"/>
+              </a:rPr>
+              <a:t>- A blocking system call.</a:t>
+            </a:r>
+          </a:p>
+        </p:txBody>
+      </p:sp>
+      <p:sp>
+        <p:nvSpPr>
+          <p:cNvPr id="22" name="Text Box 39">
+            <a:extLst>
+              <a:ext uri="{FF2B5EF4-FFF2-40B4-BE49-F238E27FC236}">
+                <a16:creationId xmlns:a16="http://schemas.microsoft.com/office/drawing/2014/main" id="{D4F89D13-3D02-4B3F-8DD3-7BA63D5837DC}"/>
+              </a:ext>
+            </a:extLst>
+          </p:cNvPr>
+          <p:cNvSpPr txBox="1">
+            <a:spLocks noChangeArrowheads="1"/>
+          </p:cNvSpPr>
+          <p:nvPr/>
+        </p:nvSpPr>
+        <p:spPr bwMode="auto">
+          <a:xfrm>
+            <a:off x="7862888" y="2352676"/>
+            <a:ext cx="1196975" cy="376237"/>
+          </a:xfrm>
+          <a:prstGeom prst="rect">
+            <a:avLst/>
+          </a:prstGeom>
+          <a:solidFill>
+            <a:srgbClr val="FFFF99"/>
+          </a:solidFill>
+          <a:ln w="9525">
+            <a:solidFill>
+              <a:schemeClr val="tx1"/>
+            </a:solidFill>
+            <a:miter lim="800000"/>
+            <a:headEnd/>
+            <a:tailEnd/>
+          </a:ln>
+        </p:spPr>
+        <p:txBody>
+          <a:bodyPr wrap="none">
+            <a:spAutoFit/>
+          </a:bodyPr>
+          <a:lstStyle/>
+          <a:p>
+            <a:r>
+              <a:rPr lang="en-US" altLang="zh-TW" b="1">
+                <a:latin typeface="Consolas" pitchFamily="49" charset="0"/>
+              </a:rPr>
+              <a:t>accept()</a:t>
+            </a:r>
+          </a:p>
+        </p:txBody>
+      </p:sp>
+      <p:sp>
+        <p:nvSpPr>
+          <p:cNvPr id="23" name="Text Box 40">
+            <a:extLst>
+              <a:ext uri="{FF2B5EF4-FFF2-40B4-BE49-F238E27FC236}">
+                <a16:creationId xmlns:a16="http://schemas.microsoft.com/office/drawing/2014/main" id="{DCAF029B-4F63-43FF-AECF-8F6DF02482B2}"/>
+              </a:ext>
+            </a:extLst>
+          </p:cNvPr>
+          <p:cNvSpPr txBox="1">
+            <a:spLocks noChangeArrowheads="1"/>
+          </p:cNvSpPr>
+          <p:nvPr/>
+        </p:nvSpPr>
+        <p:spPr bwMode="auto">
+          <a:xfrm>
+            <a:off x="8777288" y="3122613"/>
+            <a:ext cx="2490788" cy="830263"/>
+          </a:xfrm>
+          <a:prstGeom prst="rect">
+            <a:avLst/>
+          </a:prstGeom>
+          <a:noFill/>
+          <a:ln w="9525">
+            <a:noFill/>
+            <a:miter lim="800000"/>
+            <a:headEnd/>
+            <a:tailEnd/>
+          </a:ln>
+        </p:spPr>
+        <p:txBody>
+          <a:bodyPr wrap="none">
+            <a:spAutoFit/>
+          </a:bodyPr>
+          <a:lstStyle/>
+          <a:p>
+            <a:r>
+              <a:rPr lang="en-US" altLang="zh-TW" sz="1600" b="1">
+                <a:latin typeface="Calibri" pitchFamily="34" charset="0"/>
+              </a:rPr>
+              <a:t>read()</a:t>
+            </a:r>
+            <a:r>
+              <a:rPr lang="en-US" altLang="zh-TW" sz="1600">
+                <a:latin typeface="Calibri" pitchFamily="34" charset="0"/>
+              </a:rPr>
+              <a:t> – to receive data.</a:t>
+            </a:r>
+          </a:p>
+          <a:p>
+            <a:r>
+              <a:rPr lang="en-US" altLang="zh-TW" sz="1600" b="1">
+                <a:latin typeface="Calibri" pitchFamily="34" charset="0"/>
+              </a:rPr>
+              <a:t>write()</a:t>
+            </a:r>
+            <a:r>
+              <a:rPr lang="en-US" altLang="zh-TW" sz="1600">
+                <a:latin typeface="Calibri" pitchFamily="34" charset="0"/>
+              </a:rPr>
+              <a:t> – to send data.</a:t>
+            </a:r>
+          </a:p>
+          <a:p>
+            <a:r>
+              <a:rPr lang="en-US" altLang="zh-TW" sz="1600" b="1">
+                <a:latin typeface="Calibri" pitchFamily="34" charset="0"/>
+              </a:rPr>
+              <a:t>close()</a:t>
+            </a:r>
+            <a:r>
+              <a:rPr lang="en-US" altLang="zh-TW" sz="1600">
+                <a:latin typeface="Calibri" pitchFamily="34" charset="0"/>
+              </a:rPr>
+              <a:t> – to close the socket</a:t>
+            </a:r>
+          </a:p>
+        </p:txBody>
+      </p:sp>
+      <p:sp>
+        <p:nvSpPr>
+          <p:cNvPr id="24" name="Line 41">
+            <a:extLst>
+              <a:ext uri="{FF2B5EF4-FFF2-40B4-BE49-F238E27FC236}">
+                <a16:creationId xmlns:a16="http://schemas.microsoft.com/office/drawing/2014/main" id="{5DCD6942-DE13-4EFB-BEEB-67FAF2ED9264}"/>
+              </a:ext>
+            </a:extLst>
+          </p:cNvPr>
+          <p:cNvSpPr>
+            <a:spLocks noChangeShapeType="1"/>
+          </p:cNvSpPr>
+          <p:nvPr/>
+        </p:nvSpPr>
+        <p:spPr bwMode="auto">
+          <a:xfrm>
+            <a:off x="8472488" y="2138363"/>
+            <a:ext cx="0" cy="228600"/>
+          </a:xfrm>
+          <a:prstGeom prst="line">
+            <a:avLst/>
+          </a:prstGeom>
+          <a:noFill/>
+          <a:ln w="9525">
+            <a:solidFill>
+              <a:schemeClr val="tx1"/>
+            </a:solidFill>
+            <a:round/>
+            <a:headEnd/>
+            <a:tailEnd type="triangle" w="med" len="med"/>
+          </a:ln>
+        </p:spPr>
+        <p:txBody>
+          <a:bodyPr/>
+          <a:lstStyle/>
+          <a:p>
+            <a:endParaRPr lang="en-US"/>
+          </a:p>
+        </p:txBody>
+      </p:sp>
+      <p:sp>
+        <p:nvSpPr>
+          <p:cNvPr id="25" name="Text Box 42">
+            <a:extLst>
+              <a:ext uri="{FF2B5EF4-FFF2-40B4-BE49-F238E27FC236}">
+                <a16:creationId xmlns:a16="http://schemas.microsoft.com/office/drawing/2014/main" id="{512AC3EE-D825-46FE-82E0-FBAB52551D48}"/>
+              </a:ext>
+            </a:extLst>
+          </p:cNvPr>
+          <p:cNvSpPr txBox="1">
+            <a:spLocks noChangeArrowheads="1"/>
+          </p:cNvSpPr>
+          <p:nvPr/>
+        </p:nvSpPr>
+        <p:spPr bwMode="auto">
+          <a:xfrm>
+            <a:off x="9539288" y="6564313"/>
+            <a:ext cx="1624013" cy="284163"/>
+          </a:xfrm>
+          <a:prstGeom prst="rect">
+            <a:avLst/>
+          </a:prstGeom>
+          <a:noFill/>
+          <a:ln w="9525">
+            <a:solidFill>
+              <a:schemeClr val="tx1"/>
+            </a:solidFill>
+            <a:miter lim="800000"/>
+            <a:headEnd/>
+            <a:tailEnd/>
+          </a:ln>
+        </p:spPr>
+        <p:txBody>
+          <a:bodyPr wrap="none">
+            <a:spAutoFit/>
+          </a:bodyPr>
+          <a:lstStyle/>
+          <a:p>
+            <a:r>
+              <a:rPr lang="en-US" altLang="zh-TW" sz="1200" b="1">
+                <a:latin typeface="Consolas" pitchFamily="49" charset="0"/>
+              </a:rPr>
+              <a:t>* means optional.</a:t>
+            </a:r>
+          </a:p>
+        </p:txBody>
+      </p:sp>
     </p:spTree>
     <p:extLst>
       <p:ext uri="{BB962C8B-B14F-4D97-AF65-F5344CB8AC3E}">
-        <p14:creationId xmlns:p14="http://schemas.microsoft.com/office/powerpoint/2010/main" val="2279024797"/>
+        <p14:creationId xmlns:p14="http://schemas.microsoft.com/office/powerpoint/2010/main" val="2648031906"/>
       </p:ext>
     </p:extLst>
   </p:cSld>
@@ -6325,99 +10110,93 @@
           <a:p>
             <a:r>
               <a:rPr lang="en-US" b="1" dirty="0"/>
-              <a:t>Socket Programming: socket()</a:t>
-            </a:r>
-          </a:p>
-        </p:txBody>
-      </p:sp>
-      <p:sp>
-        <p:nvSpPr>
-          <p:cNvPr id="3" name="Content Placeholder 2">
-            <a:extLst>
-              <a:ext uri="{FF2B5EF4-FFF2-40B4-BE49-F238E27FC236}">
-                <a16:creationId xmlns:a16="http://schemas.microsoft.com/office/drawing/2014/main" id="{8F20472D-613F-3748-9CBD-88055CDB4B08}"/>
-              </a:ext>
-            </a:extLst>
-          </p:cNvPr>
-          <p:cNvSpPr>
-            <a:spLocks noGrp="1"/>
-          </p:cNvSpPr>
-          <p:nvPr>
-            <p:ph idx="1"/>
-          </p:nvPr>
-        </p:nvSpPr>
-        <p:spPr>
+              <a:t>Socket Programming: Complete Flow</a:t>
+            </a:r>
+          </a:p>
+        </p:txBody>
+      </p:sp>
+      <p:sp>
+        <p:nvSpPr>
+          <p:cNvPr id="9" name="Text Box 6">
+            <a:extLst>
+              <a:ext uri="{FF2B5EF4-FFF2-40B4-BE49-F238E27FC236}">
+                <a16:creationId xmlns:a16="http://schemas.microsoft.com/office/drawing/2014/main" id="{F6AFE687-0492-4A55-AB34-D24ED6DC8C22}"/>
+              </a:ext>
+            </a:extLst>
+          </p:cNvPr>
+          <p:cNvSpPr txBox="1">
+            <a:spLocks noChangeArrowheads="1"/>
+          </p:cNvSpPr>
+          <p:nvPr/>
+        </p:nvSpPr>
+        <p:spPr bwMode="auto">
           <a:xfrm>
-            <a:off x="838200" y="1825625"/>
-            <a:ext cx="10515600" cy="1701346"/>
-          </a:xfrm>
-        </p:spPr>
-        <p:txBody>
-          <a:bodyPr>
-            <a:normAutofit/>
-          </a:bodyPr>
-          <a:lstStyle/>
-          <a:p>
-            <a:pPr marL="0" indent="0">
-              <a:buNone/>
-            </a:pPr>
-            <a:r>
-              <a:rPr lang="en-US" sz="3200" dirty="0"/>
-              <a:t>Create a socket</a:t>
-            </a:r>
-          </a:p>
-        </p:txBody>
-      </p:sp>
-      <p:pic>
-        <p:nvPicPr>
-          <p:cNvPr id="4" name="Picture 3">
-            <a:extLst>
-              <a:ext uri="{FF2B5EF4-FFF2-40B4-BE49-F238E27FC236}">
-                <a16:creationId xmlns:a16="http://schemas.microsoft.com/office/drawing/2014/main" id="{89B148E8-50D7-4542-A495-2257CE9D6A0C}"/>
-              </a:ext>
-            </a:extLst>
-          </p:cNvPr>
-          <p:cNvPicPr>
-            <a:picLocks noChangeAspect="1"/>
-          </p:cNvPicPr>
-          <p:nvPr/>
-        </p:nvPicPr>
-        <p:blipFill>
-          <a:blip r:embed="rId2"/>
-          <a:stretch>
-            <a:fillRect/>
-          </a:stretch>
-        </p:blipFill>
-        <p:spPr>
-          <a:xfrm>
-            <a:off x="1287690" y="2919109"/>
-            <a:ext cx="9616620" cy="629587"/>
+            <a:off x="2263775" y="1876426"/>
+            <a:ext cx="1196975" cy="376237"/>
           </a:xfrm>
           <a:prstGeom prst="rect">
             <a:avLst/>
           </a:prstGeom>
+          <a:solidFill>
+            <a:srgbClr val="FFFF99"/>
+          </a:solidFill>
+          <a:ln w="9525">
+            <a:solidFill>
+              <a:schemeClr val="tx1"/>
+            </a:solidFill>
+            <a:miter lim="800000"/>
+            <a:headEnd/>
+            <a:tailEnd/>
+          </a:ln>
         </p:spPr>
-      </p:pic>
-      <p:sp>
-        <p:nvSpPr>
-          <p:cNvPr id="5" name="Rectangle 4">
-            <a:extLst>
-              <a:ext uri="{FF2B5EF4-FFF2-40B4-BE49-F238E27FC236}">
-                <a16:creationId xmlns:a16="http://schemas.microsoft.com/office/drawing/2014/main" id="{D0C166B3-D1B0-6A4E-9334-36DA412495C4}"/>
-              </a:ext>
-            </a:extLst>
-          </p:cNvPr>
-          <p:cNvSpPr/>
+        <p:txBody>
+          <a:bodyPr wrap="none">
+            <a:spAutoFit/>
+          </a:bodyPr>
+          <a:lstStyle/>
+          <a:p>
+            <a:r>
+              <a:rPr lang="en-US" altLang="zh-TW" b="1" dirty="0">
+                <a:latin typeface="Consolas" pitchFamily="49" charset="0"/>
+              </a:rPr>
+              <a:t>socket()</a:t>
+            </a:r>
+          </a:p>
+        </p:txBody>
+      </p:sp>
+      <p:sp>
+        <p:nvSpPr>
+          <p:cNvPr id="10" name="Text Box 7">
+            <a:extLst>
+              <a:ext uri="{FF2B5EF4-FFF2-40B4-BE49-F238E27FC236}">
+                <a16:creationId xmlns:a16="http://schemas.microsoft.com/office/drawing/2014/main" id="{34CEA3E1-E825-4190-BA28-33FC42C33F18}"/>
+              </a:ext>
+            </a:extLst>
+          </p:cNvPr>
+          <p:cNvSpPr txBox="1">
+            <a:spLocks noChangeArrowheads="1"/>
+          </p:cNvSpPr>
           <p:nvPr/>
         </p:nvSpPr>
-        <p:spPr>
+        <p:spPr bwMode="auto">
           <a:xfrm>
-            <a:off x="838200" y="4200009"/>
-            <a:ext cx="7635552" cy="461665"/>
+            <a:off x="5997575" y="1876426"/>
+            <a:ext cx="1196975" cy="376237"/>
           </a:xfrm>
           <a:prstGeom prst="rect">
             <a:avLst/>
           </a:prstGeom>
+          <a:solidFill>
+            <a:srgbClr val="FFFF99"/>
+          </a:solidFill>
+          <a:ln w="9525">
+            <a:solidFill>
+              <a:schemeClr val="tx1"/>
+            </a:solidFill>
+            <a:miter lim="800000"/>
+            <a:headEnd/>
+            <a:tailEnd/>
+          </a:ln>
         </p:spPr>
         <p:txBody>
           <a:bodyPr wrap="none">
@@ -6426,12 +10205,1178 @@
           <a:lstStyle/>
           <a:p>
             <a:r>
-              <a:rPr lang="en-US" sz="2400" dirty="0" err="1"/>
-              <a:t>socket_fd</a:t>
-            </a:r>
-            <a:r>
-              <a:rPr lang="en-US" sz="2400" dirty="0"/>
-              <a:t> = socket(AF_INET, SOCK_STREAM, IPPROTO_TCP);</a:t>
+              <a:rPr lang="en-US" altLang="zh-TW" b="1">
+                <a:latin typeface="Consolas" pitchFamily="49" charset="0"/>
+              </a:rPr>
+              <a:t>listen()</a:t>
+            </a:r>
+          </a:p>
+        </p:txBody>
+      </p:sp>
+      <p:sp>
+        <p:nvSpPr>
+          <p:cNvPr id="11" name="Text Box 9">
+            <a:extLst>
+              <a:ext uri="{FF2B5EF4-FFF2-40B4-BE49-F238E27FC236}">
+                <a16:creationId xmlns:a16="http://schemas.microsoft.com/office/drawing/2014/main" id="{9EDF3584-74B0-4730-AA57-AAA168C844E0}"/>
+              </a:ext>
+            </a:extLst>
+          </p:cNvPr>
+          <p:cNvSpPr txBox="1">
+            <a:spLocks noChangeArrowheads="1"/>
+          </p:cNvSpPr>
+          <p:nvPr/>
+        </p:nvSpPr>
+        <p:spPr bwMode="auto">
+          <a:xfrm>
+            <a:off x="8740775" y="2271713"/>
+            <a:ext cx="1219200" cy="650875"/>
+          </a:xfrm>
+          <a:prstGeom prst="rect">
+            <a:avLst/>
+          </a:prstGeom>
+          <a:solidFill>
+            <a:srgbClr val="FFFF99"/>
+          </a:solidFill>
+          <a:ln w="9525">
+            <a:solidFill>
+              <a:schemeClr val="tx1"/>
+            </a:solidFill>
+            <a:miter lim="800000"/>
+            <a:headEnd/>
+            <a:tailEnd/>
+          </a:ln>
+        </p:spPr>
+        <p:txBody>
+          <a:bodyPr>
+            <a:spAutoFit/>
+          </a:bodyPr>
+          <a:lstStyle/>
+          <a:p>
+            <a:r>
+              <a:rPr lang="en-US" altLang="zh-TW" b="1">
+                <a:latin typeface="Consolas" pitchFamily="49" charset="0"/>
+              </a:rPr>
+              <a:t>read() &amp; write()</a:t>
+            </a:r>
+          </a:p>
+        </p:txBody>
+      </p:sp>
+      <p:sp>
+        <p:nvSpPr>
+          <p:cNvPr id="12" name="Line 10">
+            <a:extLst>
+              <a:ext uri="{FF2B5EF4-FFF2-40B4-BE49-F238E27FC236}">
+                <a16:creationId xmlns:a16="http://schemas.microsoft.com/office/drawing/2014/main" id="{E83C4907-AB29-4059-8561-579811A2BBEB}"/>
+              </a:ext>
+            </a:extLst>
+          </p:cNvPr>
+          <p:cNvSpPr>
+            <a:spLocks noChangeShapeType="1"/>
+          </p:cNvSpPr>
+          <p:nvPr/>
+        </p:nvSpPr>
+        <p:spPr bwMode="auto">
+          <a:xfrm>
+            <a:off x="3635375" y="2043113"/>
+            <a:ext cx="457200" cy="0"/>
+          </a:xfrm>
+          <a:prstGeom prst="line">
+            <a:avLst/>
+          </a:prstGeom>
+          <a:noFill/>
+          <a:ln w="9525">
+            <a:solidFill>
+              <a:schemeClr val="tx1"/>
+            </a:solidFill>
+            <a:round/>
+            <a:headEnd/>
+            <a:tailEnd type="triangle" w="med" len="med"/>
+          </a:ln>
+        </p:spPr>
+        <p:txBody>
+          <a:bodyPr/>
+          <a:lstStyle/>
+          <a:p>
+            <a:endParaRPr lang="en-US"/>
+          </a:p>
+        </p:txBody>
+      </p:sp>
+      <p:sp>
+        <p:nvSpPr>
+          <p:cNvPr id="13" name="Text Box 11">
+            <a:extLst>
+              <a:ext uri="{FF2B5EF4-FFF2-40B4-BE49-F238E27FC236}">
+                <a16:creationId xmlns:a16="http://schemas.microsoft.com/office/drawing/2014/main" id="{244D6EC8-8247-47DF-AB89-82CCA3504F2F}"/>
+              </a:ext>
+            </a:extLst>
+          </p:cNvPr>
+          <p:cNvSpPr txBox="1">
+            <a:spLocks noChangeArrowheads="1"/>
+          </p:cNvSpPr>
+          <p:nvPr/>
+        </p:nvSpPr>
+        <p:spPr bwMode="auto">
+          <a:xfrm>
+            <a:off x="4244975" y="1876426"/>
+            <a:ext cx="946150" cy="376237"/>
+          </a:xfrm>
+          <a:prstGeom prst="rect">
+            <a:avLst/>
+          </a:prstGeom>
+          <a:solidFill>
+            <a:srgbClr val="FFFF99"/>
+          </a:solidFill>
+          <a:ln w="9525">
+            <a:solidFill>
+              <a:schemeClr val="tx1"/>
+            </a:solidFill>
+            <a:miter lim="800000"/>
+            <a:headEnd/>
+            <a:tailEnd/>
+          </a:ln>
+        </p:spPr>
+        <p:txBody>
+          <a:bodyPr wrap="none">
+            <a:spAutoFit/>
+          </a:bodyPr>
+          <a:lstStyle/>
+          <a:p>
+            <a:r>
+              <a:rPr lang="en-US" altLang="zh-TW" b="1">
+                <a:latin typeface="Consolas" pitchFamily="49" charset="0"/>
+              </a:rPr>
+              <a:t>bind()</a:t>
+            </a:r>
+          </a:p>
+        </p:txBody>
+      </p:sp>
+      <p:sp>
+        <p:nvSpPr>
+          <p:cNvPr id="14" name="Line 12">
+            <a:extLst>
+              <a:ext uri="{FF2B5EF4-FFF2-40B4-BE49-F238E27FC236}">
+                <a16:creationId xmlns:a16="http://schemas.microsoft.com/office/drawing/2014/main" id="{2C0B79DC-7211-46C9-9B05-933BEAB4A187}"/>
+              </a:ext>
+            </a:extLst>
+          </p:cNvPr>
+          <p:cNvSpPr>
+            <a:spLocks noChangeShapeType="1"/>
+          </p:cNvSpPr>
+          <p:nvPr/>
+        </p:nvSpPr>
+        <p:spPr bwMode="auto">
+          <a:xfrm>
+            <a:off x="5387975" y="2043113"/>
+            <a:ext cx="457200" cy="0"/>
+          </a:xfrm>
+          <a:prstGeom prst="line">
+            <a:avLst/>
+          </a:prstGeom>
+          <a:noFill/>
+          <a:ln w="9525">
+            <a:solidFill>
+              <a:schemeClr val="tx1"/>
+            </a:solidFill>
+            <a:round/>
+            <a:headEnd/>
+            <a:tailEnd type="triangle" w="med" len="med"/>
+          </a:ln>
+        </p:spPr>
+        <p:txBody>
+          <a:bodyPr/>
+          <a:lstStyle/>
+          <a:p>
+            <a:endParaRPr lang="en-US"/>
+          </a:p>
+        </p:txBody>
+      </p:sp>
+      <p:sp>
+        <p:nvSpPr>
+          <p:cNvPr id="15" name="Line 14">
+            <a:extLst>
+              <a:ext uri="{FF2B5EF4-FFF2-40B4-BE49-F238E27FC236}">
+                <a16:creationId xmlns:a16="http://schemas.microsoft.com/office/drawing/2014/main" id="{43E296AB-0EEF-4E91-94A8-7EBF3F9648E3}"/>
+              </a:ext>
+            </a:extLst>
+          </p:cNvPr>
+          <p:cNvSpPr>
+            <a:spLocks noChangeShapeType="1"/>
+          </p:cNvSpPr>
+          <p:nvPr/>
+        </p:nvSpPr>
+        <p:spPr bwMode="auto">
+          <a:xfrm flipV="1">
+            <a:off x="7216775" y="2617788"/>
+            <a:ext cx="1447800" cy="0"/>
+          </a:xfrm>
+          <a:prstGeom prst="line">
+            <a:avLst/>
+          </a:prstGeom>
+          <a:noFill/>
+          <a:ln w="9525">
+            <a:solidFill>
+              <a:schemeClr val="tx1"/>
+            </a:solidFill>
+            <a:round/>
+            <a:headEnd/>
+            <a:tailEnd type="triangle" w="med" len="med"/>
+          </a:ln>
+        </p:spPr>
+        <p:txBody>
+          <a:bodyPr/>
+          <a:lstStyle/>
+          <a:p>
+            <a:endParaRPr lang="en-US"/>
+          </a:p>
+        </p:txBody>
+      </p:sp>
+      <p:sp>
+        <p:nvSpPr>
+          <p:cNvPr id="16" name="Text Box 15">
+            <a:extLst>
+              <a:ext uri="{FF2B5EF4-FFF2-40B4-BE49-F238E27FC236}">
+                <a16:creationId xmlns:a16="http://schemas.microsoft.com/office/drawing/2014/main" id="{6BCF302D-B88D-477B-8D98-501931225764}"/>
+              </a:ext>
+            </a:extLst>
+          </p:cNvPr>
+          <p:cNvSpPr txBox="1">
+            <a:spLocks noChangeArrowheads="1"/>
+          </p:cNvSpPr>
+          <p:nvPr/>
+        </p:nvSpPr>
+        <p:spPr bwMode="auto">
+          <a:xfrm>
+            <a:off x="2187575" y="3709988"/>
+            <a:ext cx="1866900" cy="314325"/>
+          </a:xfrm>
+          <a:prstGeom prst="rect">
+            <a:avLst/>
+          </a:prstGeom>
+          <a:solidFill>
+            <a:schemeClr val="bg1"/>
+          </a:solidFill>
+          <a:ln w="9525">
+            <a:solidFill>
+              <a:srgbClr val="FF3300"/>
+            </a:solidFill>
+            <a:miter lim="800000"/>
+            <a:headEnd/>
+            <a:tailEnd/>
+          </a:ln>
+        </p:spPr>
+        <p:txBody>
+          <a:bodyPr wrap="none">
+            <a:spAutoFit/>
+          </a:bodyPr>
+          <a:lstStyle/>
+          <a:p>
+            <a:r>
+              <a:rPr lang="en-US" altLang="zh-TW" sz="1400" b="1" dirty="0">
+                <a:latin typeface="Consolas" pitchFamily="49" charset="0"/>
+              </a:rPr>
+              <a:t>Server flow chart</a:t>
+            </a:r>
+          </a:p>
+        </p:txBody>
+      </p:sp>
+      <p:sp>
+        <p:nvSpPr>
+          <p:cNvPr id="17" name="Text Box 16">
+            <a:extLst>
+              <a:ext uri="{FF2B5EF4-FFF2-40B4-BE49-F238E27FC236}">
+                <a16:creationId xmlns:a16="http://schemas.microsoft.com/office/drawing/2014/main" id="{17F0FCD2-C122-43FA-A96E-A2EF64DB3C05}"/>
+              </a:ext>
+            </a:extLst>
+          </p:cNvPr>
+          <p:cNvSpPr txBox="1">
+            <a:spLocks noChangeArrowheads="1"/>
+          </p:cNvSpPr>
+          <p:nvPr/>
+        </p:nvSpPr>
+        <p:spPr bwMode="auto">
+          <a:xfrm>
+            <a:off x="5997575" y="2486026"/>
+            <a:ext cx="1196975" cy="376237"/>
+          </a:xfrm>
+          <a:prstGeom prst="rect">
+            <a:avLst/>
+          </a:prstGeom>
+          <a:solidFill>
+            <a:srgbClr val="FFFF99"/>
+          </a:solidFill>
+          <a:ln w="9525">
+            <a:solidFill>
+              <a:schemeClr val="tx1"/>
+            </a:solidFill>
+            <a:miter lim="800000"/>
+            <a:headEnd/>
+            <a:tailEnd/>
+          </a:ln>
+        </p:spPr>
+        <p:txBody>
+          <a:bodyPr wrap="none">
+            <a:spAutoFit/>
+          </a:bodyPr>
+          <a:lstStyle/>
+          <a:p>
+            <a:r>
+              <a:rPr lang="en-US" altLang="zh-TW" b="1">
+                <a:latin typeface="Consolas" pitchFamily="49" charset="0"/>
+              </a:rPr>
+              <a:t>accept()</a:t>
+            </a:r>
+          </a:p>
+        </p:txBody>
+      </p:sp>
+      <p:sp>
+        <p:nvSpPr>
+          <p:cNvPr id="18" name="Line 17">
+            <a:extLst>
+              <a:ext uri="{FF2B5EF4-FFF2-40B4-BE49-F238E27FC236}">
+                <a16:creationId xmlns:a16="http://schemas.microsoft.com/office/drawing/2014/main" id="{4D023969-95A2-468A-A3E0-B675ED6570BA}"/>
+              </a:ext>
+            </a:extLst>
+          </p:cNvPr>
+          <p:cNvSpPr>
+            <a:spLocks noChangeShapeType="1"/>
+          </p:cNvSpPr>
+          <p:nvPr/>
+        </p:nvSpPr>
+        <p:spPr bwMode="auto">
+          <a:xfrm>
+            <a:off x="6607175" y="2271713"/>
+            <a:ext cx="0" cy="228600"/>
+          </a:xfrm>
+          <a:prstGeom prst="line">
+            <a:avLst/>
+          </a:prstGeom>
+          <a:noFill/>
+          <a:ln w="9525">
+            <a:solidFill>
+              <a:schemeClr val="tx1"/>
+            </a:solidFill>
+            <a:round/>
+            <a:headEnd/>
+            <a:tailEnd type="triangle" w="med" len="med"/>
+          </a:ln>
+        </p:spPr>
+        <p:txBody>
+          <a:bodyPr/>
+          <a:lstStyle/>
+          <a:p>
+            <a:endParaRPr lang="en-US"/>
+          </a:p>
+        </p:txBody>
+      </p:sp>
+      <p:sp>
+        <p:nvSpPr>
+          <p:cNvPr id="19" name="Rectangle 18">
+            <a:extLst>
+              <a:ext uri="{FF2B5EF4-FFF2-40B4-BE49-F238E27FC236}">
+                <a16:creationId xmlns:a16="http://schemas.microsoft.com/office/drawing/2014/main" id="{D4289FA5-0234-4100-9377-F65B26C0F808}"/>
+              </a:ext>
+            </a:extLst>
+          </p:cNvPr>
+          <p:cNvSpPr>
+            <a:spLocks noChangeArrowheads="1"/>
+          </p:cNvSpPr>
+          <p:nvPr/>
+        </p:nvSpPr>
+        <p:spPr bwMode="auto">
+          <a:xfrm>
+            <a:off x="2339975" y="2195513"/>
+            <a:ext cx="990600" cy="304800"/>
+          </a:xfrm>
+          <a:prstGeom prst="rect">
+            <a:avLst/>
+          </a:prstGeom>
+          <a:solidFill>
+            <a:schemeClr val="folHlink"/>
+          </a:solidFill>
+          <a:ln w="9525" algn="ctr">
+            <a:solidFill>
+              <a:schemeClr val="tx1"/>
+            </a:solidFill>
+            <a:miter lim="800000"/>
+            <a:headEnd/>
+            <a:tailEnd/>
+          </a:ln>
+        </p:spPr>
+        <p:txBody>
+          <a:bodyPr wrap="none" anchor="ctr"/>
+          <a:lstStyle/>
+          <a:p>
+            <a:r>
+              <a:rPr lang="en-US" altLang="zh-TW" sz="1400" b="1" dirty="0">
+                <a:latin typeface="Consolas" pitchFamily="49" charset="0"/>
+              </a:rPr>
+              <a:t>Socket FD</a:t>
+            </a:r>
+          </a:p>
+        </p:txBody>
+      </p:sp>
+      <p:sp>
+        <p:nvSpPr>
+          <p:cNvPr id="20" name="Rectangle 19">
+            <a:extLst>
+              <a:ext uri="{FF2B5EF4-FFF2-40B4-BE49-F238E27FC236}">
+                <a16:creationId xmlns:a16="http://schemas.microsoft.com/office/drawing/2014/main" id="{7FD8A21C-1E7E-4D09-B905-8CE711B8C75A}"/>
+              </a:ext>
+            </a:extLst>
+          </p:cNvPr>
+          <p:cNvSpPr>
+            <a:spLocks noChangeArrowheads="1"/>
+          </p:cNvSpPr>
+          <p:nvPr/>
+        </p:nvSpPr>
+        <p:spPr bwMode="auto">
+          <a:xfrm>
+            <a:off x="4244975" y="2195513"/>
+            <a:ext cx="990600" cy="304800"/>
+          </a:xfrm>
+          <a:prstGeom prst="rect">
+            <a:avLst/>
+          </a:prstGeom>
+          <a:solidFill>
+            <a:schemeClr val="folHlink"/>
+          </a:solidFill>
+          <a:ln w="9525" algn="ctr">
+            <a:solidFill>
+              <a:schemeClr val="tx1"/>
+            </a:solidFill>
+            <a:miter lim="800000"/>
+            <a:headEnd/>
+            <a:tailEnd/>
+          </a:ln>
+        </p:spPr>
+        <p:txBody>
+          <a:bodyPr wrap="none" anchor="ctr"/>
+          <a:lstStyle/>
+          <a:p>
+            <a:r>
+              <a:rPr lang="en-US" altLang="zh-TW" sz="1400" b="1">
+                <a:latin typeface="Consolas" pitchFamily="49" charset="0"/>
+              </a:rPr>
+              <a:t>Socket FD</a:t>
+            </a:r>
+          </a:p>
+        </p:txBody>
+      </p:sp>
+      <p:sp>
+        <p:nvSpPr>
+          <p:cNvPr id="21" name="Rectangle 20">
+            <a:extLst>
+              <a:ext uri="{FF2B5EF4-FFF2-40B4-BE49-F238E27FC236}">
+                <a16:creationId xmlns:a16="http://schemas.microsoft.com/office/drawing/2014/main" id="{D2B94EDB-4E65-4E1D-A28A-5B6B4ED81935}"/>
+              </a:ext>
+            </a:extLst>
+          </p:cNvPr>
+          <p:cNvSpPr>
+            <a:spLocks noChangeArrowheads="1"/>
+          </p:cNvSpPr>
+          <p:nvPr/>
+        </p:nvSpPr>
+        <p:spPr bwMode="auto">
+          <a:xfrm>
+            <a:off x="6073775" y="1585913"/>
+            <a:ext cx="990600" cy="304800"/>
+          </a:xfrm>
+          <a:prstGeom prst="rect">
+            <a:avLst/>
+          </a:prstGeom>
+          <a:solidFill>
+            <a:schemeClr val="folHlink"/>
+          </a:solidFill>
+          <a:ln w="9525" algn="ctr">
+            <a:solidFill>
+              <a:schemeClr val="tx1"/>
+            </a:solidFill>
+            <a:miter lim="800000"/>
+            <a:headEnd/>
+            <a:tailEnd/>
+          </a:ln>
+        </p:spPr>
+        <p:txBody>
+          <a:bodyPr wrap="none" anchor="ctr"/>
+          <a:lstStyle/>
+          <a:p>
+            <a:r>
+              <a:rPr lang="en-US" altLang="zh-TW" sz="1400" b="1">
+                <a:latin typeface="Consolas" pitchFamily="49" charset="0"/>
+              </a:rPr>
+              <a:t>Socket FD</a:t>
+            </a:r>
+          </a:p>
+        </p:txBody>
+      </p:sp>
+      <p:sp>
+        <p:nvSpPr>
+          <p:cNvPr id="22" name="Rectangle 21">
+            <a:extLst>
+              <a:ext uri="{FF2B5EF4-FFF2-40B4-BE49-F238E27FC236}">
+                <a16:creationId xmlns:a16="http://schemas.microsoft.com/office/drawing/2014/main" id="{49E2CC8E-EDB7-4393-86A1-74F25FC28D6D}"/>
+              </a:ext>
+            </a:extLst>
+          </p:cNvPr>
+          <p:cNvSpPr>
+            <a:spLocks noChangeArrowheads="1"/>
+          </p:cNvSpPr>
+          <p:nvPr/>
+        </p:nvSpPr>
+        <p:spPr bwMode="auto">
+          <a:xfrm>
+            <a:off x="6073775" y="2805113"/>
+            <a:ext cx="990600" cy="304800"/>
+          </a:xfrm>
+          <a:prstGeom prst="rect">
+            <a:avLst/>
+          </a:prstGeom>
+          <a:solidFill>
+            <a:schemeClr val="folHlink"/>
+          </a:solidFill>
+          <a:ln w="9525" algn="ctr">
+            <a:solidFill>
+              <a:schemeClr val="tx1"/>
+            </a:solidFill>
+            <a:miter lim="800000"/>
+            <a:headEnd/>
+            <a:tailEnd/>
+          </a:ln>
+        </p:spPr>
+        <p:txBody>
+          <a:bodyPr wrap="none" anchor="ctr"/>
+          <a:lstStyle/>
+          <a:p>
+            <a:r>
+              <a:rPr lang="en-US" altLang="zh-TW" sz="1400" b="1">
+                <a:latin typeface="Consolas" pitchFamily="49" charset="0"/>
+              </a:rPr>
+              <a:t>Socket FD</a:t>
+            </a:r>
+          </a:p>
+        </p:txBody>
+      </p:sp>
+      <p:sp>
+        <p:nvSpPr>
+          <p:cNvPr id="23" name="Rectangle 22">
+            <a:extLst>
+              <a:ext uri="{FF2B5EF4-FFF2-40B4-BE49-F238E27FC236}">
+                <a16:creationId xmlns:a16="http://schemas.microsoft.com/office/drawing/2014/main" id="{1C9CEC58-E6BE-4C40-8200-5922040D68EC}"/>
+              </a:ext>
+            </a:extLst>
+          </p:cNvPr>
+          <p:cNvSpPr>
+            <a:spLocks noChangeArrowheads="1"/>
+          </p:cNvSpPr>
+          <p:nvPr/>
+        </p:nvSpPr>
+        <p:spPr bwMode="auto">
+          <a:xfrm>
+            <a:off x="8816975" y="2008188"/>
+            <a:ext cx="990600" cy="304800"/>
+          </a:xfrm>
+          <a:prstGeom prst="rect">
+            <a:avLst/>
+          </a:prstGeom>
+          <a:solidFill>
+            <a:schemeClr val="hlink"/>
+          </a:solidFill>
+          <a:ln w="9525" algn="ctr">
+            <a:solidFill>
+              <a:schemeClr val="tx1"/>
+            </a:solidFill>
+            <a:miter lim="800000"/>
+            <a:headEnd/>
+            <a:tailEnd/>
+          </a:ln>
+        </p:spPr>
+        <p:txBody>
+          <a:bodyPr wrap="none" anchor="ctr"/>
+          <a:lstStyle/>
+          <a:p>
+            <a:r>
+              <a:rPr lang="en-US" altLang="zh-TW" sz="1400" b="1" dirty="0">
+                <a:solidFill>
+                  <a:schemeClr val="bg1"/>
+                </a:solidFill>
+                <a:latin typeface="Consolas" pitchFamily="49" charset="0"/>
+              </a:rPr>
+              <a:t>Accept FD</a:t>
+            </a:r>
+          </a:p>
+        </p:txBody>
+      </p:sp>
+      <p:sp>
+        <p:nvSpPr>
+          <p:cNvPr id="24" name="Text Box 23">
+            <a:extLst>
+              <a:ext uri="{FF2B5EF4-FFF2-40B4-BE49-F238E27FC236}">
+                <a16:creationId xmlns:a16="http://schemas.microsoft.com/office/drawing/2014/main" id="{94F98D6C-E4AD-4590-AE5B-B0B3DBE42A12}"/>
+              </a:ext>
+            </a:extLst>
+          </p:cNvPr>
+          <p:cNvSpPr txBox="1">
+            <a:spLocks noChangeArrowheads="1"/>
+          </p:cNvSpPr>
+          <p:nvPr/>
+        </p:nvSpPr>
+        <p:spPr bwMode="auto">
+          <a:xfrm>
+            <a:off x="8359775" y="3373438"/>
+            <a:ext cx="1219200" cy="650875"/>
+          </a:xfrm>
+          <a:prstGeom prst="rect">
+            <a:avLst/>
+          </a:prstGeom>
+          <a:solidFill>
+            <a:srgbClr val="FFFF99"/>
+          </a:solidFill>
+          <a:ln w="9525">
+            <a:solidFill>
+              <a:schemeClr val="tx1"/>
+            </a:solidFill>
+            <a:miter lim="800000"/>
+            <a:headEnd/>
+            <a:tailEnd/>
+          </a:ln>
+        </p:spPr>
+        <p:txBody>
+          <a:bodyPr>
+            <a:spAutoFit/>
+          </a:bodyPr>
+          <a:lstStyle/>
+          <a:p>
+            <a:r>
+              <a:rPr lang="en-US" altLang="zh-TW" b="1">
+                <a:latin typeface="Consolas" pitchFamily="49" charset="0"/>
+              </a:rPr>
+              <a:t>read() &amp; write()</a:t>
+            </a:r>
+          </a:p>
+        </p:txBody>
+      </p:sp>
+      <p:sp>
+        <p:nvSpPr>
+          <p:cNvPr id="25" name="Line 24">
+            <a:extLst>
+              <a:ext uri="{FF2B5EF4-FFF2-40B4-BE49-F238E27FC236}">
+                <a16:creationId xmlns:a16="http://schemas.microsoft.com/office/drawing/2014/main" id="{670D0AA2-BFA6-4BC7-AE67-50825652B4B7}"/>
+              </a:ext>
+            </a:extLst>
+          </p:cNvPr>
+          <p:cNvSpPr>
+            <a:spLocks noChangeShapeType="1"/>
+          </p:cNvSpPr>
+          <p:nvPr/>
+        </p:nvSpPr>
+        <p:spPr bwMode="auto">
+          <a:xfrm>
+            <a:off x="7292975" y="2881313"/>
+            <a:ext cx="990600" cy="685800"/>
+          </a:xfrm>
+          <a:prstGeom prst="line">
+            <a:avLst/>
+          </a:prstGeom>
+          <a:noFill/>
+          <a:ln w="9525">
+            <a:solidFill>
+              <a:schemeClr val="tx1"/>
+            </a:solidFill>
+            <a:round/>
+            <a:headEnd/>
+            <a:tailEnd type="triangle" w="med" len="med"/>
+          </a:ln>
+        </p:spPr>
+        <p:txBody>
+          <a:bodyPr/>
+          <a:lstStyle/>
+          <a:p>
+            <a:endParaRPr lang="en-US"/>
+          </a:p>
+        </p:txBody>
+      </p:sp>
+      <p:sp>
+        <p:nvSpPr>
+          <p:cNvPr id="26" name="Rectangle 25">
+            <a:extLst>
+              <a:ext uri="{FF2B5EF4-FFF2-40B4-BE49-F238E27FC236}">
+                <a16:creationId xmlns:a16="http://schemas.microsoft.com/office/drawing/2014/main" id="{60BC3896-39BA-478F-BF56-19FA3C55759C}"/>
+              </a:ext>
+            </a:extLst>
+          </p:cNvPr>
+          <p:cNvSpPr>
+            <a:spLocks noChangeArrowheads="1"/>
+          </p:cNvSpPr>
+          <p:nvPr/>
+        </p:nvSpPr>
+        <p:spPr bwMode="auto">
+          <a:xfrm>
+            <a:off x="8435975" y="3109913"/>
+            <a:ext cx="990600" cy="304800"/>
+          </a:xfrm>
+          <a:prstGeom prst="rect">
+            <a:avLst/>
+          </a:prstGeom>
+          <a:solidFill>
+            <a:schemeClr val="hlink"/>
+          </a:solidFill>
+          <a:ln w="9525" algn="ctr">
+            <a:solidFill>
+              <a:schemeClr val="tx1"/>
+            </a:solidFill>
+            <a:miter lim="800000"/>
+            <a:headEnd/>
+            <a:tailEnd/>
+          </a:ln>
+        </p:spPr>
+        <p:txBody>
+          <a:bodyPr wrap="none" anchor="ctr"/>
+          <a:lstStyle/>
+          <a:p>
+            <a:r>
+              <a:rPr lang="en-US" altLang="zh-TW" sz="1400" b="1" dirty="0">
+                <a:solidFill>
+                  <a:schemeClr val="bg1"/>
+                </a:solidFill>
+                <a:latin typeface="Consolas" pitchFamily="49" charset="0"/>
+              </a:rPr>
+              <a:t>Accept FD</a:t>
+            </a:r>
+          </a:p>
+        </p:txBody>
+      </p:sp>
+      <p:sp>
+        <p:nvSpPr>
+          <p:cNvPr id="27" name="Oval 26">
+            <a:extLst>
+              <a:ext uri="{FF2B5EF4-FFF2-40B4-BE49-F238E27FC236}">
+                <a16:creationId xmlns:a16="http://schemas.microsoft.com/office/drawing/2014/main" id="{D04EEB0F-761A-4404-822C-C1CEB3CD10F8}"/>
+              </a:ext>
+            </a:extLst>
+          </p:cNvPr>
+          <p:cNvSpPr>
+            <a:spLocks noChangeArrowheads="1"/>
+          </p:cNvSpPr>
+          <p:nvPr/>
+        </p:nvSpPr>
+        <p:spPr bwMode="auto">
+          <a:xfrm>
+            <a:off x="7978775" y="2728913"/>
+            <a:ext cx="76200" cy="76200"/>
+          </a:xfrm>
+          <a:prstGeom prst="ellipse">
+            <a:avLst/>
+          </a:prstGeom>
+          <a:solidFill>
+            <a:schemeClr val="tx1"/>
+          </a:solidFill>
+          <a:ln w="9525" algn="ctr">
+            <a:solidFill>
+              <a:schemeClr val="tx1"/>
+            </a:solidFill>
+            <a:round/>
+            <a:headEnd/>
+            <a:tailEnd/>
+          </a:ln>
+        </p:spPr>
+        <p:txBody>
+          <a:bodyPr wrap="none" anchor="ctr"/>
+          <a:lstStyle/>
+          <a:p>
+            <a:endParaRPr lang="en-US"/>
+          </a:p>
+        </p:txBody>
+      </p:sp>
+      <p:sp>
+        <p:nvSpPr>
+          <p:cNvPr id="28" name="Oval 27">
+            <a:extLst>
+              <a:ext uri="{FF2B5EF4-FFF2-40B4-BE49-F238E27FC236}">
+                <a16:creationId xmlns:a16="http://schemas.microsoft.com/office/drawing/2014/main" id="{5C2683EF-7905-4295-8288-A7DF6297853F}"/>
+              </a:ext>
+            </a:extLst>
+          </p:cNvPr>
+          <p:cNvSpPr>
+            <a:spLocks noChangeArrowheads="1"/>
+          </p:cNvSpPr>
+          <p:nvPr/>
+        </p:nvSpPr>
+        <p:spPr bwMode="auto">
+          <a:xfrm>
+            <a:off x="7978775" y="2881313"/>
+            <a:ext cx="76200" cy="76200"/>
+          </a:xfrm>
+          <a:prstGeom prst="ellipse">
+            <a:avLst/>
+          </a:prstGeom>
+          <a:solidFill>
+            <a:schemeClr val="tx1"/>
+          </a:solidFill>
+          <a:ln w="9525" algn="ctr">
+            <a:solidFill>
+              <a:schemeClr val="tx1"/>
+            </a:solidFill>
+            <a:round/>
+            <a:headEnd/>
+            <a:tailEnd/>
+          </a:ln>
+        </p:spPr>
+        <p:txBody>
+          <a:bodyPr wrap="none" anchor="ctr"/>
+          <a:lstStyle/>
+          <a:p>
+            <a:endParaRPr lang="en-US"/>
+          </a:p>
+        </p:txBody>
+      </p:sp>
+      <p:sp>
+        <p:nvSpPr>
+          <p:cNvPr id="29" name="Oval 28">
+            <a:extLst>
+              <a:ext uri="{FF2B5EF4-FFF2-40B4-BE49-F238E27FC236}">
+                <a16:creationId xmlns:a16="http://schemas.microsoft.com/office/drawing/2014/main" id="{38A9B143-8954-45B1-B481-3D090FB57874}"/>
+              </a:ext>
+            </a:extLst>
+          </p:cNvPr>
+          <p:cNvSpPr>
+            <a:spLocks noChangeArrowheads="1"/>
+          </p:cNvSpPr>
+          <p:nvPr/>
+        </p:nvSpPr>
+        <p:spPr bwMode="auto">
+          <a:xfrm>
+            <a:off x="7978775" y="3033713"/>
+            <a:ext cx="76200" cy="76200"/>
+          </a:xfrm>
+          <a:prstGeom prst="ellipse">
+            <a:avLst/>
+          </a:prstGeom>
+          <a:solidFill>
+            <a:schemeClr val="tx1"/>
+          </a:solidFill>
+          <a:ln w="9525" algn="ctr">
+            <a:solidFill>
+              <a:schemeClr val="tx1"/>
+            </a:solidFill>
+            <a:round/>
+            <a:headEnd/>
+            <a:tailEnd/>
+          </a:ln>
+        </p:spPr>
+        <p:txBody>
+          <a:bodyPr wrap="none" anchor="ctr"/>
+          <a:lstStyle/>
+          <a:p>
+            <a:endParaRPr lang="en-US"/>
+          </a:p>
+        </p:txBody>
+      </p:sp>
+      <p:sp>
+        <p:nvSpPr>
+          <p:cNvPr id="31" name="Text Box 30">
+            <a:extLst>
+              <a:ext uri="{FF2B5EF4-FFF2-40B4-BE49-F238E27FC236}">
+                <a16:creationId xmlns:a16="http://schemas.microsoft.com/office/drawing/2014/main" id="{F0B5B28B-72D4-4E80-87A2-4986B9984663}"/>
+              </a:ext>
+            </a:extLst>
+          </p:cNvPr>
+          <p:cNvSpPr txBox="1">
+            <a:spLocks noChangeArrowheads="1"/>
+          </p:cNvSpPr>
+          <p:nvPr/>
+        </p:nvSpPr>
+        <p:spPr bwMode="auto">
+          <a:xfrm>
+            <a:off x="2187575" y="4329113"/>
+            <a:ext cx="7696200" cy="430213"/>
+          </a:xfrm>
+          <a:prstGeom prst="rect">
+            <a:avLst/>
+          </a:prstGeom>
+          <a:solidFill>
+            <a:schemeClr val="bg1"/>
+          </a:solidFill>
+          <a:ln w="9525">
+            <a:solidFill>
+              <a:schemeClr val="tx1"/>
+            </a:solidFill>
+            <a:miter lim="800000"/>
+            <a:headEnd/>
+            <a:tailEnd/>
+          </a:ln>
+        </p:spPr>
+        <p:txBody>
+          <a:bodyPr tIns="91440" bIns="91440">
+            <a:spAutoFit/>
+          </a:bodyPr>
+          <a:lstStyle/>
+          <a:p>
+            <a:r>
+              <a:rPr lang="en-US" altLang="zh-TW" sz="1600" dirty="0">
+                <a:latin typeface="Calibri" pitchFamily="34" charset="0"/>
+              </a:rPr>
+              <a:t>An interesting thing about </a:t>
+            </a:r>
+            <a:r>
+              <a:rPr lang="en-US" altLang="zh-TW" sz="1600" b="1" dirty="0">
+                <a:latin typeface="Calibri" pitchFamily="34" charset="0"/>
+              </a:rPr>
+              <a:t>accept()</a:t>
+            </a:r>
+            <a:r>
+              <a:rPr lang="en-US" altLang="zh-TW" sz="1600" dirty="0">
+                <a:latin typeface="Calibri" pitchFamily="34" charset="0"/>
+              </a:rPr>
+              <a:t> is the creation of a </a:t>
+            </a:r>
+            <a:r>
+              <a:rPr lang="en-US" altLang="zh-TW" sz="1600" b="1" dirty="0">
+                <a:solidFill>
+                  <a:srgbClr val="FF3300"/>
+                </a:solidFill>
+                <a:latin typeface="Calibri" pitchFamily="34" charset="0"/>
+              </a:rPr>
+              <a:t>new file descriptor</a:t>
+            </a:r>
+            <a:r>
+              <a:rPr lang="en-US" altLang="zh-TW" sz="1600" dirty="0">
+                <a:latin typeface="Calibri" pitchFamily="34" charset="0"/>
+              </a:rPr>
+              <a:t>!</a:t>
+            </a:r>
+          </a:p>
+        </p:txBody>
+      </p:sp>
+      <p:sp>
+        <p:nvSpPr>
+          <p:cNvPr id="32" name="Text Box 31">
+            <a:extLst>
+              <a:ext uri="{FF2B5EF4-FFF2-40B4-BE49-F238E27FC236}">
+                <a16:creationId xmlns:a16="http://schemas.microsoft.com/office/drawing/2014/main" id="{3BF08CE2-AE43-465C-8504-4E22C3A2FA9C}"/>
+              </a:ext>
+            </a:extLst>
+          </p:cNvPr>
+          <p:cNvSpPr txBox="1">
+            <a:spLocks noChangeArrowheads="1"/>
+          </p:cNvSpPr>
+          <p:nvPr/>
+        </p:nvSpPr>
+        <p:spPr bwMode="auto">
+          <a:xfrm>
+            <a:off x="2187575" y="4938713"/>
+            <a:ext cx="3733800" cy="1416050"/>
+          </a:xfrm>
+          <a:prstGeom prst="rect">
+            <a:avLst/>
+          </a:prstGeom>
+          <a:solidFill>
+            <a:schemeClr val="bg1"/>
+          </a:solidFill>
+          <a:ln w="9525">
+            <a:solidFill>
+              <a:schemeClr val="tx1"/>
+            </a:solidFill>
+            <a:miter lim="800000"/>
+            <a:headEnd/>
+            <a:tailEnd/>
+          </a:ln>
+        </p:spPr>
+        <p:txBody>
+          <a:bodyPr tIns="91440" bIns="91440">
+            <a:spAutoFit/>
+          </a:bodyPr>
+          <a:lstStyle/>
+          <a:p>
+            <a:r>
+              <a:rPr lang="en-US" altLang="zh-TW" sz="1600" b="1" u="sng" dirty="0">
+                <a:latin typeface="Calibri" pitchFamily="34" charset="0"/>
+              </a:rPr>
+              <a:t>Application layer’s point of view.</a:t>
+            </a:r>
+          </a:p>
+          <a:p>
+            <a:endParaRPr lang="en-US" altLang="zh-TW" sz="1600" dirty="0">
+              <a:latin typeface="Calibri" pitchFamily="34" charset="0"/>
+            </a:endParaRPr>
+          </a:p>
+          <a:p>
+            <a:r>
+              <a:rPr lang="en-US" altLang="zh-TW" sz="1600" dirty="0">
+                <a:latin typeface="Calibri" pitchFamily="34" charset="0"/>
+              </a:rPr>
+              <a:t>Good!  It provides each connection a new handler and we can distinguish every connection!</a:t>
+            </a:r>
+          </a:p>
+        </p:txBody>
+      </p:sp>
+      <p:sp>
+        <p:nvSpPr>
+          <p:cNvPr id="33" name="Rectangle 32">
+            <a:extLst>
+              <a:ext uri="{FF2B5EF4-FFF2-40B4-BE49-F238E27FC236}">
+                <a16:creationId xmlns:a16="http://schemas.microsoft.com/office/drawing/2014/main" id="{5C29ADE9-9816-4B60-9622-82270D1BC9A0}"/>
+              </a:ext>
+            </a:extLst>
+          </p:cNvPr>
+          <p:cNvSpPr>
+            <a:spLocks noChangeArrowheads="1"/>
+          </p:cNvSpPr>
+          <p:nvPr/>
+        </p:nvSpPr>
+        <p:spPr bwMode="auto">
+          <a:xfrm>
+            <a:off x="7292975" y="2195513"/>
+            <a:ext cx="1295400" cy="304800"/>
+          </a:xfrm>
+          <a:prstGeom prst="rect">
+            <a:avLst/>
+          </a:prstGeom>
+          <a:solidFill>
+            <a:schemeClr val="bg1"/>
+          </a:solidFill>
+          <a:ln w="9525" algn="ctr">
+            <a:solidFill>
+              <a:schemeClr val="tx1"/>
+            </a:solidFill>
+            <a:miter lim="800000"/>
+            <a:headEnd/>
+            <a:tailEnd/>
+          </a:ln>
+        </p:spPr>
+        <p:txBody>
+          <a:bodyPr wrap="none" anchor="ctr"/>
+          <a:lstStyle/>
+          <a:p>
+            <a:r>
+              <a:rPr lang="en-US" altLang="zh-TW" sz="1200" b="1">
+                <a:latin typeface="Consolas" pitchFamily="49" charset="0"/>
+              </a:rPr>
+              <a:t>connection #1</a:t>
+            </a:r>
+          </a:p>
+        </p:txBody>
+      </p:sp>
+      <p:sp>
+        <p:nvSpPr>
+          <p:cNvPr id="34" name="Rectangle 33">
+            <a:extLst>
+              <a:ext uri="{FF2B5EF4-FFF2-40B4-BE49-F238E27FC236}">
+                <a16:creationId xmlns:a16="http://schemas.microsoft.com/office/drawing/2014/main" id="{F75872B7-6D75-4EF2-A03D-2B66163D87F5}"/>
+              </a:ext>
+            </a:extLst>
+          </p:cNvPr>
+          <p:cNvSpPr>
+            <a:spLocks noChangeArrowheads="1"/>
+          </p:cNvSpPr>
+          <p:nvPr/>
+        </p:nvSpPr>
+        <p:spPr bwMode="auto">
+          <a:xfrm>
+            <a:off x="6759575" y="3414713"/>
+            <a:ext cx="1295400" cy="304800"/>
+          </a:xfrm>
+          <a:prstGeom prst="rect">
+            <a:avLst/>
+          </a:prstGeom>
+          <a:solidFill>
+            <a:schemeClr val="bg1"/>
+          </a:solidFill>
+          <a:ln w="9525" algn="ctr">
+            <a:solidFill>
+              <a:schemeClr val="tx1"/>
+            </a:solidFill>
+            <a:miter lim="800000"/>
+            <a:headEnd/>
+            <a:tailEnd/>
+          </a:ln>
+        </p:spPr>
+        <p:txBody>
+          <a:bodyPr wrap="none" anchor="ctr"/>
+          <a:lstStyle/>
+          <a:p>
+            <a:r>
+              <a:rPr lang="en-US" altLang="zh-TW" sz="1200" b="1">
+                <a:latin typeface="Consolas" pitchFamily="49" charset="0"/>
+              </a:rPr>
+              <a:t>connection #n</a:t>
+            </a:r>
+          </a:p>
+        </p:txBody>
+      </p:sp>
+      <p:sp>
+        <p:nvSpPr>
+          <p:cNvPr id="35" name="Text Box 34">
+            <a:extLst>
+              <a:ext uri="{FF2B5EF4-FFF2-40B4-BE49-F238E27FC236}">
+                <a16:creationId xmlns:a16="http://schemas.microsoft.com/office/drawing/2014/main" id="{72FED377-0EC2-45E9-8638-AA6034CD5CB5}"/>
+              </a:ext>
+            </a:extLst>
+          </p:cNvPr>
+          <p:cNvSpPr txBox="1">
+            <a:spLocks noChangeArrowheads="1"/>
+          </p:cNvSpPr>
+          <p:nvPr/>
+        </p:nvSpPr>
+        <p:spPr bwMode="auto">
+          <a:xfrm>
+            <a:off x="6149975" y="4938713"/>
+            <a:ext cx="3733800" cy="1416050"/>
+          </a:xfrm>
+          <a:prstGeom prst="rect">
+            <a:avLst/>
+          </a:prstGeom>
+          <a:solidFill>
+            <a:schemeClr val="bg1"/>
+          </a:solidFill>
+          <a:ln w="9525">
+            <a:solidFill>
+              <a:schemeClr val="tx1"/>
+            </a:solidFill>
+            <a:miter lim="800000"/>
+            <a:headEnd/>
+            <a:tailEnd/>
+          </a:ln>
+        </p:spPr>
+        <p:txBody>
+          <a:bodyPr tIns="91440" bIns="91440">
+            <a:spAutoFit/>
+          </a:bodyPr>
+          <a:lstStyle/>
+          <a:p>
+            <a:r>
+              <a:rPr lang="en-US" altLang="zh-TW" sz="1600" b="1" u="sng" dirty="0">
+                <a:latin typeface="Calibri" pitchFamily="34" charset="0"/>
+              </a:rPr>
+              <a:t>Transport layer’s point of view.</a:t>
+            </a:r>
+          </a:p>
+          <a:p>
+            <a:endParaRPr lang="en-US" altLang="zh-TW" sz="1600" dirty="0">
+              <a:latin typeface="Calibri" pitchFamily="34" charset="0"/>
+            </a:endParaRPr>
+          </a:p>
+          <a:p>
+            <a:r>
+              <a:rPr lang="en-US" altLang="zh-TW" sz="1600" dirty="0">
+                <a:latin typeface="Calibri" pitchFamily="34" charset="0"/>
+              </a:rPr>
+              <a:t>Well, for TCP, every FD points to </a:t>
+            </a:r>
+            <a:r>
+              <a:rPr lang="en-US" altLang="zh-TW" sz="1600" b="1" dirty="0">
+                <a:solidFill>
+                  <a:srgbClr val="C00000"/>
+                </a:solidFill>
+                <a:latin typeface="Calibri" pitchFamily="34" charset="0"/>
+              </a:rPr>
+              <a:t>a unique TCP control structure</a:t>
+            </a:r>
+            <a:r>
+              <a:rPr lang="en-US" altLang="zh-TW" sz="1600" dirty="0">
+                <a:latin typeface="Calibri" pitchFamily="34" charset="0"/>
+              </a:rPr>
+              <a:t>. It is a necessary for reliable data transfer!</a:t>
             </a:r>
           </a:p>
         </p:txBody>
@@ -6439,7 +11384,7 @@
     </p:spTree>
     <p:extLst>
       <p:ext uri="{BB962C8B-B14F-4D97-AF65-F5344CB8AC3E}">
-        <p14:creationId xmlns:p14="http://schemas.microsoft.com/office/powerpoint/2010/main" val="2477746496"/>
+        <p14:creationId xmlns:p14="http://schemas.microsoft.com/office/powerpoint/2010/main" val="2287890620"/>
       </p:ext>
     </p:extLst>
   </p:cSld>
@@ -6489,7 +11434,7 @@
           <a:p>
             <a:r>
               <a:rPr lang="en-US" b="1" dirty="0"/>
-              <a:t>Socket Programming-Server: bind()</a:t>
+              <a:t>Socket Programming: socket()</a:t>
             </a:r>
           </a:p>
         </p:txBody>
@@ -6513,7 +11458,7 @@
         <p:spPr>
           <a:xfrm>
             <a:off x="838200" y="1825625"/>
-            <a:ext cx="10515600" cy="1754326"/>
+            <a:ext cx="10515600" cy="1701346"/>
           </a:xfrm>
         </p:spPr>
         <p:txBody>
@@ -6526,30 +11471,18 @@
               <a:buNone/>
             </a:pPr>
             <a:r>
-              <a:rPr lang="en-US" sz="3500" dirty="0"/>
-              <a:t>Bind an address to a socket</a:t>
-            </a:r>
-          </a:p>
-          <a:p>
-            <a:pPr marL="0" indent="0">
-              <a:buNone/>
-            </a:pPr>
-            <a:endParaRPr lang="en-US" sz="3200" dirty="0"/>
-          </a:p>
-          <a:p>
-            <a:pPr marL="0" indent="0">
-              <a:buNone/>
-            </a:pPr>
-            <a:endParaRPr lang="en-US" sz="3200" dirty="0"/>
+              <a:rPr lang="en-US" sz="3200" dirty="0"/>
+              <a:t>Create a socket</a:t>
+            </a:r>
           </a:p>
         </p:txBody>
       </p:sp>
       <p:pic>
         <p:nvPicPr>
-          <p:cNvPr id="5" name="Picture 4">
-            <a:extLst>
-              <a:ext uri="{FF2B5EF4-FFF2-40B4-BE49-F238E27FC236}">
-                <a16:creationId xmlns:a16="http://schemas.microsoft.com/office/drawing/2014/main" id="{273285BD-3165-3D46-A0CB-9A06242E6EF4}"/>
+          <p:cNvPr id="4" name="Picture 3">
+            <a:extLst>
+              <a:ext uri="{FF2B5EF4-FFF2-40B4-BE49-F238E27FC236}">
+                <a16:creationId xmlns:a16="http://schemas.microsoft.com/office/drawing/2014/main" id="{89B148E8-50D7-4542-A495-2257CE9D6A0C}"/>
               </a:ext>
             </a:extLst>
           </p:cNvPr>
@@ -6566,8 +11499,8 @@
         </p:blipFill>
         <p:spPr>
           <a:xfrm>
-            <a:off x="923474" y="2674261"/>
-            <a:ext cx="10541000" cy="863600"/>
+            <a:off x="1287690" y="2919109"/>
+            <a:ext cx="9616620" cy="629587"/>
           </a:xfrm>
           <a:prstGeom prst="rect">
             <a:avLst/>
@@ -6576,10 +11509,10 @@
       </p:pic>
       <p:sp>
         <p:nvSpPr>
-          <p:cNvPr id="6" name="Rectangle 5">
-            <a:extLst>
-              <a:ext uri="{FF2B5EF4-FFF2-40B4-BE49-F238E27FC236}">
-                <a16:creationId xmlns:a16="http://schemas.microsoft.com/office/drawing/2014/main" id="{8B586356-C565-9B40-BF75-839DA7B53FCB}"/>
+          <p:cNvPr id="5" name="Rectangle 4">
+            <a:extLst>
+              <a:ext uri="{FF2B5EF4-FFF2-40B4-BE49-F238E27FC236}">
+                <a16:creationId xmlns:a16="http://schemas.microsoft.com/office/drawing/2014/main" id="{D0C166B3-D1B0-6A4E-9334-36DA412495C4}"/>
               </a:ext>
             </a:extLst>
           </p:cNvPr>
@@ -6588,156 +11521,26 @@
         </p:nvSpPr>
         <p:spPr>
           <a:xfrm>
-            <a:off x="838199" y="3889059"/>
-            <a:ext cx="7445829" cy="2308324"/>
+            <a:off x="838200" y="4200009"/>
+            <a:ext cx="7635552" cy="461665"/>
           </a:xfrm>
           <a:prstGeom prst="rect">
             <a:avLst/>
           </a:prstGeom>
         </p:spPr>
         <p:txBody>
-          <a:bodyPr wrap="square">
+          <a:bodyPr wrap="none">
             <a:spAutoFit/>
           </a:bodyPr>
           <a:lstStyle/>
           <a:p>
             <a:r>
+              <a:rPr lang="en-US" sz="2400" dirty="0" err="1"/>
+              <a:t>socket_fd</a:t>
+            </a:r>
+            <a:r>
               <a:rPr lang="en-US" sz="2400" dirty="0"/>
-              <a:t>struct </a:t>
-            </a:r>
-            <a:r>
-              <a:rPr lang="en-US" sz="2400" dirty="0" err="1"/>
-              <a:t>sockaddr_in</a:t>
-            </a:r>
-            <a:r>
-              <a:rPr lang="en-US" sz="2400" dirty="0"/>
-              <a:t> </a:t>
-            </a:r>
-            <a:r>
-              <a:rPr lang="en-US" sz="2400" dirty="0" err="1"/>
-              <a:t>addr</a:t>
-            </a:r>
-            <a:r>
-              <a:rPr lang="en-US" sz="2400" dirty="0"/>
-              <a:t>; </a:t>
-            </a:r>
-          </a:p>
-          <a:p>
-            <a:r>
-              <a:rPr lang="en-US" sz="2400" dirty="0" err="1"/>
-              <a:t>memset</a:t>
-            </a:r>
-            <a:r>
-              <a:rPr lang="en-US" sz="2400" dirty="0"/>
-              <a:t>(&amp;</a:t>
-            </a:r>
-            <a:r>
-              <a:rPr lang="en-US" sz="2400" dirty="0" err="1"/>
-              <a:t>addr</a:t>
-            </a:r>
-            <a:r>
-              <a:rPr lang="en-US" sz="2400" dirty="0"/>
-              <a:t>, 0, </a:t>
-            </a:r>
-            <a:r>
-              <a:rPr lang="en-US" sz="2400" dirty="0" err="1"/>
-              <a:t>sizeof</a:t>
-            </a:r>
-            <a:r>
-              <a:rPr lang="en-US" sz="2400" dirty="0"/>
-              <a:t>(</a:t>
-            </a:r>
-            <a:r>
-              <a:rPr lang="en-US" sz="2400" dirty="0" err="1"/>
-              <a:t>addr</a:t>
-            </a:r>
-            <a:r>
-              <a:rPr lang="en-US" sz="2400" dirty="0"/>
-              <a:t>)); </a:t>
-            </a:r>
-          </a:p>
-          <a:p>
-            <a:r>
-              <a:rPr lang="en-US" sz="2400" dirty="0" err="1"/>
-              <a:t>addr.sin_family</a:t>
-            </a:r>
-            <a:r>
-              <a:rPr lang="en-US" sz="2400" dirty="0"/>
-              <a:t> = AF_INET; </a:t>
-            </a:r>
-          </a:p>
-          <a:p>
-            <a:r>
-              <a:rPr lang="en-US" sz="2400" dirty="0" err="1"/>
-              <a:t>addr.sin_addr.s_addr</a:t>
-            </a:r>
-            <a:r>
-              <a:rPr lang="en-US" sz="2400" dirty="0"/>
-              <a:t> = INADDR_ANY; </a:t>
-            </a:r>
-          </a:p>
-          <a:p>
-            <a:r>
-              <a:rPr lang="en-US" sz="2400" dirty="0" err="1"/>
-              <a:t>addr.sin_port</a:t>
-            </a:r>
-            <a:r>
-              <a:rPr lang="en-US" sz="2400" dirty="0"/>
-              <a:t> = </a:t>
-            </a:r>
-            <a:r>
-              <a:rPr lang="en-US" sz="2400" dirty="0" err="1"/>
-              <a:t>htons</a:t>
-            </a:r>
-            <a:r>
-              <a:rPr lang="en-US" sz="2400" dirty="0"/>
-              <a:t>(port); </a:t>
-            </a:r>
-          </a:p>
-          <a:p>
-            <a:r>
-              <a:rPr lang="en-US" sz="2400" dirty="0"/>
-              <a:t>bind(</a:t>
-            </a:r>
-            <a:r>
-              <a:rPr lang="en-US" sz="2400" dirty="0" err="1"/>
-              <a:t>sockfd</a:t>
-            </a:r>
-            <a:r>
-              <a:rPr lang="en-US" sz="2400" dirty="0"/>
-              <a:t>, (struct </a:t>
-            </a:r>
-            <a:r>
-              <a:rPr lang="en-US" sz="2400" dirty="0" err="1"/>
-              <a:t>sockaddr</a:t>
-            </a:r>
-            <a:r>
-              <a:rPr lang="en-US" sz="2400" dirty="0"/>
-              <a:t> *) &amp;</a:t>
-            </a:r>
-            <a:r>
-              <a:rPr lang="en-US" sz="2400" dirty="0" err="1"/>
-              <a:t>addr</a:t>
-            </a:r>
-            <a:r>
-              <a:rPr lang="en-US" sz="2400" dirty="0"/>
-              <a:t>, </a:t>
-            </a:r>
-            <a:r>
-              <a:rPr lang="en-US" sz="2400" dirty="0" err="1"/>
-              <a:t>sizeof</a:t>
-            </a:r>
-            <a:r>
-              <a:rPr lang="en-US" sz="2400" dirty="0"/>
-              <a:t>(</a:t>
-            </a:r>
-            <a:r>
-              <a:rPr lang="en-US" sz="2400" dirty="0" err="1"/>
-              <a:t>addr</a:t>
-            </a:r>
-            <a:r>
-              <a:rPr lang="en-US" sz="2400" dirty="0"/>
-              <a:t>));</a:t>
+              <a:t> = socket(AF_INET, SOCK_STREAM, IPPROTO_TCP);</a:t>
             </a:r>
           </a:p>
         </p:txBody>
@@ -6745,7 +11548,7 @@
     </p:spTree>
     <p:extLst>
       <p:ext uri="{BB962C8B-B14F-4D97-AF65-F5344CB8AC3E}">
-        <p14:creationId xmlns:p14="http://schemas.microsoft.com/office/powerpoint/2010/main" val="3355003134"/>
+        <p14:creationId xmlns:p14="http://schemas.microsoft.com/office/powerpoint/2010/main" val="2477746496"/>
       </p:ext>
     </p:extLst>
   </p:cSld>

--- a/tutorial/T01/tut01.pptx
+++ b/tutorial/T01/tut01.pptx
@@ -6,23 +6,24 @@
   </p:sldMasterIdLst>
   <p:sldIdLst>
     <p:sldId id="256" r:id="rId2"/>
-    <p:sldId id="257" r:id="rId3"/>
-    <p:sldId id="258" r:id="rId4"/>
-    <p:sldId id="259" r:id="rId5"/>
-    <p:sldId id="261" r:id="rId6"/>
-    <p:sldId id="260" r:id="rId7"/>
-    <p:sldId id="262" r:id="rId8"/>
-    <p:sldId id="273" r:id="rId9"/>
-    <p:sldId id="263" r:id="rId10"/>
-    <p:sldId id="264" r:id="rId11"/>
-    <p:sldId id="265" r:id="rId12"/>
-    <p:sldId id="266" r:id="rId13"/>
-    <p:sldId id="267" r:id="rId14"/>
-    <p:sldId id="268" r:id="rId15"/>
-    <p:sldId id="269" r:id="rId16"/>
-    <p:sldId id="270" r:id="rId17"/>
-    <p:sldId id="271" r:id="rId18"/>
-    <p:sldId id="272" r:id="rId19"/>
+    <p:sldId id="274" r:id="rId3"/>
+    <p:sldId id="257" r:id="rId4"/>
+    <p:sldId id="258" r:id="rId5"/>
+    <p:sldId id="259" r:id="rId6"/>
+    <p:sldId id="261" r:id="rId7"/>
+    <p:sldId id="260" r:id="rId8"/>
+    <p:sldId id="262" r:id="rId9"/>
+    <p:sldId id="273" r:id="rId10"/>
+    <p:sldId id="263" r:id="rId11"/>
+    <p:sldId id="264" r:id="rId12"/>
+    <p:sldId id="265" r:id="rId13"/>
+    <p:sldId id="266" r:id="rId14"/>
+    <p:sldId id="267" r:id="rId15"/>
+    <p:sldId id="268" r:id="rId16"/>
+    <p:sldId id="269" r:id="rId17"/>
+    <p:sldId id="270" r:id="rId18"/>
+    <p:sldId id="271" r:id="rId19"/>
+    <p:sldId id="272" r:id="rId20"/>
   </p:sldIdLst>
   <p:sldSz cx="12192000" cy="6858000"/>
   <p:notesSz cx="6858000" cy="9144000"/>
@@ -1005,7 +1006,7 @@
           <a:p>
             <a:fld id="{2425905D-C0C4-D040-B3F5-79CCA23FA4EB}" type="datetimeFigureOut">
               <a:rPr lang="en-US" smtClean="0"/>
-              <a:t>1/17/2023</a:t>
+              <a:t>9/1/2023</a:t>
             </a:fld>
             <a:endParaRPr lang="en-US"/>
           </a:p>
@@ -1205,7 +1206,7 @@
           <a:p>
             <a:fld id="{2425905D-C0C4-D040-B3F5-79CCA23FA4EB}" type="datetimeFigureOut">
               <a:rPr lang="en-US" smtClean="0"/>
-              <a:t>1/17/2023</a:t>
+              <a:t>9/1/2023</a:t>
             </a:fld>
             <a:endParaRPr lang="en-US"/>
           </a:p>
@@ -1415,7 +1416,7 @@
           <a:p>
             <a:fld id="{2425905D-C0C4-D040-B3F5-79CCA23FA4EB}" type="datetimeFigureOut">
               <a:rPr lang="en-US" smtClean="0"/>
-              <a:t>1/17/2023</a:t>
+              <a:t>9/1/2023</a:t>
             </a:fld>
             <a:endParaRPr lang="en-US"/>
           </a:p>
@@ -1615,7 +1616,7 @@
           <a:p>
             <a:fld id="{2425905D-C0C4-D040-B3F5-79CCA23FA4EB}" type="datetimeFigureOut">
               <a:rPr lang="en-US" smtClean="0"/>
-              <a:t>1/17/2023</a:t>
+              <a:t>9/1/2023</a:t>
             </a:fld>
             <a:endParaRPr lang="en-US"/>
           </a:p>
@@ -1891,7 +1892,7 @@
           <a:p>
             <a:fld id="{2425905D-C0C4-D040-B3F5-79CCA23FA4EB}" type="datetimeFigureOut">
               <a:rPr lang="en-US" smtClean="0"/>
-              <a:t>1/17/2023</a:t>
+              <a:t>9/1/2023</a:t>
             </a:fld>
             <a:endParaRPr lang="en-US"/>
           </a:p>
@@ -2159,7 +2160,7 @@
           <a:p>
             <a:fld id="{2425905D-C0C4-D040-B3F5-79CCA23FA4EB}" type="datetimeFigureOut">
               <a:rPr lang="en-US" smtClean="0"/>
-              <a:t>1/17/2023</a:t>
+              <a:t>9/1/2023</a:t>
             </a:fld>
             <a:endParaRPr lang="en-US"/>
           </a:p>
@@ -2574,7 +2575,7 @@
           <a:p>
             <a:fld id="{2425905D-C0C4-D040-B3F5-79CCA23FA4EB}" type="datetimeFigureOut">
               <a:rPr lang="en-US" smtClean="0"/>
-              <a:t>1/17/2023</a:t>
+              <a:t>9/1/2023</a:t>
             </a:fld>
             <a:endParaRPr lang="en-US"/>
           </a:p>
@@ -2716,7 +2717,7 @@
           <a:p>
             <a:fld id="{2425905D-C0C4-D040-B3F5-79CCA23FA4EB}" type="datetimeFigureOut">
               <a:rPr lang="en-US" smtClean="0"/>
-              <a:t>1/17/2023</a:t>
+              <a:t>9/1/2023</a:t>
             </a:fld>
             <a:endParaRPr lang="en-US"/>
           </a:p>
@@ -2829,7 +2830,7 @@
           <a:p>
             <a:fld id="{2425905D-C0C4-D040-B3F5-79CCA23FA4EB}" type="datetimeFigureOut">
               <a:rPr lang="en-US" smtClean="0"/>
-              <a:t>1/17/2023</a:t>
+              <a:t>9/1/2023</a:t>
             </a:fld>
             <a:endParaRPr lang="en-US"/>
           </a:p>
@@ -3142,7 +3143,7 @@
           <a:p>
             <a:fld id="{2425905D-C0C4-D040-B3F5-79CCA23FA4EB}" type="datetimeFigureOut">
               <a:rPr lang="en-US" smtClean="0"/>
-              <a:t>1/17/2023</a:t>
+              <a:t>9/1/2023</a:t>
             </a:fld>
             <a:endParaRPr lang="en-US"/>
           </a:p>
@@ -3431,7 +3432,7 @@
           <a:p>
             <a:fld id="{2425905D-C0C4-D040-B3F5-79CCA23FA4EB}" type="datetimeFigureOut">
               <a:rPr lang="en-US" smtClean="0"/>
-              <a:t>1/17/2023</a:t>
+              <a:t>9/1/2023</a:t>
             </a:fld>
             <a:endParaRPr lang="en-US"/>
           </a:p>
@@ -3674,7 +3675,7 @@
           <a:p>
             <a:fld id="{2425905D-C0C4-D040-B3F5-79CCA23FA4EB}" type="datetimeFigureOut">
               <a:rPr lang="en-US" smtClean="0"/>
-              <a:t>1/17/2023</a:t>
+              <a:t>9/1/2023</a:t>
             </a:fld>
             <a:endParaRPr lang="en-US"/>
           </a:p>
@@ -4267,7 +4268,7 @@
           <a:p>
             <a:r>
               <a:rPr lang="en-US" b="1" dirty="0"/>
-              <a:t>Socket Programming-Server: bind()</a:t>
+              <a:t>Socket Programming: socket()</a:t>
             </a:r>
           </a:p>
         </p:txBody>
@@ -4291,7 +4292,7 @@
         <p:spPr>
           <a:xfrm>
             <a:off x="838200" y="1825625"/>
-            <a:ext cx="10515600" cy="1754326"/>
+            <a:ext cx="10515600" cy="1701346"/>
           </a:xfrm>
         </p:spPr>
         <p:txBody>
@@ -4304,30 +4305,18 @@
               <a:buNone/>
             </a:pPr>
             <a:r>
-              <a:rPr lang="en-US" sz="3500" dirty="0"/>
-              <a:t>Bind an address to a socket</a:t>
-            </a:r>
-          </a:p>
-          <a:p>
-            <a:pPr marL="0" indent="0">
-              <a:buNone/>
-            </a:pPr>
-            <a:endParaRPr lang="en-US" sz="3200" dirty="0"/>
-          </a:p>
-          <a:p>
-            <a:pPr marL="0" indent="0">
-              <a:buNone/>
-            </a:pPr>
-            <a:endParaRPr lang="en-US" sz="3200" dirty="0"/>
+              <a:rPr lang="en-US" sz="3200" dirty="0"/>
+              <a:t>Create a socket</a:t>
+            </a:r>
           </a:p>
         </p:txBody>
       </p:sp>
       <p:pic>
         <p:nvPicPr>
-          <p:cNvPr id="5" name="Picture 4">
-            <a:extLst>
-              <a:ext uri="{FF2B5EF4-FFF2-40B4-BE49-F238E27FC236}">
-                <a16:creationId xmlns:a16="http://schemas.microsoft.com/office/drawing/2014/main" id="{273285BD-3165-3D46-A0CB-9A06242E6EF4}"/>
+          <p:cNvPr id="4" name="Picture 3">
+            <a:extLst>
+              <a:ext uri="{FF2B5EF4-FFF2-40B4-BE49-F238E27FC236}">
+                <a16:creationId xmlns:a16="http://schemas.microsoft.com/office/drawing/2014/main" id="{89B148E8-50D7-4542-A495-2257CE9D6A0C}"/>
               </a:ext>
             </a:extLst>
           </p:cNvPr>
@@ -4344,8 +4333,8 @@
         </p:blipFill>
         <p:spPr>
           <a:xfrm>
-            <a:off x="923474" y="2674261"/>
-            <a:ext cx="10541000" cy="863600"/>
+            <a:off x="1287690" y="2919109"/>
+            <a:ext cx="9616620" cy="629587"/>
           </a:xfrm>
           <a:prstGeom prst="rect">
             <a:avLst/>
@@ -4354,10 +4343,10 @@
       </p:pic>
       <p:sp>
         <p:nvSpPr>
-          <p:cNvPr id="6" name="Rectangle 5">
-            <a:extLst>
-              <a:ext uri="{FF2B5EF4-FFF2-40B4-BE49-F238E27FC236}">
-                <a16:creationId xmlns:a16="http://schemas.microsoft.com/office/drawing/2014/main" id="{8B586356-C565-9B40-BF75-839DA7B53FCB}"/>
+          <p:cNvPr id="5" name="Rectangle 4">
+            <a:extLst>
+              <a:ext uri="{FF2B5EF4-FFF2-40B4-BE49-F238E27FC236}">
+                <a16:creationId xmlns:a16="http://schemas.microsoft.com/office/drawing/2014/main" id="{D0C166B3-D1B0-6A4E-9334-36DA412495C4}"/>
               </a:ext>
             </a:extLst>
           </p:cNvPr>
@@ -4366,161 +4355,26 @@
         </p:nvSpPr>
         <p:spPr>
           <a:xfrm>
-            <a:off x="838199" y="3889059"/>
-            <a:ext cx="7445829" cy="2308324"/>
+            <a:off x="838200" y="4200009"/>
+            <a:ext cx="7635552" cy="461665"/>
           </a:xfrm>
           <a:prstGeom prst="rect">
             <a:avLst/>
           </a:prstGeom>
         </p:spPr>
         <p:txBody>
-          <a:bodyPr wrap="square">
+          <a:bodyPr wrap="none">
             <a:spAutoFit/>
           </a:bodyPr>
           <a:lstStyle/>
           <a:p>
             <a:r>
+              <a:rPr lang="en-US" sz="2400" dirty="0" err="1"/>
+              <a:t>socket_fd</a:t>
+            </a:r>
+            <a:r>
               <a:rPr lang="en-US" sz="2400" dirty="0"/>
-              <a:t>struct </a:t>
-            </a:r>
-            <a:r>
-              <a:rPr lang="en-US" sz="2400" dirty="0" err="1"/>
-              <a:t>sockaddr_in</a:t>
-            </a:r>
-            <a:r>
-              <a:rPr lang="en-US" sz="2400" dirty="0"/>
-              <a:t> </a:t>
-            </a:r>
-            <a:r>
-              <a:rPr lang="en-US" sz="2400" dirty="0" err="1"/>
-              <a:t>addr</a:t>
-            </a:r>
-            <a:r>
-              <a:rPr lang="en-US" sz="2400" dirty="0"/>
-              <a:t>; </a:t>
-            </a:r>
-          </a:p>
-          <a:p>
-            <a:r>
-              <a:rPr lang="en-US" sz="2400" dirty="0" err="1"/>
-              <a:t>memset</a:t>
-            </a:r>
-            <a:r>
-              <a:rPr lang="en-US" sz="2400" dirty="0"/>
-              <a:t>(&amp;</a:t>
-            </a:r>
-            <a:r>
-              <a:rPr lang="en-US" sz="2400" dirty="0" err="1"/>
-              <a:t>addr</a:t>
-            </a:r>
-            <a:r>
-              <a:rPr lang="en-US" sz="2400" dirty="0"/>
-              <a:t>, 0, </a:t>
-            </a:r>
-            <a:r>
-              <a:rPr lang="en-US" sz="2400" dirty="0" err="1"/>
-              <a:t>sizeof</a:t>
-            </a:r>
-            <a:r>
-              <a:rPr lang="en-US" sz="2400" dirty="0"/>
-              <a:t>(</a:t>
-            </a:r>
-            <a:r>
-              <a:rPr lang="en-US" sz="2400" dirty="0" err="1"/>
-              <a:t>addr</a:t>
-            </a:r>
-            <a:r>
-              <a:rPr lang="en-US" sz="2400" dirty="0"/>
-              <a:t>)); </a:t>
-            </a:r>
-          </a:p>
-          <a:p>
-            <a:r>
-              <a:rPr lang="en-US" sz="2400" dirty="0" err="1"/>
-              <a:t>addr.sin_family</a:t>
-            </a:r>
-            <a:r>
-              <a:rPr lang="en-US" sz="2400" dirty="0"/>
-              <a:t> = AF_INET; </a:t>
-            </a:r>
-            <a:r>
-              <a:rPr lang="en-HK" sz="2400" dirty="0"/>
-              <a:t>% Address family</a:t>
-            </a:r>
-            <a:endParaRPr lang="en-US" sz="2400" dirty="0"/>
-          </a:p>
-          <a:p>
-            <a:r>
-              <a:rPr lang="en-US" sz="2400" dirty="0" err="1"/>
-              <a:t>addr.sin_addr.s_addr</a:t>
-            </a:r>
-            <a:r>
-              <a:rPr lang="en-US" sz="2400" dirty="0"/>
-              <a:t> = INADDR_ANY; % 0.0.0.0</a:t>
-            </a:r>
-          </a:p>
-          <a:p>
-            <a:r>
-              <a:rPr lang="en-US" sz="2400" dirty="0" err="1"/>
-              <a:t>addr.sin_port</a:t>
-            </a:r>
-            <a:r>
-              <a:rPr lang="en-US" sz="2400" dirty="0"/>
-              <a:t> = </a:t>
-            </a:r>
-            <a:r>
-              <a:rPr lang="en-US" sz="2400" dirty="0" err="1"/>
-              <a:t>htons</a:t>
-            </a:r>
-            <a:r>
-              <a:rPr lang="en-US" sz="2400" dirty="0"/>
-              <a:t>(port); % Host to network long</a:t>
-            </a:r>
-          </a:p>
-          <a:p>
-            <a:r>
-              <a:rPr lang="en-US" sz="2400" dirty="0"/>
-              <a:t>bind(</a:t>
-            </a:r>
-            <a:r>
-              <a:rPr lang="en-US" sz="2400" dirty="0" err="1"/>
-              <a:t>sockfd</a:t>
-            </a:r>
-            <a:r>
-              <a:rPr lang="en-US" sz="2400" dirty="0"/>
-              <a:t>, (struct </a:t>
-            </a:r>
-            <a:r>
-              <a:rPr lang="en-US" sz="2400" dirty="0" err="1"/>
-              <a:t>sockaddr</a:t>
-            </a:r>
-            <a:r>
-              <a:rPr lang="en-US" sz="2400" dirty="0"/>
-              <a:t> *) &amp;</a:t>
-            </a:r>
-            <a:r>
-              <a:rPr lang="en-US" sz="2400" dirty="0" err="1"/>
-              <a:t>addr</a:t>
-            </a:r>
-            <a:r>
-              <a:rPr lang="en-US" sz="2400" dirty="0"/>
-              <a:t>, </a:t>
-            </a:r>
-            <a:r>
-              <a:rPr lang="en-US" sz="2400" dirty="0" err="1"/>
-              <a:t>sizeof</a:t>
-            </a:r>
-            <a:r>
-              <a:rPr lang="en-US" sz="2400" dirty="0"/>
-              <a:t>(</a:t>
-            </a:r>
-            <a:r>
-              <a:rPr lang="en-US" sz="2400" dirty="0" err="1"/>
-              <a:t>addr</a:t>
-            </a:r>
-            <a:r>
-              <a:rPr lang="en-US" sz="2400" dirty="0"/>
-              <a:t>));</a:t>
+              <a:t> = socket(AF_INET, SOCK_STREAM, IPPROTO_TCP);</a:t>
             </a:r>
           </a:p>
         </p:txBody>
@@ -4528,7 +4382,7 @@
     </p:spTree>
     <p:extLst>
       <p:ext uri="{BB962C8B-B14F-4D97-AF65-F5344CB8AC3E}">
-        <p14:creationId xmlns:p14="http://schemas.microsoft.com/office/powerpoint/2010/main" val="3355003134"/>
+        <p14:creationId xmlns:p14="http://schemas.microsoft.com/office/powerpoint/2010/main" val="2477746496"/>
       </p:ext>
     </p:extLst>
   </p:cSld>
@@ -4578,7 +4432,7 @@
           <a:p>
             <a:r>
               <a:rPr lang="en-US" b="1" dirty="0"/>
-              <a:t>Socket Programming-Server: listen()</a:t>
+              <a:t>Socket Programming-Server: bind()</a:t>
             </a:r>
           </a:p>
         </p:txBody>
@@ -4602,7 +4456,7 @@
         <p:spPr>
           <a:xfrm>
             <a:off x="838200" y="1825625"/>
-            <a:ext cx="10515600" cy="1325563"/>
+            <a:ext cx="10515600" cy="1754326"/>
           </a:xfrm>
         </p:spPr>
         <p:txBody>
@@ -4615,8 +4469,8 @@
               <a:buNone/>
             </a:pPr>
             <a:r>
-              <a:rPr lang="en-US" sz="3200" dirty="0"/>
-              <a:t>Listen for connections on a socket</a:t>
+              <a:rPr lang="en-US" sz="3500" dirty="0"/>
+              <a:t>Bind an address to a socket</a:t>
             </a:r>
           </a:p>
           <a:p>
@@ -4631,12 +4485,6 @@
             </a:pPr>
             <a:endParaRPr lang="en-US" sz="3200" dirty="0"/>
           </a:p>
-          <a:p>
-            <a:pPr marL="0" indent="0">
-              <a:buNone/>
-            </a:pPr>
-            <a:endParaRPr lang="en-US" sz="3200" dirty="0"/>
-          </a:p>
         </p:txBody>
       </p:sp>
       <p:pic>
@@ -4644,7 +4492,7 @@
           <p:cNvPr id="5" name="Picture 4">
             <a:extLst>
               <a:ext uri="{FF2B5EF4-FFF2-40B4-BE49-F238E27FC236}">
-                <a16:creationId xmlns:a16="http://schemas.microsoft.com/office/drawing/2014/main" id="{C3480844-4AD9-7945-A207-E3FE35124D43}"/>
+                <a16:creationId xmlns:a16="http://schemas.microsoft.com/office/drawing/2014/main" id="{273285BD-3165-3D46-A0CB-9A06242E6EF4}"/>
               </a:ext>
             </a:extLst>
           </p:cNvPr>
@@ -4661,8 +4509,8 @@
         </p:blipFill>
         <p:spPr>
           <a:xfrm>
-            <a:off x="1121229" y="2844801"/>
-            <a:ext cx="7366000" cy="711200"/>
+            <a:off x="923474" y="2674261"/>
+            <a:ext cx="10541000" cy="863600"/>
           </a:xfrm>
           <a:prstGeom prst="rect">
             <a:avLst/>
@@ -4674,7 +4522,7 @@
           <p:cNvPr id="6" name="Rectangle 5">
             <a:extLst>
               <a:ext uri="{FF2B5EF4-FFF2-40B4-BE49-F238E27FC236}">
-                <a16:creationId xmlns:a16="http://schemas.microsoft.com/office/drawing/2014/main" id="{3B692967-652C-AB4A-9FFE-F0D2464A2DD4}"/>
+                <a16:creationId xmlns:a16="http://schemas.microsoft.com/office/drawing/2014/main" id="{8B586356-C565-9B40-BF75-839DA7B53FCB}"/>
               </a:ext>
             </a:extLst>
           </p:cNvPr>
@@ -4683,22 +4531,121 @@
         </p:nvSpPr>
         <p:spPr>
           <a:xfrm>
-            <a:off x="838200" y="3953040"/>
-            <a:ext cx="2382062" cy="461665"/>
+            <a:off x="838199" y="3889059"/>
+            <a:ext cx="7445829" cy="2308324"/>
           </a:xfrm>
           <a:prstGeom prst="rect">
             <a:avLst/>
           </a:prstGeom>
         </p:spPr>
         <p:txBody>
-          <a:bodyPr wrap="none">
+          <a:bodyPr wrap="square">
             <a:spAutoFit/>
           </a:bodyPr>
           <a:lstStyle/>
           <a:p>
             <a:r>
               <a:rPr lang="en-US" sz="2400" dirty="0"/>
-              <a:t>listen(</a:t>
+              <a:t>struct </a:t>
+            </a:r>
+            <a:r>
+              <a:rPr lang="en-US" sz="2400" dirty="0" err="1"/>
+              <a:t>sockaddr_in</a:t>
+            </a:r>
+            <a:r>
+              <a:rPr lang="en-US" sz="2400" dirty="0"/>
+              <a:t> </a:t>
+            </a:r>
+            <a:r>
+              <a:rPr lang="en-US" sz="2400" dirty="0" err="1"/>
+              <a:t>addr</a:t>
+            </a:r>
+            <a:r>
+              <a:rPr lang="en-US" sz="2400" dirty="0"/>
+              <a:t>; </a:t>
+            </a:r>
+          </a:p>
+          <a:p>
+            <a:r>
+              <a:rPr lang="en-US" sz="2400" dirty="0" err="1"/>
+              <a:t>memset</a:t>
+            </a:r>
+            <a:r>
+              <a:rPr lang="en-US" sz="2400" dirty="0"/>
+              <a:t>(&amp;</a:t>
+            </a:r>
+            <a:r>
+              <a:rPr lang="en-US" sz="2400" dirty="0" err="1"/>
+              <a:t>addr</a:t>
+            </a:r>
+            <a:r>
+              <a:rPr lang="en-US" sz="2400" dirty="0"/>
+              <a:t>, 0, </a:t>
+            </a:r>
+            <a:r>
+              <a:rPr lang="en-US" sz="2400" dirty="0" err="1"/>
+              <a:t>sizeof</a:t>
+            </a:r>
+            <a:r>
+              <a:rPr lang="en-US" sz="2400" dirty="0"/>
+              <a:t>(</a:t>
+            </a:r>
+            <a:r>
+              <a:rPr lang="en-US" sz="2400" dirty="0" err="1"/>
+              <a:t>addr</a:t>
+            </a:r>
+            <a:r>
+              <a:rPr lang="en-US" sz="2400" dirty="0"/>
+              <a:t>)); </a:t>
+            </a:r>
+          </a:p>
+          <a:p>
+            <a:r>
+              <a:rPr lang="en-US" sz="2400" dirty="0" err="1"/>
+              <a:t>addr.sin_family</a:t>
+            </a:r>
+            <a:r>
+              <a:rPr lang="en-US" sz="2400" dirty="0"/>
+              <a:t> = AF_INET; </a:t>
+            </a:r>
+            <a:r>
+              <a:rPr lang="en-HK" sz="2400" dirty="0"/>
+              <a:t>% Address family</a:t>
+            </a:r>
+            <a:endParaRPr lang="en-US" sz="2400" dirty="0"/>
+          </a:p>
+          <a:p>
+            <a:r>
+              <a:rPr lang="en-US" sz="2400" dirty="0" err="1"/>
+              <a:t>addr.sin_addr.s_addr</a:t>
+            </a:r>
+            <a:r>
+              <a:rPr lang="en-US" sz="2400" dirty="0"/>
+              <a:t> = INADDR_ANY; % 0.0.0.0</a:t>
+            </a:r>
+          </a:p>
+          <a:p>
+            <a:r>
+              <a:rPr lang="en-US" sz="2400" dirty="0" err="1"/>
+              <a:t>addr.sin_port</a:t>
+            </a:r>
+            <a:r>
+              <a:rPr lang="en-US" sz="2400" dirty="0"/>
+              <a:t> = </a:t>
+            </a:r>
+            <a:r>
+              <a:rPr lang="en-US" sz="2400" dirty="0" err="1"/>
+              <a:t>htons</a:t>
+            </a:r>
+            <a:r>
+              <a:rPr lang="en-US" sz="2400" dirty="0"/>
+              <a:t>(port); % Host to network long</a:t>
+            </a:r>
+          </a:p>
+          <a:p>
+            <a:r>
+              <a:rPr lang="en-US" sz="2400" dirty="0"/>
+              <a:t>bind(</a:t>
             </a:r>
             <a:r>
               <a:rPr lang="en-US" sz="2400" dirty="0" err="1"/>
@@ -4706,7 +4653,39 @@
             </a:r>
             <a:r>
               <a:rPr lang="en-US" sz="2400" dirty="0"/>
-              <a:t>, 10);</a:t>
+              <a:t>, (struct </a:t>
+            </a:r>
+            <a:r>
+              <a:rPr lang="en-US" sz="2400" dirty="0" err="1"/>
+              <a:t>sockaddr</a:t>
+            </a:r>
+            <a:r>
+              <a:rPr lang="en-US" sz="2400" dirty="0"/>
+              <a:t> *) &amp;</a:t>
+            </a:r>
+            <a:r>
+              <a:rPr lang="en-US" sz="2400" dirty="0" err="1"/>
+              <a:t>addr</a:t>
+            </a:r>
+            <a:r>
+              <a:rPr lang="en-US" sz="2400" dirty="0"/>
+              <a:t>, </a:t>
+            </a:r>
+            <a:r>
+              <a:rPr lang="en-US" sz="2400" dirty="0" err="1"/>
+              <a:t>sizeof</a:t>
+            </a:r>
+            <a:r>
+              <a:rPr lang="en-US" sz="2400" dirty="0"/>
+              <a:t>(</a:t>
+            </a:r>
+            <a:r>
+              <a:rPr lang="en-US" sz="2400" dirty="0" err="1"/>
+              <a:t>addr</a:t>
+            </a:r>
+            <a:r>
+              <a:rPr lang="en-US" sz="2400" dirty="0"/>
+              <a:t>));</a:t>
             </a:r>
           </a:p>
         </p:txBody>
@@ -4714,7 +4693,7 @@
     </p:spTree>
     <p:extLst>
       <p:ext uri="{BB962C8B-B14F-4D97-AF65-F5344CB8AC3E}">
-        <p14:creationId xmlns:p14="http://schemas.microsoft.com/office/powerpoint/2010/main" val="3781525919"/>
+        <p14:creationId xmlns:p14="http://schemas.microsoft.com/office/powerpoint/2010/main" val="3355003134"/>
       </p:ext>
     </p:extLst>
   </p:cSld>
@@ -4764,6 +4743,192 @@
           <a:p>
             <a:r>
               <a:rPr lang="en-US" b="1" dirty="0"/>
+              <a:t>Socket Programming-Server: listen()</a:t>
+            </a:r>
+          </a:p>
+        </p:txBody>
+      </p:sp>
+      <p:sp>
+        <p:nvSpPr>
+          <p:cNvPr id="3" name="Content Placeholder 2">
+            <a:extLst>
+              <a:ext uri="{FF2B5EF4-FFF2-40B4-BE49-F238E27FC236}">
+                <a16:creationId xmlns:a16="http://schemas.microsoft.com/office/drawing/2014/main" id="{8F20472D-613F-3748-9CBD-88055CDB4B08}"/>
+              </a:ext>
+            </a:extLst>
+          </p:cNvPr>
+          <p:cNvSpPr>
+            <a:spLocks noGrp="1"/>
+          </p:cNvSpPr>
+          <p:nvPr>
+            <p:ph idx="1"/>
+          </p:nvPr>
+        </p:nvSpPr>
+        <p:spPr>
+          <a:xfrm>
+            <a:off x="838200" y="1825625"/>
+            <a:ext cx="10515600" cy="1325563"/>
+          </a:xfrm>
+        </p:spPr>
+        <p:txBody>
+          <a:bodyPr>
+            <a:normAutofit/>
+          </a:bodyPr>
+          <a:lstStyle/>
+          <a:p>
+            <a:pPr marL="0" indent="0">
+              <a:buNone/>
+            </a:pPr>
+            <a:r>
+              <a:rPr lang="en-US" sz="3200" dirty="0"/>
+              <a:t>Listen for connections on a socket</a:t>
+            </a:r>
+          </a:p>
+          <a:p>
+            <a:pPr marL="0" indent="0">
+              <a:buNone/>
+            </a:pPr>
+            <a:endParaRPr lang="en-US" sz="3200" dirty="0"/>
+          </a:p>
+          <a:p>
+            <a:pPr marL="0" indent="0">
+              <a:buNone/>
+            </a:pPr>
+            <a:endParaRPr lang="en-US" sz="3200" dirty="0"/>
+          </a:p>
+          <a:p>
+            <a:pPr marL="0" indent="0">
+              <a:buNone/>
+            </a:pPr>
+            <a:endParaRPr lang="en-US" sz="3200" dirty="0"/>
+          </a:p>
+        </p:txBody>
+      </p:sp>
+      <p:pic>
+        <p:nvPicPr>
+          <p:cNvPr id="5" name="Picture 4">
+            <a:extLst>
+              <a:ext uri="{FF2B5EF4-FFF2-40B4-BE49-F238E27FC236}">
+                <a16:creationId xmlns:a16="http://schemas.microsoft.com/office/drawing/2014/main" id="{C3480844-4AD9-7945-A207-E3FE35124D43}"/>
+              </a:ext>
+            </a:extLst>
+          </p:cNvPr>
+          <p:cNvPicPr>
+            <a:picLocks noChangeAspect="1"/>
+          </p:cNvPicPr>
+          <p:nvPr/>
+        </p:nvPicPr>
+        <p:blipFill>
+          <a:blip r:embed="rId2"/>
+          <a:stretch>
+            <a:fillRect/>
+          </a:stretch>
+        </p:blipFill>
+        <p:spPr>
+          <a:xfrm>
+            <a:off x="1121229" y="2844801"/>
+            <a:ext cx="7366000" cy="711200"/>
+          </a:xfrm>
+          <a:prstGeom prst="rect">
+            <a:avLst/>
+          </a:prstGeom>
+        </p:spPr>
+      </p:pic>
+      <p:sp>
+        <p:nvSpPr>
+          <p:cNvPr id="6" name="Rectangle 5">
+            <a:extLst>
+              <a:ext uri="{FF2B5EF4-FFF2-40B4-BE49-F238E27FC236}">
+                <a16:creationId xmlns:a16="http://schemas.microsoft.com/office/drawing/2014/main" id="{3B692967-652C-AB4A-9FFE-F0D2464A2DD4}"/>
+              </a:ext>
+            </a:extLst>
+          </p:cNvPr>
+          <p:cNvSpPr/>
+          <p:nvPr/>
+        </p:nvSpPr>
+        <p:spPr>
+          <a:xfrm>
+            <a:off x="838200" y="3953040"/>
+            <a:ext cx="2382062" cy="461665"/>
+          </a:xfrm>
+          <a:prstGeom prst="rect">
+            <a:avLst/>
+          </a:prstGeom>
+        </p:spPr>
+        <p:txBody>
+          <a:bodyPr wrap="none">
+            <a:spAutoFit/>
+          </a:bodyPr>
+          <a:lstStyle/>
+          <a:p>
+            <a:r>
+              <a:rPr lang="en-US" sz="2400" dirty="0"/>
+              <a:t>listen(</a:t>
+            </a:r>
+            <a:r>
+              <a:rPr lang="en-US" sz="2400" dirty="0" err="1"/>
+              <a:t>sockfd</a:t>
+            </a:r>
+            <a:r>
+              <a:rPr lang="en-US" sz="2400" dirty="0"/>
+              <a:t>, 10);</a:t>
+            </a:r>
+          </a:p>
+        </p:txBody>
+      </p:sp>
+    </p:spTree>
+    <p:extLst>
+      <p:ext uri="{BB962C8B-B14F-4D97-AF65-F5344CB8AC3E}">
+        <p14:creationId xmlns:p14="http://schemas.microsoft.com/office/powerpoint/2010/main" val="3781525919"/>
+      </p:ext>
+    </p:extLst>
+  </p:cSld>
+  <p:clrMapOvr>
+    <a:masterClrMapping/>
+  </p:clrMapOvr>
+</p:sld>
+</file>
+
+<file path=ppt/slides/slide13.xml><?xml version="1.0" encoding="utf-8"?>
+<p:sld xmlns:a="http://schemas.openxmlformats.org/drawingml/2006/main" xmlns:r="http://schemas.openxmlformats.org/officeDocument/2006/relationships" xmlns:p="http://schemas.openxmlformats.org/presentationml/2006/main">
+  <p:cSld>
+    <p:spTree>
+      <p:nvGrpSpPr>
+        <p:cNvPr id="1" name=""/>
+        <p:cNvGrpSpPr/>
+        <p:nvPr/>
+      </p:nvGrpSpPr>
+      <p:grpSpPr>
+        <a:xfrm>
+          <a:off x="0" y="0"/>
+          <a:ext cx="0" cy="0"/>
+          <a:chOff x="0" y="0"/>
+          <a:chExt cx="0" cy="0"/>
+        </a:xfrm>
+      </p:grpSpPr>
+      <p:sp>
+        <p:nvSpPr>
+          <p:cNvPr id="2" name="Title 1">
+            <a:extLst>
+              <a:ext uri="{FF2B5EF4-FFF2-40B4-BE49-F238E27FC236}">
+                <a16:creationId xmlns:a16="http://schemas.microsoft.com/office/drawing/2014/main" id="{45C79BA1-37A3-5741-B0A1-E64646E4283C}"/>
+              </a:ext>
+            </a:extLst>
+          </p:cNvPr>
+          <p:cNvSpPr>
+            <a:spLocks noGrp="1"/>
+          </p:cNvSpPr>
+          <p:nvPr>
+            <p:ph type="title"/>
+          </p:nvPr>
+        </p:nvSpPr>
+        <p:spPr/>
+        <p:txBody>
+          <a:bodyPr/>
+          <a:lstStyle/>
+          <a:p>
+            <a:r>
+              <a:rPr lang="en-US" b="1" dirty="0"/>
               <a:t>Socket Programming-Client: connect()</a:t>
             </a:r>
           </a:p>
@@ -5028,7 +5193,7 @@
 </p:sld>
 </file>
 
-<file path=ppt/slides/slide13.xml><?xml version="1.0" encoding="utf-8"?>
+<file path=ppt/slides/slide14.xml><?xml version="1.0" encoding="utf-8"?>
 <p:sld xmlns:a="http://schemas.openxmlformats.org/drawingml/2006/main" xmlns:r="http://schemas.openxmlformats.org/officeDocument/2006/relationships" xmlns:p="http://schemas.openxmlformats.org/presentationml/2006/main">
   <p:cSld>
     <p:spTree>
@@ -5257,7 +5422,7 @@
 </p:sld>
 </file>
 
-<file path=ppt/slides/slide14.xml><?xml version="1.0" encoding="utf-8"?>
+<file path=ppt/slides/slide15.xml><?xml version="1.0" encoding="utf-8"?>
 <p:sld xmlns:a="http://schemas.openxmlformats.org/drawingml/2006/main" xmlns:r="http://schemas.openxmlformats.org/officeDocument/2006/relationships" xmlns:p="http://schemas.openxmlformats.org/presentationml/2006/main">
   <p:cSld>
     <p:spTree>
@@ -5427,7 +5592,7 @@
 </p:sld>
 </file>
 
-<file path=ppt/slides/slide15.xml><?xml version="1.0" encoding="utf-8"?>
+<file path=ppt/slides/slide16.xml><?xml version="1.0" encoding="utf-8"?>
 <p:sld xmlns:a="http://schemas.openxmlformats.org/drawingml/2006/main" xmlns:r="http://schemas.openxmlformats.org/officeDocument/2006/relationships" xmlns:p="http://schemas.openxmlformats.org/presentationml/2006/main">
   <p:cSld>
     <p:spTree>
@@ -5617,178 +5782,6 @@
 </p:sld>
 </file>
 
-<file path=ppt/slides/slide16.xml><?xml version="1.0" encoding="utf-8"?>
-<p:sld xmlns:a="http://schemas.openxmlformats.org/drawingml/2006/main" xmlns:r="http://schemas.openxmlformats.org/officeDocument/2006/relationships" xmlns:p="http://schemas.openxmlformats.org/presentationml/2006/main">
-  <p:cSld>
-    <p:spTree>
-      <p:nvGrpSpPr>
-        <p:cNvPr id="1" name=""/>
-        <p:cNvGrpSpPr/>
-        <p:nvPr/>
-      </p:nvGrpSpPr>
-      <p:grpSpPr>
-        <a:xfrm>
-          <a:off x="0" y="0"/>
-          <a:ext cx="0" cy="0"/>
-          <a:chOff x="0" y="0"/>
-          <a:chExt cx="0" cy="0"/>
-        </a:xfrm>
-      </p:grpSpPr>
-      <p:sp>
-        <p:nvSpPr>
-          <p:cNvPr id="2" name="Title 1">
-            <a:extLst>
-              <a:ext uri="{FF2B5EF4-FFF2-40B4-BE49-F238E27FC236}">
-                <a16:creationId xmlns:a16="http://schemas.microsoft.com/office/drawing/2014/main" id="{45C79BA1-37A3-5741-B0A1-E64646E4283C}"/>
-              </a:ext>
-            </a:extLst>
-          </p:cNvPr>
-          <p:cNvSpPr>
-            <a:spLocks noGrp="1"/>
-          </p:cNvSpPr>
-          <p:nvPr>
-            <p:ph type="title"/>
-          </p:nvPr>
-        </p:nvSpPr>
-        <p:spPr/>
-        <p:txBody>
-          <a:bodyPr/>
-          <a:lstStyle/>
-          <a:p>
-            <a:r>
-              <a:rPr lang="en-US" b="1" dirty="0"/>
-              <a:t>Socket Programming: A Demo</a:t>
-            </a:r>
-          </a:p>
-        </p:txBody>
-      </p:sp>
-      <p:sp>
-        <p:nvSpPr>
-          <p:cNvPr id="3" name="Content Placeholder 2">
-            <a:extLst>
-              <a:ext uri="{FF2B5EF4-FFF2-40B4-BE49-F238E27FC236}">
-                <a16:creationId xmlns:a16="http://schemas.microsoft.com/office/drawing/2014/main" id="{8F20472D-613F-3748-9CBD-88055CDB4B08}"/>
-              </a:ext>
-            </a:extLst>
-          </p:cNvPr>
-          <p:cNvSpPr>
-            <a:spLocks noGrp="1"/>
-          </p:cNvSpPr>
-          <p:nvPr>
-            <p:ph idx="1"/>
-          </p:nvPr>
-        </p:nvSpPr>
-        <p:spPr>
-          <a:xfrm>
-            <a:off x="838200" y="1825625"/>
-            <a:ext cx="10515600" cy="1998230"/>
-          </a:xfrm>
-        </p:spPr>
-        <p:txBody>
-          <a:bodyPr>
-            <a:normAutofit fontScale="85000" lnSpcReduction="10000"/>
-          </a:bodyPr>
-          <a:lstStyle/>
-          <a:p>
-            <a:r>
-              <a:rPr lang="en-HK" dirty="0">
-                <a:hlinkClick r:id="rId2"/>
-              </a:rPr>
-              <a:t>eecs482/</a:t>
-            </a:r>
-            <a:r>
-              <a:rPr lang="en-HK" dirty="0" err="1">
-                <a:hlinkClick r:id="rId2"/>
-              </a:rPr>
-              <a:t>bgreeves</a:t>
-            </a:r>
-            <a:r>
-              <a:rPr lang="en-HK" dirty="0">
-                <a:hlinkClick r:id="rId2"/>
-              </a:rPr>
-              <a:t>-socket-example: Sockets example from discussion</a:t>
-            </a:r>
-            <a:endParaRPr lang="en-HK" dirty="0"/>
-          </a:p>
-          <a:p>
-            <a:r>
-              <a:rPr lang="en-HK" dirty="0"/>
-              <a:t>Linux or Mac OS.</a:t>
-            </a:r>
-          </a:p>
-          <a:p>
-            <a:r>
-              <a:rPr lang="en-HK" dirty="0"/>
-              <a:t>A virtual machine is provided </a:t>
-            </a:r>
-            <a:r>
-              <a:rPr lang="en-HK" dirty="0">
-                <a:hlinkClick r:id="rId3"/>
-              </a:rPr>
-              <a:t>here</a:t>
-            </a:r>
-            <a:r>
-              <a:rPr lang="en-HK" dirty="0"/>
-              <a:t>. (The password is identical to the username.)</a:t>
-            </a:r>
-          </a:p>
-          <a:p>
-            <a:r>
-              <a:rPr lang="en-US" altLang="zh-CN" dirty="0"/>
-              <a:t>Tip: Manually s</a:t>
-            </a:r>
-            <a:r>
-              <a:rPr lang="en-US" dirty="0"/>
-              <a:t>et shared folder between your PC/laptop and VM: </a:t>
-            </a:r>
-            <a:r>
-              <a:rPr lang="en-US" dirty="0" err="1"/>
-              <a:t>sudo</a:t>
-            </a:r>
-            <a:r>
-              <a:rPr lang="en-US" dirty="0"/>
-              <a:t> mount - t </a:t>
-            </a:r>
-            <a:r>
-              <a:rPr lang="en-US" dirty="0" err="1"/>
-              <a:t>vboxsf</a:t>
-            </a:r>
-            <a:r>
-              <a:rPr lang="en-US" dirty="0"/>
-              <a:t>   </a:t>
-            </a:r>
-            <a:r>
-              <a:rPr lang="en-US" i="1" u="sng" dirty="0"/>
-              <a:t>folder name in VirtualBox App setting</a:t>
-            </a:r>
-            <a:r>
-              <a:rPr lang="en-US" i="1" dirty="0"/>
-              <a:t>   </a:t>
-            </a:r>
-            <a:r>
-              <a:rPr lang="en-US" i="1" u="sng" dirty="0"/>
-              <a:t>folder name in VM</a:t>
-            </a:r>
-            <a:endParaRPr lang="en-HK" dirty="0"/>
-          </a:p>
-          <a:p>
-            <a:endParaRPr lang="en-HK" dirty="0"/>
-          </a:p>
-        </p:txBody>
-      </p:sp>
-    </p:spTree>
-    <p:extLst>
-      <p:ext uri="{BB962C8B-B14F-4D97-AF65-F5344CB8AC3E}">
-        <p14:creationId xmlns:p14="http://schemas.microsoft.com/office/powerpoint/2010/main" val="1871005255"/>
-      </p:ext>
-    </p:extLst>
-  </p:cSld>
-  <p:clrMapOvr>
-    <a:masterClrMapping/>
-  </p:clrMapOvr>
-</p:sld>
-</file>
-
 <file path=ppt/slides/slide17.xml><?xml version="1.0" encoding="utf-8"?>
 <p:sld xmlns:a="http://schemas.openxmlformats.org/drawingml/2006/main" xmlns:r="http://schemas.openxmlformats.org/officeDocument/2006/relationships" xmlns:p="http://schemas.openxmlformats.org/presentationml/2006/main">
   <p:cSld>
@@ -5829,6 +5822,178 @@
           <a:p>
             <a:r>
               <a:rPr lang="en-US" b="1" dirty="0"/>
+              <a:t>Socket Programming: A Demo</a:t>
+            </a:r>
+          </a:p>
+        </p:txBody>
+      </p:sp>
+      <p:sp>
+        <p:nvSpPr>
+          <p:cNvPr id="3" name="Content Placeholder 2">
+            <a:extLst>
+              <a:ext uri="{FF2B5EF4-FFF2-40B4-BE49-F238E27FC236}">
+                <a16:creationId xmlns:a16="http://schemas.microsoft.com/office/drawing/2014/main" id="{8F20472D-613F-3748-9CBD-88055CDB4B08}"/>
+              </a:ext>
+            </a:extLst>
+          </p:cNvPr>
+          <p:cNvSpPr>
+            <a:spLocks noGrp="1"/>
+          </p:cNvSpPr>
+          <p:nvPr>
+            <p:ph idx="1"/>
+          </p:nvPr>
+        </p:nvSpPr>
+        <p:spPr>
+          <a:xfrm>
+            <a:off x="838200" y="1825625"/>
+            <a:ext cx="10515600" cy="1998230"/>
+          </a:xfrm>
+        </p:spPr>
+        <p:txBody>
+          <a:bodyPr>
+            <a:normAutofit fontScale="85000" lnSpcReduction="10000"/>
+          </a:bodyPr>
+          <a:lstStyle/>
+          <a:p>
+            <a:r>
+              <a:rPr lang="en-HK" dirty="0">
+                <a:hlinkClick r:id="rId2"/>
+              </a:rPr>
+              <a:t>eecs482/</a:t>
+            </a:r>
+            <a:r>
+              <a:rPr lang="en-HK" dirty="0" err="1">
+                <a:hlinkClick r:id="rId2"/>
+              </a:rPr>
+              <a:t>bgreeves</a:t>
+            </a:r>
+            <a:r>
+              <a:rPr lang="en-HK" dirty="0">
+                <a:hlinkClick r:id="rId2"/>
+              </a:rPr>
+              <a:t>-socket-example: Sockets example from discussion</a:t>
+            </a:r>
+            <a:endParaRPr lang="en-HK" dirty="0"/>
+          </a:p>
+          <a:p>
+            <a:r>
+              <a:rPr lang="en-HK" dirty="0"/>
+              <a:t>Linux or Mac OS.</a:t>
+            </a:r>
+          </a:p>
+          <a:p>
+            <a:r>
+              <a:rPr lang="en-HK" dirty="0"/>
+              <a:t>A virtual machine is provided </a:t>
+            </a:r>
+            <a:r>
+              <a:rPr lang="en-HK" dirty="0">
+                <a:hlinkClick r:id="rId3"/>
+              </a:rPr>
+              <a:t>here</a:t>
+            </a:r>
+            <a:r>
+              <a:rPr lang="en-HK" dirty="0"/>
+              <a:t>. (The password is identical to the username.)</a:t>
+            </a:r>
+          </a:p>
+          <a:p>
+            <a:r>
+              <a:rPr lang="en-US" altLang="zh-CN" dirty="0"/>
+              <a:t>Tip: Manually s</a:t>
+            </a:r>
+            <a:r>
+              <a:rPr lang="en-US" dirty="0"/>
+              <a:t>et shared folder between your PC/laptop and VM: </a:t>
+            </a:r>
+            <a:r>
+              <a:rPr lang="en-US" dirty="0" err="1"/>
+              <a:t>sudo</a:t>
+            </a:r>
+            <a:r>
+              <a:rPr lang="en-US" dirty="0"/>
+              <a:t> mount - t </a:t>
+            </a:r>
+            <a:r>
+              <a:rPr lang="en-US" dirty="0" err="1"/>
+              <a:t>vboxsf</a:t>
+            </a:r>
+            <a:r>
+              <a:rPr lang="en-US" dirty="0"/>
+              <a:t>   </a:t>
+            </a:r>
+            <a:r>
+              <a:rPr lang="en-US" i="1" u="sng" dirty="0"/>
+              <a:t>folder name in VirtualBox App setting</a:t>
+            </a:r>
+            <a:r>
+              <a:rPr lang="en-US" i="1" dirty="0"/>
+              <a:t>   </a:t>
+            </a:r>
+            <a:r>
+              <a:rPr lang="en-US" i="1" u="sng" dirty="0"/>
+              <a:t>folder name in VM</a:t>
+            </a:r>
+            <a:endParaRPr lang="en-HK" dirty="0"/>
+          </a:p>
+          <a:p>
+            <a:endParaRPr lang="en-HK" dirty="0"/>
+          </a:p>
+        </p:txBody>
+      </p:sp>
+    </p:spTree>
+    <p:extLst>
+      <p:ext uri="{BB962C8B-B14F-4D97-AF65-F5344CB8AC3E}">
+        <p14:creationId xmlns:p14="http://schemas.microsoft.com/office/powerpoint/2010/main" val="1871005255"/>
+      </p:ext>
+    </p:extLst>
+  </p:cSld>
+  <p:clrMapOvr>
+    <a:masterClrMapping/>
+  </p:clrMapOvr>
+</p:sld>
+</file>
+
+<file path=ppt/slides/slide18.xml><?xml version="1.0" encoding="utf-8"?>
+<p:sld xmlns:a="http://schemas.openxmlformats.org/drawingml/2006/main" xmlns:r="http://schemas.openxmlformats.org/officeDocument/2006/relationships" xmlns:p="http://schemas.openxmlformats.org/presentationml/2006/main">
+  <p:cSld>
+    <p:spTree>
+      <p:nvGrpSpPr>
+        <p:cNvPr id="1" name=""/>
+        <p:cNvGrpSpPr/>
+        <p:nvPr/>
+      </p:nvGrpSpPr>
+      <p:grpSpPr>
+        <a:xfrm>
+          <a:off x="0" y="0"/>
+          <a:ext cx="0" cy="0"/>
+          <a:chOff x="0" y="0"/>
+          <a:chExt cx="0" cy="0"/>
+        </a:xfrm>
+      </p:grpSpPr>
+      <p:sp>
+        <p:nvSpPr>
+          <p:cNvPr id="2" name="Title 1">
+            <a:extLst>
+              <a:ext uri="{FF2B5EF4-FFF2-40B4-BE49-F238E27FC236}">
+                <a16:creationId xmlns:a16="http://schemas.microsoft.com/office/drawing/2014/main" id="{45C79BA1-37A3-5741-B0A1-E64646E4283C}"/>
+              </a:ext>
+            </a:extLst>
+          </p:cNvPr>
+          <p:cNvSpPr>
+            <a:spLocks noGrp="1"/>
+          </p:cNvSpPr>
+          <p:nvPr>
+            <p:ph type="title"/>
+          </p:nvPr>
+        </p:nvSpPr>
+        <p:spPr/>
+        <p:txBody>
+          <a:bodyPr/>
+          <a:lstStyle/>
+          <a:p>
+            <a:r>
+              <a:rPr lang="en-US" b="1" dirty="0"/>
               <a:t>Socket Programming: Resources</a:t>
             </a:r>
           </a:p>
@@ -5911,7 +6076,7 @@
 </p:sld>
 </file>
 
-<file path=ppt/slides/slide18.xml><?xml version="1.0" encoding="utf-8"?>
+<file path=ppt/slides/slide19.xml><?xml version="1.0" encoding="utf-8"?>
 <p:sld xmlns:a="http://schemas.openxmlformats.org/drawingml/2006/main" xmlns:r="http://schemas.openxmlformats.org/officeDocument/2006/relationships" xmlns:p="http://schemas.openxmlformats.org/presentationml/2006/main">
   <p:cSld>
     <p:spTree>
@@ -6008,66 +6173,164 @@
             <p:ph type="title"/>
           </p:nvPr>
         </p:nvSpPr>
-        <p:spPr/>
-        <p:txBody>
-          <a:bodyPr/>
-          <a:lstStyle/>
-          <a:p>
-            <a:r>
-              <a:rPr lang="en-US" b="1" dirty="0"/>
-              <a:t>Assignment 1 is out!</a:t>
-            </a:r>
-          </a:p>
-        </p:txBody>
-      </p:sp>
-      <p:sp>
-        <p:nvSpPr>
-          <p:cNvPr id="3" name="Content Placeholder 2">
-            <a:extLst>
-              <a:ext uri="{FF2B5EF4-FFF2-40B4-BE49-F238E27FC236}">
-                <a16:creationId xmlns:a16="http://schemas.microsoft.com/office/drawing/2014/main" id="{8F20472D-613F-3748-9CBD-88055CDB4B08}"/>
-              </a:ext>
-            </a:extLst>
-          </p:cNvPr>
-          <p:cNvSpPr>
-            <a:spLocks noGrp="1"/>
-          </p:cNvSpPr>
-          <p:nvPr>
-            <p:ph idx="1"/>
-          </p:nvPr>
-        </p:nvSpPr>
-        <p:spPr/>
-        <p:txBody>
-          <a:bodyPr vert="horz" lIns="91440" tIns="45720" rIns="91440" bIns="45720" rtlCol="0" anchor="t">
+        <p:spPr>
+          <a:xfrm>
+            <a:off x="466344" y="371418"/>
+            <a:ext cx="11259312" cy="1325563"/>
+          </a:xfrm>
+        </p:spPr>
+        <p:txBody>
+          <a:bodyPr>
             <a:normAutofit/>
           </a:bodyPr>
           <a:lstStyle/>
           <a:p>
-            <a:r>
-              <a:rPr lang="en-US" sz="3200" dirty="0"/>
-              <a:t>Due: Mon, 13 </a:t>
-            </a:r>
-            <a:r>
-              <a:rPr lang="en-US" altLang="zh-CN" sz="3200" dirty="0"/>
-              <a:t>Feb</a:t>
-            </a:r>
-            <a:r>
-              <a:rPr lang="en-US" sz="3200" dirty="0"/>
-              <a:t>. 11:59:59 p.m.</a:t>
-            </a:r>
-          </a:p>
-          <a:p>
-            <a:r>
-              <a:rPr lang="en-US" sz="3200" dirty="0"/>
-              <a:t>Get yourself familiar with the basic socket programming</a:t>
-            </a:r>
-          </a:p>
-          <a:p>
-            <a:r>
-              <a:rPr lang="en-US" sz="3200" dirty="0"/>
-              <a:t>START EARLY!</a:t>
-            </a:r>
-            <a:endParaRPr lang="en-US" sz="3200" dirty="0">
+            <a:pPr algn="ctr"/>
+            <a:r>
+              <a:rPr lang="en-US" sz="4000" b="1" dirty="0"/>
+              <a:t>W</a:t>
+            </a:r>
+            <a:r>
+              <a:rPr lang="en-US" altLang="zh-CN" sz="4000" b="1" dirty="0"/>
+              <a:t>elcome to CSCI4430-ESTR4120, Computer Networks!</a:t>
+            </a:r>
+            <a:endParaRPr lang="en-US" sz="4000" b="1" dirty="0"/>
+          </a:p>
+        </p:txBody>
+      </p:sp>
+      <p:pic>
+        <p:nvPicPr>
+          <p:cNvPr id="5" name="Picture 4">
+            <a:extLst>
+              <a:ext uri="{FF2B5EF4-FFF2-40B4-BE49-F238E27FC236}">
+                <a16:creationId xmlns:a16="http://schemas.microsoft.com/office/drawing/2014/main" id="{481A92B3-57FA-1D5F-3B0A-68C8265E814C}"/>
+              </a:ext>
+            </a:extLst>
+          </p:cNvPr>
+          <p:cNvPicPr>
+            <a:picLocks noChangeAspect="1"/>
+          </p:cNvPicPr>
+          <p:nvPr/>
+        </p:nvPicPr>
+        <p:blipFill>
+          <a:blip r:embed="rId2"/>
+          <a:stretch>
+            <a:fillRect/>
+          </a:stretch>
+        </p:blipFill>
+        <p:spPr>
+          <a:xfrm>
+            <a:off x="2566339" y="2695168"/>
+            <a:ext cx="2502284" cy="2502284"/>
+          </a:xfrm>
+          <a:prstGeom prst="rect">
+            <a:avLst/>
+          </a:prstGeom>
+        </p:spPr>
+      </p:pic>
+      <p:pic>
+        <p:nvPicPr>
+          <p:cNvPr id="7" name="Picture 6">
+            <a:extLst>
+              <a:ext uri="{FF2B5EF4-FFF2-40B4-BE49-F238E27FC236}">
+                <a16:creationId xmlns:a16="http://schemas.microsoft.com/office/drawing/2014/main" id="{21A267B6-343D-355C-6EFF-1079A7ED6300}"/>
+              </a:ext>
+            </a:extLst>
+          </p:cNvPr>
+          <p:cNvPicPr>
+            <a:picLocks noChangeAspect="1"/>
+          </p:cNvPicPr>
+          <p:nvPr/>
+        </p:nvPicPr>
+        <p:blipFill>
+          <a:blip r:embed="rId3"/>
+          <a:stretch>
+            <a:fillRect/>
+          </a:stretch>
+        </p:blipFill>
+        <p:spPr>
+          <a:xfrm>
+            <a:off x="6543854" y="2695168"/>
+            <a:ext cx="2502284" cy="2502284"/>
+          </a:xfrm>
+          <a:prstGeom prst="rect">
+            <a:avLst/>
+          </a:prstGeom>
+        </p:spPr>
+      </p:pic>
+      <p:sp>
+        <p:nvSpPr>
+          <p:cNvPr id="9" name="TextBox 8">
+            <a:extLst>
+              <a:ext uri="{FF2B5EF4-FFF2-40B4-BE49-F238E27FC236}">
+                <a16:creationId xmlns:a16="http://schemas.microsoft.com/office/drawing/2014/main" id="{F0C96ACA-C0AD-5D03-FC0D-F309616271E5}"/>
+              </a:ext>
+            </a:extLst>
+          </p:cNvPr>
+          <p:cNvSpPr txBox="1"/>
+          <p:nvPr/>
+        </p:nvSpPr>
+        <p:spPr>
+          <a:xfrm>
+            <a:off x="6543855" y="2442649"/>
+            <a:ext cx="2447026" cy="461665"/>
+          </a:xfrm>
+          <a:prstGeom prst="rect">
+            <a:avLst/>
+          </a:prstGeom>
+          <a:noFill/>
+        </p:spPr>
+        <p:txBody>
+          <a:bodyPr wrap="square">
+            <a:spAutoFit/>
+          </a:bodyPr>
+          <a:lstStyle/>
+          <a:p>
+            <a:pPr algn="ctr"/>
+            <a:r>
+              <a:rPr lang="en-US" sz="2400" dirty="0"/>
+              <a:t>Piazza</a:t>
+            </a:r>
+            <a:endParaRPr lang="en-US" sz="2400" dirty="0">
+              <a:cs typeface="Calibri"/>
+            </a:endParaRPr>
+          </a:p>
+        </p:txBody>
+      </p:sp>
+      <p:sp>
+        <p:nvSpPr>
+          <p:cNvPr id="10" name="TextBox 9">
+            <a:extLst>
+              <a:ext uri="{FF2B5EF4-FFF2-40B4-BE49-F238E27FC236}">
+                <a16:creationId xmlns:a16="http://schemas.microsoft.com/office/drawing/2014/main" id="{54D01685-344B-7B86-873B-62862760B94C}"/>
+              </a:ext>
+            </a:extLst>
+          </p:cNvPr>
+          <p:cNvSpPr txBox="1"/>
+          <p:nvPr/>
+        </p:nvSpPr>
+        <p:spPr>
+          <a:xfrm>
+            <a:off x="2566338" y="2442649"/>
+            <a:ext cx="2447027" cy="461665"/>
+          </a:xfrm>
+          <a:prstGeom prst="rect">
+            <a:avLst/>
+          </a:prstGeom>
+          <a:noFill/>
+        </p:spPr>
+        <p:txBody>
+          <a:bodyPr wrap="square">
+            <a:spAutoFit/>
+          </a:bodyPr>
+          <a:lstStyle/>
+          <a:p>
+            <a:pPr algn="ctr"/>
+            <a:r>
+              <a:rPr lang="en-US" sz="2400" dirty="0"/>
+              <a:t>Course page</a:t>
+            </a:r>
+            <a:endParaRPr lang="en-US" sz="2400" dirty="0">
               <a:cs typeface="Calibri"/>
             </a:endParaRPr>
           </a:p>
@@ -6076,7 +6339,7 @@
     </p:spTree>
     <p:extLst>
       <p:ext uri="{BB962C8B-B14F-4D97-AF65-F5344CB8AC3E}">
-        <p14:creationId xmlns:p14="http://schemas.microsoft.com/office/powerpoint/2010/main" val="1947847713"/>
+        <p14:creationId xmlns:p14="http://schemas.microsoft.com/office/powerpoint/2010/main" val="4069980962"/>
       </p:ext>
     </p:extLst>
   </p:cSld>
@@ -6126,7 +6389,7 @@
           <a:p>
             <a:r>
               <a:rPr lang="en-US" b="1" dirty="0"/>
-              <a:t>Outline</a:t>
+              <a:t>Assignment 1 is out!</a:t>
             </a:r>
           </a:p>
         </p:txBody>
@@ -6149,31 +6412,67 @@
         </p:nvSpPr>
         <p:spPr/>
         <p:txBody>
-          <a:bodyPr>
+          <a:bodyPr vert="horz" lIns="91440" tIns="45720" rIns="91440" bIns="45720" rtlCol="0" anchor="t">
             <a:normAutofit/>
           </a:bodyPr>
           <a:lstStyle/>
           <a:p>
             <a:r>
               <a:rPr lang="en-US" sz="3200" dirty="0"/>
-              <a:t>Introduction to socket programming</a:t>
-            </a:r>
-          </a:p>
-          <a:p>
-            <a:endParaRPr lang="en-US" sz="3200" dirty="0"/>
+              <a:t>Due: TBA</a:t>
+            </a:r>
           </a:p>
           <a:p>
             <a:r>
               <a:rPr lang="en-US" sz="3200" dirty="0"/>
-              <a:t>A simple demo.</a:t>
-            </a:r>
+              <a:t>Task: Write a your own </a:t>
+            </a:r>
+            <a:r>
+              <a:rPr lang="en-US" sz="3200" dirty="0" err="1"/>
+              <a:t>iPerf</a:t>
+            </a:r>
+            <a:r>
+              <a:rPr lang="en-US" sz="3200" dirty="0"/>
+              <a:t> (“</a:t>
+            </a:r>
+            <a:r>
+              <a:rPr lang="en-US" sz="3200" dirty="0" err="1"/>
+              <a:t>iPerfer</a:t>
+            </a:r>
+            <a:r>
+              <a:rPr lang="en-US" sz="3200" dirty="0"/>
+              <a:t>”)  </a:t>
+            </a:r>
+          </a:p>
+          <a:p>
+            <a:r>
+              <a:rPr lang="en-US" sz="3200" dirty="0"/>
+              <a:t>Advice:</a:t>
+            </a:r>
+          </a:p>
+          <a:p>
+            <a:pPr lvl="1"/>
+            <a:r>
+              <a:rPr lang="en-US" sz="2800" dirty="0"/>
+              <a:t>Get yourself familiar with the basic socket programming</a:t>
+            </a:r>
+          </a:p>
+          <a:p>
+            <a:pPr lvl="1"/>
+            <a:r>
+              <a:rPr lang="en-US" sz="2800" dirty="0"/>
+              <a:t>START EARLY!</a:t>
+            </a:r>
+            <a:endParaRPr lang="en-US" sz="2800" dirty="0">
+              <a:cs typeface="Calibri"/>
+            </a:endParaRPr>
           </a:p>
         </p:txBody>
       </p:sp>
     </p:spTree>
     <p:extLst>
       <p:ext uri="{BB962C8B-B14F-4D97-AF65-F5344CB8AC3E}">
-        <p14:creationId xmlns:p14="http://schemas.microsoft.com/office/powerpoint/2010/main" val="440415094"/>
+        <p14:creationId xmlns:p14="http://schemas.microsoft.com/office/powerpoint/2010/main" val="1947847713"/>
       </p:ext>
     </p:extLst>
   </p:cSld>
@@ -6223,7 +6522,7 @@
           <a:p>
             <a:r>
               <a:rPr lang="en-US" b="1" dirty="0"/>
-              <a:t>Socket Programming: Intro</a:t>
+              <a:t>Outline</a:t>
             </a:r>
           </a:p>
         </p:txBody>
@@ -6251,6 +6550,103 @@
           </a:bodyPr>
           <a:lstStyle/>
           <a:p>
+            <a:r>
+              <a:rPr lang="en-US" sz="3200" dirty="0"/>
+              <a:t>Introduction to socket programming</a:t>
+            </a:r>
+          </a:p>
+          <a:p>
+            <a:endParaRPr lang="en-US" sz="3200" dirty="0"/>
+          </a:p>
+          <a:p>
+            <a:r>
+              <a:rPr lang="en-US" sz="3200" dirty="0"/>
+              <a:t>A simple demo.</a:t>
+            </a:r>
+          </a:p>
+        </p:txBody>
+      </p:sp>
+    </p:spTree>
+    <p:extLst>
+      <p:ext uri="{BB962C8B-B14F-4D97-AF65-F5344CB8AC3E}">
+        <p14:creationId xmlns:p14="http://schemas.microsoft.com/office/powerpoint/2010/main" val="440415094"/>
+      </p:ext>
+    </p:extLst>
+  </p:cSld>
+  <p:clrMapOvr>
+    <a:masterClrMapping/>
+  </p:clrMapOvr>
+</p:sld>
+</file>
+
+<file path=ppt/slides/slide5.xml><?xml version="1.0" encoding="utf-8"?>
+<p:sld xmlns:a="http://schemas.openxmlformats.org/drawingml/2006/main" xmlns:r="http://schemas.openxmlformats.org/officeDocument/2006/relationships" xmlns:p="http://schemas.openxmlformats.org/presentationml/2006/main">
+  <p:cSld>
+    <p:spTree>
+      <p:nvGrpSpPr>
+        <p:cNvPr id="1" name=""/>
+        <p:cNvGrpSpPr/>
+        <p:nvPr/>
+      </p:nvGrpSpPr>
+      <p:grpSpPr>
+        <a:xfrm>
+          <a:off x="0" y="0"/>
+          <a:ext cx="0" cy="0"/>
+          <a:chOff x="0" y="0"/>
+          <a:chExt cx="0" cy="0"/>
+        </a:xfrm>
+      </p:grpSpPr>
+      <p:sp>
+        <p:nvSpPr>
+          <p:cNvPr id="2" name="Title 1">
+            <a:extLst>
+              <a:ext uri="{FF2B5EF4-FFF2-40B4-BE49-F238E27FC236}">
+                <a16:creationId xmlns:a16="http://schemas.microsoft.com/office/drawing/2014/main" id="{45C79BA1-37A3-5741-B0A1-E64646E4283C}"/>
+              </a:ext>
+            </a:extLst>
+          </p:cNvPr>
+          <p:cNvSpPr>
+            <a:spLocks noGrp="1"/>
+          </p:cNvSpPr>
+          <p:nvPr>
+            <p:ph type="title"/>
+          </p:nvPr>
+        </p:nvSpPr>
+        <p:spPr/>
+        <p:txBody>
+          <a:bodyPr/>
+          <a:lstStyle/>
+          <a:p>
+            <a:r>
+              <a:rPr lang="en-US" b="1" dirty="0"/>
+              <a:t>Socket Programming: Intro</a:t>
+            </a:r>
+          </a:p>
+        </p:txBody>
+      </p:sp>
+      <p:sp>
+        <p:nvSpPr>
+          <p:cNvPr id="3" name="Content Placeholder 2">
+            <a:extLst>
+              <a:ext uri="{FF2B5EF4-FFF2-40B4-BE49-F238E27FC236}">
+                <a16:creationId xmlns:a16="http://schemas.microsoft.com/office/drawing/2014/main" id="{8F20472D-613F-3748-9CBD-88055CDB4B08}"/>
+              </a:ext>
+            </a:extLst>
+          </p:cNvPr>
+          <p:cNvSpPr>
+            <a:spLocks noGrp="1"/>
+          </p:cNvSpPr>
+          <p:nvPr>
+            <p:ph idx="1"/>
+          </p:nvPr>
+        </p:nvSpPr>
+        <p:spPr/>
+        <p:txBody>
+          <a:bodyPr>
+            <a:normAutofit lnSpcReduction="10000"/>
+          </a:bodyPr>
+          <a:lstStyle/>
+          <a:p>
             <a:pPr marL="0" indent="0">
               <a:buNone/>
             </a:pPr>
@@ -6260,12 +6656,23 @@
             </a:r>
           </a:p>
           <a:p>
-            <a:pPr marL="0" indent="0">
-              <a:buNone/>
+            <a:pPr>
+              <a:buFontTx/>
+              <a:buChar char="-"/>
             </a:pPr>
             <a:r>
               <a:rPr lang="en-US" sz="3200" dirty="0"/>
-              <a:t>- Communication endpoint at the end hosts.</a:t>
+              <a:t>Communication endpoint at the end hosts[1].</a:t>
+            </a:r>
+          </a:p>
+          <a:p>
+            <a:pPr>
+              <a:buFontTx/>
+              <a:buChar char="-"/>
+            </a:pPr>
+            <a:r>
+              <a:rPr lang="en-US" sz="3200" dirty="0"/>
+              <a:t>Don’t mix network socket up with other “sockets”, i.e. CPU socket.</a:t>
             </a:r>
           </a:p>
           <a:p>
@@ -6290,6 +6697,41 @@
             <a:r>
               <a:rPr lang="en-US" sz="3200" dirty="0"/>
               <a:t>- It provides an application programming interface to exchange data between processes on the same or different machines.</a:t>
+            </a:r>
+          </a:p>
+        </p:txBody>
+      </p:sp>
+      <p:sp>
+        <p:nvSpPr>
+          <p:cNvPr id="7" name="TextBox 6">
+            <a:extLst>
+              <a:ext uri="{FF2B5EF4-FFF2-40B4-BE49-F238E27FC236}">
+                <a16:creationId xmlns:a16="http://schemas.microsoft.com/office/drawing/2014/main" id="{9AA55E2F-1183-7E37-4DAB-FB1727EFF128}"/>
+              </a:ext>
+            </a:extLst>
+          </p:cNvPr>
+          <p:cNvSpPr txBox="1"/>
+          <p:nvPr/>
+        </p:nvSpPr>
+        <p:spPr>
+          <a:xfrm>
+            <a:off x="838200" y="6176963"/>
+            <a:ext cx="6094476" cy="369332"/>
+          </a:xfrm>
+          <a:prstGeom prst="rect">
+            <a:avLst/>
+          </a:prstGeom>
+          <a:noFill/>
+        </p:spPr>
+        <p:txBody>
+          <a:bodyPr wrap="square">
+            <a:spAutoFit/>
+          </a:bodyPr>
+          <a:lstStyle/>
+          <a:p>
+            <a:r>
+              <a:rPr lang="en-US" dirty="0"/>
+              <a:t>[1] https://www.rfc-editor.org/rfc/rfc147</a:t>
             </a:r>
           </a:p>
         </p:txBody>
@@ -6307,7 +6749,7 @@
 </p:sld>
 </file>
 
-<file path=ppt/slides/slide5.xml><?xml version="1.0" encoding="utf-8"?>
+<file path=ppt/slides/slide6.xml><?xml version="1.0" encoding="utf-8"?>
 <p:sld xmlns:a="http://schemas.openxmlformats.org/drawingml/2006/main" xmlns:r="http://schemas.openxmlformats.org/officeDocument/2006/relationships" xmlns:p="http://schemas.openxmlformats.org/presentationml/2006/main">
   <p:cSld>
     <p:spTree>
@@ -8137,7 +8579,7 @@
 </p:sld>
 </file>
 
-<file path=ppt/slides/slide6.xml><?xml version="1.0" encoding="utf-8"?>
+<file path=ppt/slides/slide7.xml><?xml version="1.0" encoding="utf-8"?>
 <p:sld xmlns:a="http://schemas.openxmlformats.org/drawingml/2006/main" xmlns:r="http://schemas.openxmlformats.org/officeDocument/2006/relationships" xmlns:p="http://schemas.openxmlformats.org/presentationml/2006/main">
   <p:cSld>
     <p:spTree>
@@ -9910,7 +10352,7 @@
 </p:sld>
 </file>
 
-<file path=ppt/slides/slide7.xml><?xml version="1.0" encoding="utf-8"?>
+<file path=ppt/slides/slide8.xml><?xml version="1.0" encoding="utf-8"?>
 <p:sld xmlns:a="http://schemas.openxmlformats.org/drawingml/2006/main" xmlns:r="http://schemas.openxmlformats.org/officeDocument/2006/relationships" xmlns:p="http://schemas.openxmlformats.org/presentationml/2006/main">
   <p:cSld>
     <p:spTree>
@@ -10061,1330 +10503,6 @@
     <p:extLst>
       <p:ext uri="{BB962C8B-B14F-4D97-AF65-F5344CB8AC3E}">
         <p14:creationId xmlns:p14="http://schemas.microsoft.com/office/powerpoint/2010/main" val="2946419580"/>
-      </p:ext>
-    </p:extLst>
-  </p:cSld>
-  <p:clrMapOvr>
-    <a:masterClrMapping/>
-  </p:clrMapOvr>
-</p:sld>
-</file>
-
-<file path=ppt/slides/slide8.xml><?xml version="1.0" encoding="utf-8"?>
-<p:sld xmlns:a="http://schemas.openxmlformats.org/drawingml/2006/main" xmlns:r="http://schemas.openxmlformats.org/officeDocument/2006/relationships" xmlns:p="http://schemas.openxmlformats.org/presentationml/2006/main">
-  <p:cSld>
-    <p:spTree>
-      <p:nvGrpSpPr>
-        <p:cNvPr id="1" name=""/>
-        <p:cNvGrpSpPr/>
-        <p:nvPr/>
-      </p:nvGrpSpPr>
-      <p:grpSpPr>
-        <a:xfrm>
-          <a:off x="0" y="0"/>
-          <a:ext cx="0" cy="0"/>
-          <a:chOff x="0" y="0"/>
-          <a:chExt cx="0" cy="0"/>
-        </a:xfrm>
-      </p:grpSpPr>
-      <p:sp>
-        <p:nvSpPr>
-          <p:cNvPr id="2" name="Title 1">
-            <a:extLst>
-              <a:ext uri="{FF2B5EF4-FFF2-40B4-BE49-F238E27FC236}">
-                <a16:creationId xmlns:a16="http://schemas.microsoft.com/office/drawing/2014/main" id="{45C79BA1-37A3-5741-B0A1-E64646E4283C}"/>
-              </a:ext>
-            </a:extLst>
-          </p:cNvPr>
-          <p:cNvSpPr>
-            <a:spLocks noGrp="1"/>
-          </p:cNvSpPr>
-          <p:nvPr>
-            <p:ph type="title"/>
-          </p:nvPr>
-        </p:nvSpPr>
-        <p:spPr/>
-        <p:txBody>
-          <a:bodyPr/>
-          <a:lstStyle/>
-          <a:p>
-            <a:r>
-              <a:rPr lang="en-US" b="1" dirty="0"/>
-              <a:t>Socket Programming: Complete Flow</a:t>
-            </a:r>
-          </a:p>
-        </p:txBody>
-      </p:sp>
-      <p:sp>
-        <p:nvSpPr>
-          <p:cNvPr id="9" name="Text Box 6">
-            <a:extLst>
-              <a:ext uri="{FF2B5EF4-FFF2-40B4-BE49-F238E27FC236}">
-                <a16:creationId xmlns:a16="http://schemas.microsoft.com/office/drawing/2014/main" id="{F6AFE687-0492-4A55-AB34-D24ED6DC8C22}"/>
-              </a:ext>
-            </a:extLst>
-          </p:cNvPr>
-          <p:cNvSpPr txBox="1">
-            <a:spLocks noChangeArrowheads="1"/>
-          </p:cNvSpPr>
-          <p:nvPr/>
-        </p:nvSpPr>
-        <p:spPr bwMode="auto">
-          <a:xfrm>
-            <a:off x="2263775" y="1876426"/>
-            <a:ext cx="1196975" cy="376237"/>
-          </a:xfrm>
-          <a:prstGeom prst="rect">
-            <a:avLst/>
-          </a:prstGeom>
-          <a:solidFill>
-            <a:srgbClr val="FFFF99"/>
-          </a:solidFill>
-          <a:ln w="9525">
-            <a:solidFill>
-              <a:schemeClr val="tx1"/>
-            </a:solidFill>
-            <a:miter lim="800000"/>
-            <a:headEnd/>
-            <a:tailEnd/>
-          </a:ln>
-        </p:spPr>
-        <p:txBody>
-          <a:bodyPr wrap="none">
-            <a:spAutoFit/>
-          </a:bodyPr>
-          <a:lstStyle/>
-          <a:p>
-            <a:r>
-              <a:rPr lang="en-US" altLang="zh-TW" b="1" dirty="0">
-                <a:latin typeface="Consolas" pitchFamily="49" charset="0"/>
-              </a:rPr>
-              <a:t>socket()</a:t>
-            </a:r>
-          </a:p>
-        </p:txBody>
-      </p:sp>
-      <p:sp>
-        <p:nvSpPr>
-          <p:cNvPr id="10" name="Text Box 7">
-            <a:extLst>
-              <a:ext uri="{FF2B5EF4-FFF2-40B4-BE49-F238E27FC236}">
-                <a16:creationId xmlns:a16="http://schemas.microsoft.com/office/drawing/2014/main" id="{34CEA3E1-E825-4190-BA28-33FC42C33F18}"/>
-              </a:ext>
-            </a:extLst>
-          </p:cNvPr>
-          <p:cNvSpPr txBox="1">
-            <a:spLocks noChangeArrowheads="1"/>
-          </p:cNvSpPr>
-          <p:nvPr/>
-        </p:nvSpPr>
-        <p:spPr bwMode="auto">
-          <a:xfrm>
-            <a:off x="5997575" y="1876426"/>
-            <a:ext cx="1196975" cy="376237"/>
-          </a:xfrm>
-          <a:prstGeom prst="rect">
-            <a:avLst/>
-          </a:prstGeom>
-          <a:solidFill>
-            <a:srgbClr val="FFFF99"/>
-          </a:solidFill>
-          <a:ln w="9525">
-            <a:solidFill>
-              <a:schemeClr val="tx1"/>
-            </a:solidFill>
-            <a:miter lim="800000"/>
-            <a:headEnd/>
-            <a:tailEnd/>
-          </a:ln>
-        </p:spPr>
-        <p:txBody>
-          <a:bodyPr wrap="none">
-            <a:spAutoFit/>
-          </a:bodyPr>
-          <a:lstStyle/>
-          <a:p>
-            <a:r>
-              <a:rPr lang="en-US" altLang="zh-TW" b="1">
-                <a:latin typeface="Consolas" pitchFamily="49" charset="0"/>
-              </a:rPr>
-              <a:t>listen()</a:t>
-            </a:r>
-          </a:p>
-        </p:txBody>
-      </p:sp>
-      <p:sp>
-        <p:nvSpPr>
-          <p:cNvPr id="11" name="Text Box 9">
-            <a:extLst>
-              <a:ext uri="{FF2B5EF4-FFF2-40B4-BE49-F238E27FC236}">
-                <a16:creationId xmlns:a16="http://schemas.microsoft.com/office/drawing/2014/main" id="{9EDF3584-74B0-4730-AA57-AAA168C844E0}"/>
-              </a:ext>
-            </a:extLst>
-          </p:cNvPr>
-          <p:cNvSpPr txBox="1">
-            <a:spLocks noChangeArrowheads="1"/>
-          </p:cNvSpPr>
-          <p:nvPr/>
-        </p:nvSpPr>
-        <p:spPr bwMode="auto">
-          <a:xfrm>
-            <a:off x="8740775" y="2271713"/>
-            <a:ext cx="1219200" cy="650875"/>
-          </a:xfrm>
-          <a:prstGeom prst="rect">
-            <a:avLst/>
-          </a:prstGeom>
-          <a:solidFill>
-            <a:srgbClr val="FFFF99"/>
-          </a:solidFill>
-          <a:ln w="9525">
-            <a:solidFill>
-              <a:schemeClr val="tx1"/>
-            </a:solidFill>
-            <a:miter lim="800000"/>
-            <a:headEnd/>
-            <a:tailEnd/>
-          </a:ln>
-        </p:spPr>
-        <p:txBody>
-          <a:bodyPr>
-            <a:spAutoFit/>
-          </a:bodyPr>
-          <a:lstStyle/>
-          <a:p>
-            <a:r>
-              <a:rPr lang="en-US" altLang="zh-TW" b="1">
-                <a:latin typeface="Consolas" pitchFamily="49" charset="0"/>
-              </a:rPr>
-              <a:t>read() &amp; write()</a:t>
-            </a:r>
-          </a:p>
-        </p:txBody>
-      </p:sp>
-      <p:sp>
-        <p:nvSpPr>
-          <p:cNvPr id="12" name="Line 10">
-            <a:extLst>
-              <a:ext uri="{FF2B5EF4-FFF2-40B4-BE49-F238E27FC236}">
-                <a16:creationId xmlns:a16="http://schemas.microsoft.com/office/drawing/2014/main" id="{E83C4907-AB29-4059-8561-579811A2BBEB}"/>
-              </a:ext>
-            </a:extLst>
-          </p:cNvPr>
-          <p:cNvSpPr>
-            <a:spLocks noChangeShapeType="1"/>
-          </p:cNvSpPr>
-          <p:nvPr/>
-        </p:nvSpPr>
-        <p:spPr bwMode="auto">
-          <a:xfrm>
-            <a:off x="3635375" y="2043113"/>
-            <a:ext cx="457200" cy="0"/>
-          </a:xfrm>
-          <a:prstGeom prst="line">
-            <a:avLst/>
-          </a:prstGeom>
-          <a:noFill/>
-          <a:ln w="9525">
-            <a:solidFill>
-              <a:schemeClr val="tx1"/>
-            </a:solidFill>
-            <a:round/>
-            <a:headEnd/>
-            <a:tailEnd type="triangle" w="med" len="med"/>
-          </a:ln>
-        </p:spPr>
-        <p:txBody>
-          <a:bodyPr/>
-          <a:lstStyle/>
-          <a:p>
-            <a:endParaRPr lang="en-US"/>
-          </a:p>
-        </p:txBody>
-      </p:sp>
-      <p:sp>
-        <p:nvSpPr>
-          <p:cNvPr id="13" name="Text Box 11">
-            <a:extLst>
-              <a:ext uri="{FF2B5EF4-FFF2-40B4-BE49-F238E27FC236}">
-                <a16:creationId xmlns:a16="http://schemas.microsoft.com/office/drawing/2014/main" id="{244D6EC8-8247-47DF-AB89-82CCA3504F2F}"/>
-              </a:ext>
-            </a:extLst>
-          </p:cNvPr>
-          <p:cNvSpPr txBox="1">
-            <a:spLocks noChangeArrowheads="1"/>
-          </p:cNvSpPr>
-          <p:nvPr/>
-        </p:nvSpPr>
-        <p:spPr bwMode="auto">
-          <a:xfrm>
-            <a:off x="4244975" y="1876426"/>
-            <a:ext cx="946150" cy="376237"/>
-          </a:xfrm>
-          <a:prstGeom prst="rect">
-            <a:avLst/>
-          </a:prstGeom>
-          <a:solidFill>
-            <a:srgbClr val="FFFF99"/>
-          </a:solidFill>
-          <a:ln w="9525">
-            <a:solidFill>
-              <a:schemeClr val="tx1"/>
-            </a:solidFill>
-            <a:miter lim="800000"/>
-            <a:headEnd/>
-            <a:tailEnd/>
-          </a:ln>
-        </p:spPr>
-        <p:txBody>
-          <a:bodyPr wrap="none">
-            <a:spAutoFit/>
-          </a:bodyPr>
-          <a:lstStyle/>
-          <a:p>
-            <a:r>
-              <a:rPr lang="en-US" altLang="zh-TW" b="1">
-                <a:latin typeface="Consolas" pitchFamily="49" charset="0"/>
-              </a:rPr>
-              <a:t>bind()</a:t>
-            </a:r>
-          </a:p>
-        </p:txBody>
-      </p:sp>
-      <p:sp>
-        <p:nvSpPr>
-          <p:cNvPr id="14" name="Line 12">
-            <a:extLst>
-              <a:ext uri="{FF2B5EF4-FFF2-40B4-BE49-F238E27FC236}">
-                <a16:creationId xmlns:a16="http://schemas.microsoft.com/office/drawing/2014/main" id="{2C0B79DC-7211-46C9-9B05-933BEAB4A187}"/>
-              </a:ext>
-            </a:extLst>
-          </p:cNvPr>
-          <p:cNvSpPr>
-            <a:spLocks noChangeShapeType="1"/>
-          </p:cNvSpPr>
-          <p:nvPr/>
-        </p:nvSpPr>
-        <p:spPr bwMode="auto">
-          <a:xfrm>
-            <a:off x="5387975" y="2043113"/>
-            <a:ext cx="457200" cy="0"/>
-          </a:xfrm>
-          <a:prstGeom prst="line">
-            <a:avLst/>
-          </a:prstGeom>
-          <a:noFill/>
-          <a:ln w="9525">
-            <a:solidFill>
-              <a:schemeClr val="tx1"/>
-            </a:solidFill>
-            <a:round/>
-            <a:headEnd/>
-            <a:tailEnd type="triangle" w="med" len="med"/>
-          </a:ln>
-        </p:spPr>
-        <p:txBody>
-          <a:bodyPr/>
-          <a:lstStyle/>
-          <a:p>
-            <a:endParaRPr lang="en-US"/>
-          </a:p>
-        </p:txBody>
-      </p:sp>
-      <p:sp>
-        <p:nvSpPr>
-          <p:cNvPr id="15" name="Line 14">
-            <a:extLst>
-              <a:ext uri="{FF2B5EF4-FFF2-40B4-BE49-F238E27FC236}">
-                <a16:creationId xmlns:a16="http://schemas.microsoft.com/office/drawing/2014/main" id="{43E296AB-0EEF-4E91-94A8-7EBF3F9648E3}"/>
-              </a:ext>
-            </a:extLst>
-          </p:cNvPr>
-          <p:cNvSpPr>
-            <a:spLocks noChangeShapeType="1"/>
-          </p:cNvSpPr>
-          <p:nvPr/>
-        </p:nvSpPr>
-        <p:spPr bwMode="auto">
-          <a:xfrm flipV="1">
-            <a:off x="7216775" y="2617788"/>
-            <a:ext cx="1447800" cy="0"/>
-          </a:xfrm>
-          <a:prstGeom prst="line">
-            <a:avLst/>
-          </a:prstGeom>
-          <a:noFill/>
-          <a:ln w="9525">
-            <a:solidFill>
-              <a:schemeClr val="tx1"/>
-            </a:solidFill>
-            <a:round/>
-            <a:headEnd/>
-            <a:tailEnd type="triangle" w="med" len="med"/>
-          </a:ln>
-        </p:spPr>
-        <p:txBody>
-          <a:bodyPr/>
-          <a:lstStyle/>
-          <a:p>
-            <a:endParaRPr lang="en-US"/>
-          </a:p>
-        </p:txBody>
-      </p:sp>
-      <p:sp>
-        <p:nvSpPr>
-          <p:cNvPr id="16" name="Text Box 15">
-            <a:extLst>
-              <a:ext uri="{FF2B5EF4-FFF2-40B4-BE49-F238E27FC236}">
-                <a16:creationId xmlns:a16="http://schemas.microsoft.com/office/drawing/2014/main" id="{6BCF302D-B88D-477B-8D98-501931225764}"/>
-              </a:ext>
-            </a:extLst>
-          </p:cNvPr>
-          <p:cNvSpPr txBox="1">
-            <a:spLocks noChangeArrowheads="1"/>
-          </p:cNvSpPr>
-          <p:nvPr/>
-        </p:nvSpPr>
-        <p:spPr bwMode="auto">
-          <a:xfrm>
-            <a:off x="2187575" y="3709988"/>
-            <a:ext cx="1866900" cy="314325"/>
-          </a:xfrm>
-          <a:prstGeom prst="rect">
-            <a:avLst/>
-          </a:prstGeom>
-          <a:solidFill>
-            <a:schemeClr val="bg1"/>
-          </a:solidFill>
-          <a:ln w="9525">
-            <a:solidFill>
-              <a:srgbClr val="FF3300"/>
-            </a:solidFill>
-            <a:miter lim="800000"/>
-            <a:headEnd/>
-            <a:tailEnd/>
-          </a:ln>
-        </p:spPr>
-        <p:txBody>
-          <a:bodyPr wrap="none">
-            <a:spAutoFit/>
-          </a:bodyPr>
-          <a:lstStyle/>
-          <a:p>
-            <a:r>
-              <a:rPr lang="en-US" altLang="zh-TW" sz="1400" b="1" dirty="0">
-                <a:latin typeface="Consolas" pitchFamily="49" charset="0"/>
-              </a:rPr>
-              <a:t>Server flow chart</a:t>
-            </a:r>
-          </a:p>
-        </p:txBody>
-      </p:sp>
-      <p:sp>
-        <p:nvSpPr>
-          <p:cNvPr id="17" name="Text Box 16">
-            <a:extLst>
-              <a:ext uri="{FF2B5EF4-FFF2-40B4-BE49-F238E27FC236}">
-                <a16:creationId xmlns:a16="http://schemas.microsoft.com/office/drawing/2014/main" id="{17F0FCD2-C122-43FA-A96E-A2EF64DB3C05}"/>
-              </a:ext>
-            </a:extLst>
-          </p:cNvPr>
-          <p:cNvSpPr txBox="1">
-            <a:spLocks noChangeArrowheads="1"/>
-          </p:cNvSpPr>
-          <p:nvPr/>
-        </p:nvSpPr>
-        <p:spPr bwMode="auto">
-          <a:xfrm>
-            <a:off x="5997575" y="2486026"/>
-            <a:ext cx="1196975" cy="376237"/>
-          </a:xfrm>
-          <a:prstGeom prst="rect">
-            <a:avLst/>
-          </a:prstGeom>
-          <a:solidFill>
-            <a:srgbClr val="FFFF99"/>
-          </a:solidFill>
-          <a:ln w="9525">
-            <a:solidFill>
-              <a:schemeClr val="tx1"/>
-            </a:solidFill>
-            <a:miter lim="800000"/>
-            <a:headEnd/>
-            <a:tailEnd/>
-          </a:ln>
-        </p:spPr>
-        <p:txBody>
-          <a:bodyPr wrap="none">
-            <a:spAutoFit/>
-          </a:bodyPr>
-          <a:lstStyle/>
-          <a:p>
-            <a:r>
-              <a:rPr lang="en-US" altLang="zh-TW" b="1">
-                <a:latin typeface="Consolas" pitchFamily="49" charset="0"/>
-              </a:rPr>
-              <a:t>accept()</a:t>
-            </a:r>
-          </a:p>
-        </p:txBody>
-      </p:sp>
-      <p:sp>
-        <p:nvSpPr>
-          <p:cNvPr id="18" name="Line 17">
-            <a:extLst>
-              <a:ext uri="{FF2B5EF4-FFF2-40B4-BE49-F238E27FC236}">
-                <a16:creationId xmlns:a16="http://schemas.microsoft.com/office/drawing/2014/main" id="{4D023969-95A2-468A-A3E0-B675ED6570BA}"/>
-              </a:ext>
-            </a:extLst>
-          </p:cNvPr>
-          <p:cNvSpPr>
-            <a:spLocks noChangeShapeType="1"/>
-          </p:cNvSpPr>
-          <p:nvPr/>
-        </p:nvSpPr>
-        <p:spPr bwMode="auto">
-          <a:xfrm>
-            <a:off x="6607175" y="2271713"/>
-            <a:ext cx="0" cy="228600"/>
-          </a:xfrm>
-          <a:prstGeom prst="line">
-            <a:avLst/>
-          </a:prstGeom>
-          <a:noFill/>
-          <a:ln w="9525">
-            <a:solidFill>
-              <a:schemeClr val="tx1"/>
-            </a:solidFill>
-            <a:round/>
-            <a:headEnd/>
-            <a:tailEnd type="triangle" w="med" len="med"/>
-          </a:ln>
-        </p:spPr>
-        <p:txBody>
-          <a:bodyPr/>
-          <a:lstStyle/>
-          <a:p>
-            <a:endParaRPr lang="en-US"/>
-          </a:p>
-        </p:txBody>
-      </p:sp>
-      <p:sp>
-        <p:nvSpPr>
-          <p:cNvPr id="19" name="Rectangle 18">
-            <a:extLst>
-              <a:ext uri="{FF2B5EF4-FFF2-40B4-BE49-F238E27FC236}">
-                <a16:creationId xmlns:a16="http://schemas.microsoft.com/office/drawing/2014/main" id="{D4289FA5-0234-4100-9377-F65B26C0F808}"/>
-              </a:ext>
-            </a:extLst>
-          </p:cNvPr>
-          <p:cNvSpPr>
-            <a:spLocks noChangeArrowheads="1"/>
-          </p:cNvSpPr>
-          <p:nvPr/>
-        </p:nvSpPr>
-        <p:spPr bwMode="auto">
-          <a:xfrm>
-            <a:off x="2339975" y="2195513"/>
-            <a:ext cx="990600" cy="304800"/>
-          </a:xfrm>
-          <a:prstGeom prst="rect">
-            <a:avLst/>
-          </a:prstGeom>
-          <a:solidFill>
-            <a:schemeClr val="folHlink"/>
-          </a:solidFill>
-          <a:ln w="9525" algn="ctr">
-            <a:solidFill>
-              <a:schemeClr val="tx1"/>
-            </a:solidFill>
-            <a:miter lim="800000"/>
-            <a:headEnd/>
-            <a:tailEnd/>
-          </a:ln>
-        </p:spPr>
-        <p:txBody>
-          <a:bodyPr wrap="none" anchor="ctr"/>
-          <a:lstStyle/>
-          <a:p>
-            <a:r>
-              <a:rPr lang="en-US" altLang="zh-TW" sz="1400" b="1" dirty="0">
-                <a:latin typeface="Consolas" pitchFamily="49" charset="0"/>
-              </a:rPr>
-              <a:t>Socket FD</a:t>
-            </a:r>
-          </a:p>
-        </p:txBody>
-      </p:sp>
-      <p:sp>
-        <p:nvSpPr>
-          <p:cNvPr id="20" name="Rectangle 19">
-            <a:extLst>
-              <a:ext uri="{FF2B5EF4-FFF2-40B4-BE49-F238E27FC236}">
-                <a16:creationId xmlns:a16="http://schemas.microsoft.com/office/drawing/2014/main" id="{7FD8A21C-1E7E-4D09-B905-8CE711B8C75A}"/>
-              </a:ext>
-            </a:extLst>
-          </p:cNvPr>
-          <p:cNvSpPr>
-            <a:spLocks noChangeArrowheads="1"/>
-          </p:cNvSpPr>
-          <p:nvPr/>
-        </p:nvSpPr>
-        <p:spPr bwMode="auto">
-          <a:xfrm>
-            <a:off x="4244975" y="2195513"/>
-            <a:ext cx="990600" cy="304800"/>
-          </a:xfrm>
-          <a:prstGeom prst="rect">
-            <a:avLst/>
-          </a:prstGeom>
-          <a:solidFill>
-            <a:schemeClr val="folHlink"/>
-          </a:solidFill>
-          <a:ln w="9525" algn="ctr">
-            <a:solidFill>
-              <a:schemeClr val="tx1"/>
-            </a:solidFill>
-            <a:miter lim="800000"/>
-            <a:headEnd/>
-            <a:tailEnd/>
-          </a:ln>
-        </p:spPr>
-        <p:txBody>
-          <a:bodyPr wrap="none" anchor="ctr"/>
-          <a:lstStyle/>
-          <a:p>
-            <a:r>
-              <a:rPr lang="en-US" altLang="zh-TW" sz="1400" b="1">
-                <a:latin typeface="Consolas" pitchFamily="49" charset="0"/>
-              </a:rPr>
-              <a:t>Socket FD</a:t>
-            </a:r>
-          </a:p>
-        </p:txBody>
-      </p:sp>
-      <p:sp>
-        <p:nvSpPr>
-          <p:cNvPr id="21" name="Rectangle 20">
-            <a:extLst>
-              <a:ext uri="{FF2B5EF4-FFF2-40B4-BE49-F238E27FC236}">
-                <a16:creationId xmlns:a16="http://schemas.microsoft.com/office/drawing/2014/main" id="{D2B94EDB-4E65-4E1D-A28A-5B6B4ED81935}"/>
-              </a:ext>
-            </a:extLst>
-          </p:cNvPr>
-          <p:cNvSpPr>
-            <a:spLocks noChangeArrowheads="1"/>
-          </p:cNvSpPr>
-          <p:nvPr/>
-        </p:nvSpPr>
-        <p:spPr bwMode="auto">
-          <a:xfrm>
-            <a:off x="6073775" y="1585913"/>
-            <a:ext cx="990600" cy="304800"/>
-          </a:xfrm>
-          <a:prstGeom prst="rect">
-            <a:avLst/>
-          </a:prstGeom>
-          <a:solidFill>
-            <a:schemeClr val="folHlink"/>
-          </a:solidFill>
-          <a:ln w="9525" algn="ctr">
-            <a:solidFill>
-              <a:schemeClr val="tx1"/>
-            </a:solidFill>
-            <a:miter lim="800000"/>
-            <a:headEnd/>
-            <a:tailEnd/>
-          </a:ln>
-        </p:spPr>
-        <p:txBody>
-          <a:bodyPr wrap="none" anchor="ctr"/>
-          <a:lstStyle/>
-          <a:p>
-            <a:r>
-              <a:rPr lang="en-US" altLang="zh-TW" sz="1400" b="1">
-                <a:latin typeface="Consolas" pitchFamily="49" charset="0"/>
-              </a:rPr>
-              <a:t>Socket FD</a:t>
-            </a:r>
-          </a:p>
-        </p:txBody>
-      </p:sp>
-      <p:sp>
-        <p:nvSpPr>
-          <p:cNvPr id="22" name="Rectangle 21">
-            <a:extLst>
-              <a:ext uri="{FF2B5EF4-FFF2-40B4-BE49-F238E27FC236}">
-                <a16:creationId xmlns:a16="http://schemas.microsoft.com/office/drawing/2014/main" id="{49E2CC8E-EDB7-4393-86A1-74F25FC28D6D}"/>
-              </a:ext>
-            </a:extLst>
-          </p:cNvPr>
-          <p:cNvSpPr>
-            <a:spLocks noChangeArrowheads="1"/>
-          </p:cNvSpPr>
-          <p:nvPr/>
-        </p:nvSpPr>
-        <p:spPr bwMode="auto">
-          <a:xfrm>
-            <a:off x="6073775" y="2805113"/>
-            <a:ext cx="990600" cy="304800"/>
-          </a:xfrm>
-          <a:prstGeom prst="rect">
-            <a:avLst/>
-          </a:prstGeom>
-          <a:solidFill>
-            <a:schemeClr val="folHlink"/>
-          </a:solidFill>
-          <a:ln w="9525" algn="ctr">
-            <a:solidFill>
-              <a:schemeClr val="tx1"/>
-            </a:solidFill>
-            <a:miter lim="800000"/>
-            <a:headEnd/>
-            <a:tailEnd/>
-          </a:ln>
-        </p:spPr>
-        <p:txBody>
-          <a:bodyPr wrap="none" anchor="ctr"/>
-          <a:lstStyle/>
-          <a:p>
-            <a:r>
-              <a:rPr lang="en-US" altLang="zh-TW" sz="1400" b="1">
-                <a:latin typeface="Consolas" pitchFamily="49" charset="0"/>
-              </a:rPr>
-              <a:t>Socket FD</a:t>
-            </a:r>
-          </a:p>
-        </p:txBody>
-      </p:sp>
-      <p:sp>
-        <p:nvSpPr>
-          <p:cNvPr id="23" name="Rectangle 22">
-            <a:extLst>
-              <a:ext uri="{FF2B5EF4-FFF2-40B4-BE49-F238E27FC236}">
-                <a16:creationId xmlns:a16="http://schemas.microsoft.com/office/drawing/2014/main" id="{1C9CEC58-E6BE-4C40-8200-5922040D68EC}"/>
-              </a:ext>
-            </a:extLst>
-          </p:cNvPr>
-          <p:cNvSpPr>
-            <a:spLocks noChangeArrowheads="1"/>
-          </p:cNvSpPr>
-          <p:nvPr/>
-        </p:nvSpPr>
-        <p:spPr bwMode="auto">
-          <a:xfrm>
-            <a:off x="8816975" y="2008188"/>
-            <a:ext cx="990600" cy="304800"/>
-          </a:xfrm>
-          <a:prstGeom prst="rect">
-            <a:avLst/>
-          </a:prstGeom>
-          <a:solidFill>
-            <a:schemeClr val="hlink"/>
-          </a:solidFill>
-          <a:ln w="9525" algn="ctr">
-            <a:solidFill>
-              <a:schemeClr val="tx1"/>
-            </a:solidFill>
-            <a:miter lim="800000"/>
-            <a:headEnd/>
-            <a:tailEnd/>
-          </a:ln>
-        </p:spPr>
-        <p:txBody>
-          <a:bodyPr wrap="none" anchor="ctr"/>
-          <a:lstStyle/>
-          <a:p>
-            <a:r>
-              <a:rPr lang="en-US" altLang="zh-TW" sz="1400" b="1" dirty="0">
-                <a:solidFill>
-                  <a:schemeClr val="bg1"/>
-                </a:solidFill>
-                <a:latin typeface="Consolas" pitchFamily="49" charset="0"/>
-              </a:rPr>
-              <a:t>Accept FD</a:t>
-            </a:r>
-          </a:p>
-        </p:txBody>
-      </p:sp>
-      <p:sp>
-        <p:nvSpPr>
-          <p:cNvPr id="24" name="Text Box 23">
-            <a:extLst>
-              <a:ext uri="{FF2B5EF4-FFF2-40B4-BE49-F238E27FC236}">
-                <a16:creationId xmlns:a16="http://schemas.microsoft.com/office/drawing/2014/main" id="{94F98D6C-E4AD-4590-AE5B-B0B3DBE42A12}"/>
-              </a:ext>
-            </a:extLst>
-          </p:cNvPr>
-          <p:cNvSpPr txBox="1">
-            <a:spLocks noChangeArrowheads="1"/>
-          </p:cNvSpPr>
-          <p:nvPr/>
-        </p:nvSpPr>
-        <p:spPr bwMode="auto">
-          <a:xfrm>
-            <a:off x="8359775" y="3373438"/>
-            <a:ext cx="1219200" cy="650875"/>
-          </a:xfrm>
-          <a:prstGeom prst="rect">
-            <a:avLst/>
-          </a:prstGeom>
-          <a:solidFill>
-            <a:srgbClr val="FFFF99"/>
-          </a:solidFill>
-          <a:ln w="9525">
-            <a:solidFill>
-              <a:schemeClr val="tx1"/>
-            </a:solidFill>
-            <a:miter lim="800000"/>
-            <a:headEnd/>
-            <a:tailEnd/>
-          </a:ln>
-        </p:spPr>
-        <p:txBody>
-          <a:bodyPr>
-            <a:spAutoFit/>
-          </a:bodyPr>
-          <a:lstStyle/>
-          <a:p>
-            <a:r>
-              <a:rPr lang="en-US" altLang="zh-TW" b="1">
-                <a:latin typeface="Consolas" pitchFamily="49" charset="0"/>
-              </a:rPr>
-              <a:t>read() &amp; write()</a:t>
-            </a:r>
-          </a:p>
-        </p:txBody>
-      </p:sp>
-      <p:sp>
-        <p:nvSpPr>
-          <p:cNvPr id="25" name="Line 24">
-            <a:extLst>
-              <a:ext uri="{FF2B5EF4-FFF2-40B4-BE49-F238E27FC236}">
-                <a16:creationId xmlns:a16="http://schemas.microsoft.com/office/drawing/2014/main" id="{670D0AA2-BFA6-4BC7-AE67-50825652B4B7}"/>
-              </a:ext>
-            </a:extLst>
-          </p:cNvPr>
-          <p:cNvSpPr>
-            <a:spLocks noChangeShapeType="1"/>
-          </p:cNvSpPr>
-          <p:nvPr/>
-        </p:nvSpPr>
-        <p:spPr bwMode="auto">
-          <a:xfrm>
-            <a:off x="7292975" y="2881313"/>
-            <a:ext cx="990600" cy="685800"/>
-          </a:xfrm>
-          <a:prstGeom prst="line">
-            <a:avLst/>
-          </a:prstGeom>
-          <a:noFill/>
-          <a:ln w="9525">
-            <a:solidFill>
-              <a:schemeClr val="tx1"/>
-            </a:solidFill>
-            <a:round/>
-            <a:headEnd/>
-            <a:tailEnd type="triangle" w="med" len="med"/>
-          </a:ln>
-        </p:spPr>
-        <p:txBody>
-          <a:bodyPr/>
-          <a:lstStyle/>
-          <a:p>
-            <a:endParaRPr lang="en-US"/>
-          </a:p>
-        </p:txBody>
-      </p:sp>
-      <p:sp>
-        <p:nvSpPr>
-          <p:cNvPr id="26" name="Rectangle 25">
-            <a:extLst>
-              <a:ext uri="{FF2B5EF4-FFF2-40B4-BE49-F238E27FC236}">
-                <a16:creationId xmlns:a16="http://schemas.microsoft.com/office/drawing/2014/main" id="{60BC3896-39BA-478F-BF56-19FA3C55759C}"/>
-              </a:ext>
-            </a:extLst>
-          </p:cNvPr>
-          <p:cNvSpPr>
-            <a:spLocks noChangeArrowheads="1"/>
-          </p:cNvSpPr>
-          <p:nvPr/>
-        </p:nvSpPr>
-        <p:spPr bwMode="auto">
-          <a:xfrm>
-            <a:off x="8435975" y="3109913"/>
-            <a:ext cx="990600" cy="304800"/>
-          </a:xfrm>
-          <a:prstGeom prst="rect">
-            <a:avLst/>
-          </a:prstGeom>
-          <a:solidFill>
-            <a:schemeClr val="hlink"/>
-          </a:solidFill>
-          <a:ln w="9525" algn="ctr">
-            <a:solidFill>
-              <a:schemeClr val="tx1"/>
-            </a:solidFill>
-            <a:miter lim="800000"/>
-            <a:headEnd/>
-            <a:tailEnd/>
-          </a:ln>
-        </p:spPr>
-        <p:txBody>
-          <a:bodyPr wrap="none" anchor="ctr"/>
-          <a:lstStyle/>
-          <a:p>
-            <a:r>
-              <a:rPr lang="en-US" altLang="zh-TW" sz="1400" b="1" dirty="0">
-                <a:solidFill>
-                  <a:schemeClr val="bg1"/>
-                </a:solidFill>
-                <a:latin typeface="Consolas" pitchFamily="49" charset="0"/>
-              </a:rPr>
-              <a:t>Accept FD</a:t>
-            </a:r>
-          </a:p>
-        </p:txBody>
-      </p:sp>
-      <p:sp>
-        <p:nvSpPr>
-          <p:cNvPr id="27" name="Oval 26">
-            <a:extLst>
-              <a:ext uri="{FF2B5EF4-FFF2-40B4-BE49-F238E27FC236}">
-                <a16:creationId xmlns:a16="http://schemas.microsoft.com/office/drawing/2014/main" id="{D04EEB0F-761A-4404-822C-C1CEB3CD10F8}"/>
-              </a:ext>
-            </a:extLst>
-          </p:cNvPr>
-          <p:cNvSpPr>
-            <a:spLocks noChangeArrowheads="1"/>
-          </p:cNvSpPr>
-          <p:nvPr/>
-        </p:nvSpPr>
-        <p:spPr bwMode="auto">
-          <a:xfrm>
-            <a:off x="7978775" y="2728913"/>
-            <a:ext cx="76200" cy="76200"/>
-          </a:xfrm>
-          <a:prstGeom prst="ellipse">
-            <a:avLst/>
-          </a:prstGeom>
-          <a:solidFill>
-            <a:schemeClr val="tx1"/>
-          </a:solidFill>
-          <a:ln w="9525" algn="ctr">
-            <a:solidFill>
-              <a:schemeClr val="tx1"/>
-            </a:solidFill>
-            <a:round/>
-            <a:headEnd/>
-            <a:tailEnd/>
-          </a:ln>
-        </p:spPr>
-        <p:txBody>
-          <a:bodyPr wrap="none" anchor="ctr"/>
-          <a:lstStyle/>
-          <a:p>
-            <a:endParaRPr lang="en-US"/>
-          </a:p>
-        </p:txBody>
-      </p:sp>
-      <p:sp>
-        <p:nvSpPr>
-          <p:cNvPr id="28" name="Oval 27">
-            <a:extLst>
-              <a:ext uri="{FF2B5EF4-FFF2-40B4-BE49-F238E27FC236}">
-                <a16:creationId xmlns:a16="http://schemas.microsoft.com/office/drawing/2014/main" id="{5C2683EF-7905-4295-8288-A7DF6297853F}"/>
-              </a:ext>
-            </a:extLst>
-          </p:cNvPr>
-          <p:cNvSpPr>
-            <a:spLocks noChangeArrowheads="1"/>
-          </p:cNvSpPr>
-          <p:nvPr/>
-        </p:nvSpPr>
-        <p:spPr bwMode="auto">
-          <a:xfrm>
-            <a:off x="7978775" y="2881313"/>
-            <a:ext cx="76200" cy="76200"/>
-          </a:xfrm>
-          <a:prstGeom prst="ellipse">
-            <a:avLst/>
-          </a:prstGeom>
-          <a:solidFill>
-            <a:schemeClr val="tx1"/>
-          </a:solidFill>
-          <a:ln w="9525" algn="ctr">
-            <a:solidFill>
-              <a:schemeClr val="tx1"/>
-            </a:solidFill>
-            <a:round/>
-            <a:headEnd/>
-            <a:tailEnd/>
-          </a:ln>
-        </p:spPr>
-        <p:txBody>
-          <a:bodyPr wrap="none" anchor="ctr"/>
-          <a:lstStyle/>
-          <a:p>
-            <a:endParaRPr lang="en-US"/>
-          </a:p>
-        </p:txBody>
-      </p:sp>
-      <p:sp>
-        <p:nvSpPr>
-          <p:cNvPr id="29" name="Oval 28">
-            <a:extLst>
-              <a:ext uri="{FF2B5EF4-FFF2-40B4-BE49-F238E27FC236}">
-                <a16:creationId xmlns:a16="http://schemas.microsoft.com/office/drawing/2014/main" id="{38A9B143-8954-45B1-B481-3D090FB57874}"/>
-              </a:ext>
-            </a:extLst>
-          </p:cNvPr>
-          <p:cNvSpPr>
-            <a:spLocks noChangeArrowheads="1"/>
-          </p:cNvSpPr>
-          <p:nvPr/>
-        </p:nvSpPr>
-        <p:spPr bwMode="auto">
-          <a:xfrm>
-            <a:off x="7978775" y="3033713"/>
-            <a:ext cx="76200" cy="76200"/>
-          </a:xfrm>
-          <a:prstGeom prst="ellipse">
-            <a:avLst/>
-          </a:prstGeom>
-          <a:solidFill>
-            <a:schemeClr val="tx1"/>
-          </a:solidFill>
-          <a:ln w="9525" algn="ctr">
-            <a:solidFill>
-              <a:schemeClr val="tx1"/>
-            </a:solidFill>
-            <a:round/>
-            <a:headEnd/>
-            <a:tailEnd/>
-          </a:ln>
-        </p:spPr>
-        <p:txBody>
-          <a:bodyPr wrap="none" anchor="ctr"/>
-          <a:lstStyle/>
-          <a:p>
-            <a:endParaRPr lang="en-US"/>
-          </a:p>
-        </p:txBody>
-      </p:sp>
-      <p:sp>
-        <p:nvSpPr>
-          <p:cNvPr id="31" name="Text Box 30">
-            <a:extLst>
-              <a:ext uri="{FF2B5EF4-FFF2-40B4-BE49-F238E27FC236}">
-                <a16:creationId xmlns:a16="http://schemas.microsoft.com/office/drawing/2014/main" id="{F0B5B28B-72D4-4E80-87A2-4986B9984663}"/>
-              </a:ext>
-            </a:extLst>
-          </p:cNvPr>
-          <p:cNvSpPr txBox="1">
-            <a:spLocks noChangeArrowheads="1"/>
-          </p:cNvSpPr>
-          <p:nvPr/>
-        </p:nvSpPr>
-        <p:spPr bwMode="auto">
-          <a:xfrm>
-            <a:off x="2187575" y="4329113"/>
-            <a:ext cx="7696200" cy="430213"/>
-          </a:xfrm>
-          <a:prstGeom prst="rect">
-            <a:avLst/>
-          </a:prstGeom>
-          <a:solidFill>
-            <a:schemeClr val="bg1"/>
-          </a:solidFill>
-          <a:ln w="9525">
-            <a:solidFill>
-              <a:schemeClr val="tx1"/>
-            </a:solidFill>
-            <a:miter lim="800000"/>
-            <a:headEnd/>
-            <a:tailEnd/>
-          </a:ln>
-        </p:spPr>
-        <p:txBody>
-          <a:bodyPr tIns="91440" bIns="91440">
-            <a:spAutoFit/>
-          </a:bodyPr>
-          <a:lstStyle/>
-          <a:p>
-            <a:r>
-              <a:rPr lang="en-US" altLang="zh-TW" sz="1600" dirty="0">
-                <a:latin typeface="Calibri" pitchFamily="34" charset="0"/>
-              </a:rPr>
-              <a:t>An interesting thing about </a:t>
-            </a:r>
-            <a:r>
-              <a:rPr lang="en-US" altLang="zh-TW" sz="1600" b="1" dirty="0">
-                <a:latin typeface="Calibri" pitchFamily="34" charset="0"/>
-              </a:rPr>
-              <a:t>accept()</a:t>
-            </a:r>
-            <a:r>
-              <a:rPr lang="en-US" altLang="zh-TW" sz="1600" dirty="0">
-                <a:latin typeface="Calibri" pitchFamily="34" charset="0"/>
-              </a:rPr>
-              <a:t> is the creation of a </a:t>
-            </a:r>
-            <a:r>
-              <a:rPr lang="en-US" altLang="zh-TW" sz="1600" b="1" dirty="0">
-                <a:solidFill>
-                  <a:srgbClr val="FF3300"/>
-                </a:solidFill>
-                <a:latin typeface="Calibri" pitchFamily="34" charset="0"/>
-              </a:rPr>
-              <a:t>new file descriptor</a:t>
-            </a:r>
-            <a:r>
-              <a:rPr lang="en-US" altLang="zh-TW" sz="1600" dirty="0">
-                <a:latin typeface="Calibri" pitchFamily="34" charset="0"/>
-              </a:rPr>
-              <a:t>!</a:t>
-            </a:r>
-          </a:p>
-        </p:txBody>
-      </p:sp>
-      <p:sp>
-        <p:nvSpPr>
-          <p:cNvPr id="32" name="Text Box 31">
-            <a:extLst>
-              <a:ext uri="{FF2B5EF4-FFF2-40B4-BE49-F238E27FC236}">
-                <a16:creationId xmlns:a16="http://schemas.microsoft.com/office/drawing/2014/main" id="{3BF08CE2-AE43-465C-8504-4E22C3A2FA9C}"/>
-              </a:ext>
-            </a:extLst>
-          </p:cNvPr>
-          <p:cNvSpPr txBox="1">
-            <a:spLocks noChangeArrowheads="1"/>
-          </p:cNvSpPr>
-          <p:nvPr/>
-        </p:nvSpPr>
-        <p:spPr bwMode="auto">
-          <a:xfrm>
-            <a:off x="2187575" y="4938713"/>
-            <a:ext cx="3733800" cy="1416050"/>
-          </a:xfrm>
-          <a:prstGeom prst="rect">
-            <a:avLst/>
-          </a:prstGeom>
-          <a:solidFill>
-            <a:schemeClr val="bg1"/>
-          </a:solidFill>
-          <a:ln w="9525">
-            <a:solidFill>
-              <a:schemeClr val="tx1"/>
-            </a:solidFill>
-            <a:miter lim="800000"/>
-            <a:headEnd/>
-            <a:tailEnd/>
-          </a:ln>
-        </p:spPr>
-        <p:txBody>
-          <a:bodyPr tIns="91440" bIns="91440">
-            <a:spAutoFit/>
-          </a:bodyPr>
-          <a:lstStyle/>
-          <a:p>
-            <a:r>
-              <a:rPr lang="en-US" altLang="zh-TW" sz="1600" b="1" u="sng" dirty="0">
-                <a:latin typeface="Calibri" pitchFamily="34" charset="0"/>
-              </a:rPr>
-              <a:t>Application layer’s point of view.</a:t>
-            </a:r>
-          </a:p>
-          <a:p>
-            <a:endParaRPr lang="en-US" altLang="zh-TW" sz="1600" dirty="0">
-              <a:latin typeface="Calibri" pitchFamily="34" charset="0"/>
-            </a:endParaRPr>
-          </a:p>
-          <a:p>
-            <a:r>
-              <a:rPr lang="en-US" altLang="zh-TW" sz="1600" dirty="0">
-                <a:latin typeface="Calibri" pitchFamily="34" charset="0"/>
-              </a:rPr>
-              <a:t>Good!  It provides each connection a new handler and we can distinguish every connection!</a:t>
-            </a:r>
-          </a:p>
-        </p:txBody>
-      </p:sp>
-      <p:sp>
-        <p:nvSpPr>
-          <p:cNvPr id="33" name="Rectangle 32">
-            <a:extLst>
-              <a:ext uri="{FF2B5EF4-FFF2-40B4-BE49-F238E27FC236}">
-                <a16:creationId xmlns:a16="http://schemas.microsoft.com/office/drawing/2014/main" id="{5C29ADE9-9816-4B60-9622-82270D1BC9A0}"/>
-              </a:ext>
-            </a:extLst>
-          </p:cNvPr>
-          <p:cNvSpPr>
-            <a:spLocks noChangeArrowheads="1"/>
-          </p:cNvSpPr>
-          <p:nvPr/>
-        </p:nvSpPr>
-        <p:spPr bwMode="auto">
-          <a:xfrm>
-            <a:off x="7292975" y="2195513"/>
-            <a:ext cx="1295400" cy="304800"/>
-          </a:xfrm>
-          <a:prstGeom prst="rect">
-            <a:avLst/>
-          </a:prstGeom>
-          <a:solidFill>
-            <a:schemeClr val="bg1"/>
-          </a:solidFill>
-          <a:ln w="9525" algn="ctr">
-            <a:solidFill>
-              <a:schemeClr val="tx1"/>
-            </a:solidFill>
-            <a:miter lim="800000"/>
-            <a:headEnd/>
-            <a:tailEnd/>
-          </a:ln>
-        </p:spPr>
-        <p:txBody>
-          <a:bodyPr wrap="none" anchor="ctr"/>
-          <a:lstStyle/>
-          <a:p>
-            <a:r>
-              <a:rPr lang="en-US" altLang="zh-TW" sz="1200" b="1">
-                <a:latin typeface="Consolas" pitchFamily="49" charset="0"/>
-              </a:rPr>
-              <a:t>connection #1</a:t>
-            </a:r>
-          </a:p>
-        </p:txBody>
-      </p:sp>
-      <p:sp>
-        <p:nvSpPr>
-          <p:cNvPr id="34" name="Rectangle 33">
-            <a:extLst>
-              <a:ext uri="{FF2B5EF4-FFF2-40B4-BE49-F238E27FC236}">
-                <a16:creationId xmlns:a16="http://schemas.microsoft.com/office/drawing/2014/main" id="{F75872B7-6D75-4EF2-A03D-2B66163D87F5}"/>
-              </a:ext>
-            </a:extLst>
-          </p:cNvPr>
-          <p:cNvSpPr>
-            <a:spLocks noChangeArrowheads="1"/>
-          </p:cNvSpPr>
-          <p:nvPr/>
-        </p:nvSpPr>
-        <p:spPr bwMode="auto">
-          <a:xfrm>
-            <a:off x="6759575" y="3414713"/>
-            <a:ext cx="1295400" cy="304800"/>
-          </a:xfrm>
-          <a:prstGeom prst="rect">
-            <a:avLst/>
-          </a:prstGeom>
-          <a:solidFill>
-            <a:schemeClr val="bg1"/>
-          </a:solidFill>
-          <a:ln w="9525" algn="ctr">
-            <a:solidFill>
-              <a:schemeClr val="tx1"/>
-            </a:solidFill>
-            <a:miter lim="800000"/>
-            <a:headEnd/>
-            <a:tailEnd/>
-          </a:ln>
-        </p:spPr>
-        <p:txBody>
-          <a:bodyPr wrap="none" anchor="ctr"/>
-          <a:lstStyle/>
-          <a:p>
-            <a:r>
-              <a:rPr lang="en-US" altLang="zh-TW" sz="1200" b="1">
-                <a:latin typeface="Consolas" pitchFamily="49" charset="0"/>
-              </a:rPr>
-              <a:t>connection #n</a:t>
-            </a:r>
-          </a:p>
-        </p:txBody>
-      </p:sp>
-      <p:sp>
-        <p:nvSpPr>
-          <p:cNvPr id="35" name="Text Box 34">
-            <a:extLst>
-              <a:ext uri="{FF2B5EF4-FFF2-40B4-BE49-F238E27FC236}">
-                <a16:creationId xmlns:a16="http://schemas.microsoft.com/office/drawing/2014/main" id="{72FED377-0EC2-45E9-8638-AA6034CD5CB5}"/>
-              </a:ext>
-            </a:extLst>
-          </p:cNvPr>
-          <p:cNvSpPr txBox="1">
-            <a:spLocks noChangeArrowheads="1"/>
-          </p:cNvSpPr>
-          <p:nvPr/>
-        </p:nvSpPr>
-        <p:spPr bwMode="auto">
-          <a:xfrm>
-            <a:off x="6149975" y="4938713"/>
-            <a:ext cx="3733800" cy="1416050"/>
-          </a:xfrm>
-          <a:prstGeom prst="rect">
-            <a:avLst/>
-          </a:prstGeom>
-          <a:solidFill>
-            <a:schemeClr val="bg1"/>
-          </a:solidFill>
-          <a:ln w="9525">
-            <a:solidFill>
-              <a:schemeClr val="tx1"/>
-            </a:solidFill>
-            <a:miter lim="800000"/>
-            <a:headEnd/>
-            <a:tailEnd/>
-          </a:ln>
-        </p:spPr>
-        <p:txBody>
-          <a:bodyPr tIns="91440" bIns="91440">
-            <a:spAutoFit/>
-          </a:bodyPr>
-          <a:lstStyle/>
-          <a:p>
-            <a:r>
-              <a:rPr lang="en-US" altLang="zh-TW" sz="1600" b="1" u="sng" dirty="0">
-                <a:latin typeface="Calibri" pitchFamily="34" charset="0"/>
-              </a:rPr>
-              <a:t>Transport layer’s point of view.</a:t>
-            </a:r>
-          </a:p>
-          <a:p>
-            <a:endParaRPr lang="en-US" altLang="zh-TW" sz="1600" dirty="0">
-              <a:latin typeface="Calibri" pitchFamily="34" charset="0"/>
-            </a:endParaRPr>
-          </a:p>
-          <a:p>
-            <a:r>
-              <a:rPr lang="en-US" altLang="zh-TW" sz="1600" dirty="0">
-                <a:latin typeface="Calibri" pitchFamily="34" charset="0"/>
-              </a:rPr>
-              <a:t>Well, for TCP, every FD points to </a:t>
-            </a:r>
-            <a:r>
-              <a:rPr lang="en-US" altLang="zh-TW" sz="1600" b="1" dirty="0">
-                <a:solidFill>
-                  <a:srgbClr val="C00000"/>
-                </a:solidFill>
-                <a:latin typeface="Calibri" pitchFamily="34" charset="0"/>
-              </a:rPr>
-              <a:t>a unique TCP control structure</a:t>
-            </a:r>
-            <a:r>
-              <a:rPr lang="en-US" altLang="zh-TW" sz="1600" dirty="0">
-                <a:latin typeface="Calibri" pitchFamily="34" charset="0"/>
-              </a:rPr>
-              <a:t>. It is a necessary for reliable data transfer!</a:t>
-            </a:r>
-          </a:p>
-        </p:txBody>
-      </p:sp>
-    </p:spTree>
-    <p:extLst>
-      <p:ext uri="{BB962C8B-B14F-4D97-AF65-F5344CB8AC3E}">
-        <p14:creationId xmlns:p14="http://schemas.microsoft.com/office/powerpoint/2010/main" val="2287890620"/>
       </p:ext>
     </p:extLst>
   </p:cSld>
@@ -11434,99 +10552,93 @@
           <a:p>
             <a:r>
               <a:rPr lang="en-US" b="1" dirty="0"/>
-              <a:t>Socket Programming: socket()</a:t>
-            </a:r>
-          </a:p>
-        </p:txBody>
-      </p:sp>
-      <p:sp>
-        <p:nvSpPr>
-          <p:cNvPr id="3" name="Content Placeholder 2">
-            <a:extLst>
-              <a:ext uri="{FF2B5EF4-FFF2-40B4-BE49-F238E27FC236}">
-                <a16:creationId xmlns:a16="http://schemas.microsoft.com/office/drawing/2014/main" id="{8F20472D-613F-3748-9CBD-88055CDB4B08}"/>
-              </a:ext>
-            </a:extLst>
-          </p:cNvPr>
-          <p:cNvSpPr>
-            <a:spLocks noGrp="1"/>
-          </p:cNvSpPr>
-          <p:nvPr>
-            <p:ph idx="1"/>
-          </p:nvPr>
-        </p:nvSpPr>
-        <p:spPr>
+              <a:t>Socket Programming: Complete Flow</a:t>
+            </a:r>
+          </a:p>
+        </p:txBody>
+      </p:sp>
+      <p:sp>
+        <p:nvSpPr>
+          <p:cNvPr id="9" name="Text Box 6">
+            <a:extLst>
+              <a:ext uri="{FF2B5EF4-FFF2-40B4-BE49-F238E27FC236}">
+                <a16:creationId xmlns:a16="http://schemas.microsoft.com/office/drawing/2014/main" id="{F6AFE687-0492-4A55-AB34-D24ED6DC8C22}"/>
+              </a:ext>
+            </a:extLst>
+          </p:cNvPr>
+          <p:cNvSpPr txBox="1">
+            <a:spLocks noChangeArrowheads="1"/>
+          </p:cNvSpPr>
+          <p:nvPr/>
+        </p:nvSpPr>
+        <p:spPr bwMode="auto">
           <a:xfrm>
-            <a:off x="838200" y="1825625"/>
-            <a:ext cx="10515600" cy="1701346"/>
-          </a:xfrm>
-        </p:spPr>
-        <p:txBody>
-          <a:bodyPr>
-            <a:normAutofit/>
-          </a:bodyPr>
-          <a:lstStyle/>
-          <a:p>
-            <a:pPr marL="0" indent="0">
-              <a:buNone/>
-            </a:pPr>
-            <a:r>
-              <a:rPr lang="en-US" sz="3200" dirty="0"/>
-              <a:t>Create a socket</a:t>
-            </a:r>
-          </a:p>
-        </p:txBody>
-      </p:sp>
-      <p:pic>
-        <p:nvPicPr>
-          <p:cNvPr id="4" name="Picture 3">
-            <a:extLst>
-              <a:ext uri="{FF2B5EF4-FFF2-40B4-BE49-F238E27FC236}">
-                <a16:creationId xmlns:a16="http://schemas.microsoft.com/office/drawing/2014/main" id="{89B148E8-50D7-4542-A495-2257CE9D6A0C}"/>
-              </a:ext>
-            </a:extLst>
-          </p:cNvPr>
-          <p:cNvPicPr>
-            <a:picLocks noChangeAspect="1"/>
-          </p:cNvPicPr>
-          <p:nvPr/>
-        </p:nvPicPr>
-        <p:blipFill>
-          <a:blip r:embed="rId2"/>
-          <a:stretch>
-            <a:fillRect/>
-          </a:stretch>
-        </p:blipFill>
-        <p:spPr>
-          <a:xfrm>
-            <a:off x="1287690" y="2919109"/>
-            <a:ext cx="9616620" cy="629587"/>
+            <a:off x="2263775" y="1876426"/>
+            <a:ext cx="1196975" cy="376237"/>
           </a:xfrm>
           <a:prstGeom prst="rect">
             <a:avLst/>
           </a:prstGeom>
+          <a:solidFill>
+            <a:srgbClr val="FFFF99"/>
+          </a:solidFill>
+          <a:ln w="9525">
+            <a:solidFill>
+              <a:schemeClr val="tx1"/>
+            </a:solidFill>
+            <a:miter lim="800000"/>
+            <a:headEnd/>
+            <a:tailEnd/>
+          </a:ln>
         </p:spPr>
-      </p:pic>
-      <p:sp>
-        <p:nvSpPr>
-          <p:cNvPr id="5" name="Rectangle 4">
-            <a:extLst>
-              <a:ext uri="{FF2B5EF4-FFF2-40B4-BE49-F238E27FC236}">
-                <a16:creationId xmlns:a16="http://schemas.microsoft.com/office/drawing/2014/main" id="{D0C166B3-D1B0-6A4E-9334-36DA412495C4}"/>
-              </a:ext>
-            </a:extLst>
-          </p:cNvPr>
-          <p:cNvSpPr/>
+        <p:txBody>
+          <a:bodyPr wrap="none">
+            <a:spAutoFit/>
+          </a:bodyPr>
+          <a:lstStyle/>
+          <a:p>
+            <a:r>
+              <a:rPr lang="en-US" altLang="zh-TW" b="1" dirty="0">
+                <a:latin typeface="Consolas" pitchFamily="49" charset="0"/>
+              </a:rPr>
+              <a:t>socket()</a:t>
+            </a:r>
+          </a:p>
+        </p:txBody>
+      </p:sp>
+      <p:sp>
+        <p:nvSpPr>
+          <p:cNvPr id="10" name="Text Box 7">
+            <a:extLst>
+              <a:ext uri="{FF2B5EF4-FFF2-40B4-BE49-F238E27FC236}">
+                <a16:creationId xmlns:a16="http://schemas.microsoft.com/office/drawing/2014/main" id="{34CEA3E1-E825-4190-BA28-33FC42C33F18}"/>
+              </a:ext>
+            </a:extLst>
+          </p:cNvPr>
+          <p:cNvSpPr txBox="1">
+            <a:spLocks noChangeArrowheads="1"/>
+          </p:cNvSpPr>
           <p:nvPr/>
         </p:nvSpPr>
-        <p:spPr>
+        <p:spPr bwMode="auto">
           <a:xfrm>
-            <a:off x="838200" y="4200009"/>
-            <a:ext cx="7635552" cy="461665"/>
+            <a:off x="5997575" y="1876426"/>
+            <a:ext cx="1196975" cy="376237"/>
           </a:xfrm>
           <a:prstGeom prst="rect">
             <a:avLst/>
           </a:prstGeom>
+          <a:solidFill>
+            <a:srgbClr val="FFFF99"/>
+          </a:solidFill>
+          <a:ln w="9525">
+            <a:solidFill>
+              <a:schemeClr val="tx1"/>
+            </a:solidFill>
+            <a:miter lim="800000"/>
+            <a:headEnd/>
+            <a:tailEnd/>
+          </a:ln>
         </p:spPr>
         <p:txBody>
           <a:bodyPr wrap="none">
@@ -11535,12 +10647,1178 @@
           <a:lstStyle/>
           <a:p>
             <a:r>
-              <a:rPr lang="en-US" sz="2400" dirty="0" err="1"/>
-              <a:t>socket_fd</a:t>
-            </a:r>
-            <a:r>
-              <a:rPr lang="en-US" sz="2400" dirty="0"/>
-              <a:t> = socket(AF_INET, SOCK_STREAM, IPPROTO_TCP);</a:t>
+              <a:rPr lang="en-US" altLang="zh-TW" b="1">
+                <a:latin typeface="Consolas" pitchFamily="49" charset="0"/>
+              </a:rPr>
+              <a:t>listen()</a:t>
+            </a:r>
+          </a:p>
+        </p:txBody>
+      </p:sp>
+      <p:sp>
+        <p:nvSpPr>
+          <p:cNvPr id="11" name="Text Box 9">
+            <a:extLst>
+              <a:ext uri="{FF2B5EF4-FFF2-40B4-BE49-F238E27FC236}">
+                <a16:creationId xmlns:a16="http://schemas.microsoft.com/office/drawing/2014/main" id="{9EDF3584-74B0-4730-AA57-AAA168C844E0}"/>
+              </a:ext>
+            </a:extLst>
+          </p:cNvPr>
+          <p:cNvSpPr txBox="1">
+            <a:spLocks noChangeArrowheads="1"/>
+          </p:cNvSpPr>
+          <p:nvPr/>
+        </p:nvSpPr>
+        <p:spPr bwMode="auto">
+          <a:xfrm>
+            <a:off x="8740775" y="2271713"/>
+            <a:ext cx="1219200" cy="650875"/>
+          </a:xfrm>
+          <a:prstGeom prst="rect">
+            <a:avLst/>
+          </a:prstGeom>
+          <a:solidFill>
+            <a:srgbClr val="FFFF99"/>
+          </a:solidFill>
+          <a:ln w="9525">
+            <a:solidFill>
+              <a:schemeClr val="tx1"/>
+            </a:solidFill>
+            <a:miter lim="800000"/>
+            <a:headEnd/>
+            <a:tailEnd/>
+          </a:ln>
+        </p:spPr>
+        <p:txBody>
+          <a:bodyPr>
+            <a:spAutoFit/>
+          </a:bodyPr>
+          <a:lstStyle/>
+          <a:p>
+            <a:r>
+              <a:rPr lang="en-US" altLang="zh-TW" b="1">
+                <a:latin typeface="Consolas" pitchFamily="49" charset="0"/>
+              </a:rPr>
+              <a:t>read() &amp; write()</a:t>
+            </a:r>
+          </a:p>
+        </p:txBody>
+      </p:sp>
+      <p:sp>
+        <p:nvSpPr>
+          <p:cNvPr id="12" name="Line 10">
+            <a:extLst>
+              <a:ext uri="{FF2B5EF4-FFF2-40B4-BE49-F238E27FC236}">
+                <a16:creationId xmlns:a16="http://schemas.microsoft.com/office/drawing/2014/main" id="{E83C4907-AB29-4059-8561-579811A2BBEB}"/>
+              </a:ext>
+            </a:extLst>
+          </p:cNvPr>
+          <p:cNvSpPr>
+            <a:spLocks noChangeShapeType="1"/>
+          </p:cNvSpPr>
+          <p:nvPr/>
+        </p:nvSpPr>
+        <p:spPr bwMode="auto">
+          <a:xfrm>
+            <a:off x="3635375" y="2043113"/>
+            <a:ext cx="457200" cy="0"/>
+          </a:xfrm>
+          <a:prstGeom prst="line">
+            <a:avLst/>
+          </a:prstGeom>
+          <a:noFill/>
+          <a:ln w="9525">
+            <a:solidFill>
+              <a:schemeClr val="tx1"/>
+            </a:solidFill>
+            <a:round/>
+            <a:headEnd/>
+            <a:tailEnd type="triangle" w="med" len="med"/>
+          </a:ln>
+        </p:spPr>
+        <p:txBody>
+          <a:bodyPr/>
+          <a:lstStyle/>
+          <a:p>
+            <a:endParaRPr lang="en-US"/>
+          </a:p>
+        </p:txBody>
+      </p:sp>
+      <p:sp>
+        <p:nvSpPr>
+          <p:cNvPr id="13" name="Text Box 11">
+            <a:extLst>
+              <a:ext uri="{FF2B5EF4-FFF2-40B4-BE49-F238E27FC236}">
+                <a16:creationId xmlns:a16="http://schemas.microsoft.com/office/drawing/2014/main" id="{244D6EC8-8247-47DF-AB89-82CCA3504F2F}"/>
+              </a:ext>
+            </a:extLst>
+          </p:cNvPr>
+          <p:cNvSpPr txBox="1">
+            <a:spLocks noChangeArrowheads="1"/>
+          </p:cNvSpPr>
+          <p:nvPr/>
+        </p:nvSpPr>
+        <p:spPr bwMode="auto">
+          <a:xfrm>
+            <a:off x="4244975" y="1876426"/>
+            <a:ext cx="946150" cy="376237"/>
+          </a:xfrm>
+          <a:prstGeom prst="rect">
+            <a:avLst/>
+          </a:prstGeom>
+          <a:solidFill>
+            <a:srgbClr val="FFFF99"/>
+          </a:solidFill>
+          <a:ln w="9525">
+            <a:solidFill>
+              <a:schemeClr val="tx1"/>
+            </a:solidFill>
+            <a:miter lim="800000"/>
+            <a:headEnd/>
+            <a:tailEnd/>
+          </a:ln>
+        </p:spPr>
+        <p:txBody>
+          <a:bodyPr wrap="none">
+            <a:spAutoFit/>
+          </a:bodyPr>
+          <a:lstStyle/>
+          <a:p>
+            <a:r>
+              <a:rPr lang="en-US" altLang="zh-TW" b="1">
+                <a:latin typeface="Consolas" pitchFamily="49" charset="0"/>
+              </a:rPr>
+              <a:t>bind()</a:t>
+            </a:r>
+          </a:p>
+        </p:txBody>
+      </p:sp>
+      <p:sp>
+        <p:nvSpPr>
+          <p:cNvPr id="14" name="Line 12">
+            <a:extLst>
+              <a:ext uri="{FF2B5EF4-FFF2-40B4-BE49-F238E27FC236}">
+                <a16:creationId xmlns:a16="http://schemas.microsoft.com/office/drawing/2014/main" id="{2C0B79DC-7211-46C9-9B05-933BEAB4A187}"/>
+              </a:ext>
+            </a:extLst>
+          </p:cNvPr>
+          <p:cNvSpPr>
+            <a:spLocks noChangeShapeType="1"/>
+          </p:cNvSpPr>
+          <p:nvPr/>
+        </p:nvSpPr>
+        <p:spPr bwMode="auto">
+          <a:xfrm>
+            <a:off x="5387975" y="2043113"/>
+            <a:ext cx="457200" cy="0"/>
+          </a:xfrm>
+          <a:prstGeom prst="line">
+            <a:avLst/>
+          </a:prstGeom>
+          <a:noFill/>
+          <a:ln w="9525">
+            <a:solidFill>
+              <a:schemeClr val="tx1"/>
+            </a:solidFill>
+            <a:round/>
+            <a:headEnd/>
+            <a:tailEnd type="triangle" w="med" len="med"/>
+          </a:ln>
+        </p:spPr>
+        <p:txBody>
+          <a:bodyPr/>
+          <a:lstStyle/>
+          <a:p>
+            <a:endParaRPr lang="en-US"/>
+          </a:p>
+        </p:txBody>
+      </p:sp>
+      <p:sp>
+        <p:nvSpPr>
+          <p:cNvPr id="15" name="Line 14">
+            <a:extLst>
+              <a:ext uri="{FF2B5EF4-FFF2-40B4-BE49-F238E27FC236}">
+                <a16:creationId xmlns:a16="http://schemas.microsoft.com/office/drawing/2014/main" id="{43E296AB-0EEF-4E91-94A8-7EBF3F9648E3}"/>
+              </a:ext>
+            </a:extLst>
+          </p:cNvPr>
+          <p:cNvSpPr>
+            <a:spLocks noChangeShapeType="1"/>
+          </p:cNvSpPr>
+          <p:nvPr/>
+        </p:nvSpPr>
+        <p:spPr bwMode="auto">
+          <a:xfrm flipV="1">
+            <a:off x="7216775" y="2617788"/>
+            <a:ext cx="1447800" cy="0"/>
+          </a:xfrm>
+          <a:prstGeom prst="line">
+            <a:avLst/>
+          </a:prstGeom>
+          <a:noFill/>
+          <a:ln w="9525">
+            <a:solidFill>
+              <a:schemeClr val="tx1"/>
+            </a:solidFill>
+            <a:round/>
+            <a:headEnd/>
+            <a:tailEnd type="triangle" w="med" len="med"/>
+          </a:ln>
+        </p:spPr>
+        <p:txBody>
+          <a:bodyPr/>
+          <a:lstStyle/>
+          <a:p>
+            <a:endParaRPr lang="en-US"/>
+          </a:p>
+        </p:txBody>
+      </p:sp>
+      <p:sp>
+        <p:nvSpPr>
+          <p:cNvPr id="16" name="Text Box 15">
+            <a:extLst>
+              <a:ext uri="{FF2B5EF4-FFF2-40B4-BE49-F238E27FC236}">
+                <a16:creationId xmlns:a16="http://schemas.microsoft.com/office/drawing/2014/main" id="{6BCF302D-B88D-477B-8D98-501931225764}"/>
+              </a:ext>
+            </a:extLst>
+          </p:cNvPr>
+          <p:cNvSpPr txBox="1">
+            <a:spLocks noChangeArrowheads="1"/>
+          </p:cNvSpPr>
+          <p:nvPr/>
+        </p:nvSpPr>
+        <p:spPr bwMode="auto">
+          <a:xfrm>
+            <a:off x="2187575" y="3709988"/>
+            <a:ext cx="1866900" cy="314325"/>
+          </a:xfrm>
+          <a:prstGeom prst="rect">
+            <a:avLst/>
+          </a:prstGeom>
+          <a:solidFill>
+            <a:schemeClr val="bg1"/>
+          </a:solidFill>
+          <a:ln w="9525">
+            <a:solidFill>
+              <a:srgbClr val="FF3300"/>
+            </a:solidFill>
+            <a:miter lim="800000"/>
+            <a:headEnd/>
+            <a:tailEnd/>
+          </a:ln>
+        </p:spPr>
+        <p:txBody>
+          <a:bodyPr wrap="none">
+            <a:spAutoFit/>
+          </a:bodyPr>
+          <a:lstStyle/>
+          <a:p>
+            <a:r>
+              <a:rPr lang="en-US" altLang="zh-TW" sz="1400" b="1" dirty="0">
+                <a:latin typeface="Consolas" pitchFamily="49" charset="0"/>
+              </a:rPr>
+              <a:t>Server flow chart</a:t>
+            </a:r>
+          </a:p>
+        </p:txBody>
+      </p:sp>
+      <p:sp>
+        <p:nvSpPr>
+          <p:cNvPr id="17" name="Text Box 16">
+            <a:extLst>
+              <a:ext uri="{FF2B5EF4-FFF2-40B4-BE49-F238E27FC236}">
+                <a16:creationId xmlns:a16="http://schemas.microsoft.com/office/drawing/2014/main" id="{17F0FCD2-C122-43FA-A96E-A2EF64DB3C05}"/>
+              </a:ext>
+            </a:extLst>
+          </p:cNvPr>
+          <p:cNvSpPr txBox="1">
+            <a:spLocks noChangeArrowheads="1"/>
+          </p:cNvSpPr>
+          <p:nvPr/>
+        </p:nvSpPr>
+        <p:spPr bwMode="auto">
+          <a:xfrm>
+            <a:off x="5997575" y="2486026"/>
+            <a:ext cx="1196975" cy="376237"/>
+          </a:xfrm>
+          <a:prstGeom prst="rect">
+            <a:avLst/>
+          </a:prstGeom>
+          <a:solidFill>
+            <a:srgbClr val="FFFF99"/>
+          </a:solidFill>
+          <a:ln w="9525">
+            <a:solidFill>
+              <a:schemeClr val="tx1"/>
+            </a:solidFill>
+            <a:miter lim="800000"/>
+            <a:headEnd/>
+            <a:tailEnd/>
+          </a:ln>
+        </p:spPr>
+        <p:txBody>
+          <a:bodyPr wrap="none">
+            <a:spAutoFit/>
+          </a:bodyPr>
+          <a:lstStyle/>
+          <a:p>
+            <a:r>
+              <a:rPr lang="en-US" altLang="zh-TW" b="1">
+                <a:latin typeface="Consolas" pitchFamily="49" charset="0"/>
+              </a:rPr>
+              <a:t>accept()</a:t>
+            </a:r>
+          </a:p>
+        </p:txBody>
+      </p:sp>
+      <p:sp>
+        <p:nvSpPr>
+          <p:cNvPr id="18" name="Line 17">
+            <a:extLst>
+              <a:ext uri="{FF2B5EF4-FFF2-40B4-BE49-F238E27FC236}">
+                <a16:creationId xmlns:a16="http://schemas.microsoft.com/office/drawing/2014/main" id="{4D023969-95A2-468A-A3E0-B675ED6570BA}"/>
+              </a:ext>
+            </a:extLst>
+          </p:cNvPr>
+          <p:cNvSpPr>
+            <a:spLocks noChangeShapeType="1"/>
+          </p:cNvSpPr>
+          <p:nvPr/>
+        </p:nvSpPr>
+        <p:spPr bwMode="auto">
+          <a:xfrm>
+            <a:off x="6607175" y="2271713"/>
+            <a:ext cx="0" cy="228600"/>
+          </a:xfrm>
+          <a:prstGeom prst="line">
+            <a:avLst/>
+          </a:prstGeom>
+          <a:noFill/>
+          <a:ln w="9525">
+            <a:solidFill>
+              <a:schemeClr val="tx1"/>
+            </a:solidFill>
+            <a:round/>
+            <a:headEnd/>
+            <a:tailEnd type="triangle" w="med" len="med"/>
+          </a:ln>
+        </p:spPr>
+        <p:txBody>
+          <a:bodyPr/>
+          <a:lstStyle/>
+          <a:p>
+            <a:endParaRPr lang="en-US"/>
+          </a:p>
+        </p:txBody>
+      </p:sp>
+      <p:sp>
+        <p:nvSpPr>
+          <p:cNvPr id="19" name="Rectangle 18">
+            <a:extLst>
+              <a:ext uri="{FF2B5EF4-FFF2-40B4-BE49-F238E27FC236}">
+                <a16:creationId xmlns:a16="http://schemas.microsoft.com/office/drawing/2014/main" id="{D4289FA5-0234-4100-9377-F65B26C0F808}"/>
+              </a:ext>
+            </a:extLst>
+          </p:cNvPr>
+          <p:cNvSpPr>
+            <a:spLocks noChangeArrowheads="1"/>
+          </p:cNvSpPr>
+          <p:nvPr/>
+        </p:nvSpPr>
+        <p:spPr bwMode="auto">
+          <a:xfrm>
+            <a:off x="2339975" y="2195513"/>
+            <a:ext cx="990600" cy="304800"/>
+          </a:xfrm>
+          <a:prstGeom prst="rect">
+            <a:avLst/>
+          </a:prstGeom>
+          <a:solidFill>
+            <a:schemeClr val="folHlink"/>
+          </a:solidFill>
+          <a:ln w="9525" algn="ctr">
+            <a:solidFill>
+              <a:schemeClr val="tx1"/>
+            </a:solidFill>
+            <a:miter lim="800000"/>
+            <a:headEnd/>
+            <a:tailEnd/>
+          </a:ln>
+        </p:spPr>
+        <p:txBody>
+          <a:bodyPr wrap="none" anchor="ctr"/>
+          <a:lstStyle/>
+          <a:p>
+            <a:r>
+              <a:rPr lang="en-US" altLang="zh-TW" sz="1400" b="1" dirty="0">
+                <a:latin typeface="Consolas" pitchFamily="49" charset="0"/>
+              </a:rPr>
+              <a:t>Socket FD</a:t>
+            </a:r>
+          </a:p>
+        </p:txBody>
+      </p:sp>
+      <p:sp>
+        <p:nvSpPr>
+          <p:cNvPr id="20" name="Rectangle 19">
+            <a:extLst>
+              <a:ext uri="{FF2B5EF4-FFF2-40B4-BE49-F238E27FC236}">
+                <a16:creationId xmlns:a16="http://schemas.microsoft.com/office/drawing/2014/main" id="{7FD8A21C-1E7E-4D09-B905-8CE711B8C75A}"/>
+              </a:ext>
+            </a:extLst>
+          </p:cNvPr>
+          <p:cNvSpPr>
+            <a:spLocks noChangeArrowheads="1"/>
+          </p:cNvSpPr>
+          <p:nvPr/>
+        </p:nvSpPr>
+        <p:spPr bwMode="auto">
+          <a:xfrm>
+            <a:off x="4244975" y="2195513"/>
+            <a:ext cx="990600" cy="304800"/>
+          </a:xfrm>
+          <a:prstGeom prst="rect">
+            <a:avLst/>
+          </a:prstGeom>
+          <a:solidFill>
+            <a:schemeClr val="folHlink"/>
+          </a:solidFill>
+          <a:ln w="9525" algn="ctr">
+            <a:solidFill>
+              <a:schemeClr val="tx1"/>
+            </a:solidFill>
+            <a:miter lim="800000"/>
+            <a:headEnd/>
+            <a:tailEnd/>
+          </a:ln>
+        </p:spPr>
+        <p:txBody>
+          <a:bodyPr wrap="none" anchor="ctr"/>
+          <a:lstStyle/>
+          <a:p>
+            <a:r>
+              <a:rPr lang="en-US" altLang="zh-TW" sz="1400" b="1">
+                <a:latin typeface="Consolas" pitchFamily="49" charset="0"/>
+              </a:rPr>
+              <a:t>Socket FD</a:t>
+            </a:r>
+          </a:p>
+        </p:txBody>
+      </p:sp>
+      <p:sp>
+        <p:nvSpPr>
+          <p:cNvPr id="21" name="Rectangle 20">
+            <a:extLst>
+              <a:ext uri="{FF2B5EF4-FFF2-40B4-BE49-F238E27FC236}">
+                <a16:creationId xmlns:a16="http://schemas.microsoft.com/office/drawing/2014/main" id="{D2B94EDB-4E65-4E1D-A28A-5B6B4ED81935}"/>
+              </a:ext>
+            </a:extLst>
+          </p:cNvPr>
+          <p:cNvSpPr>
+            <a:spLocks noChangeArrowheads="1"/>
+          </p:cNvSpPr>
+          <p:nvPr/>
+        </p:nvSpPr>
+        <p:spPr bwMode="auto">
+          <a:xfrm>
+            <a:off x="6073775" y="1585913"/>
+            <a:ext cx="990600" cy="304800"/>
+          </a:xfrm>
+          <a:prstGeom prst="rect">
+            <a:avLst/>
+          </a:prstGeom>
+          <a:solidFill>
+            <a:schemeClr val="folHlink"/>
+          </a:solidFill>
+          <a:ln w="9525" algn="ctr">
+            <a:solidFill>
+              <a:schemeClr val="tx1"/>
+            </a:solidFill>
+            <a:miter lim="800000"/>
+            <a:headEnd/>
+            <a:tailEnd/>
+          </a:ln>
+        </p:spPr>
+        <p:txBody>
+          <a:bodyPr wrap="none" anchor="ctr"/>
+          <a:lstStyle/>
+          <a:p>
+            <a:r>
+              <a:rPr lang="en-US" altLang="zh-TW" sz="1400" b="1">
+                <a:latin typeface="Consolas" pitchFamily="49" charset="0"/>
+              </a:rPr>
+              <a:t>Socket FD</a:t>
+            </a:r>
+          </a:p>
+        </p:txBody>
+      </p:sp>
+      <p:sp>
+        <p:nvSpPr>
+          <p:cNvPr id="22" name="Rectangle 21">
+            <a:extLst>
+              <a:ext uri="{FF2B5EF4-FFF2-40B4-BE49-F238E27FC236}">
+                <a16:creationId xmlns:a16="http://schemas.microsoft.com/office/drawing/2014/main" id="{49E2CC8E-EDB7-4393-86A1-74F25FC28D6D}"/>
+              </a:ext>
+            </a:extLst>
+          </p:cNvPr>
+          <p:cNvSpPr>
+            <a:spLocks noChangeArrowheads="1"/>
+          </p:cNvSpPr>
+          <p:nvPr/>
+        </p:nvSpPr>
+        <p:spPr bwMode="auto">
+          <a:xfrm>
+            <a:off x="6073775" y="2805113"/>
+            <a:ext cx="990600" cy="304800"/>
+          </a:xfrm>
+          <a:prstGeom prst="rect">
+            <a:avLst/>
+          </a:prstGeom>
+          <a:solidFill>
+            <a:schemeClr val="folHlink"/>
+          </a:solidFill>
+          <a:ln w="9525" algn="ctr">
+            <a:solidFill>
+              <a:schemeClr val="tx1"/>
+            </a:solidFill>
+            <a:miter lim="800000"/>
+            <a:headEnd/>
+            <a:tailEnd/>
+          </a:ln>
+        </p:spPr>
+        <p:txBody>
+          <a:bodyPr wrap="none" anchor="ctr"/>
+          <a:lstStyle/>
+          <a:p>
+            <a:r>
+              <a:rPr lang="en-US" altLang="zh-TW" sz="1400" b="1">
+                <a:latin typeface="Consolas" pitchFamily="49" charset="0"/>
+              </a:rPr>
+              <a:t>Socket FD</a:t>
+            </a:r>
+          </a:p>
+        </p:txBody>
+      </p:sp>
+      <p:sp>
+        <p:nvSpPr>
+          <p:cNvPr id="23" name="Rectangle 22">
+            <a:extLst>
+              <a:ext uri="{FF2B5EF4-FFF2-40B4-BE49-F238E27FC236}">
+                <a16:creationId xmlns:a16="http://schemas.microsoft.com/office/drawing/2014/main" id="{1C9CEC58-E6BE-4C40-8200-5922040D68EC}"/>
+              </a:ext>
+            </a:extLst>
+          </p:cNvPr>
+          <p:cNvSpPr>
+            <a:spLocks noChangeArrowheads="1"/>
+          </p:cNvSpPr>
+          <p:nvPr/>
+        </p:nvSpPr>
+        <p:spPr bwMode="auto">
+          <a:xfrm>
+            <a:off x="8816975" y="2008188"/>
+            <a:ext cx="990600" cy="304800"/>
+          </a:xfrm>
+          <a:prstGeom prst="rect">
+            <a:avLst/>
+          </a:prstGeom>
+          <a:solidFill>
+            <a:schemeClr val="hlink"/>
+          </a:solidFill>
+          <a:ln w="9525" algn="ctr">
+            <a:solidFill>
+              <a:schemeClr val="tx1"/>
+            </a:solidFill>
+            <a:miter lim="800000"/>
+            <a:headEnd/>
+            <a:tailEnd/>
+          </a:ln>
+        </p:spPr>
+        <p:txBody>
+          <a:bodyPr wrap="none" anchor="ctr"/>
+          <a:lstStyle/>
+          <a:p>
+            <a:r>
+              <a:rPr lang="en-US" altLang="zh-TW" sz="1400" b="1" dirty="0">
+                <a:solidFill>
+                  <a:schemeClr val="bg1"/>
+                </a:solidFill>
+                <a:latin typeface="Consolas" pitchFamily="49" charset="0"/>
+              </a:rPr>
+              <a:t>Accept FD</a:t>
+            </a:r>
+          </a:p>
+        </p:txBody>
+      </p:sp>
+      <p:sp>
+        <p:nvSpPr>
+          <p:cNvPr id="24" name="Text Box 23">
+            <a:extLst>
+              <a:ext uri="{FF2B5EF4-FFF2-40B4-BE49-F238E27FC236}">
+                <a16:creationId xmlns:a16="http://schemas.microsoft.com/office/drawing/2014/main" id="{94F98D6C-E4AD-4590-AE5B-B0B3DBE42A12}"/>
+              </a:ext>
+            </a:extLst>
+          </p:cNvPr>
+          <p:cNvSpPr txBox="1">
+            <a:spLocks noChangeArrowheads="1"/>
+          </p:cNvSpPr>
+          <p:nvPr/>
+        </p:nvSpPr>
+        <p:spPr bwMode="auto">
+          <a:xfrm>
+            <a:off x="8359775" y="3373438"/>
+            <a:ext cx="1219200" cy="650875"/>
+          </a:xfrm>
+          <a:prstGeom prst="rect">
+            <a:avLst/>
+          </a:prstGeom>
+          <a:solidFill>
+            <a:srgbClr val="FFFF99"/>
+          </a:solidFill>
+          <a:ln w="9525">
+            <a:solidFill>
+              <a:schemeClr val="tx1"/>
+            </a:solidFill>
+            <a:miter lim="800000"/>
+            <a:headEnd/>
+            <a:tailEnd/>
+          </a:ln>
+        </p:spPr>
+        <p:txBody>
+          <a:bodyPr>
+            <a:spAutoFit/>
+          </a:bodyPr>
+          <a:lstStyle/>
+          <a:p>
+            <a:r>
+              <a:rPr lang="en-US" altLang="zh-TW" b="1">
+                <a:latin typeface="Consolas" pitchFamily="49" charset="0"/>
+              </a:rPr>
+              <a:t>read() &amp; write()</a:t>
+            </a:r>
+          </a:p>
+        </p:txBody>
+      </p:sp>
+      <p:sp>
+        <p:nvSpPr>
+          <p:cNvPr id="25" name="Line 24">
+            <a:extLst>
+              <a:ext uri="{FF2B5EF4-FFF2-40B4-BE49-F238E27FC236}">
+                <a16:creationId xmlns:a16="http://schemas.microsoft.com/office/drawing/2014/main" id="{670D0AA2-BFA6-4BC7-AE67-50825652B4B7}"/>
+              </a:ext>
+            </a:extLst>
+          </p:cNvPr>
+          <p:cNvSpPr>
+            <a:spLocks noChangeShapeType="1"/>
+          </p:cNvSpPr>
+          <p:nvPr/>
+        </p:nvSpPr>
+        <p:spPr bwMode="auto">
+          <a:xfrm>
+            <a:off x="7292975" y="2881313"/>
+            <a:ext cx="990600" cy="685800"/>
+          </a:xfrm>
+          <a:prstGeom prst="line">
+            <a:avLst/>
+          </a:prstGeom>
+          <a:noFill/>
+          <a:ln w="9525">
+            <a:solidFill>
+              <a:schemeClr val="tx1"/>
+            </a:solidFill>
+            <a:round/>
+            <a:headEnd/>
+            <a:tailEnd type="triangle" w="med" len="med"/>
+          </a:ln>
+        </p:spPr>
+        <p:txBody>
+          <a:bodyPr/>
+          <a:lstStyle/>
+          <a:p>
+            <a:endParaRPr lang="en-US"/>
+          </a:p>
+        </p:txBody>
+      </p:sp>
+      <p:sp>
+        <p:nvSpPr>
+          <p:cNvPr id="26" name="Rectangle 25">
+            <a:extLst>
+              <a:ext uri="{FF2B5EF4-FFF2-40B4-BE49-F238E27FC236}">
+                <a16:creationId xmlns:a16="http://schemas.microsoft.com/office/drawing/2014/main" id="{60BC3896-39BA-478F-BF56-19FA3C55759C}"/>
+              </a:ext>
+            </a:extLst>
+          </p:cNvPr>
+          <p:cNvSpPr>
+            <a:spLocks noChangeArrowheads="1"/>
+          </p:cNvSpPr>
+          <p:nvPr/>
+        </p:nvSpPr>
+        <p:spPr bwMode="auto">
+          <a:xfrm>
+            <a:off x="8435975" y="3109913"/>
+            <a:ext cx="990600" cy="304800"/>
+          </a:xfrm>
+          <a:prstGeom prst="rect">
+            <a:avLst/>
+          </a:prstGeom>
+          <a:solidFill>
+            <a:schemeClr val="hlink"/>
+          </a:solidFill>
+          <a:ln w="9525" algn="ctr">
+            <a:solidFill>
+              <a:schemeClr val="tx1"/>
+            </a:solidFill>
+            <a:miter lim="800000"/>
+            <a:headEnd/>
+            <a:tailEnd/>
+          </a:ln>
+        </p:spPr>
+        <p:txBody>
+          <a:bodyPr wrap="none" anchor="ctr"/>
+          <a:lstStyle/>
+          <a:p>
+            <a:r>
+              <a:rPr lang="en-US" altLang="zh-TW" sz="1400" b="1" dirty="0">
+                <a:solidFill>
+                  <a:schemeClr val="bg1"/>
+                </a:solidFill>
+                <a:latin typeface="Consolas" pitchFamily="49" charset="0"/>
+              </a:rPr>
+              <a:t>Accept FD</a:t>
+            </a:r>
+          </a:p>
+        </p:txBody>
+      </p:sp>
+      <p:sp>
+        <p:nvSpPr>
+          <p:cNvPr id="27" name="Oval 26">
+            <a:extLst>
+              <a:ext uri="{FF2B5EF4-FFF2-40B4-BE49-F238E27FC236}">
+                <a16:creationId xmlns:a16="http://schemas.microsoft.com/office/drawing/2014/main" id="{D04EEB0F-761A-4404-822C-C1CEB3CD10F8}"/>
+              </a:ext>
+            </a:extLst>
+          </p:cNvPr>
+          <p:cNvSpPr>
+            <a:spLocks noChangeArrowheads="1"/>
+          </p:cNvSpPr>
+          <p:nvPr/>
+        </p:nvSpPr>
+        <p:spPr bwMode="auto">
+          <a:xfrm>
+            <a:off x="7978775" y="2728913"/>
+            <a:ext cx="76200" cy="76200"/>
+          </a:xfrm>
+          <a:prstGeom prst="ellipse">
+            <a:avLst/>
+          </a:prstGeom>
+          <a:solidFill>
+            <a:schemeClr val="tx1"/>
+          </a:solidFill>
+          <a:ln w="9525" algn="ctr">
+            <a:solidFill>
+              <a:schemeClr val="tx1"/>
+            </a:solidFill>
+            <a:round/>
+            <a:headEnd/>
+            <a:tailEnd/>
+          </a:ln>
+        </p:spPr>
+        <p:txBody>
+          <a:bodyPr wrap="none" anchor="ctr"/>
+          <a:lstStyle/>
+          <a:p>
+            <a:endParaRPr lang="en-US"/>
+          </a:p>
+        </p:txBody>
+      </p:sp>
+      <p:sp>
+        <p:nvSpPr>
+          <p:cNvPr id="28" name="Oval 27">
+            <a:extLst>
+              <a:ext uri="{FF2B5EF4-FFF2-40B4-BE49-F238E27FC236}">
+                <a16:creationId xmlns:a16="http://schemas.microsoft.com/office/drawing/2014/main" id="{5C2683EF-7905-4295-8288-A7DF6297853F}"/>
+              </a:ext>
+            </a:extLst>
+          </p:cNvPr>
+          <p:cNvSpPr>
+            <a:spLocks noChangeArrowheads="1"/>
+          </p:cNvSpPr>
+          <p:nvPr/>
+        </p:nvSpPr>
+        <p:spPr bwMode="auto">
+          <a:xfrm>
+            <a:off x="7978775" y="2881313"/>
+            <a:ext cx="76200" cy="76200"/>
+          </a:xfrm>
+          <a:prstGeom prst="ellipse">
+            <a:avLst/>
+          </a:prstGeom>
+          <a:solidFill>
+            <a:schemeClr val="tx1"/>
+          </a:solidFill>
+          <a:ln w="9525" algn="ctr">
+            <a:solidFill>
+              <a:schemeClr val="tx1"/>
+            </a:solidFill>
+            <a:round/>
+            <a:headEnd/>
+            <a:tailEnd/>
+          </a:ln>
+        </p:spPr>
+        <p:txBody>
+          <a:bodyPr wrap="none" anchor="ctr"/>
+          <a:lstStyle/>
+          <a:p>
+            <a:endParaRPr lang="en-US"/>
+          </a:p>
+        </p:txBody>
+      </p:sp>
+      <p:sp>
+        <p:nvSpPr>
+          <p:cNvPr id="29" name="Oval 28">
+            <a:extLst>
+              <a:ext uri="{FF2B5EF4-FFF2-40B4-BE49-F238E27FC236}">
+                <a16:creationId xmlns:a16="http://schemas.microsoft.com/office/drawing/2014/main" id="{38A9B143-8954-45B1-B481-3D090FB57874}"/>
+              </a:ext>
+            </a:extLst>
+          </p:cNvPr>
+          <p:cNvSpPr>
+            <a:spLocks noChangeArrowheads="1"/>
+          </p:cNvSpPr>
+          <p:nvPr/>
+        </p:nvSpPr>
+        <p:spPr bwMode="auto">
+          <a:xfrm>
+            <a:off x="7978775" y="3033713"/>
+            <a:ext cx="76200" cy="76200"/>
+          </a:xfrm>
+          <a:prstGeom prst="ellipse">
+            <a:avLst/>
+          </a:prstGeom>
+          <a:solidFill>
+            <a:schemeClr val="tx1"/>
+          </a:solidFill>
+          <a:ln w="9525" algn="ctr">
+            <a:solidFill>
+              <a:schemeClr val="tx1"/>
+            </a:solidFill>
+            <a:round/>
+            <a:headEnd/>
+            <a:tailEnd/>
+          </a:ln>
+        </p:spPr>
+        <p:txBody>
+          <a:bodyPr wrap="none" anchor="ctr"/>
+          <a:lstStyle/>
+          <a:p>
+            <a:endParaRPr lang="en-US"/>
+          </a:p>
+        </p:txBody>
+      </p:sp>
+      <p:sp>
+        <p:nvSpPr>
+          <p:cNvPr id="31" name="Text Box 30">
+            <a:extLst>
+              <a:ext uri="{FF2B5EF4-FFF2-40B4-BE49-F238E27FC236}">
+                <a16:creationId xmlns:a16="http://schemas.microsoft.com/office/drawing/2014/main" id="{F0B5B28B-72D4-4E80-87A2-4986B9984663}"/>
+              </a:ext>
+            </a:extLst>
+          </p:cNvPr>
+          <p:cNvSpPr txBox="1">
+            <a:spLocks noChangeArrowheads="1"/>
+          </p:cNvSpPr>
+          <p:nvPr/>
+        </p:nvSpPr>
+        <p:spPr bwMode="auto">
+          <a:xfrm>
+            <a:off x="2187575" y="4329113"/>
+            <a:ext cx="7696200" cy="430213"/>
+          </a:xfrm>
+          <a:prstGeom prst="rect">
+            <a:avLst/>
+          </a:prstGeom>
+          <a:solidFill>
+            <a:schemeClr val="bg1"/>
+          </a:solidFill>
+          <a:ln w="9525">
+            <a:solidFill>
+              <a:schemeClr val="tx1"/>
+            </a:solidFill>
+            <a:miter lim="800000"/>
+            <a:headEnd/>
+            <a:tailEnd/>
+          </a:ln>
+        </p:spPr>
+        <p:txBody>
+          <a:bodyPr tIns="91440" bIns="91440">
+            <a:spAutoFit/>
+          </a:bodyPr>
+          <a:lstStyle/>
+          <a:p>
+            <a:r>
+              <a:rPr lang="en-US" altLang="zh-TW" sz="1600" dirty="0">
+                <a:latin typeface="Calibri" pitchFamily="34" charset="0"/>
+              </a:rPr>
+              <a:t>An interesting thing about </a:t>
+            </a:r>
+            <a:r>
+              <a:rPr lang="en-US" altLang="zh-TW" sz="1600" b="1" dirty="0">
+                <a:latin typeface="Calibri" pitchFamily="34" charset="0"/>
+              </a:rPr>
+              <a:t>accept()</a:t>
+            </a:r>
+            <a:r>
+              <a:rPr lang="en-US" altLang="zh-TW" sz="1600" dirty="0">
+                <a:latin typeface="Calibri" pitchFamily="34" charset="0"/>
+              </a:rPr>
+              <a:t> is the creation of a </a:t>
+            </a:r>
+            <a:r>
+              <a:rPr lang="en-US" altLang="zh-TW" sz="1600" b="1" dirty="0">
+                <a:solidFill>
+                  <a:srgbClr val="FF3300"/>
+                </a:solidFill>
+                <a:latin typeface="Calibri" pitchFamily="34" charset="0"/>
+              </a:rPr>
+              <a:t>new file descriptor</a:t>
+            </a:r>
+            <a:r>
+              <a:rPr lang="en-US" altLang="zh-TW" sz="1600" dirty="0">
+                <a:latin typeface="Calibri" pitchFamily="34" charset="0"/>
+              </a:rPr>
+              <a:t>!</a:t>
+            </a:r>
+          </a:p>
+        </p:txBody>
+      </p:sp>
+      <p:sp>
+        <p:nvSpPr>
+          <p:cNvPr id="32" name="Text Box 31">
+            <a:extLst>
+              <a:ext uri="{FF2B5EF4-FFF2-40B4-BE49-F238E27FC236}">
+                <a16:creationId xmlns:a16="http://schemas.microsoft.com/office/drawing/2014/main" id="{3BF08CE2-AE43-465C-8504-4E22C3A2FA9C}"/>
+              </a:ext>
+            </a:extLst>
+          </p:cNvPr>
+          <p:cNvSpPr txBox="1">
+            <a:spLocks noChangeArrowheads="1"/>
+          </p:cNvSpPr>
+          <p:nvPr/>
+        </p:nvSpPr>
+        <p:spPr bwMode="auto">
+          <a:xfrm>
+            <a:off x="2187575" y="4938713"/>
+            <a:ext cx="3733800" cy="1416050"/>
+          </a:xfrm>
+          <a:prstGeom prst="rect">
+            <a:avLst/>
+          </a:prstGeom>
+          <a:solidFill>
+            <a:schemeClr val="bg1"/>
+          </a:solidFill>
+          <a:ln w="9525">
+            <a:solidFill>
+              <a:schemeClr val="tx1"/>
+            </a:solidFill>
+            <a:miter lim="800000"/>
+            <a:headEnd/>
+            <a:tailEnd/>
+          </a:ln>
+        </p:spPr>
+        <p:txBody>
+          <a:bodyPr tIns="91440" bIns="91440">
+            <a:spAutoFit/>
+          </a:bodyPr>
+          <a:lstStyle/>
+          <a:p>
+            <a:r>
+              <a:rPr lang="en-US" altLang="zh-TW" sz="1600" b="1" u="sng" dirty="0">
+                <a:latin typeface="Calibri" pitchFamily="34" charset="0"/>
+              </a:rPr>
+              <a:t>Application layer’s point of view.</a:t>
+            </a:r>
+          </a:p>
+          <a:p>
+            <a:endParaRPr lang="en-US" altLang="zh-TW" sz="1600" dirty="0">
+              <a:latin typeface="Calibri" pitchFamily="34" charset="0"/>
+            </a:endParaRPr>
+          </a:p>
+          <a:p>
+            <a:r>
+              <a:rPr lang="en-US" altLang="zh-TW" sz="1600" dirty="0">
+                <a:latin typeface="Calibri" pitchFamily="34" charset="0"/>
+              </a:rPr>
+              <a:t>Good!  It provides each connection a new handler and we can distinguish every connection!</a:t>
+            </a:r>
+          </a:p>
+        </p:txBody>
+      </p:sp>
+      <p:sp>
+        <p:nvSpPr>
+          <p:cNvPr id="33" name="Rectangle 32">
+            <a:extLst>
+              <a:ext uri="{FF2B5EF4-FFF2-40B4-BE49-F238E27FC236}">
+                <a16:creationId xmlns:a16="http://schemas.microsoft.com/office/drawing/2014/main" id="{5C29ADE9-9816-4B60-9622-82270D1BC9A0}"/>
+              </a:ext>
+            </a:extLst>
+          </p:cNvPr>
+          <p:cNvSpPr>
+            <a:spLocks noChangeArrowheads="1"/>
+          </p:cNvSpPr>
+          <p:nvPr/>
+        </p:nvSpPr>
+        <p:spPr bwMode="auto">
+          <a:xfrm>
+            <a:off x="7292975" y="2195513"/>
+            <a:ext cx="1295400" cy="304800"/>
+          </a:xfrm>
+          <a:prstGeom prst="rect">
+            <a:avLst/>
+          </a:prstGeom>
+          <a:solidFill>
+            <a:schemeClr val="bg1"/>
+          </a:solidFill>
+          <a:ln w="9525" algn="ctr">
+            <a:solidFill>
+              <a:schemeClr val="tx1"/>
+            </a:solidFill>
+            <a:miter lim="800000"/>
+            <a:headEnd/>
+            <a:tailEnd/>
+          </a:ln>
+        </p:spPr>
+        <p:txBody>
+          <a:bodyPr wrap="none" anchor="ctr"/>
+          <a:lstStyle/>
+          <a:p>
+            <a:r>
+              <a:rPr lang="en-US" altLang="zh-TW" sz="1200" b="1">
+                <a:latin typeface="Consolas" pitchFamily="49" charset="0"/>
+              </a:rPr>
+              <a:t>connection #1</a:t>
+            </a:r>
+          </a:p>
+        </p:txBody>
+      </p:sp>
+      <p:sp>
+        <p:nvSpPr>
+          <p:cNvPr id="34" name="Rectangle 33">
+            <a:extLst>
+              <a:ext uri="{FF2B5EF4-FFF2-40B4-BE49-F238E27FC236}">
+                <a16:creationId xmlns:a16="http://schemas.microsoft.com/office/drawing/2014/main" id="{F75872B7-6D75-4EF2-A03D-2B66163D87F5}"/>
+              </a:ext>
+            </a:extLst>
+          </p:cNvPr>
+          <p:cNvSpPr>
+            <a:spLocks noChangeArrowheads="1"/>
+          </p:cNvSpPr>
+          <p:nvPr/>
+        </p:nvSpPr>
+        <p:spPr bwMode="auto">
+          <a:xfrm>
+            <a:off x="6759575" y="3414713"/>
+            <a:ext cx="1295400" cy="304800"/>
+          </a:xfrm>
+          <a:prstGeom prst="rect">
+            <a:avLst/>
+          </a:prstGeom>
+          <a:solidFill>
+            <a:schemeClr val="bg1"/>
+          </a:solidFill>
+          <a:ln w="9525" algn="ctr">
+            <a:solidFill>
+              <a:schemeClr val="tx1"/>
+            </a:solidFill>
+            <a:miter lim="800000"/>
+            <a:headEnd/>
+            <a:tailEnd/>
+          </a:ln>
+        </p:spPr>
+        <p:txBody>
+          <a:bodyPr wrap="none" anchor="ctr"/>
+          <a:lstStyle/>
+          <a:p>
+            <a:r>
+              <a:rPr lang="en-US" altLang="zh-TW" sz="1200" b="1">
+                <a:latin typeface="Consolas" pitchFamily="49" charset="0"/>
+              </a:rPr>
+              <a:t>connection #n</a:t>
+            </a:r>
+          </a:p>
+        </p:txBody>
+      </p:sp>
+      <p:sp>
+        <p:nvSpPr>
+          <p:cNvPr id="35" name="Text Box 34">
+            <a:extLst>
+              <a:ext uri="{FF2B5EF4-FFF2-40B4-BE49-F238E27FC236}">
+                <a16:creationId xmlns:a16="http://schemas.microsoft.com/office/drawing/2014/main" id="{72FED377-0EC2-45E9-8638-AA6034CD5CB5}"/>
+              </a:ext>
+            </a:extLst>
+          </p:cNvPr>
+          <p:cNvSpPr txBox="1">
+            <a:spLocks noChangeArrowheads="1"/>
+          </p:cNvSpPr>
+          <p:nvPr/>
+        </p:nvSpPr>
+        <p:spPr bwMode="auto">
+          <a:xfrm>
+            <a:off x="6149975" y="4938713"/>
+            <a:ext cx="3733800" cy="1416050"/>
+          </a:xfrm>
+          <a:prstGeom prst="rect">
+            <a:avLst/>
+          </a:prstGeom>
+          <a:solidFill>
+            <a:schemeClr val="bg1"/>
+          </a:solidFill>
+          <a:ln w="9525">
+            <a:solidFill>
+              <a:schemeClr val="tx1"/>
+            </a:solidFill>
+            <a:miter lim="800000"/>
+            <a:headEnd/>
+            <a:tailEnd/>
+          </a:ln>
+        </p:spPr>
+        <p:txBody>
+          <a:bodyPr tIns="91440" bIns="91440">
+            <a:spAutoFit/>
+          </a:bodyPr>
+          <a:lstStyle/>
+          <a:p>
+            <a:r>
+              <a:rPr lang="en-US" altLang="zh-TW" sz="1600" b="1" u="sng" dirty="0">
+                <a:latin typeface="Calibri" pitchFamily="34" charset="0"/>
+              </a:rPr>
+              <a:t>Transport layer’s point of view.</a:t>
+            </a:r>
+          </a:p>
+          <a:p>
+            <a:endParaRPr lang="en-US" altLang="zh-TW" sz="1600" dirty="0">
+              <a:latin typeface="Calibri" pitchFamily="34" charset="0"/>
+            </a:endParaRPr>
+          </a:p>
+          <a:p>
+            <a:r>
+              <a:rPr lang="en-US" altLang="zh-TW" sz="1600" dirty="0">
+                <a:latin typeface="Calibri" pitchFamily="34" charset="0"/>
+              </a:rPr>
+              <a:t>Well, for TCP, every FD points to </a:t>
+            </a:r>
+            <a:r>
+              <a:rPr lang="en-US" altLang="zh-TW" sz="1600" b="1" dirty="0">
+                <a:solidFill>
+                  <a:srgbClr val="C00000"/>
+                </a:solidFill>
+                <a:latin typeface="Calibri" pitchFamily="34" charset="0"/>
+              </a:rPr>
+              <a:t>a unique TCP control structure</a:t>
+            </a:r>
+            <a:r>
+              <a:rPr lang="en-US" altLang="zh-TW" sz="1600" dirty="0">
+                <a:latin typeface="Calibri" pitchFamily="34" charset="0"/>
+              </a:rPr>
+              <a:t>. It is a necessary for reliable data transfer!</a:t>
             </a:r>
           </a:p>
         </p:txBody>
@@ -11548,7 +11826,7 @@
     </p:spTree>
     <p:extLst>
       <p:ext uri="{BB962C8B-B14F-4D97-AF65-F5344CB8AC3E}">
-        <p14:creationId xmlns:p14="http://schemas.microsoft.com/office/powerpoint/2010/main" val="2477746496"/>
+        <p14:creationId xmlns:p14="http://schemas.microsoft.com/office/powerpoint/2010/main" val="2287890620"/>
       </p:ext>
     </p:extLst>
   </p:cSld>

--- a/tutorial/T01/tut01.pptx
+++ b/tutorial/T01/tut01.pptx
@@ -1006,7 +1006,7 @@
           <a:p>
             <a:fld id="{2425905D-C0C4-D040-B3F5-79CCA23FA4EB}" type="datetimeFigureOut">
               <a:rPr lang="en-US" smtClean="0"/>
-              <a:t>9/1/2023</a:t>
+              <a:t>9/3/2023</a:t>
             </a:fld>
             <a:endParaRPr lang="en-US"/>
           </a:p>
@@ -1206,7 +1206,7 @@
           <a:p>
             <a:fld id="{2425905D-C0C4-D040-B3F5-79CCA23FA4EB}" type="datetimeFigureOut">
               <a:rPr lang="en-US" smtClean="0"/>
-              <a:t>9/1/2023</a:t>
+              <a:t>9/3/2023</a:t>
             </a:fld>
             <a:endParaRPr lang="en-US"/>
           </a:p>
@@ -1416,7 +1416,7 @@
           <a:p>
             <a:fld id="{2425905D-C0C4-D040-B3F5-79CCA23FA4EB}" type="datetimeFigureOut">
               <a:rPr lang="en-US" smtClean="0"/>
-              <a:t>9/1/2023</a:t>
+              <a:t>9/3/2023</a:t>
             </a:fld>
             <a:endParaRPr lang="en-US"/>
           </a:p>
@@ -1616,7 +1616,7 @@
           <a:p>
             <a:fld id="{2425905D-C0C4-D040-B3F5-79CCA23FA4EB}" type="datetimeFigureOut">
               <a:rPr lang="en-US" smtClean="0"/>
-              <a:t>9/1/2023</a:t>
+              <a:t>9/3/2023</a:t>
             </a:fld>
             <a:endParaRPr lang="en-US"/>
           </a:p>
@@ -1892,7 +1892,7 @@
           <a:p>
             <a:fld id="{2425905D-C0C4-D040-B3F5-79CCA23FA4EB}" type="datetimeFigureOut">
               <a:rPr lang="en-US" smtClean="0"/>
-              <a:t>9/1/2023</a:t>
+              <a:t>9/3/2023</a:t>
             </a:fld>
             <a:endParaRPr lang="en-US"/>
           </a:p>
@@ -2160,7 +2160,7 @@
           <a:p>
             <a:fld id="{2425905D-C0C4-D040-B3F5-79CCA23FA4EB}" type="datetimeFigureOut">
               <a:rPr lang="en-US" smtClean="0"/>
-              <a:t>9/1/2023</a:t>
+              <a:t>9/3/2023</a:t>
             </a:fld>
             <a:endParaRPr lang="en-US"/>
           </a:p>
@@ -2575,7 +2575,7 @@
           <a:p>
             <a:fld id="{2425905D-C0C4-D040-B3F5-79CCA23FA4EB}" type="datetimeFigureOut">
               <a:rPr lang="en-US" smtClean="0"/>
-              <a:t>9/1/2023</a:t>
+              <a:t>9/3/2023</a:t>
             </a:fld>
             <a:endParaRPr lang="en-US"/>
           </a:p>
@@ -2717,7 +2717,7 @@
           <a:p>
             <a:fld id="{2425905D-C0C4-D040-B3F5-79CCA23FA4EB}" type="datetimeFigureOut">
               <a:rPr lang="en-US" smtClean="0"/>
-              <a:t>9/1/2023</a:t>
+              <a:t>9/3/2023</a:t>
             </a:fld>
             <a:endParaRPr lang="en-US"/>
           </a:p>
@@ -2830,7 +2830,7 @@
           <a:p>
             <a:fld id="{2425905D-C0C4-D040-B3F5-79CCA23FA4EB}" type="datetimeFigureOut">
               <a:rPr lang="en-US" smtClean="0"/>
-              <a:t>9/1/2023</a:t>
+              <a:t>9/3/2023</a:t>
             </a:fld>
             <a:endParaRPr lang="en-US"/>
           </a:p>
@@ -3143,7 +3143,7 @@
           <a:p>
             <a:fld id="{2425905D-C0C4-D040-B3F5-79CCA23FA4EB}" type="datetimeFigureOut">
               <a:rPr lang="en-US" smtClean="0"/>
-              <a:t>9/1/2023</a:t>
+              <a:t>9/3/2023</a:t>
             </a:fld>
             <a:endParaRPr lang="en-US"/>
           </a:p>
@@ -3432,7 +3432,7 @@
           <a:p>
             <a:fld id="{2425905D-C0C4-D040-B3F5-79CCA23FA4EB}" type="datetimeFigureOut">
               <a:rPr lang="en-US" smtClean="0"/>
-              <a:t>9/1/2023</a:t>
+              <a:t>9/3/2023</a:t>
             </a:fld>
             <a:endParaRPr lang="en-US"/>
           </a:p>
@@ -3675,7 +3675,7 @@
           <a:p>
             <a:fld id="{2425905D-C0C4-D040-B3F5-79CCA23FA4EB}" type="datetimeFigureOut">
               <a:rPr lang="en-US" smtClean="0"/>
-              <a:t>9/1/2023</a:t>
+              <a:t>9/3/2023</a:t>
             </a:fld>
             <a:endParaRPr lang="en-US"/>
           </a:p>
@@ -6425,24 +6425,43 @@
           <a:p>
             <a:r>
               <a:rPr lang="en-US" sz="3200" dirty="0"/>
-              <a:t>Task: Write a your own </a:t>
-            </a:r>
-            <a:r>
-              <a:rPr lang="en-US" sz="3200" dirty="0" err="1"/>
+              <a:t>Task: </a:t>
+            </a:r>
+          </a:p>
+          <a:p>
+            <a:pPr lvl="1"/>
+            <a:r>
+              <a:rPr lang="en-US" sz="2800" dirty="0"/>
+              <a:t>Write your own </a:t>
+            </a:r>
+            <a:r>
+              <a:rPr lang="en-US" sz="2800" dirty="0" err="1"/>
               <a:t>iPerf</a:t>
             </a:r>
             <a:r>
-              <a:rPr lang="en-US" sz="3200" dirty="0"/>
+              <a:rPr lang="en-US" sz="2800" dirty="0"/>
               <a:t> (“</a:t>
             </a:r>
             <a:r>
-              <a:rPr lang="en-US" sz="3200" dirty="0" err="1"/>
+              <a:rPr lang="en-US" sz="2800" dirty="0" err="1"/>
               <a:t>iPerfer</a:t>
             </a:r>
             <a:r>
-              <a:rPr lang="en-US" sz="3200" dirty="0"/>
+              <a:rPr lang="en-US" sz="2800" dirty="0"/>
               <a:t>”)  </a:t>
             </a:r>
+          </a:p>
+          <a:p>
+            <a:pPr lvl="1"/>
+            <a:r>
+              <a:rPr lang="en-US" sz="2800" dirty="0"/>
+              <a:t>C</a:t>
+            </a:r>
+            <a:r>
+              <a:rPr lang="en-US" altLang="zh-CN" sz="2800" dirty="0"/>
+              <a:t>onduct measurements in Mininet</a:t>
+            </a:r>
+            <a:endParaRPr lang="en-US" sz="2800" dirty="0"/>
           </a:p>
           <a:p>
             <a:r>

--- a/tutorial/T01/tut01.pptx
+++ b/tutorial/T01/tut01.pptx
@@ -10,20 +10,21 @@
     <p:sldId id="257" r:id="rId4"/>
     <p:sldId id="258" r:id="rId5"/>
     <p:sldId id="259" r:id="rId6"/>
-    <p:sldId id="261" r:id="rId7"/>
-    <p:sldId id="260" r:id="rId8"/>
-    <p:sldId id="262" r:id="rId9"/>
-    <p:sldId id="273" r:id="rId10"/>
-    <p:sldId id="263" r:id="rId11"/>
-    <p:sldId id="264" r:id="rId12"/>
-    <p:sldId id="265" r:id="rId13"/>
-    <p:sldId id="266" r:id="rId14"/>
-    <p:sldId id="267" r:id="rId15"/>
-    <p:sldId id="268" r:id="rId16"/>
-    <p:sldId id="269" r:id="rId17"/>
-    <p:sldId id="270" r:id="rId18"/>
-    <p:sldId id="271" r:id="rId19"/>
-    <p:sldId id="272" r:id="rId20"/>
+    <p:sldId id="275" r:id="rId7"/>
+    <p:sldId id="261" r:id="rId8"/>
+    <p:sldId id="260" r:id="rId9"/>
+    <p:sldId id="262" r:id="rId10"/>
+    <p:sldId id="273" r:id="rId11"/>
+    <p:sldId id="263" r:id="rId12"/>
+    <p:sldId id="264" r:id="rId13"/>
+    <p:sldId id="265" r:id="rId14"/>
+    <p:sldId id="266" r:id="rId15"/>
+    <p:sldId id="267" r:id="rId16"/>
+    <p:sldId id="268" r:id="rId17"/>
+    <p:sldId id="269" r:id="rId18"/>
+    <p:sldId id="270" r:id="rId19"/>
+    <p:sldId id="271" r:id="rId20"/>
+    <p:sldId id="272" r:id="rId21"/>
   </p:sldIdLst>
   <p:sldSz cx="12192000" cy="6858000"/>
   <p:notesSz cx="6858000" cy="9144000"/>
@@ -1006,7 +1007,7 @@
           <a:p>
             <a:fld id="{2425905D-C0C4-D040-B3F5-79CCA23FA4EB}" type="datetimeFigureOut">
               <a:rPr lang="en-US" smtClean="0"/>
-              <a:t>9/3/2023</a:t>
+              <a:t>9/5/2023</a:t>
             </a:fld>
             <a:endParaRPr lang="en-US"/>
           </a:p>
@@ -1206,7 +1207,7 @@
           <a:p>
             <a:fld id="{2425905D-C0C4-D040-B3F5-79CCA23FA4EB}" type="datetimeFigureOut">
               <a:rPr lang="en-US" smtClean="0"/>
-              <a:t>9/3/2023</a:t>
+              <a:t>9/5/2023</a:t>
             </a:fld>
             <a:endParaRPr lang="en-US"/>
           </a:p>
@@ -1416,7 +1417,7 @@
           <a:p>
             <a:fld id="{2425905D-C0C4-D040-B3F5-79CCA23FA4EB}" type="datetimeFigureOut">
               <a:rPr lang="en-US" smtClean="0"/>
-              <a:t>9/3/2023</a:t>
+              <a:t>9/5/2023</a:t>
             </a:fld>
             <a:endParaRPr lang="en-US"/>
           </a:p>
@@ -1616,7 +1617,7 @@
           <a:p>
             <a:fld id="{2425905D-C0C4-D040-B3F5-79CCA23FA4EB}" type="datetimeFigureOut">
               <a:rPr lang="en-US" smtClean="0"/>
-              <a:t>9/3/2023</a:t>
+              <a:t>9/5/2023</a:t>
             </a:fld>
             <a:endParaRPr lang="en-US"/>
           </a:p>
@@ -1892,7 +1893,7 @@
           <a:p>
             <a:fld id="{2425905D-C0C4-D040-B3F5-79CCA23FA4EB}" type="datetimeFigureOut">
               <a:rPr lang="en-US" smtClean="0"/>
-              <a:t>9/3/2023</a:t>
+              <a:t>9/5/2023</a:t>
             </a:fld>
             <a:endParaRPr lang="en-US"/>
           </a:p>
@@ -2160,7 +2161,7 @@
           <a:p>
             <a:fld id="{2425905D-C0C4-D040-B3F5-79CCA23FA4EB}" type="datetimeFigureOut">
               <a:rPr lang="en-US" smtClean="0"/>
-              <a:t>9/3/2023</a:t>
+              <a:t>9/5/2023</a:t>
             </a:fld>
             <a:endParaRPr lang="en-US"/>
           </a:p>
@@ -2575,7 +2576,7 @@
           <a:p>
             <a:fld id="{2425905D-C0C4-D040-B3F5-79CCA23FA4EB}" type="datetimeFigureOut">
               <a:rPr lang="en-US" smtClean="0"/>
-              <a:t>9/3/2023</a:t>
+              <a:t>9/5/2023</a:t>
             </a:fld>
             <a:endParaRPr lang="en-US"/>
           </a:p>
@@ -2717,7 +2718,7 @@
           <a:p>
             <a:fld id="{2425905D-C0C4-D040-B3F5-79CCA23FA4EB}" type="datetimeFigureOut">
               <a:rPr lang="en-US" smtClean="0"/>
-              <a:t>9/3/2023</a:t>
+              <a:t>9/5/2023</a:t>
             </a:fld>
             <a:endParaRPr lang="en-US"/>
           </a:p>
@@ -2830,7 +2831,7 @@
           <a:p>
             <a:fld id="{2425905D-C0C4-D040-B3F5-79CCA23FA4EB}" type="datetimeFigureOut">
               <a:rPr lang="en-US" smtClean="0"/>
-              <a:t>9/3/2023</a:t>
+              <a:t>9/5/2023</a:t>
             </a:fld>
             <a:endParaRPr lang="en-US"/>
           </a:p>
@@ -3143,7 +3144,7 @@
           <a:p>
             <a:fld id="{2425905D-C0C4-D040-B3F5-79CCA23FA4EB}" type="datetimeFigureOut">
               <a:rPr lang="en-US" smtClean="0"/>
-              <a:t>9/3/2023</a:t>
+              <a:t>9/5/2023</a:t>
             </a:fld>
             <a:endParaRPr lang="en-US"/>
           </a:p>
@@ -3432,7 +3433,7 @@
           <a:p>
             <a:fld id="{2425905D-C0C4-D040-B3F5-79CCA23FA4EB}" type="datetimeFigureOut">
               <a:rPr lang="en-US" smtClean="0"/>
-              <a:t>9/3/2023</a:t>
+              <a:t>9/5/2023</a:t>
             </a:fld>
             <a:endParaRPr lang="en-US"/>
           </a:p>
@@ -3675,7 +3676,7 @@
           <a:p>
             <a:fld id="{2425905D-C0C4-D040-B3F5-79CCA23FA4EB}" type="datetimeFigureOut">
               <a:rPr lang="en-US" smtClean="0"/>
-              <a:t>9/3/2023</a:t>
+              <a:t>9/5/2023</a:t>
             </a:fld>
             <a:endParaRPr lang="en-US"/>
           </a:p>
@@ -4122,7 +4123,15 @@
           <a:p>
             <a:r>
               <a:rPr lang="en-US" sz="6600" b="1" dirty="0"/>
-              <a:t>CSCI 4430 - Spring 23</a:t>
+              <a:t>CSCI 4430 - F</a:t>
+            </a:r>
+            <a:r>
+              <a:rPr lang="en-US" altLang="zh-CN" sz="6600" b="1" dirty="0"/>
+              <a:t>all</a:t>
+            </a:r>
+            <a:r>
+              <a:rPr lang="en-US" sz="6600" b="1" dirty="0"/>
+              <a:t> 23</a:t>
             </a:r>
           </a:p>
         </p:txBody>
@@ -4268,99 +4277,93 @@
           <a:p>
             <a:r>
               <a:rPr lang="en-US" b="1" dirty="0"/>
-              <a:t>Socket Programming: socket()</a:t>
-            </a:r>
-          </a:p>
-        </p:txBody>
-      </p:sp>
-      <p:sp>
-        <p:nvSpPr>
-          <p:cNvPr id="3" name="Content Placeholder 2">
-            <a:extLst>
-              <a:ext uri="{FF2B5EF4-FFF2-40B4-BE49-F238E27FC236}">
-                <a16:creationId xmlns:a16="http://schemas.microsoft.com/office/drawing/2014/main" id="{8F20472D-613F-3748-9CBD-88055CDB4B08}"/>
-              </a:ext>
-            </a:extLst>
-          </p:cNvPr>
-          <p:cNvSpPr>
-            <a:spLocks noGrp="1"/>
-          </p:cNvSpPr>
-          <p:nvPr>
-            <p:ph idx="1"/>
-          </p:nvPr>
-        </p:nvSpPr>
-        <p:spPr>
+              <a:t>Socket Programming: Complete Flow</a:t>
+            </a:r>
+          </a:p>
+        </p:txBody>
+      </p:sp>
+      <p:sp>
+        <p:nvSpPr>
+          <p:cNvPr id="9" name="Text Box 6">
+            <a:extLst>
+              <a:ext uri="{FF2B5EF4-FFF2-40B4-BE49-F238E27FC236}">
+                <a16:creationId xmlns:a16="http://schemas.microsoft.com/office/drawing/2014/main" id="{F6AFE687-0492-4A55-AB34-D24ED6DC8C22}"/>
+              </a:ext>
+            </a:extLst>
+          </p:cNvPr>
+          <p:cNvSpPr txBox="1">
+            <a:spLocks noChangeArrowheads="1"/>
+          </p:cNvSpPr>
+          <p:nvPr/>
+        </p:nvSpPr>
+        <p:spPr bwMode="auto">
           <a:xfrm>
-            <a:off x="838200" y="1825625"/>
-            <a:ext cx="10515600" cy="1701346"/>
-          </a:xfrm>
-        </p:spPr>
-        <p:txBody>
-          <a:bodyPr>
-            <a:normAutofit/>
-          </a:bodyPr>
-          <a:lstStyle/>
-          <a:p>
-            <a:pPr marL="0" indent="0">
-              <a:buNone/>
-            </a:pPr>
-            <a:r>
-              <a:rPr lang="en-US" sz="3200" dirty="0"/>
-              <a:t>Create a socket</a:t>
-            </a:r>
-          </a:p>
-        </p:txBody>
-      </p:sp>
-      <p:pic>
-        <p:nvPicPr>
-          <p:cNvPr id="4" name="Picture 3">
-            <a:extLst>
-              <a:ext uri="{FF2B5EF4-FFF2-40B4-BE49-F238E27FC236}">
-                <a16:creationId xmlns:a16="http://schemas.microsoft.com/office/drawing/2014/main" id="{89B148E8-50D7-4542-A495-2257CE9D6A0C}"/>
-              </a:ext>
-            </a:extLst>
-          </p:cNvPr>
-          <p:cNvPicPr>
-            <a:picLocks noChangeAspect="1"/>
-          </p:cNvPicPr>
-          <p:nvPr/>
-        </p:nvPicPr>
-        <p:blipFill>
-          <a:blip r:embed="rId2"/>
-          <a:stretch>
-            <a:fillRect/>
-          </a:stretch>
-        </p:blipFill>
-        <p:spPr>
-          <a:xfrm>
-            <a:off x="1287690" y="2919109"/>
-            <a:ext cx="9616620" cy="629587"/>
+            <a:off x="2263775" y="1876426"/>
+            <a:ext cx="1196975" cy="376237"/>
           </a:xfrm>
           <a:prstGeom prst="rect">
             <a:avLst/>
           </a:prstGeom>
+          <a:solidFill>
+            <a:srgbClr val="FFFF99"/>
+          </a:solidFill>
+          <a:ln w="9525">
+            <a:solidFill>
+              <a:schemeClr val="tx1"/>
+            </a:solidFill>
+            <a:miter lim="800000"/>
+            <a:headEnd/>
+            <a:tailEnd/>
+          </a:ln>
         </p:spPr>
-      </p:pic>
-      <p:sp>
-        <p:nvSpPr>
-          <p:cNvPr id="5" name="Rectangle 4">
-            <a:extLst>
-              <a:ext uri="{FF2B5EF4-FFF2-40B4-BE49-F238E27FC236}">
-                <a16:creationId xmlns:a16="http://schemas.microsoft.com/office/drawing/2014/main" id="{D0C166B3-D1B0-6A4E-9334-36DA412495C4}"/>
-              </a:ext>
-            </a:extLst>
-          </p:cNvPr>
-          <p:cNvSpPr/>
+        <p:txBody>
+          <a:bodyPr wrap="none">
+            <a:spAutoFit/>
+          </a:bodyPr>
+          <a:lstStyle/>
+          <a:p>
+            <a:r>
+              <a:rPr lang="en-US" altLang="zh-TW" b="1" dirty="0">
+                <a:latin typeface="Consolas" pitchFamily="49" charset="0"/>
+              </a:rPr>
+              <a:t>socket()</a:t>
+            </a:r>
+          </a:p>
+        </p:txBody>
+      </p:sp>
+      <p:sp>
+        <p:nvSpPr>
+          <p:cNvPr id="10" name="Text Box 7">
+            <a:extLst>
+              <a:ext uri="{FF2B5EF4-FFF2-40B4-BE49-F238E27FC236}">
+                <a16:creationId xmlns:a16="http://schemas.microsoft.com/office/drawing/2014/main" id="{34CEA3E1-E825-4190-BA28-33FC42C33F18}"/>
+              </a:ext>
+            </a:extLst>
+          </p:cNvPr>
+          <p:cNvSpPr txBox="1">
+            <a:spLocks noChangeArrowheads="1"/>
+          </p:cNvSpPr>
           <p:nvPr/>
         </p:nvSpPr>
-        <p:spPr>
+        <p:spPr bwMode="auto">
           <a:xfrm>
-            <a:off x="838200" y="4200009"/>
-            <a:ext cx="7635552" cy="461665"/>
+            <a:off x="5997575" y="1876426"/>
+            <a:ext cx="1196975" cy="376237"/>
           </a:xfrm>
           <a:prstGeom prst="rect">
             <a:avLst/>
           </a:prstGeom>
+          <a:solidFill>
+            <a:srgbClr val="FFFF99"/>
+          </a:solidFill>
+          <a:ln w="9525">
+            <a:solidFill>
+              <a:schemeClr val="tx1"/>
+            </a:solidFill>
+            <a:miter lim="800000"/>
+            <a:headEnd/>
+            <a:tailEnd/>
+          </a:ln>
         </p:spPr>
         <p:txBody>
           <a:bodyPr wrap="none">
@@ -4369,12 +4372,1178 @@
           <a:lstStyle/>
           <a:p>
             <a:r>
-              <a:rPr lang="en-US" sz="2400" dirty="0" err="1"/>
-              <a:t>socket_fd</a:t>
-            </a:r>
-            <a:r>
-              <a:rPr lang="en-US" sz="2400" dirty="0"/>
-              <a:t> = socket(AF_INET, SOCK_STREAM, IPPROTO_TCP);</a:t>
+              <a:rPr lang="en-US" altLang="zh-TW" b="1">
+                <a:latin typeface="Consolas" pitchFamily="49" charset="0"/>
+              </a:rPr>
+              <a:t>listen()</a:t>
+            </a:r>
+          </a:p>
+        </p:txBody>
+      </p:sp>
+      <p:sp>
+        <p:nvSpPr>
+          <p:cNvPr id="11" name="Text Box 9">
+            <a:extLst>
+              <a:ext uri="{FF2B5EF4-FFF2-40B4-BE49-F238E27FC236}">
+                <a16:creationId xmlns:a16="http://schemas.microsoft.com/office/drawing/2014/main" id="{9EDF3584-74B0-4730-AA57-AAA168C844E0}"/>
+              </a:ext>
+            </a:extLst>
+          </p:cNvPr>
+          <p:cNvSpPr txBox="1">
+            <a:spLocks noChangeArrowheads="1"/>
+          </p:cNvSpPr>
+          <p:nvPr/>
+        </p:nvSpPr>
+        <p:spPr bwMode="auto">
+          <a:xfrm>
+            <a:off x="8740775" y="2271713"/>
+            <a:ext cx="1219200" cy="650875"/>
+          </a:xfrm>
+          <a:prstGeom prst="rect">
+            <a:avLst/>
+          </a:prstGeom>
+          <a:solidFill>
+            <a:srgbClr val="FFFF99"/>
+          </a:solidFill>
+          <a:ln w="9525">
+            <a:solidFill>
+              <a:schemeClr val="tx1"/>
+            </a:solidFill>
+            <a:miter lim="800000"/>
+            <a:headEnd/>
+            <a:tailEnd/>
+          </a:ln>
+        </p:spPr>
+        <p:txBody>
+          <a:bodyPr>
+            <a:spAutoFit/>
+          </a:bodyPr>
+          <a:lstStyle/>
+          <a:p>
+            <a:r>
+              <a:rPr lang="en-US" altLang="zh-TW" b="1">
+                <a:latin typeface="Consolas" pitchFamily="49" charset="0"/>
+              </a:rPr>
+              <a:t>read() &amp; write()</a:t>
+            </a:r>
+          </a:p>
+        </p:txBody>
+      </p:sp>
+      <p:sp>
+        <p:nvSpPr>
+          <p:cNvPr id="12" name="Line 10">
+            <a:extLst>
+              <a:ext uri="{FF2B5EF4-FFF2-40B4-BE49-F238E27FC236}">
+                <a16:creationId xmlns:a16="http://schemas.microsoft.com/office/drawing/2014/main" id="{E83C4907-AB29-4059-8561-579811A2BBEB}"/>
+              </a:ext>
+            </a:extLst>
+          </p:cNvPr>
+          <p:cNvSpPr>
+            <a:spLocks noChangeShapeType="1"/>
+          </p:cNvSpPr>
+          <p:nvPr/>
+        </p:nvSpPr>
+        <p:spPr bwMode="auto">
+          <a:xfrm>
+            <a:off x="3635375" y="2043113"/>
+            <a:ext cx="457200" cy="0"/>
+          </a:xfrm>
+          <a:prstGeom prst="line">
+            <a:avLst/>
+          </a:prstGeom>
+          <a:noFill/>
+          <a:ln w="9525">
+            <a:solidFill>
+              <a:schemeClr val="tx1"/>
+            </a:solidFill>
+            <a:round/>
+            <a:headEnd/>
+            <a:tailEnd type="triangle" w="med" len="med"/>
+          </a:ln>
+        </p:spPr>
+        <p:txBody>
+          <a:bodyPr/>
+          <a:lstStyle/>
+          <a:p>
+            <a:endParaRPr lang="en-US"/>
+          </a:p>
+        </p:txBody>
+      </p:sp>
+      <p:sp>
+        <p:nvSpPr>
+          <p:cNvPr id="13" name="Text Box 11">
+            <a:extLst>
+              <a:ext uri="{FF2B5EF4-FFF2-40B4-BE49-F238E27FC236}">
+                <a16:creationId xmlns:a16="http://schemas.microsoft.com/office/drawing/2014/main" id="{244D6EC8-8247-47DF-AB89-82CCA3504F2F}"/>
+              </a:ext>
+            </a:extLst>
+          </p:cNvPr>
+          <p:cNvSpPr txBox="1">
+            <a:spLocks noChangeArrowheads="1"/>
+          </p:cNvSpPr>
+          <p:nvPr/>
+        </p:nvSpPr>
+        <p:spPr bwMode="auto">
+          <a:xfrm>
+            <a:off x="4244975" y="1876426"/>
+            <a:ext cx="946150" cy="376237"/>
+          </a:xfrm>
+          <a:prstGeom prst="rect">
+            <a:avLst/>
+          </a:prstGeom>
+          <a:solidFill>
+            <a:srgbClr val="FFFF99"/>
+          </a:solidFill>
+          <a:ln w="9525">
+            <a:solidFill>
+              <a:schemeClr val="tx1"/>
+            </a:solidFill>
+            <a:miter lim="800000"/>
+            <a:headEnd/>
+            <a:tailEnd/>
+          </a:ln>
+        </p:spPr>
+        <p:txBody>
+          <a:bodyPr wrap="none">
+            <a:spAutoFit/>
+          </a:bodyPr>
+          <a:lstStyle/>
+          <a:p>
+            <a:r>
+              <a:rPr lang="en-US" altLang="zh-TW" b="1">
+                <a:latin typeface="Consolas" pitchFamily="49" charset="0"/>
+              </a:rPr>
+              <a:t>bind()</a:t>
+            </a:r>
+          </a:p>
+        </p:txBody>
+      </p:sp>
+      <p:sp>
+        <p:nvSpPr>
+          <p:cNvPr id="14" name="Line 12">
+            <a:extLst>
+              <a:ext uri="{FF2B5EF4-FFF2-40B4-BE49-F238E27FC236}">
+                <a16:creationId xmlns:a16="http://schemas.microsoft.com/office/drawing/2014/main" id="{2C0B79DC-7211-46C9-9B05-933BEAB4A187}"/>
+              </a:ext>
+            </a:extLst>
+          </p:cNvPr>
+          <p:cNvSpPr>
+            <a:spLocks noChangeShapeType="1"/>
+          </p:cNvSpPr>
+          <p:nvPr/>
+        </p:nvSpPr>
+        <p:spPr bwMode="auto">
+          <a:xfrm>
+            <a:off x="5387975" y="2043113"/>
+            <a:ext cx="457200" cy="0"/>
+          </a:xfrm>
+          <a:prstGeom prst="line">
+            <a:avLst/>
+          </a:prstGeom>
+          <a:noFill/>
+          <a:ln w="9525">
+            <a:solidFill>
+              <a:schemeClr val="tx1"/>
+            </a:solidFill>
+            <a:round/>
+            <a:headEnd/>
+            <a:tailEnd type="triangle" w="med" len="med"/>
+          </a:ln>
+        </p:spPr>
+        <p:txBody>
+          <a:bodyPr/>
+          <a:lstStyle/>
+          <a:p>
+            <a:endParaRPr lang="en-US"/>
+          </a:p>
+        </p:txBody>
+      </p:sp>
+      <p:sp>
+        <p:nvSpPr>
+          <p:cNvPr id="15" name="Line 14">
+            <a:extLst>
+              <a:ext uri="{FF2B5EF4-FFF2-40B4-BE49-F238E27FC236}">
+                <a16:creationId xmlns:a16="http://schemas.microsoft.com/office/drawing/2014/main" id="{43E296AB-0EEF-4E91-94A8-7EBF3F9648E3}"/>
+              </a:ext>
+            </a:extLst>
+          </p:cNvPr>
+          <p:cNvSpPr>
+            <a:spLocks noChangeShapeType="1"/>
+          </p:cNvSpPr>
+          <p:nvPr/>
+        </p:nvSpPr>
+        <p:spPr bwMode="auto">
+          <a:xfrm flipV="1">
+            <a:off x="7216775" y="2617788"/>
+            <a:ext cx="1447800" cy="0"/>
+          </a:xfrm>
+          <a:prstGeom prst="line">
+            <a:avLst/>
+          </a:prstGeom>
+          <a:noFill/>
+          <a:ln w="9525">
+            <a:solidFill>
+              <a:schemeClr val="tx1"/>
+            </a:solidFill>
+            <a:round/>
+            <a:headEnd/>
+            <a:tailEnd type="triangle" w="med" len="med"/>
+          </a:ln>
+        </p:spPr>
+        <p:txBody>
+          <a:bodyPr/>
+          <a:lstStyle/>
+          <a:p>
+            <a:endParaRPr lang="en-US"/>
+          </a:p>
+        </p:txBody>
+      </p:sp>
+      <p:sp>
+        <p:nvSpPr>
+          <p:cNvPr id="16" name="Text Box 15">
+            <a:extLst>
+              <a:ext uri="{FF2B5EF4-FFF2-40B4-BE49-F238E27FC236}">
+                <a16:creationId xmlns:a16="http://schemas.microsoft.com/office/drawing/2014/main" id="{6BCF302D-B88D-477B-8D98-501931225764}"/>
+              </a:ext>
+            </a:extLst>
+          </p:cNvPr>
+          <p:cNvSpPr txBox="1">
+            <a:spLocks noChangeArrowheads="1"/>
+          </p:cNvSpPr>
+          <p:nvPr/>
+        </p:nvSpPr>
+        <p:spPr bwMode="auto">
+          <a:xfrm>
+            <a:off x="2187575" y="3709988"/>
+            <a:ext cx="1866900" cy="314325"/>
+          </a:xfrm>
+          <a:prstGeom prst="rect">
+            <a:avLst/>
+          </a:prstGeom>
+          <a:solidFill>
+            <a:schemeClr val="bg1"/>
+          </a:solidFill>
+          <a:ln w="9525">
+            <a:solidFill>
+              <a:srgbClr val="FF3300"/>
+            </a:solidFill>
+            <a:miter lim="800000"/>
+            <a:headEnd/>
+            <a:tailEnd/>
+          </a:ln>
+        </p:spPr>
+        <p:txBody>
+          <a:bodyPr wrap="none">
+            <a:spAutoFit/>
+          </a:bodyPr>
+          <a:lstStyle/>
+          <a:p>
+            <a:r>
+              <a:rPr lang="en-US" altLang="zh-TW" sz="1400" b="1" dirty="0">
+                <a:latin typeface="Consolas" pitchFamily="49" charset="0"/>
+              </a:rPr>
+              <a:t>Server flow chart</a:t>
+            </a:r>
+          </a:p>
+        </p:txBody>
+      </p:sp>
+      <p:sp>
+        <p:nvSpPr>
+          <p:cNvPr id="17" name="Text Box 16">
+            <a:extLst>
+              <a:ext uri="{FF2B5EF4-FFF2-40B4-BE49-F238E27FC236}">
+                <a16:creationId xmlns:a16="http://schemas.microsoft.com/office/drawing/2014/main" id="{17F0FCD2-C122-43FA-A96E-A2EF64DB3C05}"/>
+              </a:ext>
+            </a:extLst>
+          </p:cNvPr>
+          <p:cNvSpPr txBox="1">
+            <a:spLocks noChangeArrowheads="1"/>
+          </p:cNvSpPr>
+          <p:nvPr/>
+        </p:nvSpPr>
+        <p:spPr bwMode="auto">
+          <a:xfrm>
+            <a:off x="5997575" y="2486026"/>
+            <a:ext cx="1196975" cy="376237"/>
+          </a:xfrm>
+          <a:prstGeom prst="rect">
+            <a:avLst/>
+          </a:prstGeom>
+          <a:solidFill>
+            <a:srgbClr val="FFFF99"/>
+          </a:solidFill>
+          <a:ln w="9525">
+            <a:solidFill>
+              <a:schemeClr val="tx1"/>
+            </a:solidFill>
+            <a:miter lim="800000"/>
+            <a:headEnd/>
+            <a:tailEnd/>
+          </a:ln>
+        </p:spPr>
+        <p:txBody>
+          <a:bodyPr wrap="none">
+            <a:spAutoFit/>
+          </a:bodyPr>
+          <a:lstStyle/>
+          <a:p>
+            <a:r>
+              <a:rPr lang="en-US" altLang="zh-TW" b="1">
+                <a:latin typeface="Consolas" pitchFamily="49" charset="0"/>
+              </a:rPr>
+              <a:t>accept()</a:t>
+            </a:r>
+          </a:p>
+        </p:txBody>
+      </p:sp>
+      <p:sp>
+        <p:nvSpPr>
+          <p:cNvPr id="18" name="Line 17">
+            <a:extLst>
+              <a:ext uri="{FF2B5EF4-FFF2-40B4-BE49-F238E27FC236}">
+                <a16:creationId xmlns:a16="http://schemas.microsoft.com/office/drawing/2014/main" id="{4D023969-95A2-468A-A3E0-B675ED6570BA}"/>
+              </a:ext>
+            </a:extLst>
+          </p:cNvPr>
+          <p:cNvSpPr>
+            <a:spLocks noChangeShapeType="1"/>
+          </p:cNvSpPr>
+          <p:nvPr/>
+        </p:nvSpPr>
+        <p:spPr bwMode="auto">
+          <a:xfrm>
+            <a:off x="6607175" y="2271713"/>
+            <a:ext cx="0" cy="228600"/>
+          </a:xfrm>
+          <a:prstGeom prst="line">
+            <a:avLst/>
+          </a:prstGeom>
+          <a:noFill/>
+          <a:ln w="9525">
+            <a:solidFill>
+              <a:schemeClr val="tx1"/>
+            </a:solidFill>
+            <a:round/>
+            <a:headEnd/>
+            <a:tailEnd type="triangle" w="med" len="med"/>
+          </a:ln>
+        </p:spPr>
+        <p:txBody>
+          <a:bodyPr/>
+          <a:lstStyle/>
+          <a:p>
+            <a:endParaRPr lang="en-US"/>
+          </a:p>
+        </p:txBody>
+      </p:sp>
+      <p:sp>
+        <p:nvSpPr>
+          <p:cNvPr id="19" name="Rectangle 18">
+            <a:extLst>
+              <a:ext uri="{FF2B5EF4-FFF2-40B4-BE49-F238E27FC236}">
+                <a16:creationId xmlns:a16="http://schemas.microsoft.com/office/drawing/2014/main" id="{D4289FA5-0234-4100-9377-F65B26C0F808}"/>
+              </a:ext>
+            </a:extLst>
+          </p:cNvPr>
+          <p:cNvSpPr>
+            <a:spLocks noChangeArrowheads="1"/>
+          </p:cNvSpPr>
+          <p:nvPr/>
+        </p:nvSpPr>
+        <p:spPr bwMode="auto">
+          <a:xfrm>
+            <a:off x="2339975" y="2195513"/>
+            <a:ext cx="990600" cy="304800"/>
+          </a:xfrm>
+          <a:prstGeom prst="rect">
+            <a:avLst/>
+          </a:prstGeom>
+          <a:solidFill>
+            <a:schemeClr val="folHlink"/>
+          </a:solidFill>
+          <a:ln w="9525" algn="ctr">
+            <a:solidFill>
+              <a:schemeClr val="tx1"/>
+            </a:solidFill>
+            <a:miter lim="800000"/>
+            <a:headEnd/>
+            <a:tailEnd/>
+          </a:ln>
+        </p:spPr>
+        <p:txBody>
+          <a:bodyPr wrap="none" anchor="ctr"/>
+          <a:lstStyle/>
+          <a:p>
+            <a:r>
+              <a:rPr lang="en-US" altLang="zh-TW" sz="1400" b="1" dirty="0">
+                <a:latin typeface="Consolas" pitchFamily="49" charset="0"/>
+              </a:rPr>
+              <a:t>Socket FD</a:t>
+            </a:r>
+          </a:p>
+        </p:txBody>
+      </p:sp>
+      <p:sp>
+        <p:nvSpPr>
+          <p:cNvPr id="20" name="Rectangle 19">
+            <a:extLst>
+              <a:ext uri="{FF2B5EF4-FFF2-40B4-BE49-F238E27FC236}">
+                <a16:creationId xmlns:a16="http://schemas.microsoft.com/office/drawing/2014/main" id="{7FD8A21C-1E7E-4D09-B905-8CE711B8C75A}"/>
+              </a:ext>
+            </a:extLst>
+          </p:cNvPr>
+          <p:cNvSpPr>
+            <a:spLocks noChangeArrowheads="1"/>
+          </p:cNvSpPr>
+          <p:nvPr/>
+        </p:nvSpPr>
+        <p:spPr bwMode="auto">
+          <a:xfrm>
+            <a:off x="4244975" y="2195513"/>
+            <a:ext cx="990600" cy="304800"/>
+          </a:xfrm>
+          <a:prstGeom prst="rect">
+            <a:avLst/>
+          </a:prstGeom>
+          <a:solidFill>
+            <a:schemeClr val="folHlink"/>
+          </a:solidFill>
+          <a:ln w="9525" algn="ctr">
+            <a:solidFill>
+              <a:schemeClr val="tx1"/>
+            </a:solidFill>
+            <a:miter lim="800000"/>
+            <a:headEnd/>
+            <a:tailEnd/>
+          </a:ln>
+        </p:spPr>
+        <p:txBody>
+          <a:bodyPr wrap="none" anchor="ctr"/>
+          <a:lstStyle/>
+          <a:p>
+            <a:r>
+              <a:rPr lang="en-US" altLang="zh-TW" sz="1400" b="1">
+                <a:latin typeface="Consolas" pitchFamily="49" charset="0"/>
+              </a:rPr>
+              <a:t>Socket FD</a:t>
+            </a:r>
+          </a:p>
+        </p:txBody>
+      </p:sp>
+      <p:sp>
+        <p:nvSpPr>
+          <p:cNvPr id="21" name="Rectangle 20">
+            <a:extLst>
+              <a:ext uri="{FF2B5EF4-FFF2-40B4-BE49-F238E27FC236}">
+                <a16:creationId xmlns:a16="http://schemas.microsoft.com/office/drawing/2014/main" id="{D2B94EDB-4E65-4E1D-A28A-5B6B4ED81935}"/>
+              </a:ext>
+            </a:extLst>
+          </p:cNvPr>
+          <p:cNvSpPr>
+            <a:spLocks noChangeArrowheads="1"/>
+          </p:cNvSpPr>
+          <p:nvPr/>
+        </p:nvSpPr>
+        <p:spPr bwMode="auto">
+          <a:xfrm>
+            <a:off x="6073775" y="1585913"/>
+            <a:ext cx="990600" cy="304800"/>
+          </a:xfrm>
+          <a:prstGeom prst="rect">
+            <a:avLst/>
+          </a:prstGeom>
+          <a:solidFill>
+            <a:schemeClr val="folHlink"/>
+          </a:solidFill>
+          <a:ln w="9525" algn="ctr">
+            <a:solidFill>
+              <a:schemeClr val="tx1"/>
+            </a:solidFill>
+            <a:miter lim="800000"/>
+            <a:headEnd/>
+            <a:tailEnd/>
+          </a:ln>
+        </p:spPr>
+        <p:txBody>
+          <a:bodyPr wrap="none" anchor="ctr"/>
+          <a:lstStyle/>
+          <a:p>
+            <a:r>
+              <a:rPr lang="en-US" altLang="zh-TW" sz="1400" b="1">
+                <a:latin typeface="Consolas" pitchFamily="49" charset="0"/>
+              </a:rPr>
+              <a:t>Socket FD</a:t>
+            </a:r>
+          </a:p>
+        </p:txBody>
+      </p:sp>
+      <p:sp>
+        <p:nvSpPr>
+          <p:cNvPr id="22" name="Rectangle 21">
+            <a:extLst>
+              <a:ext uri="{FF2B5EF4-FFF2-40B4-BE49-F238E27FC236}">
+                <a16:creationId xmlns:a16="http://schemas.microsoft.com/office/drawing/2014/main" id="{49E2CC8E-EDB7-4393-86A1-74F25FC28D6D}"/>
+              </a:ext>
+            </a:extLst>
+          </p:cNvPr>
+          <p:cNvSpPr>
+            <a:spLocks noChangeArrowheads="1"/>
+          </p:cNvSpPr>
+          <p:nvPr/>
+        </p:nvSpPr>
+        <p:spPr bwMode="auto">
+          <a:xfrm>
+            <a:off x="6073775" y="2805113"/>
+            <a:ext cx="990600" cy="304800"/>
+          </a:xfrm>
+          <a:prstGeom prst="rect">
+            <a:avLst/>
+          </a:prstGeom>
+          <a:solidFill>
+            <a:schemeClr val="folHlink"/>
+          </a:solidFill>
+          <a:ln w="9525" algn="ctr">
+            <a:solidFill>
+              <a:schemeClr val="tx1"/>
+            </a:solidFill>
+            <a:miter lim="800000"/>
+            <a:headEnd/>
+            <a:tailEnd/>
+          </a:ln>
+        </p:spPr>
+        <p:txBody>
+          <a:bodyPr wrap="none" anchor="ctr"/>
+          <a:lstStyle/>
+          <a:p>
+            <a:r>
+              <a:rPr lang="en-US" altLang="zh-TW" sz="1400" b="1">
+                <a:latin typeface="Consolas" pitchFamily="49" charset="0"/>
+              </a:rPr>
+              <a:t>Socket FD</a:t>
+            </a:r>
+          </a:p>
+        </p:txBody>
+      </p:sp>
+      <p:sp>
+        <p:nvSpPr>
+          <p:cNvPr id="23" name="Rectangle 22">
+            <a:extLst>
+              <a:ext uri="{FF2B5EF4-FFF2-40B4-BE49-F238E27FC236}">
+                <a16:creationId xmlns:a16="http://schemas.microsoft.com/office/drawing/2014/main" id="{1C9CEC58-E6BE-4C40-8200-5922040D68EC}"/>
+              </a:ext>
+            </a:extLst>
+          </p:cNvPr>
+          <p:cNvSpPr>
+            <a:spLocks noChangeArrowheads="1"/>
+          </p:cNvSpPr>
+          <p:nvPr/>
+        </p:nvSpPr>
+        <p:spPr bwMode="auto">
+          <a:xfrm>
+            <a:off x="8816975" y="2008188"/>
+            <a:ext cx="990600" cy="304800"/>
+          </a:xfrm>
+          <a:prstGeom prst="rect">
+            <a:avLst/>
+          </a:prstGeom>
+          <a:solidFill>
+            <a:schemeClr val="hlink"/>
+          </a:solidFill>
+          <a:ln w="9525" algn="ctr">
+            <a:solidFill>
+              <a:schemeClr val="tx1"/>
+            </a:solidFill>
+            <a:miter lim="800000"/>
+            <a:headEnd/>
+            <a:tailEnd/>
+          </a:ln>
+        </p:spPr>
+        <p:txBody>
+          <a:bodyPr wrap="none" anchor="ctr"/>
+          <a:lstStyle/>
+          <a:p>
+            <a:r>
+              <a:rPr lang="en-US" altLang="zh-TW" sz="1400" b="1" dirty="0">
+                <a:solidFill>
+                  <a:schemeClr val="bg1"/>
+                </a:solidFill>
+                <a:latin typeface="Consolas" pitchFamily="49" charset="0"/>
+              </a:rPr>
+              <a:t>Accept FD</a:t>
+            </a:r>
+          </a:p>
+        </p:txBody>
+      </p:sp>
+      <p:sp>
+        <p:nvSpPr>
+          <p:cNvPr id="24" name="Text Box 23">
+            <a:extLst>
+              <a:ext uri="{FF2B5EF4-FFF2-40B4-BE49-F238E27FC236}">
+                <a16:creationId xmlns:a16="http://schemas.microsoft.com/office/drawing/2014/main" id="{94F98D6C-E4AD-4590-AE5B-B0B3DBE42A12}"/>
+              </a:ext>
+            </a:extLst>
+          </p:cNvPr>
+          <p:cNvSpPr txBox="1">
+            <a:spLocks noChangeArrowheads="1"/>
+          </p:cNvSpPr>
+          <p:nvPr/>
+        </p:nvSpPr>
+        <p:spPr bwMode="auto">
+          <a:xfrm>
+            <a:off x="8359775" y="3373438"/>
+            <a:ext cx="1219200" cy="650875"/>
+          </a:xfrm>
+          <a:prstGeom prst="rect">
+            <a:avLst/>
+          </a:prstGeom>
+          <a:solidFill>
+            <a:srgbClr val="FFFF99"/>
+          </a:solidFill>
+          <a:ln w="9525">
+            <a:solidFill>
+              <a:schemeClr val="tx1"/>
+            </a:solidFill>
+            <a:miter lim="800000"/>
+            <a:headEnd/>
+            <a:tailEnd/>
+          </a:ln>
+        </p:spPr>
+        <p:txBody>
+          <a:bodyPr>
+            <a:spAutoFit/>
+          </a:bodyPr>
+          <a:lstStyle/>
+          <a:p>
+            <a:r>
+              <a:rPr lang="en-US" altLang="zh-TW" b="1">
+                <a:latin typeface="Consolas" pitchFamily="49" charset="0"/>
+              </a:rPr>
+              <a:t>read() &amp; write()</a:t>
+            </a:r>
+          </a:p>
+        </p:txBody>
+      </p:sp>
+      <p:sp>
+        <p:nvSpPr>
+          <p:cNvPr id="25" name="Line 24">
+            <a:extLst>
+              <a:ext uri="{FF2B5EF4-FFF2-40B4-BE49-F238E27FC236}">
+                <a16:creationId xmlns:a16="http://schemas.microsoft.com/office/drawing/2014/main" id="{670D0AA2-BFA6-4BC7-AE67-50825652B4B7}"/>
+              </a:ext>
+            </a:extLst>
+          </p:cNvPr>
+          <p:cNvSpPr>
+            <a:spLocks noChangeShapeType="1"/>
+          </p:cNvSpPr>
+          <p:nvPr/>
+        </p:nvSpPr>
+        <p:spPr bwMode="auto">
+          <a:xfrm>
+            <a:off x="7292975" y="2881313"/>
+            <a:ext cx="990600" cy="685800"/>
+          </a:xfrm>
+          <a:prstGeom prst="line">
+            <a:avLst/>
+          </a:prstGeom>
+          <a:noFill/>
+          <a:ln w="9525">
+            <a:solidFill>
+              <a:schemeClr val="tx1"/>
+            </a:solidFill>
+            <a:round/>
+            <a:headEnd/>
+            <a:tailEnd type="triangle" w="med" len="med"/>
+          </a:ln>
+        </p:spPr>
+        <p:txBody>
+          <a:bodyPr/>
+          <a:lstStyle/>
+          <a:p>
+            <a:endParaRPr lang="en-US"/>
+          </a:p>
+        </p:txBody>
+      </p:sp>
+      <p:sp>
+        <p:nvSpPr>
+          <p:cNvPr id="26" name="Rectangle 25">
+            <a:extLst>
+              <a:ext uri="{FF2B5EF4-FFF2-40B4-BE49-F238E27FC236}">
+                <a16:creationId xmlns:a16="http://schemas.microsoft.com/office/drawing/2014/main" id="{60BC3896-39BA-478F-BF56-19FA3C55759C}"/>
+              </a:ext>
+            </a:extLst>
+          </p:cNvPr>
+          <p:cNvSpPr>
+            <a:spLocks noChangeArrowheads="1"/>
+          </p:cNvSpPr>
+          <p:nvPr/>
+        </p:nvSpPr>
+        <p:spPr bwMode="auto">
+          <a:xfrm>
+            <a:off x="8435975" y="3109913"/>
+            <a:ext cx="990600" cy="304800"/>
+          </a:xfrm>
+          <a:prstGeom prst="rect">
+            <a:avLst/>
+          </a:prstGeom>
+          <a:solidFill>
+            <a:schemeClr val="hlink"/>
+          </a:solidFill>
+          <a:ln w="9525" algn="ctr">
+            <a:solidFill>
+              <a:schemeClr val="tx1"/>
+            </a:solidFill>
+            <a:miter lim="800000"/>
+            <a:headEnd/>
+            <a:tailEnd/>
+          </a:ln>
+        </p:spPr>
+        <p:txBody>
+          <a:bodyPr wrap="none" anchor="ctr"/>
+          <a:lstStyle/>
+          <a:p>
+            <a:r>
+              <a:rPr lang="en-US" altLang="zh-TW" sz="1400" b="1" dirty="0">
+                <a:solidFill>
+                  <a:schemeClr val="bg1"/>
+                </a:solidFill>
+                <a:latin typeface="Consolas" pitchFamily="49" charset="0"/>
+              </a:rPr>
+              <a:t>Accept FD</a:t>
+            </a:r>
+          </a:p>
+        </p:txBody>
+      </p:sp>
+      <p:sp>
+        <p:nvSpPr>
+          <p:cNvPr id="27" name="Oval 26">
+            <a:extLst>
+              <a:ext uri="{FF2B5EF4-FFF2-40B4-BE49-F238E27FC236}">
+                <a16:creationId xmlns:a16="http://schemas.microsoft.com/office/drawing/2014/main" id="{D04EEB0F-761A-4404-822C-C1CEB3CD10F8}"/>
+              </a:ext>
+            </a:extLst>
+          </p:cNvPr>
+          <p:cNvSpPr>
+            <a:spLocks noChangeArrowheads="1"/>
+          </p:cNvSpPr>
+          <p:nvPr/>
+        </p:nvSpPr>
+        <p:spPr bwMode="auto">
+          <a:xfrm>
+            <a:off x="7978775" y="2728913"/>
+            <a:ext cx="76200" cy="76200"/>
+          </a:xfrm>
+          <a:prstGeom prst="ellipse">
+            <a:avLst/>
+          </a:prstGeom>
+          <a:solidFill>
+            <a:schemeClr val="tx1"/>
+          </a:solidFill>
+          <a:ln w="9525" algn="ctr">
+            <a:solidFill>
+              <a:schemeClr val="tx1"/>
+            </a:solidFill>
+            <a:round/>
+            <a:headEnd/>
+            <a:tailEnd/>
+          </a:ln>
+        </p:spPr>
+        <p:txBody>
+          <a:bodyPr wrap="none" anchor="ctr"/>
+          <a:lstStyle/>
+          <a:p>
+            <a:endParaRPr lang="en-US"/>
+          </a:p>
+        </p:txBody>
+      </p:sp>
+      <p:sp>
+        <p:nvSpPr>
+          <p:cNvPr id="28" name="Oval 27">
+            <a:extLst>
+              <a:ext uri="{FF2B5EF4-FFF2-40B4-BE49-F238E27FC236}">
+                <a16:creationId xmlns:a16="http://schemas.microsoft.com/office/drawing/2014/main" id="{5C2683EF-7905-4295-8288-A7DF6297853F}"/>
+              </a:ext>
+            </a:extLst>
+          </p:cNvPr>
+          <p:cNvSpPr>
+            <a:spLocks noChangeArrowheads="1"/>
+          </p:cNvSpPr>
+          <p:nvPr/>
+        </p:nvSpPr>
+        <p:spPr bwMode="auto">
+          <a:xfrm>
+            <a:off x="7978775" y="2881313"/>
+            <a:ext cx="76200" cy="76200"/>
+          </a:xfrm>
+          <a:prstGeom prst="ellipse">
+            <a:avLst/>
+          </a:prstGeom>
+          <a:solidFill>
+            <a:schemeClr val="tx1"/>
+          </a:solidFill>
+          <a:ln w="9525" algn="ctr">
+            <a:solidFill>
+              <a:schemeClr val="tx1"/>
+            </a:solidFill>
+            <a:round/>
+            <a:headEnd/>
+            <a:tailEnd/>
+          </a:ln>
+        </p:spPr>
+        <p:txBody>
+          <a:bodyPr wrap="none" anchor="ctr"/>
+          <a:lstStyle/>
+          <a:p>
+            <a:endParaRPr lang="en-US"/>
+          </a:p>
+        </p:txBody>
+      </p:sp>
+      <p:sp>
+        <p:nvSpPr>
+          <p:cNvPr id="29" name="Oval 28">
+            <a:extLst>
+              <a:ext uri="{FF2B5EF4-FFF2-40B4-BE49-F238E27FC236}">
+                <a16:creationId xmlns:a16="http://schemas.microsoft.com/office/drawing/2014/main" id="{38A9B143-8954-45B1-B481-3D090FB57874}"/>
+              </a:ext>
+            </a:extLst>
+          </p:cNvPr>
+          <p:cNvSpPr>
+            <a:spLocks noChangeArrowheads="1"/>
+          </p:cNvSpPr>
+          <p:nvPr/>
+        </p:nvSpPr>
+        <p:spPr bwMode="auto">
+          <a:xfrm>
+            <a:off x="7978775" y="3033713"/>
+            <a:ext cx="76200" cy="76200"/>
+          </a:xfrm>
+          <a:prstGeom prst="ellipse">
+            <a:avLst/>
+          </a:prstGeom>
+          <a:solidFill>
+            <a:schemeClr val="tx1"/>
+          </a:solidFill>
+          <a:ln w="9525" algn="ctr">
+            <a:solidFill>
+              <a:schemeClr val="tx1"/>
+            </a:solidFill>
+            <a:round/>
+            <a:headEnd/>
+            <a:tailEnd/>
+          </a:ln>
+        </p:spPr>
+        <p:txBody>
+          <a:bodyPr wrap="none" anchor="ctr"/>
+          <a:lstStyle/>
+          <a:p>
+            <a:endParaRPr lang="en-US"/>
+          </a:p>
+        </p:txBody>
+      </p:sp>
+      <p:sp>
+        <p:nvSpPr>
+          <p:cNvPr id="31" name="Text Box 30">
+            <a:extLst>
+              <a:ext uri="{FF2B5EF4-FFF2-40B4-BE49-F238E27FC236}">
+                <a16:creationId xmlns:a16="http://schemas.microsoft.com/office/drawing/2014/main" id="{F0B5B28B-72D4-4E80-87A2-4986B9984663}"/>
+              </a:ext>
+            </a:extLst>
+          </p:cNvPr>
+          <p:cNvSpPr txBox="1">
+            <a:spLocks noChangeArrowheads="1"/>
+          </p:cNvSpPr>
+          <p:nvPr/>
+        </p:nvSpPr>
+        <p:spPr bwMode="auto">
+          <a:xfrm>
+            <a:off x="2187575" y="4329113"/>
+            <a:ext cx="7696200" cy="430213"/>
+          </a:xfrm>
+          <a:prstGeom prst="rect">
+            <a:avLst/>
+          </a:prstGeom>
+          <a:solidFill>
+            <a:schemeClr val="bg1"/>
+          </a:solidFill>
+          <a:ln w="9525">
+            <a:solidFill>
+              <a:schemeClr val="tx1"/>
+            </a:solidFill>
+            <a:miter lim="800000"/>
+            <a:headEnd/>
+            <a:tailEnd/>
+          </a:ln>
+        </p:spPr>
+        <p:txBody>
+          <a:bodyPr tIns="91440" bIns="91440">
+            <a:spAutoFit/>
+          </a:bodyPr>
+          <a:lstStyle/>
+          <a:p>
+            <a:r>
+              <a:rPr lang="en-US" altLang="zh-TW" sz="1600" dirty="0">
+                <a:latin typeface="Calibri" pitchFamily="34" charset="0"/>
+              </a:rPr>
+              <a:t>An interesting thing about </a:t>
+            </a:r>
+            <a:r>
+              <a:rPr lang="en-US" altLang="zh-TW" sz="1600" b="1" dirty="0">
+                <a:latin typeface="Calibri" pitchFamily="34" charset="0"/>
+              </a:rPr>
+              <a:t>accept()</a:t>
+            </a:r>
+            <a:r>
+              <a:rPr lang="en-US" altLang="zh-TW" sz="1600" dirty="0">
+                <a:latin typeface="Calibri" pitchFamily="34" charset="0"/>
+              </a:rPr>
+              <a:t> is the creation of a </a:t>
+            </a:r>
+            <a:r>
+              <a:rPr lang="en-US" altLang="zh-TW" sz="1600" b="1" dirty="0">
+                <a:solidFill>
+                  <a:srgbClr val="FF3300"/>
+                </a:solidFill>
+                <a:latin typeface="Calibri" pitchFamily="34" charset="0"/>
+              </a:rPr>
+              <a:t>new file descriptor</a:t>
+            </a:r>
+            <a:r>
+              <a:rPr lang="en-US" altLang="zh-TW" sz="1600" dirty="0">
+                <a:latin typeface="Calibri" pitchFamily="34" charset="0"/>
+              </a:rPr>
+              <a:t>!</a:t>
+            </a:r>
+          </a:p>
+        </p:txBody>
+      </p:sp>
+      <p:sp>
+        <p:nvSpPr>
+          <p:cNvPr id="32" name="Text Box 31">
+            <a:extLst>
+              <a:ext uri="{FF2B5EF4-FFF2-40B4-BE49-F238E27FC236}">
+                <a16:creationId xmlns:a16="http://schemas.microsoft.com/office/drawing/2014/main" id="{3BF08CE2-AE43-465C-8504-4E22C3A2FA9C}"/>
+              </a:ext>
+            </a:extLst>
+          </p:cNvPr>
+          <p:cNvSpPr txBox="1">
+            <a:spLocks noChangeArrowheads="1"/>
+          </p:cNvSpPr>
+          <p:nvPr/>
+        </p:nvSpPr>
+        <p:spPr bwMode="auto">
+          <a:xfrm>
+            <a:off x="2187575" y="4938713"/>
+            <a:ext cx="3733800" cy="1416050"/>
+          </a:xfrm>
+          <a:prstGeom prst="rect">
+            <a:avLst/>
+          </a:prstGeom>
+          <a:solidFill>
+            <a:schemeClr val="bg1"/>
+          </a:solidFill>
+          <a:ln w="9525">
+            <a:solidFill>
+              <a:schemeClr val="tx1"/>
+            </a:solidFill>
+            <a:miter lim="800000"/>
+            <a:headEnd/>
+            <a:tailEnd/>
+          </a:ln>
+        </p:spPr>
+        <p:txBody>
+          <a:bodyPr tIns="91440" bIns="91440">
+            <a:spAutoFit/>
+          </a:bodyPr>
+          <a:lstStyle/>
+          <a:p>
+            <a:r>
+              <a:rPr lang="en-US" altLang="zh-TW" sz="1600" b="1" u="sng" dirty="0">
+                <a:latin typeface="Calibri" pitchFamily="34" charset="0"/>
+              </a:rPr>
+              <a:t>Application layer’s point of view.</a:t>
+            </a:r>
+          </a:p>
+          <a:p>
+            <a:endParaRPr lang="en-US" altLang="zh-TW" sz="1600" dirty="0">
+              <a:latin typeface="Calibri" pitchFamily="34" charset="0"/>
+            </a:endParaRPr>
+          </a:p>
+          <a:p>
+            <a:r>
+              <a:rPr lang="en-US" altLang="zh-TW" sz="1600" dirty="0">
+                <a:latin typeface="Calibri" pitchFamily="34" charset="0"/>
+              </a:rPr>
+              <a:t>Good!  It provides each connection a new handler and we can distinguish every connection!</a:t>
+            </a:r>
+          </a:p>
+        </p:txBody>
+      </p:sp>
+      <p:sp>
+        <p:nvSpPr>
+          <p:cNvPr id="33" name="Rectangle 32">
+            <a:extLst>
+              <a:ext uri="{FF2B5EF4-FFF2-40B4-BE49-F238E27FC236}">
+                <a16:creationId xmlns:a16="http://schemas.microsoft.com/office/drawing/2014/main" id="{5C29ADE9-9816-4B60-9622-82270D1BC9A0}"/>
+              </a:ext>
+            </a:extLst>
+          </p:cNvPr>
+          <p:cNvSpPr>
+            <a:spLocks noChangeArrowheads="1"/>
+          </p:cNvSpPr>
+          <p:nvPr/>
+        </p:nvSpPr>
+        <p:spPr bwMode="auto">
+          <a:xfrm>
+            <a:off x="7292975" y="2195513"/>
+            <a:ext cx="1295400" cy="304800"/>
+          </a:xfrm>
+          <a:prstGeom prst="rect">
+            <a:avLst/>
+          </a:prstGeom>
+          <a:solidFill>
+            <a:schemeClr val="bg1"/>
+          </a:solidFill>
+          <a:ln w="9525" algn="ctr">
+            <a:solidFill>
+              <a:schemeClr val="tx1"/>
+            </a:solidFill>
+            <a:miter lim="800000"/>
+            <a:headEnd/>
+            <a:tailEnd/>
+          </a:ln>
+        </p:spPr>
+        <p:txBody>
+          <a:bodyPr wrap="none" anchor="ctr"/>
+          <a:lstStyle/>
+          <a:p>
+            <a:r>
+              <a:rPr lang="en-US" altLang="zh-TW" sz="1200" b="1">
+                <a:latin typeface="Consolas" pitchFamily="49" charset="0"/>
+              </a:rPr>
+              <a:t>connection #1</a:t>
+            </a:r>
+          </a:p>
+        </p:txBody>
+      </p:sp>
+      <p:sp>
+        <p:nvSpPr>
+          <p:cNvPr id="34" name="Rectangle 33">
+            <a:extLst>
+              <a:ext uri="{FF2B5EF4-FFF2-40B4-BE49-F238E27FC236}">
+                <a16:creationId xmlns:a16="http://schemas.microsoft.com/office/drawing/2014/main" id="{F75872B7-6D75-4EF2-A03D-2B66163D87F5}"/>
+              </a:ext>
+            </a:extLst>
+          </p:cNvPr>
+          <p:cNvSpPr>
+            <a:spLocks noChangeArrowheads="1"/>
+          </p:cNvSpPr>
+          <p:nvPr/>
+        </p:nvSpPr>
+        <p:spPr bwMode="auto">
+          <a:xfrm>
+            <a:off x="6759575" y="3414713"/>
+            <a:ext cx="1295400" cy="304800"/>
+          </a:xfrm>
+          <a:prstGeom prst="rect">
+            <a:avLst/>
+          </a:prstGeom>
+          <a:solidFill>
+            <a:schemeClr val="bg1"/>
+          </a:solidFill>
+          <a:ln w="9525" algn="ctr">
+            <a:solidFill>
+              <a:schemeClr val="tx1"/>
+            </a:solidFill>
+            <a:miter lim="800000"/>
+            <a:headEnd/>
+            <a:tailEnd/>
+          </a:ln>
+        </p:spPr>
+        <p:txBody>
+          <a:bodyPr wrap="none" anchor="ctr"/>
+          <a:lstStyle/>
+          <a:p>
+            <a:r>
+              <a:rPr lang="en-US" altLang="zh-TW" sz="1200" b="1">
+                <a:latin typeface="Consolas" pitchFamily="49" charset="0"/>
+              </a:rPr>
+              <a:t>connection #n</a:t>
+            </a:r>
+          </a:p>
+        </p:txBody>
+      </p:sp>
+      <p:sp>
+        <p:nvSpPr>
+          <p:cNvPr id="35" name="Text Box 34">
+            <a:extLst>
+              <a:ext uri="{FF2B5EF4-FFF2-40B4-BE49-F238E27FC236}">
+                <a16:creationId xmlns:a16="http://schemas.microsoft.com/office/drawing/2014/main" id="{72FED377-0EC2-45E9-8638-AA6034CD5CB5}"/>
+              </a:ext>
+            </a:extLst>
+          </p:cNvPr>
+          <p:cNvSpPr txBox="1">
+            <a:spLocks noChangeArrowheads="1"/>
+          </p:cNvSpPr>
+          <p:nvPr/>
+        </p:nvSpPr>
+        <p:spPr bwMode="auto">
+          <a:xfrm>
+            <a:off x="6149975" y="4938713"/>
+            <a:ext cx="3733800" cy="1416050"/>
+          </a:xfrm>
+          <a:prstGeom prst="rect">
+            <a:avLst/>
+          </a:prstGeom>
+          <a:solidFill>
+            <a:schemeClr val="bg1"/>
+          </a:solidFill>
+          <a:ln w="9525">
+            <a:solidFill>
+              <a:schemeClr val="tx1"/>
+            </a:solidFill>
+            <a:miter lim="800000"/>
+            <a:headEnd/>
+            <a:tailEnd/>
+          </a:ln>
+        </p:spPr>
+        <p:txBody>
+          <a:bodyPr tIns="91440" bIns="91440">
+            <a:spAutoFit/>
+          </a:bodyPr>
+          <a:lstStyle/>
+          <a:p>
+            <a:r>
+              <a:rPr lang="en-US" altLang="zh-TW" sz="1600" b="1" u="sng" dirty="0">
+                <a:latin typeface="Calibri" pitchFamily="34" charset="0"/>
+              </a:rPr>
+              <a:t>Transport layer’s point of view.</a:t>
+            </a:r>
+          </a:p>
+          <a:p>
+            <a:endParaRPr lang="en-US" altLang="zh-TW" sz="1600" dirty="0">
+              <a:latin typeface="Calibri" pitchFamily="34" charset="0"/>
+            </a:endParaRPr>
+          </a:p>
+          <a:p>
+            <a:r>
+              <a:rPr lang="en-US" altLang="zh-TW" sz="1600" dirty="0">
+                <a:latin typeface="Calibri" pitchFamily="34" charset="0"/>
+              </a:rPr>
+              <a:t>Well, for TCP, every FD points to </a:t>
+            </a:r>
+            <a:r>
+              <a:rPr lang="en-US" altLang="zh-TW" sz="1600" b="1" dirty="0">
+                <a:solidFill>
+                  <a:srgbClr val="C00000"/>
+                </a:solidFill>
+                <a:latin typeface="Calibri" pitchFamily="34" charset="0"/>
+              </a:rPr>
+              <a:t>a unique TCP control structure</a:t>
+            </a:r>
+            <a:r>
+              <a:rPr lang="en-US" altLang="zh-TW" sz="1600" dirty="0">
+                <a:latin typeface="Calibri" pitchFamily="34" charset="0"/>
+              </a:rPr>
+              <a:t>. It is a necessary for reliable data transfer!</a:t>
             </a:r>
           </a:p>
         </p:txBody>
@@ -4382,7 +5551,7 @@
     </p:spTree>
     <p:extLst>
       <p:ext uri="{BB962C8B-B14F-4D97-AF65-F5344CB8AC3E}">
-        <p14:creationId xmlns:p14="http://schemas.microsoft.com/office/powerpoint/2010/main" val="2477746496"/>
+        <p14:creationId xmlns:p14="http://schemas.microsoft.com/office/powerpoint/2010/main" val="2287890620"/>
       </p:ext>
     </p:extLst>
   </p:cSld>
@@ -4432,7 +5601,7 @@
           <a:p>
             <a:r>
               <a:rPr lang="en-US" b="1" dirty="0"/>
-              <a:t>Socket Programming-Server: bind()</a:t>
+              <a:t>Socket Programming: socket()</a:t>
             </a:r>
           </a:p>
         </p:txBody>
@@ -4456,7 +5625,7 @@
         <p:spPr>
           <a:xfrm>
             <a:off x="838200" y="1825625"/>
-            <a:ext cx="10515600" cy="1754326"/>
+            <a:ext cx="10515600" cy="1701346"/>
           </a:xfrm>
         </p:spPr>
         <p:txBody>
@@ -4469,30 +5638,18 @@
               <a:buNone/>
             </a:pPr>
             <a:r>
-              <a:rPr lang="en-US" sz="3500" dirty="0"/>
-              <a:t>Bind an address to a socket</a:t>
-            </a:r>
-          </a:p>
-          <a:p>
-            <a:pPr marL="0" indent="0">
-              <a:buNone/>
-            </a:pPr>
-            <a:endParaRPr lang="en-US" sz="3200" dirty="0"/>
-          </a:p>
-          <a:p>
-            <a:pPr marL="0" indent="0">
-              <a:buNone/>
-            </a:pPr>
-            <a:endParaRPr lang="en-US" sz="3200" dirty="0"/>
+              <a:rPr lang="en-US" sz="3200" dirty="0"/>
+              <a:t>Create a socket</a:t>
+            </a:r>
           </a:p>
         </p:txBody>
       </p:sp>
       <p:pic>
         <p:nvPicPr>
-          <p:cNvPr id="5" name="Picture 4">
-            <a:extLst>
-              <a:ext uri="{FF2B5EF4-FFF2-40B4-BE49-F238E27FC236}">
-                <a16:creationId xmlns:a16="http://schemas.microsoft.com/office/drawing/2014/main" id="{273285BD-3165-3D46-A0CB-9A06242E6EF4}"/>
+          <p:cNvPr id="4" name="Picture 3">
+            <a:extLst>
+              <a:ext uri="{FF2B5EF4-FFF2-40B4-BE49-F238E27FC236}">
+                <a16:creationId xmlns:a16="http://schemas.microsoft.com/office/drawing/2014/main" id="{89B148E8-50D7-4542-A495-2257CE9D6A0C}"/>
               </a:ext>
             </a:extLst>
           </p:cNvPr>
@@ -4509,8 +5666,8 @@
         </p:blipFill>
         <p:spPr>
           <a:xfrm>
-            <a:off x="923474" y="2674261"/>
-            <a:ext cx="10541000" cy="863600"/>
+            <a:off x="1287690" y="2919109"/>
+            <a:ext cx="9616620" cy="629587"/>
           </a:xfrm>
           <a:prstGeom prst="rect">
             <a:avLst/>
@@ -4519,10 +5676,10 @@
       </p:pic>
       <p:sp>
         <p:nvSpPr>
-          <p:cNvPr id="6" name="Rectangle 5">
-            <a:extLst>
-              <a:ext uri="{FF2B5EF4-FFF2-40B4-BE49-F238E27FC236}">
-                <a16:creationId xmlns:a16="http://schemas.microsoft.com/office/drawing/2014/main" id="{8B586356-C565-9B40-BF75-839DA7B53FCB}"/>
+          <p:cNvPr id="5" name="Rectangle 4">
+            <a:extLst>
+              <a:ext uri="{FF2B5EF4-FFF2-40B4-BE49-F238E27FC236}">
+                <a16:creationId xmlns:a16="http://schemas.microsoft.com/office/drawing/2014/main" id="{D0C166B3-D1B0-6A4E-9334-36DA412495C4}"/>
               </a:ext>
             </a:extLst>
           </p:cNvPr>
@@ -4531,161 +5688,26 @@
         </p:nvSpPr>
         <p:spPr>
           <a:xfrm>
-            <a:off x="838199" y="3889059"/>
-            <a:ext cx="7445829" cy="2308324"/>
+            <a:off x="838200" y="4200009"/>
+            <a:ext cx="7635552" cy="461665"/>
           </a:xfrm>
           <a:prstGeom prst="rect">
             <a:avLst/>
           </a:prstGeom>
         </p:spPr>
         <p:txBody>
-          <a:bodyPr wrap="square">
+          <a:bodyPr wrap="none">
             <a:spAutoFit/>
           </a:bodyPr>
           <a:lstStyle/>
           <a:p>
             <a:r>
+              <a:rPr lang="en-US" sz="2400" dirty="0" err="1"/>
+              <a:t>socket_fd</a:t>
+            </a:r>
+            <a:r>
               <a:rPr lang="en-US" sz="2400" dirty="0"/>
-              <a:t>struct </a:t>
-            </a:r>
-            <a:r>
-              <a:rPr lang="en-US" sz="2400" dirty="0" err="1"/>
-              <a:t>sockaddr_in</a:t>
-            </a:r>
-            <a:r>
-              <a:rPr lang="en-US" sz="2400" dirty="0"/>
-              <a:t> </a:t>
-            </a:r>
-            <a:r>
-              <a:rPr lang="en-US" sz="2400" dirty="0" err="1"/>
-              <a:t>addr</a:t>
-            </a:r>
-            <a:r>
-              <a:rPr lang="en-US" sz="2400" dirty="0"/>
-              <a:t>; </a:t>
-            </a:r>
-          </a:p>
-          <a:p>
-            <a:r>
-              <a:rPr lang="en-US" sz="2400" dirty="0" err="1"/>
-              <a:t>memset</a:t>
-            </a:r>
-            <a:r>
-              <a:rPr lang="en-US" sz="2400" dirty="0"/>
-              <a:t>(&amp;</a:t>
-            </a:r>
-            <a:r>
-              <a:rPr lang="en-US" sz="2400" dirty="0" err="1"/>
-              <a:t>addr</a:t>
-            </a:r>
-            <a:r>
-              <a:rPr lang="en-US" sz="2400" dirty="0"/>
-              <a:t>, 0, </a:t>
-            </a:r>
-            <a:r>
-              <a:rPr lang="en-US" sz="2400" dirty="0" err="1"/>
-              <a:t>sizeof</a:t>
-            </a:r>
-            <a:r>
-              <a:rPr lang="en-US" sz="2400" dirty="0"/>
-              <a:t>(</a:t>
-            </a:r>
-            <a:r>
-              <a:rPr lang="en-US" sz="2400" dirty="0" err="1"/>
-              <a:t>addr</a:t>
-            </a:r>
-            <a:r>
-              <a:rPr lang="en-US" sz="2400" dirty="0"/>
-              <a:t>)); </a:t>
-            </a:r>
-          </a:p>
-          <a:p>
-            <a:r>
-              <a:rPr lang="en-US" sz="2400" dirty="0" err="1"/>
-              <a:t>addr.sin_family</a:t>
-            </a:r>
-            <a:r>
-              <a:rPr lang="en-US" sz="2400" dirty="0"/>
-              <a:t> = AF_INET; </a:t>
-            </a:r>
-            <a:r>
-              <a:rPr lang="en-HK" sz="2400" dirty="0"/>
-              <a:t>% Address family</a:t>
-            </a:r>
-            <a:endParaRPr lang="en-US" sz="2400" dirty="0"/>
-          </a:p>
-          <a:p>
-            <a:r>
-              <a:rPr lang="en-US" sz="2400" dirty="0" err="1"/>
-              <a:t>addr.sin_addr.s_addr</a:t>
-            </a:r>
-            <a:r>
-              <a:rPr lang="en-US" sz="2400" dirty="0"/>
-              <a:t> = INADDR_ANY; % 0.0.0.0</a:t>
-            </a:r>
-          </a:p>
-          <a:p>
-            <a:r>
-              <a:rPr lang="en-US" sz="2400" dirty="0" err="1"/>
-              <a:t>addr.sin_port</a:t>
-            </a:r>
-            <a:r>
-              <a:rPr lang="en-US" sz="2400" dirty="0"/>
-              <a:t> = </a:t>
-            </a:r>
-            <a:r>
-              <a:rPr lang="en-US" sz="2400" dirty="0" err="1"/>
-              <a:t>htons</a:t>
-            </a:r>
-            <a:r>
-              <a:rPr lang="en-US" sz="2400" dirty="0"/>
-              <a:t>(port); % Host to network long</a:t>
-            </a:r>
-          </a:p>
-          <a:p>
-            <a:r>
-              <a:rPr lang="en-US" sz="2400" dirty="0"/>
-              <a:t>bind(</a:t>
-            </a:r>
-            <a:r>
-              <a:rPr lang="en-US" sz="2400" dirty="0" err="1"/>
-              <a:t>sockfd</a:t>
-            </a:r>
-            <a:r>
-              <a:rPr lang="en-US" sz="2400" dirty="0"/>
-              <a:t>, (struct </a:t>
-            </a:r>
-            <a:r>
-              <a:rPr lang="en-US" sz="2400" dirty="0" err="1"/>
-              <a:t>sockaddr</a:t>
-            </a:r>
-            <a:r>
-              <a:rPr lang="en-US" sz="2400" dirty="0"/>
-              <a:t> *) &amp;</a:t>
-            </a:r>
-            <a:r>
-              <a:rPr lang="en-US" sz="2400" dirty="0" err="1"/>
-              <a:t>addr</a:t>
-            </a:r>
-            <a:r>
-              <a:rPr lang="en-US" sz="2400" dirty="0"/>
-              <a:t>, </a:t>
-            </a:r>
-            <a:r>
-              <a:rPr lang="en-US" sz="2400" dirty="0" err="1"/>
-              <a:t>sizeof</a:t>
-            </a:r>
-            <a:r>
-              <a:rPr lang="en-US" sz="2400" dirty="0"/>
-              <a:t>(</a:t>
-            </a:r>
-            <a:r>
-              <a:rPr lang="en-US" sz="2400" dirty="0" err="1"/>
-              <a:t>addr</a:t>
-            </a:r>
-            <a:r>
-              <a:rPr lang="en-US" sz="2400" dirty="0"/>
-              <a:t>));</a:t>
+              <a:t> = socket(AF_INET, SOCK_STREAM, IPPROTO_TCP);</a:t>
             </a:r>
           </a:p>
         </p:txBody>
@@ -4693,7 +5715,7 @@
     </p:spTree>
     <p:extLst>
       <p:ext uri="{BB962C8B-B14F-4D97-AF65-F5344CB8AC3E}">
-        <p14:creationId xmlns:p14="http://schemas.microsoft.com/office/powerpoint/2010/main" val="3355003134"/>
+        <p14:creationId xmlns:p14="http://schemas.microsoft.com/office/powerpoint/2010/main" val="2477746496"/>
       </p:ext>
     </p:extLst>
   </p:cSld>
@@ -4743,7 +5765,7 @@
           <a:p>
             <a:r>
               <a:rPr lang="en-US" b="1" dirty="0"/>
-              <a:t>Socket Programming-Server: listen()</a:t>
+              <a:t>Socket Programming-Server: bind()</a:t>
             </a:r>
           </a:p>
         </p:txBody>
@@ -4767,7 +5789,7 @@
         <p:spPr>
           <a:xfrm>
             <a:off x="838200" y="1825625"/>
-            <a:ext cx="10515600" cy="1325563"/>
+            <a:ext cx="10515600" cy="1754326"/>
           </a:xfrm>
         </p:spPr>
         <p:txBody>
@@ -4780,8 +5802,8 @@
               <a:buNone/>
             </a:pPr>
             <a:r>
-              <a:rPr lang="en-US" sz="3200" dirty="0"/>
-              <a:t>Listen for connections on a socket</a:t>
+              <a:rPr lang="en-US" sz="3500" dirty="0"/>
+              <a:t>Bind an address to a socket</a:t>
             </a:r>
           </a:p>
           <a:p>
@@ -4796,12 +5818,6 @@
             </a:pPr>
             <a:endParaRPr lang="en-US" sz="3200" dirty="0"/>
           </a:p>
-          <a:p>
-            <a:pPr marL="0" indent="0">
-              <a:buNone/>
-            </a:pPr>
-            <a:endParaRPr lang="en-US" sz="3200" dirty="0"/>
-          </a:p>
         </p:txBody>
       </p:sp>
       <p:pic>
@@ -4809,7 +5825,7 @@
           <p:cNvPr id="5" name="Picture 4">
             <a:extLst>
               <a:ext uri="{FF2B5EF4-FFF2-40B4-BE49-F238E27FC236}">
-                <a16:creationId xmlns:a16="http://schemas.microsoft.com/office/drawing/2014/main" id="{C3480844-4AD9-7945-A207-E3FE35124D43}"/>
+                <a16:creationId xmlns:a16="http://schemas.microsoft.com/office/drawing/2014/main" id="{273285BD-3165-3D46-A0CB-9A06242E6EF4}"/>
               </a:ext>
             </a:extLst>
           </p:cNvPr>
@@ -4826,8 +5842,8 @@
         </p:blipFill>
         <p:spPr>
           <a:xfrm>
-            <a:off x="1121229" y="2844801"/>
-            <a:ext cx="7366000" cy="711200"/>
+            <a:off x="923474" y="2674261"/>
+            <a:ext cx="10541000" cy="863600"/>
           </a:xfrm>
           <a:prstGeom prst="rect">
             <a:avLst/>
@@ -4839,7 +5855,7 @@
           <p:cNvPr id="6" name="Rectangle 5">
             <a:extLst>
               <a:ext uri="{FF2B5EF4-FFF2-40B4-BE49-F238E27FC236}">
-                <a16:creationId xmlns:a16="http://schemas.microsoft.com/office/drawing/2014/main" id="{3B692967-652C-AB4A-9FFE-F0D2464A2DD4}"/>
+                <a16:creationId xmlns:a16="http://schemas.microsoft.com/office/drawing/2014/main" id="{8B586356-C565-9B40-BF75-839DA7B53FCB}"/>
               </a:ext>
             </a:extLst>
           </p:cNvPr>
@@ -4848,22 +5864,121 @@
         </p:nvSpPr>
         <p:spPr>
           <a:xfrm>
-            <a:off x="838200" y="3953040"/>
-            <a:ext cx="2382062" cy="461665"/>
+            <a:off x="838199" y="3889059"/>
+            <a:ext cx="7445829" cy="2308324"/>
           </a:xfrm>
           <a:prstGeom prst="rect">
             <a:avLst/>
           </a:prstGeom>
         </p:spPr>
         <p:txBody>
-          <a:bodyPr wrap="none">
+          <a:bodyPr wrap="square">
             <a:spAutoFit/>
           </a:bodyPr>
           <a:lstStyle/>
           <a:p>
             <a:r>
               <a:rPr lang="en-US" sz="2400" dirty="0"/>
-              <a:t>listen(</a:t>
+              <a:t>struct </a:t>
+            </a:r>
+            <a:r>
+              <a:rPr lang="en-US" sz="2400" dirty="0" err="1"/>
+              <a:t>sockaddr_in</a:t>
+            </a:r>
+            <a:r>
+              <a:rPr lang="en-US" sz="2400" dirty="0"/>
+              <a:t> </a:t>
+            </a:r>
+            <a:r>
+              <a:rPr lang="en-US" sz="2400" dirty="0" err="1"/>
+              <a:t>addr</a:t>
+            </a:r>
+            <a:r>
+              <a:rPr lang="en-US" sz="2400" dirty="0"/>
+              <a:t>; </a:t>
+            </a:r>
+          </a:p>
+          <a:p>
+            <a:r>
+              <a:rPr lang="en-US" sz="2400" dirty="0" err="1"/>
+              <a:t>memset</a:t>
+            </a:r>
+            <a:r>
+              <a:rPr lang="en-US" sz="2400" dirty="0"/>
+              <a:t>(&amp;</a:t>
+            </a:r>
+            <a:r>
+              <a:rPr lang="en-US" sz="2400" dirty="0" err="1"/>
+              <a:t>addr</a:t>
+            </a:r>
+            <a:r>
+              <a:rPr lang="en-US" sz="2400" dirty="0"/>
+              <a:t>, 0, </a:t>
+            </a:r>
+            <a:r>
+              <a:rPr lang="en-US" sz="2400" dirty="0" err="1"/>
+              <a:t>sizeof</a:t>
+            </a:r>
+            <a:r>
+              <a:rPr lang="en-US" sz="2400" dirty="0"/>
+              <a:t>(</a:t>
+            </a:r>
+            <a:r>
+              <a:rPr lang="en-US" sz="2400" dirty="0" err="1"/>
+              <a:t>addr</a:t>
+            </a:r>
+            <a:r>
+              <a:rPr lang="en-US" sz="2400" dirty="0"/>
+              <a:t>)); </a:t>
+            </a:r>
+          </a:p>
+          <a:p>
+            <a:r>
+              <a:rPr lang="en-US" sz="2400" dirty="0" err="1"/>
+              <a:t>addr.sin_family</a:t>
+            </a:r>
+            <a:r>
+              <a:rPr lang="en-US" sz="2400" dirty="0"/>
+              <a:t> = AF_INET; </a:t>
+            </a:r>
+            <a:r>
+              <a:rPr lang="en-HK" sz="2400" dirty="0"/>
+              <a:t>% Address family</a:t>
+            </a:r>
+            <a:endParaRPr lang="en-US" sz="2400" dirty="0"/>
+          </a:p>
+          <a:p>
+            <a:r>
+              <a:rPr lang="en-US" sz="2400" dirty="0" err="1"/>
+              <a:t>addr.sin_addr.s_addr</a:t>
+            </a:r>
+            <a:r>
+              <a:rPr lang="en-US" sz="2400" dirty="0"/>
+              <a:t> = INADDR_ANY; % 0.0.0.0</a:t>
+            </a:r>
+          </a:p>
+          <a:p>
+            <a:r>
+              <a:rPr lang="en-US" sz="2400" dirty="0" err="1"/>
+              <a:t>addr.sin_port</a:t>
+            </a:r>
+            <a:r>
+              <a:rPr lang="en-US" sz="2400" dirty="0"/>
+              <a:t> = </a:t>
+            </a:r>
+            <a:r>
+              <a:rPr lang="en-US" sz="2400" dirty="0" err="1"/>
+              <a:t>htons</a:t>
+            </a:r>
+            <a:r>
+              <a:rPr lang="en-US" sz="2400" dirty="0"/>
+              <a:t>(port); % Host to network long</a:t>
+            </a:r>
+          </a:p>
+          <a:p>
+            <a:r>
+              <a:rPr lang="en-US" sz="2400" dirty="0"/>
+              <a:t>bind(</a:t>
             </a:r>
             <a:r>
               <a:rPr lang="en-US" sz="2400" dirty="0" err="1"/>
@@ -4871,7 +5986,39 @@
             </a:r>
             <a:r>
               <a:rPr lang="en-US" sz="2400" dirty="0"/>
-              <a:t>, 10);</a:t>
+              <a:t>, (struct </a:t>
+            </a:r>
+            <a:r>
+              <a:rPr lang="en-US" sz="2400" dirty="0" err="1"/>
+              <a:t>sockaddr</a:t>
+            </a:r>
+            <a:r>
+              <a:rPr lang="en-US" sz="2400" dirty="0"/>
+              <a:t> *) &amp;</a:t>
+            </a:r>
+            <a:r>
+              <a:rPr lang="en-US" sz="2400" dirty="0" err="1"/>
+              <a:t>addr</a:t>
+            </a:r>
+            <a:r>
+              <a:rPr lang="en-US" sz="2400" dirty="0"/>
+              <a:t>, </a:t>
+            </a:r>
+            <a:r>
+              <a:rPr lang="en-US" sz="2400" dirty="0" err="1"/>
+              <a:t>sizeof</a:t>
+            </a:r>
+            <a:r>
+              <a:rPr lang="en-US" sz="2400" dirty="0"/>
+              <a:t>(</a:t>
+            </a:r>
+            <a:r>
+              <a:rPr lang="en-US" sz="2400" dirty="0" err="1"/>
+              <a:t>addr</a:t>
+            </a:r>
+            <a:r>
+              <a:rPr lang="en-US" sz="2400" dirty="0"/>
+              <a:t>));</a:t>
             </a:r>
           </a:p>
         </p:txBody>
@@ -4879,7 +6026,7 @@
     </p:spTree>
     <p:extLst>
       <p:ext uri="{BB962C8B-B14F-4D97-AF65-F5344CB8AC3E}">
-        <p14:creationId xmlns:p14="http://schemas.microsoft.com/office/powerpoint/2010/main" val="3781525919"/>
+        <p14:creationId xmlns:p14="http://schemas.microsoft.com/office/powerpoint/2010/main" val="3355003134"/>
       </p:ext>
     </p:extLst>
   </p:cSld>
@@ -4929,7 +6076,7 @@
           <a:p>
             <a:r>
               <a:rPr lang="en-US" b="1" dirty="0"/>
-              <a:t>Socket Programming-Client: connect()</a:t>
+              <a:t>Socket Programming-Server: listen()</a:t>
             </a:r>
           </a:p>
         </p:txBody>
@@ -4953,7 +6100,7 @@
         <p:spPr>
           <a:xfrm>
             <a:off x="838200" y="1825625"/>
-            <a:ext cx="10515600" cy="1701346"/>
+            <a:ext cx="10515600" cy="1325563"/>
           </a:xfrm>
         </p:spPr>
         <p:txBody>
@@ -4967,7 +6114,7 @@
             </a:pPr>
             <a:r>
               <a:rPr lang="en-US" sz="3200" dirty="0"/>
-              <a:t>Initiate a connection on a socket</a:t>
+              <a:t>Listen for connections on a socket</a:t>
             </a:r>
           </a:p>
           <a:p>
@@ -4980,16 +6127,22 @@
             <a:pPr marL="0" indent="0">
               <a:buNone/>
             </a:pPr>
-            <a:endParaRPr lang="en-US" sz="2400" dirty="0"/>
+            <a:endParaRPr lang="en-US" sz="3200" dirty="0"/>
+          </a:p>
+          <a:p>
+            <a:pPr marL="0" indent="0">
+              <a:buNone/>
+            </a:pPr>
+            <a:endParaRPr lang="en-US" sz="3200" dirty="0"/>
           </a:p>
         </p:txBody>
       </p:sp>
       <p:pic>
         <p:nvPicPr>
-          <p:cNvPr id="4" name="Picture 3">
-            <a:extLst>
-              <a:ext uri="{FF2B5EF4-FFF2-40B4-BE49-F238E27FC236}">
-                <a16:creationId xmlns:a16="http://schemas.microsoft.com/office/drawing/2014/main" id="{A1D5C397-6034-9D41-9BB4-A827A6FAA1BD}"/>
+          <p:cNvPr id="5" name="Picture 4">
+            <a:extLst>
+              <a:ext uri="{FF2B5EF4-FFF2-40B4-BE49-F238E27FC236}">
+                <a16:creationId xmlns:a16="http://schemas.microsoft.com/office/drawing/2014/main" id="{C3480844-4AD9-7945-A207-E3FE35124D43}"/>
               </a:ext>
             </a:extLst>
           </p:cNvPr>
@@ -5006,8 +6159,8 @@
         </p:blipFill>
         <p:spPr>
           <a:xfrm>
-            <a:off x="1112157" y="2616200"/>
-            <a:ext cx="10337800" cy="812800"/>
+            <a:off x="1121229" y="2844801"/>
+            <a:ext cx="7366000" cy="711200"/>
           </a:xfrm>
           <a:prstGeom prst="rect">
             <a:avLst/>
@@ -5019,7 +6172,7 @@
           <p:cNvPr id="6" name="Rectangle 5">
             <a:extLst>
               <a:ext uri="{FF2B5EF4-FFF2-40B4-BE49-F238E27FC236}">
-                <a16:creationId xmlns:a16="http://schemas.microsoft.com/office/drawing/2014/main" id="{065A69BD-EADE-DA43-8E5A-0F49CD1E94FF}"/>
+                <a16:creationId xmlns:a16="http://schemas.microsoft.com/office/drawing/2014/main" id="{3B692967-652C-AB4A-9FFE-F0D2464A2DD4}"/>
               </a:ext>
             </a:extLst>
           </p:cNvPr>
@@ -5028,154 +6181,30 @@
         </p:nvSpPr>
         <p:spPr>
           <a:xfrm>
-            <a:off x="838200" y="3717658"/>
-            <a:ext cx="8850087" cy="2308324"/>
+            <a:off x="838200" y="3953040"/>
+            <a:ext cx="2382062" cy="461665"/>
           </a:xfrm>
           <a:prstGeom prst="rect">
             <a:avLst/>
           </a:prstGeom>
         </p:spPr>
         <p:txBody>
-          <a:bodyPr wrap="square">
+          <a:bodyPr wrap="none">
             <a:spAutoFit/>
           </a:bodyPr>
           <a:lstStyle/>
           <a:p>
-            <a:pPr hangingPunct="0"/>
             <a:r>
               <a:rPr lang="en-US" sz="2400" dirty="0"/>
-              <a:t>struct </a:t>
+              <a:t>listen(</a:t>
             </a:r>
             <a:r>
               <a:rPr lang="en-US" sz="2400" dirty="0" err="1"/>
-              <a:t>hostent</a:t>
+              <a:t>sockfd</a:t>
             </a:r>
             <a:r>
               <a:rPr lang="en-US" sz="2400" dirty="0"/>
-              <a:t> *server = </a:t>
-            </a:r>
-            <a:r>
-              <a:rPr lang="en-US" sz="2400" dirty="0" err="1"/>
-              <a:t>gethostbyname</a:t>
-            </a:r>
-            <a:r>
-              <a:rPr lang="en-US" sz="2400" dirty="0"/>
-              <a:t>(hostname); </a:t>
-            </a:r>
-          </a:p>
-          <a:p>
-            <a:pPr hangingPunct="0"/>
-            <a:r>
-              <a:rPr lang="en-US" sz="2400" dirty="0"/>
-              <a:t>struct </a:t>
-            </a:r>
-            <a:r>
-              <a:rPr lang="en-US" sz="2400" dirty="0" err="1"/>
-              <a:t>sockaddr_in</a:t>
-            </a:r>
-            <a:r>
-              <a:rPr lang="en-US" sz="2400" dirty="0"/>
-              <a:t> </a:t>
-            </a:r>
-            <a:r>
-              <a:rPr lang="en-US" sz="2400" dirty="0" err="1"/>
-              <a:t>addr</a:t>
-            </a:r>
-            <a:r>
-              <a:rPr lang="en-US" sz="2400" dirty="0"/>
-              <a:t>; </a:t>
-            </a:r>
-          </a:p>
-          <a:p>
-            <a:pPr hangingPunct="0"/>
-            <a:r>
-              <a:rPr lang="en-US" sz="2400" dirty="0" err="1"/>
-              <a:t>memset</a:t>
-            </a:r>
-            <a:r>
-              <a:rPr lang="en-US" sz="2400" dirty="0"/>
-              <a:t>(&amp;</a:t>
-            </a:r>
-            <a:r>
-              <a:rPr lang="en-US" sz="2400" dirty="0" err="1"/>
-              <a:t>addr</a:t>
-            </a:r>
-            <a:r>
-              <a:rPr lang="en-US" sz="2400" dirty="0"/>
-              <a:t>, 0, </a:t>
-            </a:r>
-            <a:r>
-              <a:rPr lang="en-US" sz="2400" dirty="0" err="1"/>
-              <a:t>sizeof</a:t>
-            </a:r>
-            <a:r>
-              <a:rPr lang="en-US" sz="2400" dirty="0"/>
-              <a:t>(</a:t>
-            </a:r>
-            <a:r>
-              <a:rPr lang="en-US" sz="2400" dirty="0" err="1"/>
-              <a:t>addr</a:t>
-            </a:r>
-            <a:r>
-              <a:rPr lang="en-US" sz="2400" dirty="0"/>
-              <a:t>)); </a:t>
-            </a:r>
-          </a:p>
-          <a:p>
-            <a:pPr hangingPunct="0"/>
-            <a:r>
-              <a:rPr lang="en-US" sz="2400" dirty="0" err="1"/>
-              <a:t>addr.sin_family</a:t>
-            </a:r>
-            <a:r>
-              <a:rPr lang="en-US" sz="2400" dirty="0"/>
-              <a:t> = AF_INET; </a:t>
-            </a:r>
-          </a:p>
-          <a:p>
-            <a:pPr hangingPunct="0"/>
-            <a:r>
-              <a:rPr lang="en-US" sz="2400" dirty="0" err="1"/>
-              <a:t>addr.sin_addr.s_addr</a:t>
-            </a:r>
-            <a:r>
-              <a:rPr lang="en-US" sz="2400" dirty="0"/>
-              <a:t> = * (unsigned long *) server-&gt;</a:t>
-            </a:r>
-            <a:r>
-              <a:rPr lang="en-US" sz="2400" dirty="0" err="1"/>
-              <a:t>h_addr_list</a:t>
-            </a:r>
-            <a:r>
-              <a:rPr lang="en-US" sz="2400" dirty="0"/>
-              <a:t>[0]; </a:t>
-            </a:r>
-          </a:p>
-          <a:p>
-            <a:pPr hangingPunct="0"/>
-            <a:r>
-              <a:rPr lang="en-US" sz="2400" dirty="0" err="1"/>
-              <a:t>addr.sin_port</a:t>
-            </a:r>
-            <a:r>
-              <a:rPr lang="en-US" sz="2400" dirty="0"/>
-              <a:t> = </a:t>
-            </a:r>
-            <a:r>
-              <a:rPr lang="en-US" sz="2400" dirty="0" err="1"/>
-              <a:t>htons</a:t>
-            </a:r>
-            <a:r>
-              <a:rPr lang="en-US" sz="2400" dirty="0"/>
-              <a:t>(</a:t>
-            </a:r>
-            <a:r>
-              <a:rPr lang="en-US" sz="2400" dirty="0" err="1"/>
-              <a:t>server_port</a:t>
-            </a:r>
-            <a:r>
-              <a:rPr lang="en-US" sz="2400" dirty="0"/>
-              <a:t>);</a:t>
+              <a:t>, 10);</a:t>
             </a:r>
           </a:p>
         </p:txBody>
@@ -5183,7 +6212,7 @@
     </p:spTree>
     <p:extLst>
       <p:ext uri="{BB962C8B-B14F-4D97-AF65-F5344CB8AC3E}">
-        <p14:creationId xmlns:p14="http://schemas.microsoft.com/office/powerpoint/2010/main" val="3863058764"/>
+        <p14:creationId xmlns:p14="http://schemas.microsoft.com/office/powerpoint/2010/main" val="3781525919"/>
       </p:ext>
     </p:extLst>
   </p:cSld>
@@ -5233,7 +6262,7 @@
           <a:p>
             <a:r>
               <a:rPr lang="en-US" b="1" dirty="0"/>
-              <a:t>Socket Programming-Server: accept()</a:t>
+              <a:t>Socket Programming-Client: connect()</a:t>
             </a:r>
           </a:p>
         </p:txBody>
@@ -5271,120 +6300,29 @@
             </a:pPr>
             <a:r>
               <a:rPr lang="en-US" sz="3200" dirty="0"/>
-              <a:t>Accept a connection on a socket</a:t>
-            </a:r>
+              <a:t>Initiate a connection on a socket</a:t>
+            </a:r>
+          </a:p>
+          <a:p>
+            <a:pPr marL="0" indent="0">
+              <a:buNone/>
+            </a:pPr>
+            <a:endParaRPr lang="en-US" sz="3200" dirty="0"/>
+          </a:p>
+          <a:p>
+            <a:pPr marL="0" indent="0">
+              <a:buNone/>
+            </a:pPr>
             <a:endParaRPr lang="en-US" sz="2400" dirty="0"/>
-          </a:p>
-        </p:txBody>
-      </p:sp>
-      <p:sp>
-        <p:nvSpPr>
-          <p:cNvPr id="6" name="Rectangle 5">
-            <a:extLst>
-              <a:ext uri="{FF2B5EF4-FFF2-40B4-BE49-F238E27FC236}">
-                <a16:creationId xmlns:a16="http://schemas.microsoft.com/office/drawing/2014/main" id="{065A69BD-EADE-DA43-8E5A-0F49CD1E94FF}"/>
-              </a:ext>
-            </a:extLst>
-          </p:cNvPr>
-          <p:cNvSpPr/>
-          <p:nvPr/>
-        </p:nvSpPr>
-        <p:spPr>
-          <a:xfrm>
-            <a:off x="838200" y="3717658"/>
-            <a:ext cx="8850087" cy="830997"/>
-          </a:xfrm>
-          <a:prstGeom prst="rect">
-            <a:avLst/>
-          </a:prstGeom>
-        </p:spPr>
-        <p:txBody>
-          <a:bodyPr wrap="square">
-            <a:spAutoFit/>
-          </a:bodyPr>
-          <a:lstStyle/>
-          <a:p>
-            <a:pPr hangingPunct="0"/>
-            <a:r>
-              <a:rPr lang="en-US" sz="2400" dirty="0" err="1"/>
-              <a:t>socklen_t</a:t>
-            </a:r>
-            <a:r>
-              <a:rPr lang="en-US" sz="2400" dirty="0"/>
-              <a:t> </a:t>
-            </a:r>
-            <a:r>
-              <a:rPr lang="en-US" sz="2400" dirty="0" err="1"/>
-              <a:t>addr_len</a:t>
-            </a:r>
-            <a:r>
-              <a:rPr lang="en-US" sz="2400" dirty="0"/>
-              <a:t> = </a:t>
-            </a:r>
-            <a:r>
-              <a:rPr lang="en-US" sz="2400" dirty="0" err="1"/>
-              <a:t>sizeof</a:t>
-            </a:r>
-            <a:r>
-              <a:rPr lang="en-US" sz="2400" dirty="0"/>
-              <a:t>(</a:t>
-            </a:r>
-            <a:r>
-              <a:rPr lang="en-US" sz="2400" dirty="0" err="1"/>
-              <a:t>addr</a:t>
-            </a:r>
-            <a:r>
-              <a:rPr lang="en-US" sz="2400" dirty="0"/>
-              <a:t>); </a:t>
-            </a:r>
-          </a:p>
-          <a:p>
-            <a:pPr hangingPunct="0"/>
-            <a:r>
-              <a:rPr lang="en-US" sz="2400" dirty="0"/>
-              <a:t>int conn = accept(</a:t>
-            </a:r>
-            <a:r>
-              <a:rPr lang="en-US" sz="2400" dirty="0" err="1"/>
-              <a:t>sockfd</a:t>
-            </a:r>
-            <a:r>
-              <a:rPr lang="en-US" sz="2400" dirty="0"/>
-              <a:t>, (struct </a:t>
-            </a:r>
-            <a:r>
-              <a:rPr lang="en-US" sz="2400" dirty="0" err="1"/>
-              <a:t>sockaddr</a:t>
-            </a:r>
-            <a:r>
-              <a:rPr lang="en-US" sz="2400" dirty="0"/>
-              <a:t> *) &amp;</a:t>
-            </a:r>
-            <a:r>
-              <a:rPr lang="en-US" sz="2400" dirty="0" err="1"/>
-              <a:t>addr</a:t>
-            </a:r>
-            <a:r>
-              <a:rPr lang="en-US" sz="2400" dirty="0"/>
-              <a:t>, &amp;</a:t>
-            </a:r>
-            <a:r>
-              <a:rPr lang="en-US" sz="2400" dirty="0" err="1"/>
-              <a:t>addr_len</a:t>
-            </a:r>
-            <a:r>
-              <a:rPr lang="en-US" sz="2400" dirty="0"/>
-              <a:t>);</a:t>
-            </a:r>
           </a:p>
         </p:txBody>
       </p:sp>
       <p:pic>
         <p:nvPicPr>
-          <p:cNvPr id="5" name="Picture 4">
-            <a:extLst>
-              <a:ext uri="{FF2B5EF4-FFF2-40B4-BE49-F238E27FC236}">
-                <a16:creationId xmlns:a16="http://schemas.microsoft.com/office/drawing/2014/main" id="{20B8ECFB-DBDD-7147-A6FE-FB32D105F141}"/>
+          <p:cNvPr id="4" name="Picture 3">
+            <a:extLst>
+              <a:ext uri="{FF2B5EF4-FFF2-40B4-BE49-F238E27FC236}">
+                <a16:creationId xmlns:a16="http://schemas.microsoft.com/office/drawing/2014/main" id="{A1D5C397-6034-9D41-9BB4-A827A6FAA1BD}"/>
               </a:ext>
             </a:extLst>
           </p:cNvPr>
@@ -5401,18 +6339,184 @@
         </p:blipFill>
         <p:spPr>
           <a:xfrm>
-            <a:off x="809173" y="2676298"/>
-            <a:ext cx="11339285" cy="740757"/>
+            <a:off x="1112157" y="2616200"/>
+            <a:ext cx="10337800" cy="812800"/>
           </a:xfrm>
           <a:prstGeom prst="rect">
             <a:avLst/>
           </a:prstGeom>
         </p:spPr>
       </p:pic>
+      <p:sp>
+        <p:nvSpPr>
+          <p:cNvPr id="6" name="Rectangle 5">
+            <a:extLst>
+              <a:ext uri="{FF2B5EF4-FFF2-40B4-BE49-F238E27FC236}">
+                <a16:creationId xmlns:a16="http://schemas.microsoft.com/office/drawing/2014/main" id="{065A69BD-EADE-DA43-8E5A-0F49CD1E94FF}"/>
+              </a:ext>
+            </a:extLst>
+          </p:cNvPr>
+          <p:cNvSpPr/>
+          <p:nvPr/>
+        </p:nvSpPr>
+        <p:spPr>
+          <a:xfrm>
+            <a:off x="838200" y="3717658"/>
+            <a:ext cx="8850087" cy="2308324"/>
+          </a:xfrm>
+          <a:prstGeom prst="rect">
+            <a:avLst/>
+          </a:prstGeom>
+        </p:spPr>
+        <p:txBody>
+          <a:bodyPr wrap="square">
+            <a:spAutoFit/>
+          </a:bodyPr>
+          <a:lstStyle/>
+          <a:p>
+            <a:pPr hangingPunct="0"/>
+            <a:r>
+              <a:rPr lang="en-US" sz="2400" dirty="0"/>
+              <a:t>struct </a:t>
+            </a:r>
+            <a:r>
+              <a:rPr lang="en-US" sz="2400" dirty="0" err="1"/>
+              <a:t>hostent</a:t>
+            </a:r>
+            <a:r>
+              <a:rPr lang="en-US" sz="2400" dirty="0"/>
+              <a:t> *server = </a:t>
+            </a:r>
+            <a:r>
+              <a:rPr lang="en-US" sz="2400" dirty="0" err="1"/>
+              <a:t>gethostbyname</a:t>
+            </a:r>
+            <a:r>
+              <a:rPr lang="en-US" sz="2400" dirty="0"/>
+              <a:t>(hostname); </a:t>
+            </a:r>
+          </a:p>
+          <a:p>
+            <a:pPr hangingPunct="0"/>
+            <a:r>
+              <a:rPr lang="en-US" sz="2400" dirty="0"/>
+              <a:t>struct </a:t>
+            </a:r>
+            <a:r>
+              <a:rPr lang="en-US" sz="2400" dirty="0" err="1"/>
+              <a:t>sockaddr_in</a:t>
+            </a:r>
+            <a:r>
+              <a:rPr lang="en-US" sz="2400" dirty="0"/>
+              <a:t> </a:t>
+            </a:r>
+            <a:r>
+              <a:rPr lang="en-US" sz="2400" dirty="0" err="1"/>
+              <a:t>addr</a:t>
+            </a:r>
+            <a:r>
+              <a:rPr lang="en-US" sz="2400" dirty="0"/>
+              <a:t>; </a:t>
+            </a:r>
+          </a:p>
+          <a:p>
+            <a:pPr hangingPunct="0"/>
+            <a:r>
+              <a:rPr lang="en-US" sz="2400" dirty="0" err="1"/>
+              <a:t>memset</a:t>
+            </a:r>
+            <a:r>
+              <a:rPr lang="en-US" sz="2400" dirty="0"/>
+              <a:t>(&amp;</a:t>
+            </a:r>
+            <a:r>
+              <a:rPr lang="en-US" sz="2400" dirty="0" err="1"/>
+              <a:t>addr</a:t>
+            </a:r>
+            <a:r>
+              <a:rPr lang="en-US" sz="2400" dirty="0"/>
+              <a:t>, 0, </a:t>
+            </a:r>
+            <a:r>
+              <a:rPr lang="en-US" sz="2400" dirty="0" err="1"/>
+              <a:t>sizeof</a:t>
+            </a:r>
+            <a:r>
+              <a:rPr lang="en-US" sz="2400" dirty="0"/>
+              <a:t>(</a:t>
+            </a:r>
+            <a:r>
+              <a:rPr lang="en-US" sz="2400" dirty="0" err="1"/>
+              <a:t>addr</a:t>
+            </a:r>
+            <a:r>
+              <a:rPr lang="en-US" sz="2400" dirty="0"/>
+              <a:t>)); </a:t>
+            </a:r>
+          </a:p>
+          <a:p>
+            <a:pPr hangingPunct="0"/>
+            <a:r>
+              <a:rPr lang="en-US" sz="2400" dirty="0" err="1"/>
+              <a:t>addr.sin_family</a:t>
+            </a:r>
+            <a:r>
+              <a:rPr lang="en-US" sz="2400" dirty="0"/>
+              <a:t> = AF_INET; </a:t>
+            </a:r>
+          </a:p>
+          <a:p>
+            <a:pPr hangingPunct="0"/>
+            <a:r>
+              <a:rPr lang="en-US" sz="2400" dirty="0" err="1"/>
+              <a:t>addr.sin_addr.s_addr</a:t>
+            </a:r>
+            <a:r>
+              <a:rPr lang="en-US" sz="2400" dirty="0"/>
+              <a:t> = * (unsigned long *) server-&gt;</a:t>
+            </a:r>
+            <a:r>
+              <a:rPr lang="en-US" sz="2400" dirty="0" err="1"/>
+              <a:t>h_addr_list</a:t>
+            </a:r>
+            <a:r>
+              <a:rPr lang="en-US" sz="2400" dirty="0"/>
+              <a:t>[0]; </a:t>
+            </a:r>
+          </a:p>
+          <a:p>
+            <a:pPr hangingPunct="0"/>
+            <a:r>
+              <a:rPr lang="en-US" sz="2400" dirty="0" err="1"/>
+              <a:t>addr.sin_port</a:t>
+            </a:r>
+            <a:r>
+              <a:rPr lang="en-US" sz="2400" dirty="0"/>
+              <a:t> = </a:t>
+            </a:r>
+            <a:r>
+              <a:rPr lang="en-US" sz="2400" dirty="0" err="1"/>
+              <a:t>htons</a:t>
+            </a:r>
+            <a:r>
+              <a:rPr lang="en-US" sz="2400" dirty="0"/>
+              <a:t>(</a:t>
+            </a:r>
+            <a:r>
+              <a:rPr lang="en-US" sz="2400" dirty="0" err="1"/>
+              <a:t>server_port</a:t>
+            </a:r>
+            <a:r>
+              <a:rPr lang="en-US" sz="2400" dirty="0"/>
+              <a:t>);</a:t>
+            </a:r>
+          </a:p>
+        </p:txBody>
+      </p:sp>
     </p:spTree>
     <p:extLst>
       <p:ext uri="{BB962C8B-B14F-4D97-AF65-F5344CB8AC3E}">
-        <p14:creationId xmlns:p14="http://schemas.microsoft.com/office/powerpoint/2010/main" val="4271156151"/>
+        <p14:creationId xmlns:p14="http://schemas.microsoft.com/office/powerpoint/2010/main" val="3863058764"/>
       </p:ext>
     </p:extLst>
   </p:cSld>
@@ -5462,7 +6566,7 @@
           <a:p>
             <a:r>
               <a:rPr lang="en-US" b="1" dirty="0"/>
-              <a:t>Socket Programming: send()</a:t>
+              <a:t>Socket Programming-Server: accept()</a:t>
             </a:r>
           </a:p>
         </p:txBody>
@@ -5500,7 +6604,7 @@
             </a:pPr>
             <a:r>
               <a:rPr lang="en-US" sz="3200" dirty="0"/>
-              <a:t>Send a message on a socket</a:t>
+              <a:t>Accept a connection on a socket</a:t>
             </a:r>
             <a:endParaRPr lang="en-US" sz="2400" dirty="0"/>
           </a:p>
@@ -5521,7 +6625,7 @@
         <p:spPr>
           <a:xfrm>
             <a:off x="838200" y="3717658"/>
-            <a:ext cx="8850087" cy="461665"/>
+            <a:ext cx="8850087" cy="830997"/>
           </a:xfrm>
           <a:prstGeom prst="rect">
             <a:avLst/>
@@ -5535,8 +6639,43 @@
           <a:p>
             <a:pPr hangingPunct="0"/>
             <a:r>
+              <a:rPr lang="en-US" sz="2400" dirty="0" err="1"/>
+              <a:t>socklen_t</a:t>
+            </a:r>
+            <a:r>
               <a:rPr lang="en-US" sz="2400" dirty="0"/>
-              <a:t>send(</a:t>
+              <a:t> </a:t>
+            </a:r>
+            <a:r>
+              <a:rPr lang="en-US" sz="2400" dirty="0" err="1"/>
+              <a:t>addr_len</a:t>
+            </a:r>
+            <a:r>
+              <a:rPr lang="en-US" sz="2400" dirty="0"/>
+              <a:t> = </a:t>
+            </a:r>
+            <a:r>
+              <a:rPr lang="en-US" sz="2400" dirty="0" err="1"/>
+              <a:t>sizeof</a:t>
+            </a:r>
+            <a:r>
+              <a:rPr lang="en-US" sz="2400" dirty="0"/>
+              <a:t>(</a:t>
+            </a:r>
+            <a:r>
+              <a:rPr lang="en-US" sz="2400" dirty="0" err="1"/>
+              <a:t>addr</a:t>
+            </a:r>
+            <a:r>
+              <a:rPr lang="en-US" sz="2400" dirty="0"/>
+              <a:t>); </a:t>
+            </a:r>
+          </a:p>
+          <a:p>
+            <a:pPr hangingPunct="0"/>
+            <a:r>
+              <a:rPr lang="en-US" sz="2400" dirty="0"/>
+              <a:t>int conn = accept(</a:t>
             </a:r>
             <a:r>
               <a:rPr lang="en-US" sz="2400" dirty="0" err="1"/>
@@ -5544,17 +6683,41 @@
             </a:r>
             <a:r>
               <a:rPr lang="en-US" sz="2400" dirty="0"/>
-              <a:t>, buffer, MSG_SIZE, MSG_NOSIGNAL);</a:t>
+              <a:t>, (struct </a:t>
+            </a:r>
+            <a:r>
+              <a:rPr lang="en-US" sz="2400" dirty="0" err="1"/>
+              <a:t>sockaddr</a:t>
+            </a:r>
+            <a:r>
+              <a:rPr lang="en-US" sz="2400" dirty="0"/>
+              <a:t> *) &amp;</a:t>
+            </a:r>
+            <a:r>
+              <a:rPr lang="en-US" sz="2400" dirty="0" err="1"/>
+              <a:t>addr</a:t>
+            </a:r>
+            <a:r>
+              <a:rPr lang="en-US" sz="2400" dirty="0"/>
+              <a:t>, &amp;</a:t>
+            </a:r>
+            <a:r>
+              <a:rPr lang="en-US" sz="2400" dirty="0" err="1"/>
+              <a:t>addr_len</a:t>
+            </a:r>
+            <a:r>
+              <a:rPr lang="en-US" sz="2400" dirty="0"/>
+              <a:t>);</a:t>
             </a:r>
           </a:p>
         </p:txBody>
       </p:sp>
       <p:pic>
         <p:nvPicPr>
-          <p:cNvPr id="4" name="Picture 3">
-            <a:extLst>
-              <a:ext uri="{FF2B5EF4-FFF2-40B4-BE49-F238E27FC236}">
-                <a16:creationId xmlns:a16="http://schemas.microsoft.com/office/drawing/2014/main" id="{E04675FE-F79E-C645-8EAA-C00F491721EB}"/>
+          <p:cNvPr id="5" name="Picture 4">
+            <a:extLst>
+              <a:ext uri="{FF2B5EF4-FFF2-40B4-BE49-F238E27FC236}">
+                <a16:creationId xmlns:a16="http://schemas.microsoft.com/office/drawing/2014/main" id="{20B8ECFB-DBDD-7147-A6FE-FB32D105F141}"/>
               </a:ext>
             </a:extLst>
           </p:cNvPr>
@@ -5571,8 +6734,8 @@
         </p:blipFill>
         <p:spPr>
           <a:xfrm>
-            <a:off x="838200" y="2731794"/>
-            <a:ext cx="11027229" cy="795177"/>
+            <a:off x="809173" y="2676298"/>
+            <a:ext cx="11339285" cy="740757"/>
           </a:xfrm>
           <a:prstGeom prst="rect">
             <a:avLst/>
@@ -5582,7 +6745,7 @@
     </p:spTree>
     <p:extLst>
       <p:ext uri="{BB962C8B-B14F-4D97-AF65-F5344CB8AC3E}">
-        <p14:creationId xmlns:p14="http://schemas.microsoft.com/office/powerpoint/2010/main" val="3168600580"/>
+        <p14:creationId xmlns:p14="http://schemas.microsoft.com/office/powerpoint/2010/main" val="4271156151"/>
       </p:ext>
     </p:extLst>
   </p:cSld>
@@ -5632,15 +6795,7 @@
           <a:p>
             <a:r>
               <a:rPr lang="en-US" b="1" dirty="0"/>
-              <a:t>Socket Programming: </a:t>
-            </a:r>
-            <a:r>
-              <a:rPr lang="en-US" b="1" dirty="0" err="1"/>
-              <a:t>recv</a:t>
-            </a:r>
-            <a:r>
-              <a:rPr lang="en-US" b="1" dirty="0"/>
-              <a:t>()</a:t>
+              <a:t>Socket Programming: send()</a:t>
             </a:r>
           </a:p>
         </p:txBody>
@@ -5678,7 +6833,7 @@
             </a:pPr>
             <a:r>
               <a:rPr lang="en-US" sz="3200" dirty="0"/>
-              <a:t>Receive a message on a socket</a:t>
+              <a:t>Send a message on a socket</a:t>
             </a:r>
             <a:endParaRPr lang="en-US" sz="2400" dirty="0"/>
           </a:p>
@@ -5713,38 +6868,26 @@
           <a:p>
             <a:pPr hangingPunct="0"/>
             <a:r>
+              <a:rPr lang="en-US" sz="2400" dirty="0"/>
+              <a:t>send(</a:t>
+            </a:r>
+            <a:r>
               <a:rPr lang="en-US" sz="2400" dirty="0" err="1"/>
-              <a:t>byte_recved</a:t>
+              <a:t>sockfd</a:t>
             </a:r>
             <a:r>
               <a:rPr lang="en-US" sz="2400" dirty="0"/>
-              <a:t> = </a:t>
-            </a:r>
-            <a:r>
-              <a:rPr lang="en-US" sz="2400" dirty="0" err="1"/>
-              <a:t>recv</a:t>
-            </a:r>
-            <a:r>
-              <a:rPr lang="en-US" sz="2400" dirty="0"/>
-              <a:t>(conn, buffer, </a:t>
-            </a:r>
-            <a:r>
-              <a:rPr lang="en-US" sz="2400" dirty="0" err="1"/>
-              <a:t>len</a:t>
-            </a:r>
-            <a:r>
-              <a:rPr lang="en-US" sz="2400" dirty="0"/>
-              <a:t>, MSG_NOSIGNAL);</a:t>
+              <a:t>, buffer, MSG_SIZE, MSG_NOSIGNAL);</a:t>
             </a:r>
           </a:p>
         </p:txBody>
       </p:sp>
       <p:pic>
         <p:nvPicPr>
-          <p:cNvPr id="5" name="Picture 4">
-            <a:extLst>
-              <a:ext uri="{FF2B5EF4-FFF2-40B4-BE49-F238E27FC236}">
-                <a16:creationId xmlns:a16="http://schemas.microsoft.com/office/drawing/2014/main" id="{7827AB7E-88BC-F041-A7B3-C9FD27A79BE9}"/>
+          <p:cNvPr id="4" name="Picture 3">
+            <a:extLst>
+              <a:ext uri="{FF2B5EF4-FFF2-40B4-BE49-F238E27FC236}">
+                <a16:creationId xmlns:a16="http://schemas.microsoft.com/office/drawing/2014/main" id="{E04675FE-F79E-C645-8EAA-C00F491721EB}"/>
               </a:ext>
             </a:extLst>
           </p:cNvPr>
@@ -5761,8 +6904,8 @@
         </p:blipFill>
         <p:spPr>
           <a:xfrm>
-            <a:off x="1102178" y="2718141"/>
-            <a:ext cx="10730593" cy="710859"/>
+            <a:off x="838200" y="2731794"/>
+            <a:ext cx="11027229" cy="795177"/>
           </a:xfrm>
           <a:prstGeom prst="rect">
             <a:avLst/>
@@ -5772,7 +6915,7 @@
     </p:spTree>
     <p:extLst>
       <p:ext uri="{BB962C8B-B14F-4D97-AF65-F5344CB8AC3E}">
-        <p14:creationId xmlns:p14="http://schemas.microsoft.com/office/powerpoint/2010/main" val="1589765134"/>
+        <p14:creationId xmlns:p14="http://schemas.microsoft.com/office/powerpoint/2010/main" val="3168600580"/>
       </p:ext>
     </p:extLst>
   </p:cSld>
@@ -5822,7 +6965,15 @@
           <a:p>
             <a:r>
               <a:rPr lang="en-US" b="1" dirty="0"/>
-              <a:t>Socket Programming: A Demo</a:t>
+              <a:t>Socket Programming: </a:t>
+            </a:r>
+            <a:r>
+              <a:rPr lang="en-US" b="1" dirty="0" err="1"/>
+              <a:t>recv</a:t>
+            </a:r>
+            <a:r>
+              <a:rPr lang="en-US" b="1" dirty="0"/>
+              <a:t>()</a:t>
             </a:r>
           </a:p>
         </p:txBody>
@@ -5846,105 +6997,115 @@
         <p:spPr>
           <a:xfrm>
             <a:off x="838200" y="1825625"/>
-            <a:ext cx="10515600" cy="1998230"/>
+            <a:ext cx="10515600" cy="1701346"/>
           </a:xfrm>
         </p:spPr>
         <p:txBody>
           <a:bodyPr>
-            <a:normAutofit fontScale="85000" lnSpcReduction="10000"/>
+            <a:normAutofit/>
           </a:bodyPr>
           <a:lstStyle/>
           <a:p>
-            <a:r>
-              <a:rPr lang="en-HK" dirty="0">
-                <a:hlinkClick r:id="rId2"/>
-              </a:rPr>
-              <a:t>eecs482/</a:t>
-            </a:r>
-            <a:r>
-              <a:rPr lang="en-HK" dirty="0" err="1">
-                <a:hlinkClick r:id="rId2"/>
-              </a:rPr>
-              <a:t>bgreeves</a:t>
-            </a:r>
-            <a:r>
-              <a:rPr lang="en-HK" dirty="0">
-                <a:hlinkClick r:id="rId2"/>
-              </a:rPr>
-              <a:t>-socket-example: Sockets example from discussion</a:t>
-            </a:r>
-            <a:endParaRPr lang="en-HK" dirty="0"/>
-          </a:p>
-          <a:p>
-            <a:r>
-              <a:rPr lang="en-HK" dirty="0"/>
-              <a:t>Linux or Mac OS.</a:t>
-            </a:r>
-          </a:p>
-          <a:p>
-            <a:r>
-              <a:rPr lang="en-HK" dirty="0"/>
-              <a:t>A virtual machine is provided </a:t>
-            </a:r>
-            <a:r>
-              <a:rPr lang="en-HK" dirty="0">
-                <a:hlinkClick r:id="rId3"/>
-              </a:rPr>
-              <a:t>here</a:t>
-            </a:r>
-            <a:r>
-              <a:rPr lang="en-HK" dirty="0"/>
-              <a:t>. (The password is identical to the username.)</a:t>
-            </a:r>
-          </a:p>
-          <a:p>
-            <a:r>
-              <a:rPr lang="en-US" altLang="zh-CN" dirty="0"/>
-              <a:t>Tip: Manually s</a:t>
-            </a:r>
-            <a:r>
-              <a:rPr lang="en-US" dirty="0"/>
-              <a:t>et shared folder between your PC/laptop and VM: </a:t>
-            </a:r>
-            <a:r>
-              <a:rPr lang="en-US" dirty="0" err="1"/>
-              <a:t>sudo</a:t>
-            </a:r>
-            <a:r>
-              <a:rPr lang="en-US" dirty="0"/>
-              <a:t> mount - t </a:t>
-            </a:r>
-            <a:r>
-              <a:rPr lang="en-US" dirty="0" err="1"/>
-              <a:t>vboxsf</a:t>
-            </a:r>
-            <a:r>
-              <a:rPr lang="en-US" dirty="0"/>
-              <a:t>   </a:t>
-            </a:r>
-            <a:r>
-              <a:rPr lang="en-US" i="1" u="sng" dirty="0"/>
-              <a:t>folder name in VirtualBox App setting</a:t>
-            </a:r>
-            <a:r>
-              <a:rPr lang="en-US" i="1" dirty="0"/>
-              <a:t>   </a:t>
-            </a:r>
-            <a:r>
-              <a:rPr lang="en-US" i="1" u="sng" dirty="0"/>
-              <a:t>folder name in VM</a:t>
-            </a:r>
-            <a:endParaRPr lang="en-HK" dirty="0"/>
-          </a:p>
-          <a:p>
-            <a:endParaRPr lang="en-HK" dirty="0"/>
-          </a:p>
-        </p:txBody>
-      </p:sp>
+            <a:pPr marL="0" indent="0">
+              <a:buNone/>
+            </a:pPr>
+            <a:r>
+              <a:rPr lang="en-US" sz="3200" dirty="0"/>
+              <a:t>Receive a message on a socket</a:t>
+            </a:r>
+            <a:endParaRPr lang="en-US" sz="2400" dirty="0"/>
+          </a:p>
+        </p:txBody>
+      </p:sp>
+      <p:sp>
+        <p:nvSpPr>
+          <p:cNvPr id="6" name="Rectangle 5">
+            <a:extLst>
+              <a:ext uri="{FF2B5EF4-FFF2-40B4-BE49-F238E27FC236}">
+                <a16:creationId xmlns:a16="http://schemas.microsoft.com/office/drawing/2014/main" id="{065A69BD-EADE-DA43-8E5A-0F49CD1E94FF}"/>
+              </a:ext>
+            </a:extLst>
+          </p:cNvPr>
+          <p:cNvSpPr/>
+          <p:nvPr/>
+        </p:nvSpPr>
+        <p:spPr>
+          <a:xfrm>
+            <a:off x="838200" y="3717658"/>
+            <a:ext cx="8850087" cy="461665"/>
+          </a:xfrm>
+          <a:prstGeom prst="rect">
+            <a:avLst/>
+          </a:prstGeom>
+        </p:spPr>
+        <p:txBody>
+          <a:bodyPr wrap="square">
+            <a:spAutoFit/>
+          </a:bodyPr>
+          <a:lstStyle/>
+          <a:p>
+            <a:pPr hangingPunct="0"/>
+            <a:r>
+              <a:rPr lang="en-US" sz="2400" dirty="0" err="1"/>
+              <a:t>byte_recved</a:t>
+            </a:r>
+            <a:r>
+              <a:rPr lang="en-US" sz="2400" dirty="0"/>
+              <a:t> = </a:t>
+            </a:r>
+            <a:r>
+              <a:rPr lang="en-US" sz="2400" dirty="0" err="1"/>
+              <a:t>recv</a:t>
+            </a:r>
+            <a:r>
+              <a:rPr lang="en-US" sz="2400" dirty="0"/>
+              <a:t>(conn, buffer, </a:t>
+            </a:r>
+            <a:r>
+              <a:rPr lang="en-US" sz="2400" dirty="0" err="1"/>
+              <a:t>len</a:t>
+            </a:r>
+            <a:r>
+              <a:rPr lang="en-US" sz="2400" dirty="0"/>
+              <a:t>, MSG_NOSIGNAL);</a:t>
+            </a:r>
+          </a:p>
+        </p:txBody>
+      </p:sp>
+      <p:pic>
+        <p:nvPicPr>
+          <p:cNvPr id="5" name="Picture 4">
+            <a:extLst>
+              <a:ext uri="{FF2B5EF4-FFF2-40B4-BE49-F238E27FC236}">
+                <a16:creationId xmlns:a16="http://schemas.microsoft.com/office/drawing/2014/main" id="{7827AB7E-88BC-F041-A7B3-C9FD27A79BE9}"/>
+              </a:ext>
+            </a:extLst>
+          </p:cNvPr>
+          <p:cNvPicPr>
+            <a:picLocks noChangeAspect="1"/>
+          </p:cNvPicPr>
+          <p:nvPr/>
+        </p:nvPicPr>
+        <p:blipFill>
+          <a:blip r:embed="rId2"/>
+          <a:stretch>
+            <a:fillRect/>
+          </a:stretch>
+        </p:blipFill>
+        <p:spPr>
+          <a:xfrm>
+            <a:off x="1102178" y="2718141"/>
+            <a:ext cx="10730593" cy="710859"/>
+          </a:xfrm>
+          <a:prstGeom prst="rect">
+            <a:avLst/>
+          </a:prstGeom>
+        </p:spPr>
+      </p:pic>
     </p:spTree>
     <p:extLst>
       <p:ext uri="{BB962C8B-B14F-4D97-AF65-F5344CB8AC3E}">
-        <p14:creationId xmlns:p14="http://schemas.microsoft.com/office/powerpoint/2010/main" val="1871005255"/>
+        <p14:creationId xmlns:p14="http://schemas.microsoft.com/office/powerpoint/2010/main" val="1589765134"/>
       </p:ext>
     </p:extLst>
   </p:cSld>
@@ -5994,7 +7155,7 @@
           <a:p>
             <a:r>
               <a:rPr lang="en-US" b="1" dirty="0"/>
-              <a:t>Socket Programming: Resources</a:t>
+              <a:t>Socket Programming: A Demo</a:t>
             </a:r>
           </a:p>
         </p:txBody>
@@ -6018,12 +7179,12 @@
         <p:spPr>
           <a:xfrm>
             <a:off x="838200" y="1825625"/>
-            <a:ext cx="10515600" cy="3007632"/>
+            <a:ext cx="10515600" cy="1998230"/>
           </a:xfrm>
         </p:spPr>
         <p:txBody>
           <a:bodyPr>
-            <a:normAutofit/>
+            <a:normAutofit fontScale="85000" lnSpcReduction="10000"/>
           </a:bodyPr>
           <a:lstStyle/>
           <a:p>
@@ -6031,30 +7192,80 @@
               <a:rPr lang="en-HK" dirty="0">
                 <a:hlinkClick r:id="rId2"/>
               </a:rPr>
-              <a:t>Beej's Guide to Network Programming</a:t>
+              <a:t>eecs482/</a:t>
+            </a:r>
+            <a:r>
+              <a:rPr lang="en-HK" dirty="0" err="1">
+                <a:hlinkClick r:id="rId2"/>
+              </a:rPr>
+              <a:t>bgreeves</a:t>
+            </a:r>
+            <a:r>
+              <a:rPr lang="en-HK" dirty="0">
+                <a:hlinkClick r:id="rId2"/>
+              </a:rPr>
+              <a:t>-socket-example: Sockets example from discussion</a:t>
             </a:r>
             <a:endParaRPr lang="en-HK" dirty="0"/>
           </a:p>
           <a:p>
+            <a:r>
+              <a:rPr lang="en-HK" dirty="0"/>
+              <a:t>Linux or Mac OS.</a:t>
+            </a:r>
+          </a:p>
+          <a:p>
+            <a:r>
+              <a:rPr lang="en-HK" dirty="0"/>
+              <a:t>A virtual machine is provided </a:t>
+            </a:r>
             <a:r>
               <a:rPr lang="en-HK" dirty="0">
                 <a:hlinkClick r:id="rId3"/>
               </a:rPr>
-              <a:t>eecs482/bgreeves-socket-example: Sockets example from discussion</a:t>
-            </a:r>
-            <a:endParaRPr lang="en-HK" dirty="0"/>
-          </a:p>
-          <a:p>
+              <a:t>here</a:t>
+            </a:r>
             <a:r>
               <a:rPr lang="en-HK" dirty="0"/>
-              <a:t>man is always your good friend</a:t>
-            </a:r>
-          </a:p>
-          <a:p>
-            <a:pPr lvl="1"/>
-            <a:r>
-              <a:rPr lang="en-HK" sz="2800" dirty="0"/>
-              <a:t>man socket</a:t>
+              <a:t>. (The password is identical to the username.)</a:t>
+            </a:r>
+          </a:p>
+          <a:p>
+            <a:r>
+              <a:rPr lang="en-US" altLang="zh-CN" dirty="0"/>
+              <a:t>Tip: Manually s</a:t>
+            </a:r>
+            <a:r>
+              <a:rPr lang="en-US" dirty="0"/>
+              <a:t>et shared folder between your PC/laptop and VM: </a:t>
+            </a:r>
+            <a:r>
+              <a:rPr lang="en-US" dirty="0" err="1"/>
+              <a:t>sudo</a:t>
+            </a:r>
+            <a:r>
+              <a:rPr lang="en-US" dirty="0"/>
+              <a:t> mount - t </a:t>
+            </a:r>
+            <a:r>
+              <a:rPr lang="en-US" dirty="0" err="1"/>
+              <a:t>vboxsf</a:t>
+            </a:r>
+            <a:r>
+              <a:rPr lang="en-US" dirty="0"/>
+              <a:t>   </a:t>
+            </a:r>
+            <a:r>
+              <a:rPr lang="en-US" i="1" u="sng" dirty="0"/>
+              <a:t>folder name in VirtualBox App setting</a:t>
+            </a:r>
+            <a:r>
+              <a:rPr lang="en-US" i="1" dirty="0"/>
+              <a:t>   </a:t>
+            </a:r>
+            <a:r>
+              <a:rPr lang="en-US" i="1" u="sng" dirty="0"/>
+              <a:t>folder name in VM</a:t>
             </a:r>
             <a:endParaRPr lang="en-HK" dirty="0"/>
           </a:p>
@@ -6066,7 +7277,7 @@
     </p:spTree>
     <p:extLst>
       <p:ext uri="{BB962C8B-B14F-4D97-AF65-F5344CB8AC3E}">
-        <p14:creationId xmlns:p14="http://schemas.microsoft.com/office/powerpoint/2010/main" val="616564471"/>
+        <p14:creationId xmlns:p14="http://schemas.microsoft.com/office/powerpoint/2010/main" val="1871005255"/>
       </p:ext>
     </p:extLst>
   </p:cSld>
@@ -6095,42 +7306,100 @@
       </p:grpSpPr>
       <p:sp>
         <p:nvSpPr>
-          <p:cNvPr id="4" name="Rectangle 3">
-            <a:extLst>
-              <a:ext uri="{FF2B5EF4-FFF2-40B4-BE49-F238E27FC236}">
-                <a16:creationId xmlns:a16="http://schemas.microsoft.com/office/drawing/2014/main" id="{A8D2CAE8-E323-A14E-A62F-188A25405FEA}"/>
-              </a:ext>
-            </a:extLst>
-          </p:cNvPr>
-          <p:cNvSpPr/>
-          <p:nvPr/>
+          <p:cNvPr id="2" name="Title 1">
+            <a:extLst>
+              <a:ext uri="{FF2B5EF4-FFF2-40B4-BE49-F238E27FC236}">
+                <a16:creationId xmlns:a16="http://schemas.microsoft.com/office/drawing/2014/main" id="{45C79BA1-37A3-5741-B0A1-E64646E4283C}"/>
+              </a:ext>
+            </a:extLst>
+          </p:cNvPr>
+          <p:cNvSpPr>
+            <a:spLocks noGrp="1"/>
+          </p:cNvSpPr>
+          <p:nvPr>
+            <p:ph type="title"/>
+          </p:nvPr>
+        </p:nvSpPr>
+        <p:spPr/>
+        <p:txBody>
+          <a:bodyPr/>
+          <a:lstStyle/>
+          <a:p>
+            <a:r>
+              <a:rPr lang="en-US" b="1" dirty="0"/>
+              <a:t>Socket Programming: Resources</a:t>
+            </a:r>
+          </a:p>
+        </p:txBody>
+      </p:sp>
+      <p:sp>
+        <p:nvSpPr>
+          <p:cNvPr id="3" name="Content Placeholder 2">
+            <a:extLst>
+              <a:ext uri="{FF2B5EF4-FFF2-40B4-BE49-F238E27FC236}">
+                <a16:creationId xmlns:a16="http://schemas.microsoft.com/office/drawing/2014/main" id="{8F20472D-613F-3748-9CBD-88055CDB4B08}"/>
+              </a:ext>
+            </a:extLst>
+          </p:cNvPr>
+          <p:cNvSpPr>
+            <a:spLocks noGrp="1"/>
+          </p:cNvSpPr>
+          <p:nvPr>
+            <p:ph idx="1"/>
+          </p:nvPr>
         </p:nvSpPr>
         <p:spPr>
           <a:xfrm>
-            <a:off x="5350732" y="3136612"/>
-            <a:ext cx="1490536" cy="584775"/>
-          </a:xfrm>
-          <a:prstGeom prst="rect">
-            <a:avLst/>
-          </a:prstGeom>
+            <a:off x="838200" y="1825625"/>
+            <a:ext cx="10515600" cy="3007632"/>
+          </a:xfrm>
         </p:spPr>
         <p:txBody>
-          <a:bodyPr wrap="none">
-            <a:spAutoFit/>
+          <a:bodyPr>
+            <a:normAutofit/>
           </a:bodyPr>
           <a:lstStyle/>
           <a:p>
             <a:r>
-              <a:rPr lang="en-US" sz="3200" dirty="0"/>
-              <a:t>Thanks!</a:t>
-            </a:r>
+              <a:rPr lang="en-HK" dirty="0">
+                <a:hlinkClick r:id="rId2"/>
+              </a:rPr>
+              <a:t>Beej's Guide to Network Programming</a:t>
+            </a:r>
+            <a:endParaRPr lang="en-HK" dirty="0"/>
+          </a:p>
+          <a:p>
+            <a:r>
+              <a:rPr lang="en-HK" dirty="0">
+                <a:hlinkClick r:id="rId3"/>
+              </a:rPr>
+              <a:t>eecs482/bgreeves-socket-example: Sockets example from discussion</a:t>
+            </a:r>
+            <a:endParaRPr lang="en-HK" dirty="0"/>
+          </a:p>
+          <a:p>
+            <a:r>
+              <a:rPr lang="en-HK" dirty="0"/>
+              <a:t>man is always your good friend</a:t>
+            </a:r>
+          </a:p>
+          <a:p>
+            <a:pPr lvl="1"/>
+            <a:r>
+              <a:rPr lang="en-HK" sz="2800" dirty="0"/>
+              <a:t>man socket</a:t>
+            </a:r>
+            <a:endParaRPr lang="en-HK" dirty="0"/>
+          </a:p>
+          <a:p>
+            <a:endParaRPr lang="en-HK" dirty="0"/>
           </a:p>
         </p:txBody>
       </p:sp>
     </p:spTree>
     <p:extLst>
       <p:ext uri="{BB962C8B-B14F-4D97-AF65-F5344CB8AC3E}">
-        <p14:creationId xmlns:p14="http://schemas.microsoft.com/office/powerpoint/2010/main" val="3216618933"/>
+        <p14:creationId xmlns:p14="http://schemas.microsoft.com/office/powerpoint/2010/main" val="616564471"/>
       </p:ext>
     </p:extLst>
   </p:cSld>
@@ -6349,6 +7618,70 @@
 </p:sld>
 </file>
 
+<file path=ppt/slides/slide20.xml><?xml version="1.0" encoding="utf-8"?>
+<p:sld xmlns:a="http://schemas.openxmlformats.org/drawingml/2006/main" xmlns:r="http://schemas.openxmlformats.org/officeDocument/2006/relationships" xmlns:p="http://schemas.openxmlformats.org/presentationml/2006/main">
+  <p:cSld>
+    <p:spTree>
+      <p:nvGrpSpPr>
+        <p:cNvPr id="1" name=""/>
+        <p:cNvGrpSpPr/>
+        <p:nvPr/>
+      </p:nvGrpSpPr>
+      <p:grpSpPr>
+        <a:xfrm>
+          <a:off x="0" y="0"/>
+          <a:ext cx="0" cy="0"/>
+          <a:chOff x="0" y="0"/>
+          <a:chExt cx="0" cy="0"/>
+        </a:xfrm>
+      </p:grpSpPr>
+      <p:sp>
+        <p:nvSpPr>
+          <p:cNvPr id="4" name="Rectangle 3">
+            <a:extLst>
+              <a:ext uri="{FF2B5EF4-FFF2-40B4-BE49-F238E27FC236}">
+                <a16:creationId xmlns:a16="http://schemas.microsoft.com/office/drawing/2014/main" id="{A8D2CAE8-E323-A14E-A62F-188A25405FEA}"/>
+              </a:ext>
+            </a:extLst>
+          </p:cNvPr>
+          <p:cNvSpPr/>
+          <p:nvPr/>
+        </p:nvSpPr>
+        <p:spPr>
+          <a:xfrm>
+            <a:off x="5350732" y="3136612"/>
+            <a:ext cx="1490536" cy="584775"/>
+          </a:xfrm>
+          <a:prstGeom prst="rect">
+            <a:avLst/>
+          </a:prstGeom>
+        </p:spPr>
+        <p:txBody>
+          <a:bodyPr wrap="none">
+            <a:spAutoFit/>
+          </a:bodyPr>
+          <a:lstStyle/>
+          <a:p>
+            <a:r>
+              <a:rPr lang="en-US" sz="3200" dirty="0"/>
+              <a:t>Thanks!</a:t>
+            </a:r>
+          </a:p>
+        </p:txBody>
+      </p:sp>
+    </p:spTree>
+    <p:extLst>
+      <p:ext uri="{BB962C8B-B14F-4D97-AF65-F5344CB8AC3E}">
+        <p14:creationId xmlns:p14="http://schemas.microsoft.com/office/powerpoint/2010/main" val="3216618933"/>
+      </p:ext>
+    </p:extLst>
+  </p:cSld>
+  <p:clrMapOvr>
+    <a:masterClrMapping/>
+  </p:clrMapOvr>
+</p:sld>
+</file>
+
 <file path=ppt/slides/slide3.xml><?xml version="1.0" encoding="utf-8"?>
 <p:sld xmlns:a="http://schemas.openxmlformats.org/drawingml/2006/main" xmlns:r="http://schemas.openxmlformats.org/officeDocument/2006/relationships" xmlns:p="http://schemas.openxmlformats.org/presentationml/2006/main">
   <p:cSld>
@@ -6419,8 +7752,13 @@
           <a:p>
             <a:r>
               <a:rPr lang="en-US" sz="3200" dirty="0"/>
-              <a:t>Due: TBA</a:t>
-            </a:r>
+              <a:t>Due: </a:t>
+            </a:r>
+            <a:r>
+              <a:rPr lang="en-US" dirty="0"/>
+              <a:t>11:59:59 p.m., Fri, Oct. 6th</a:t>
+            </a:r>
+            <a:endParaRPr lang="en-US" sz="3200" dirty="0"/>
           </a:p>
           <a:p>
             <a:r>
@@ -6571,7 +7909,7 @@
           <a:p>
             <a:r>
               <a:rPr lang="en-US" sz="3200" dirty="0"/>
-              <a:t>Introduction to socket programming</a:t>
+              <a:t>Introduction to socket programming.</a:t>
             </a:r>
           </a:p>
           <a:p>
@@ -6769,6 +8107,2543 @@
 </file>
 
 <file path=ppt/slides/slide6.xml><?xml version="1.0" encoding="utf-8"?>
+<p:sld xmlns:a="http://schemas.openxmlformats.org/drawingml/2006/main" xmlns:r="http://schemas.openxmlformats.org/officeDocument/2006/relationships" xmlns:p="http://schemas.openxmlformats.org/presentationml/2006/main">
+  <p:cSld>
+    <p:spTree>
+      <p:nvGrpSpPr>
+        <p:cNvPr id="1" name=""/>
+        <p:cNvGrpSpPr/>
+        <p:nvPr/>
+      </p:nvGrpSpPr>
+      <p:grpSpPr>
+        <a:xfrm>
+          <a:off x="0" y="0"/>
+          <a:ext cx="0" cy="0"/>
+          <a:chOff x="0" y="0"/>
+          <a:chExt cx="0" cy="0"/>
+        </a:xfrm>
+      </p:grpSpPr>
+      <p:sp>
+        <p:nvSpPr>
+          <p:cNvPr id="50" name="Rectangle 49">
+            <a:extLst>
+              <a:ext uri="{FF2B5EF4-FFF2-40B4-BE49-F238E27FC236}">
+                <a16:creationId xmlns:a16="http://schemas.microsoft.com/office/drawing/2014/main" id="{70C9852B-1901-4298-9545-9B66CAD35E30}"/>
+              </a:ext>
+            </a:extLst>
+          </p:cNvPr>
+          <p:cNvSpPr/>
+          <p:nvPr/>
+        </p:nvSpPr>
+        <p:spPr>
+          <a:xfrm>
+            <a:off x="2003612" y="3220572"/>
+            <a:ext cx="8283388" cy="2413716"/>
+          </a:xfrm>
+          <a:prstGeom prst="rect">
+            <a:avLst/>
+          </a:prstGeom>
+          <a:noFill/>
+        </p:spPr>
+        <p:style>
+          <a:lnRef idx="2">
+            <a:schemeClr val="accent1">
+              <a:shade val="50000"/>
+            </a:schemeClr>
+          </a:lnRef>
+          <a:fillRef idx="1">
+            <a:schemeClr val="accent1"/>
+          </a:fillRef>
+          <a:effectRef idx="0">
+            <a:schemeClr val="accent1"/>
+          </a:effectRef>
+          <a:fontRef idx="minor">
+            <a:schemeClr val="lt1"/>
+          </a:fontRef>
+        </p:style>
+        <p:txBody>
+          <a:bodyPr rtlCol="0" anchor="ctr"/>
+          <a:lstStyle/>
+          <a:p>
+            <a:pPr algn="ctr"/>
+            <a:endParaRPr lang="en-HK"/>
+          </a:p>
+        </p:txBody>
+      </p:sp>
+      <p:grpSp>
+        <p:nvGrpSpPr>
+          <p:cNvPr id="60" name="Group 59">
+            <a:extLst>
+              <a:ext uri="{FF2B5EF4-FFF2-40B4-BE49-F238E27FC236}">
+                <a16:creationId xmlns:a16="http://schemas.microsoft.com/office/drawing/2014/main" id="{EAE756E7-3534-4AF0-B9E8-0A53FA4C3E3D}"/>
+              </a:ext>
+            </a:extLst>
+          </p:cNvPr>
+          <p:cNvGrpSpPr>
+            <a:grpSpLocks/>
+          </p:cNvGrpSpPr>
+          <p:nvPr/>
+        </p:nvGrpSpPr>
+        <p:grpSpPr bwMode="auto">
+          <a:xfrm>
+            <a:off x="7706728" y="2987019"/>
+            <a:ext cx="1649412" cy="431800"/>
+            <a:chOff x="0" y="0"/>
+            <a:chExt cx="943" cy="272"/>
+          </a:xfrm>
+          <a:solidFill>
+            <a:srgbClr val="0000FF"/>
+          </a:solidFill>
+          <a:effectLst/>
+        </p:grpSpPr>
+        <p:sp>
+          <p:nvSpPr>
+            <p:cNvPr id="61" name="Rectangle 60">
+              <a:extLst>
+                <a:ext uri="{FF2B5EF4-FFF2-40B4-BE49-F238E27FC236}">
+                  <a16:creationId xmlns:a16="http://schemas.microsoft.com/office/drawing/2014/main" id="{25478A48-FE2F-49A9-93A4-A0F1C1189833}"/>
+                </a:ext>
+              </a:extLst>
+            </p:cNvPr>
+            <p:cNvSpPr>
+              <a:spLocks/>
+            </p:cNvSpPr>
+            <p:nvPr/>
+          </p:nvSpPr>
+          <p:spPr bwMode="auto">
+            <a:xfrm>
+              <a:off x="0" y="0"/>
+              <a:ext cx="943" cy="272"/>
+            </a:xfrm>
+            <a:prstGeom prst="rect">
+              <a:avLst/>
+            </a:prstGeom>
+            <a:grpFill/>
+            <a:ln w="25400">
+              <a:solidFill>
+                <a:srgbClr val="FFFFFF"/>
+              </a:solidFill>
+              <a:prstDash val="solid"/>
+              <a:miter lim="800000"/>
+              <a:headEnd type="none" w="med" len="med"/>
+              <a:tailEnd type="none" w="med" len="med"/>
+            </a:ln>
+            <a:effectLst>
+              <a:outerShdw blurRad="63500" dist="101600" dir="2700000" algn="ctr" rotWithShape="0">
+                <a:schemeClr val="bg2">
+                  <a:alpha val="75000"/>
+                </a:schemeClr>
+              </a:outerShdw>
+            </a:effectLst>
+          </p:spPr>
+          <p:txBody>
+            <a:bodyPr lIns="0" tIns="0" rIns="0" bIns="0"/>
+            <a:lstStyle/>
+            <a:p>
+              <a:pPr>
+                <a:defRPr/>
+              </a:pPr>
+              <a:endParaRPr lang="en-US">
+                <a:solidFill>
+                  <a:schemeClr val="bg1"/>
+                </a:solidFill>
+              </a:endParaRPr>
+            </a:p>
+          </p:txBody>
+        </p:sp>
+        <p:sp>
+          <p:nvSpPr>
+            <p:cNvPr id="62" name="Rectangle 61">
+              <a:extLst>
+                <a:ext uri="{FF2B5EF4-FFF2-40B4-BE49-F238E27FC236}">
+                  <a16:creationId xmlns:a16="http://schemas.microsoft.com/office/drawing/2014/main" id="{F1718EEB-9F98-49FA-8791-2E03D6752C72}"/>
+                </a:ext>
+              </a:extLst>
+            </p:cNvPr>
+            <p:cNvSpPr>
+              <a:spLocks/>
+            </p:cNvSpPr>
+            <p:nvPr/>
+          </p:nvSpPr>
+          <p:spPr bwMode="auto">
+            <a:xfrm>
+              <a:off x="240" y="24"/>
+              <a:ext cx="463" cy="223"/>
+            </a:xfrm>
+            <a:prstGeom prst="rect">
+              <a:avLst/>
+            </a:prstGeom>
+            <a:grpFill/>
+            <a:ln>
+              <a:noFill/>
+            </a:ln>
+            <a:extLst>
+              <a:ext uri="{91240B29-F687-4f45-9708-019B960494DF}">
+                <a14:hiddenLine xmlns:a14="http://schemas.microsoft.com/office/drawing/2010/main" xmlns="" w="12700">
+                  <a:solidFill>
+                    <a:schemeClr val="tx1"/>
+                  </a:solidFill>
+                  <a:miter lim="800000"/>
+                  <a:headEnd type="none" w="med" len="med"/>
+                  <a:tailEnd type="none" w="med" len="med"/>
+                </a14:hiddenLine>
+              </a:ext>
+            </a:extLst>
+          </p:spPr>
+          <p:txBody>
+            <a:bodyPr wrap="none" lIns="38100" tIns="38100" rIns="90479" bIns="38100" anchor="ctr">
+              <a:spAutoFit/>
+            </a:bodyPr>
+            <a:lstStyle/>
+            <a:p>
+              <a:pPr marL="12699" algn="ctr">
+                <a:defRPr/>
+              </a:pPr>
+              <a:r>
+                <a:rPr lang="en-US" sz="1800" dirty="0">
+                  <a:solidFill>
+                    <a:schemeClr val="bg1"/>
+                  </a:solidFill>
+                  <a:latin typeface="Arial" charset="0"/>
+                  <a:cs typeface="Arial" charset="0"/>
+                  <a:sym typeface="Arial" charset="0"/>
+                </a:rPr>
+                <a:t>socket</a:t>
+              </a:r>
+            </a:p>
+          </p:txBody>
+        </p:sp>
+      </p:grpSp>
+      <p:grpSp>
+        <p:nvGrpSpPr>
+          <p:cNvPr id="4" name="Group 3">
+            <a:extLst>
+              <a:ext uri="{FF2B5EF4-FFF2-40B4-BE49-F238E27FC236}">
+                <a16:creationId xmlns:a16="http://schemas.microsoft.com/office/drawing/2014/main" id="{6B44FB3F-B911-4BC5-9130-DB268E3D08D0}"/>
+              </a:ext>
+            </a:extLst>
+          </p:cNvPr>
+          <p:cNvGrpSpPr>
+            <a:grpSpLocks/>
+          </p:cNvGrpSpPr>
+          <p:nvPr/>
+        </p:nvGrpSpPr>
+        <p:grpSpPr bwMode="auto">
+          <a:xfrm>
+            <a:off x="2757851" y="2521188"/>
+            <a:ext cx="1649412" cy="431800"/>
+            <a:chOff x="0" y="0"/>
+            <a:chExt cx="943" cy="272"/>
+          </a:xfrm>
+          <a:solidFill>
+            <a:srgbClr val="0000FF"/>
+          </a:solidFill>
+          <a:effectLst/>
+        </p:grpSpPr>
+        <p:sp>
+          <p:nvSpPr>
+            <p:cNvPr id="5" name="Rectangle 4">
+              <a:extLst>
+                <a:ext uri="{FF2B5EF4-FFF2-40B4-BE49-F238E27FC236}">
+                  <a16:creationId xmlns:a16="http://schemas.microsoft.com/office/drawing/2014/main" id="{4A96EDF0-0C92-469A-B888-9C808A177FB1}"/>
+                </a:ext>
+              </a:extLst>
+            </p:cNvPr>
+            <p:cNvSpPr>
+              <a:spLocks/>
+            </p:cNvSpPr>
+            <p:nvPr/>
+          </p:nvSpPr>
+          <p:spPr bwMode="auto">
+            <a:xfrm>
+              <a:off x="0" y="0"/>
+              <a:ext cx="943" cy="272"/>
+            </a:xfrm>
+            <a:prstGeom prst="rect">
+              <a:avLst/>
+            </a:prstGeom>
+            <a:grpFill/>
+            <a:ln w="25400">
+              <a:solidFill>
+                <a:srgbClr val="FFFFFF"/>
+              </a:solidFill>
+              <a:prstDash val="solid"/>
+              <a:miter lim="800000"/>
+              <a:headEnd type="none" w="med" len="med"/>
+              <a:tailEnd type="none" w="med" len="med"/>
+            </a:ln>
+            <a:effectLst>
+              <a:outerShdw blurRad="63500" dist="101600" dir="2700000" algn="ctr" rotWithShape="0">
+                <a:schemeClr val="bg2">
+                  <a:alpha val="75000"/>
+                </a:schemeClr>
+              </a:outerShdw>
+            </a:effectLst>
+          </p:spPr>
+          <p:txBody>
+            <a:bodyPr lIns="0" tIns="0" rIns="0" bIns="0"/>
+            <a:lstStyle/>
+            <a:p>
+              <a:pPr>
+                <a:defRPr/>
+              </a:pPr>
+              <a:endParaRPr lang="en-US">
+                <a:solidFill>
+                  <a:schemeClr val="bg1"/>
+                </a:solidFill>
+              </a:endParaRPr>
+            </a:p>
+          </p:txBody>
+        </p:sp>
+        <p:sp>
+          <p:nvSpPr>
+            <p:cNvPr id="6" name="Rectangle 5">
+              <a:extLst>
+                <a:ext uri="{FF2B5EF4-FFF2-40B4-BE49-F238E27FC236}">
+                  <a16:creationId xmlns:a16="http://schemas.microsoft.com/office/drawing/2014/main" id="{FDD89892-0AA5-4952-A951-F0DC3D832829}"/>
+                </a:ext>
+              </a:extLst>
+            </p:cNvPr>
+            <p:cNvSpPr>
+              <a:spLocks/>
+            </p:cNvSpPr>
+            <p:nvPr/>
+          </p:nvSpPr>
+          <p:spPr bwMode="auto">
+            <a:xfrm>
+              <a:off x="30" y="24"/>
+              <a:ext cx="882" cy="223"/>
+            </a:xfrm>
+            <a:prstGeom prst="rect">
+              <a:avLst/>
+            </a:prstGeom>
+            <a:grpFill/>
+            <a:ln>
+              <a:noFill/>
+            </a:ln>
+            <a:extLst>
+              <a:ext uri="{91240B29-F687-4f45-9708-019B960494DF}">
+                <a14:hiddenLine xmlns:a14="http://schemas.microsoft.com/office/drawing/2010/main" xmlns="" w="12700">
+                  <a:solidFill>
+                    <a:schemeClr val="tx1"/>
+                  </a:solidFill>
+                  <a:miter lim="800000"/>
+                  <a:headEnd type="none" w="med" len="med"/>
+                  <a:tailEnd type="none" w="med" len="med"/>
+                </a14:hiddenLine>
+              </a:ext>
+            </a:extLst>
+          </p:spPr>
+          <p:txBody>
+            <a:bodyPr wrap="none" lIns="38100" tIns="38100" rIns="90479" bIns="38100" anchor="ctr">
+              <a:spAutoFit/>
+            </a:bodyPr>
+            <a:lstStyle/>
+            <a:p>
+              <a:pPr marL="12699" algn="ctr">
+                <a:defRPr/>
+              </a:pPr>
+              <a:r>
+                <a:rPr lang="en-US" sz="1800" dirty="0">
+                  <a:solidFill>
+                    <a:schemeClr val="bg1"/>
+                  </a:solidFill>
+                  <a:latin typeface="Arial" charset="0"/>
+                  <a:cs typeface="Arial" charset="0"/>
+                  <a:sym typeface="Arial" charset="0"/>
+                </a:rPr>
+                <a:t>Application</a:t>
+              </a:r>
+            </a:p>
+          </p:txBody>
+        </p:sp>
+      </p:grpSp>
+      <p:grpSp>
+        <p:nvGrpSpPr>
+          <p:cNvPr id="57" name="Group 56">
+            <a:extLst>
+              <a:ext uri="{FF2B5EF4-FFF2-40B4-BE49-F238E27FC236}">
+                <a16:creationId xmlns:a16="http://schemas.microsoft.com/office/drawing/2014/main" id="{A0F56EC3-40DA-4376-B89C-3559B8EFD402}"/>
+              </a:ext>
+            </a:extLst>
+          </p:cNvPr>
+          <p:cNvGrpSpPr>
+            <a:grpSpLocks/>
+          </p:cNvGrpSpPr>
+          <p:nvPr/>
+        </p:nvGrpSpPr>
+        <p:grpSpPr bwMode="auto">
+          <a:xfrm>
+            <a:off x="2753478" y="2981520"/>
+            <a:ext cx="1649412" cy="431800"/>
+            <a:chOff x="0" y="0"/>
+            <a:chExt cx="943" cy="272"/>
+          </a:xfrm>
+          <a:solidFill>
+            <a:srgbClr val="0000FF"/>
+          </a:solidFill>
+          <a:effectLst/>
+        </p:grpSpPr>
+        <p:sp>
+          <p:nvSpPr>
+            <p:cNvPr id="58" name="Rectangle 57">
+              <a:extLst>
+                <a:ext uri="{FF2B5EF4-FFF2-40B4-BE49-F238E27FC236}">
+                  <a16:creationId xmlns:a16="http://schemas.microsoft.com/office/drawing/2014/main" id="{F898E400-F10E-41C2-A585-5247C8EDEA33}"/>
+                </a:ext>
+              </a:extLst>
+            </p:cNvPr>
+            <p:cNvSpPr>
+              <a:spLocks/>
+            </p:cNvSpPr>
+            <p:nvPr/>
+          </p:nvSpPr>
+          <p:spPr bwMode="auto">
+            <a:xfrm>
+              <a:off x="0" y="0"/>
+              <a:ext cx="943" cy="272"/>
+            </a:xfrm>
+            <a:prstGeom prst="rect">
+              <a:avLst/>
+            </a:prstGeom>
+            <a:grpFill/>
+            <a:ln w="25400">
+              <a:solidFill>
+                <a:srgbClr val="FFFFFF"/>
+              </a:solidFill>
+              <a:prstDash val="solid"/>
+              <a:miter lim="800000"/>
+              <a:headEnd type="none" w="med" len="med"/>
+              <a:tailEnd type="none" w="med" len="med"/>
+            </a:ln>
+            <a:effectLst>
+              <a:outerShdw blurRad="63500" dist="101600" dir="2700000" algn="ctr" rotWithShape="0">
+                <a:schemeClr val="bg2">
+                  <a:alpha val="75000"/>
+                </a:schemeClr>
+              </a:outerShdw>
+            </a:effectLst>
+          </p:spPr>
+          <p:txBody>
+            <a:bodyPr lIns="0" tIns="0" rIns="0" bIns="0"/>
+            <a:lstStyle/>
+            <a:p>
+              <a:pPr>
+                <a:defRPr/>
+              </a:pPr>
+              <a:endParaRPr lang="en-US">
+                <a:solidFill>
+                  <a:schemeClr val="bg1"/>
+                </a:solidFill>
+              </a:endParaRPr>
+            </a:p>
+          </p:txBody>
+        </p:sp>
+        <p:sp>
+          <p:nvSpPr>
+            <p:cNvPr id="59" name="Rectangle 58">
+              <a:extLst>
+                <a:ext uri="{FF2B5EF4-FFF2-40B4-BE49-F238E27FC236}">
+                  <a16:creationId xmlns:a16="http://schemas.microsoft.com/office/drawing/2014/main" id="{97EDBE3B-687A-4121-9205-DDF171293556}"/>
+                </a:ext>
+              </a:extLst>
+            </p:cNvPr>
+            <p:cNvSpPr>
+              <a:spLocks/>
+            </p:cNvSpPr>
+            <p:nvPr/>
+          </p:nvSpPr>
+          <p:spPr bwMode="auto">
+            <a:xfrm>
+              <a:off x="240" y="24"/>
+              <a:ext cx="463" cy="223"/>
+            </a:xfrm>
+            <a:prstGeom prst="rect">
+              <a:avLst/>
+            </a:prstGeom>
+            <a:grpFill/>
+            <a:ln>
+              <a:noFill/>
+            </a:ln>
+            <a:extLst>
+              <a:ext uri="{91240B29-F687-4f45-9708-019B960494DF}">
+                <a14:hiddenLine xmlns:a14="http://schemas.microsoft.com/office/drawing/2010/main" xmlns="" w="12700">
+                  <a:solidFill>
+                    <a:schemeClr val="tx1"/>
+                  </a:solidFill>
+                  <a:miter lim="800000"/>
+                  <a:headEnd type="none" w="med" len="med"/>
+                  <a:tailEnd type="none" w="med" len="med"/>
+                </a14:hiddenLine>
+              </a:ext>
+            </a:extLst>
+          </p:spPr>
+          <p:txBody>
+            <a:bodyPr wrap="none" lIns="38100" tIns="38100" rIns="90479" bIns="38100" anchor="ctr">
+              <a:spAutoFit/>
+            </a:bodyPr>
+            <a:lstStyle/>
+            <a:p>
+              <a:pPr marL="12699" algn="ctr">
+                <a:defRPr/>
+              </a:pPr>
+              <a:r>
+                <a:rPr lang="en-US" sz="1800" dirty="0">
+                  <a:solidFill>
+                    <a:schemeClr val="bg1"/>
+                  </a:solidFill>
+                  <a:latin typeface="Arial" charset="0"/>
+                  <a:cs typeface="Arial" charset="0"/>
+                  <a:sym typeface="Arial" charset="0"/>
+                </a:rPr>
+                <a:t>socket</a:t>
+              </a:r>
+            </a:p>
+          </p:txBody>
+        </p:sp>
+      </p:grpSp>
+      <p:grpSp>
+        <p:nvGrpSpPr>
+          <p:cNvPr id="7" name="Group 6">
+            <a:extLst>
+              <a:ext uri="{FF2B5EF4-FFF2-40B4-BE49-F238E27FC236}">
+                <a16:creationId xmlns:a16="http://schemas.microsoft.com/office/drawing/2014/main" id="{C24FB2A3-25F9-4645-A9D8-8B7984E87F9F}"/>
+              </a:ext>
+            </a:extLst>
+          </p:cNvPr>
+          <p:cNvGrpSpPr>
+            <a:grpSpLocks/>
+          </p:cNvGrpSpPr>
+          <p:nvPr/>
+        </p:nvGrpSpPr>
+        <p:grpSpPr bwMode="auto">
+          <a:xfrm>
+            <a:off x="2757851" y="3458948"/>
+            <a:ext cx="1649412" cy="431800"/>
+            <a:chOff x="0" y="0"/>
+            <a:chExt cx="943" cy="272"/>
+          </a:xfrm>
+          <a:solidFill>
+            <a:srgbClr val="0000FF"/>
+          </a:solidFill>
+          <a:effectLst/>
+        </p:grpSpPr>
+        <p:sp>
+          <p:nvSpPr>
+            <p:cNvPr id="8" name="Rectangle 7">
+              <a:extLst>
+                <a:ext uri="{FF2B5EF4-FFF2-40B4-BE49-F238E27FC236}">
+                  <a16:creationId xmlns:a16="http://schemas.microsoft.com/office/drawing/2014/main" id="{513E8CB2-588C-436D-9682-384DD9864463}"/>
+                </a:ext>
+              </a:extLst>
+            </p:cNvPr>
+            <p:cNvSpPr>
+              <a:spLocks/>
+            </p:cNvSpPr>
+            <p:nvPr/>
+          </p:nvSpPr>
+          <p:spPr bwMode="auto">
+            <a:xfrm>
+              <a:off x="0" y="0"/>
+              <a:ext cx="943" cy="272"/>
+            </a:xfrm>
+            <a:prstGeom prst="rect">
+              <a:avLst/>
+            </a:prstGeom>
+            <a:grpFill/>
+            <a:ln w="25400">
+              <a:solidFill>
+                <a:srgbClr val="FFFFFF"/>
+              </a:solidFill>
+              <a:prstDash val="solid"/>
+              <a:miter lim="800000"/>
+              <a:headEnd type="none" w="med" len="med"/>
+              <a:tailEnd type="none" w="med" len="med"/>
+            </a:ln>
+            <a:effectLst>
+              <a:outerShdw blurRad="63500" dist="101600" dir="2700000" algn="ctr" rotWithShape="0">
+                <a:schemeClr val="bg2">
+                  <a:alpha val="75000"/>
+                </a:schemeClr>
+              </a:outerShdw>
+            </a:effectLst>
+          </p:spPr>
+          <p:txBody>
+            <a:bodyPr lIns="0" tIns="0" rIns="0" bIns="0"/>
+            <a:lstStyle/>
+            <a:p>
+              <a:pPr>
+                <a:defRPr/>
+              </a:pPr>
+              <a:endParaRPr lang="en-US">
+                <a:solidFill>
+                  <a:schemeClr val="bg1"/>
+                </a:solidFill>
+              </a:endParaRPr>
+            </a:p>
+          </p:txBody>
+        </p:sp>
+        <p:sp>
+          <p:nvSpPr>
+            <p:cNvPr id="9" name="Rectangle 8">
+              <a:extLst>
+                <a:ext uri="{FF2B5EF4-FFF2-40B4-BE49-F238E27FC236}">
+                  <a16:creationId xmlns:a16="http://schemas.microsoft.com/office/drawing/2014/main" id="{EB4A3143-3F18-4432-ADA1-5B7AFC4DD93F}"/>
+                </a:ext>
+              </a:extLst>
+            </p:cNvPr>
+            <p:cNvSpPr>
+              <a:spLocks/>
+            </p:cNvSpPr>
+            <p:nvPr/>
+          </p:nvSpPr>
+          <p:spPr bwMode="auto">
+            <a:xfrm>
+              <a:off x="89" y="24"/>
+              <a:ext cx="760" cy="223"/>
+            </a:xfrm>
+            <a:prstGeom prst="rect">
+              <a:avLst/>
+            </a:prstGeom>
+            <a:grpFill/>
+            <a:ln>
+              <a:noFill/>
+            </a:ln>
+            <a:extLst>
+              <a:ext uri="{91240B29-F687-4f45-9708-019B960494DF}">
+                <a14:hiddenLine xmlns:a14="http://schemas.microsoft.com/office/drawing/2010/main" xmlns="" w="12700">
+                  <a:solidFill>
+                    <a:schemeClr val="tx1"/>
+                  </a:solidFill>
+                  <a:miter lim="800000"/>
+                  <a:headEnd type="none" w="med" len="med"/>
+                  <a:tailEnd type="none" w="med" len="med"/>
+                </a14:hiddenLine>
+              </a:ext>
+            </a:extLst>
+          </p:spPr>
+          <p:txBody>
+            <a:bodyPr wrap="none" lIns="38100" tIns="38100" rIns="90479" bIns="38100" anchor="ctr">
+              <a:spAutoFit/>
+            </a:bodyPr>
+            <a:lstStyle/>
+            <a:p>
+              <a:pPr marL="12699" algn="ctr">
+                <a:defRPr/>
+              </a:pPr>
+              <a:r>
+                <a:rPr lang="en-US" sz="1800" dirty="0">
+                  <a:solidFill>
+                    <a:schemeClr val="bg1"/>
+                  </a:solidFill>
+                  <a:latin typeface="Arial" charset="0"/>
+                  <a:cs typeface="Arial" charset="0"/>
+                  <a:sym typeface="Arial" charset="0"/>
+                </a:rPr>
+                <a:t>Transport</a:t>
+              </a:r>
+            </a:p>
+          </p:txBody>
+        </p:sp>
+      </p:grpSp>
+      <p:grpSp>
+        <p:nvGrpSpPr>
+          <p:cNvPr id="10" name="Group 9">
+            <a:extLst>
+              <a:ext uri="{FF2B5EF4-FFF2-40B4-BE49-F238E27FC236}">
+                <a16:creationId xmlns:a16="http://schemas.microsoft.com/office/drawing/2014/main" id="{19DC3B97-EC21-4FC5-A4C8-1C6D6D6AAE63}"/>
+              </a:ext>
+            </a:extLst>
+          </p:cNvPr>
+          <p:cNvGrpSpPr>
+            <a:grpSpLocks/>
+          </p:cNvGrpSpPr>
+          <p:nvPr/>
+        </p:nvGrpSpPr>
+        <p:grpSpPr bwMode="auto">
+          <a:xfrm>
+            <a:off x="2757851" y="3916148"/>
+            <a:ext cx="1649413" cy="428625"/>
+            <a:chOff x="0" y="0"/>
+            <a:chExt cx="943" cy="270"/>
+          </a:xfrm>
+          <a:solidFill>
+            <a:srgbClr val="0000FF"/>
+          </a:solidFill>
+          <a:effectLst/>
+        </p:grpSpPr>
+        <p:sp>
+          <p:nvSpPr>
+            <p:cNvPr id="11" name="Rectangle 10">
+              <a:extLst>
+                <a:ext uri="{FF2B5EF4-FFF2-40B4-BE49-F238E27FC236}">
+                  <a16:creationId xmlns:a16="http://schemas.microsoft.com/office/drawing/2014/main" id="{AD651010-CCAC-4554-8519-2C559E1480C6}"/>
+                </a:ext>
+              </a:extLst>
+            </p:cNvPr>
+            <p:cNvSpPr>
+              <a:spLocks/>
+            </p:cNvSpPr>
+            <p:nvPr/>
+          </p:nvSpPr>
+          <p:spPr bwMode="auto">
+            <a:xfrm>
+              <a:off x="0" y="0"/>
+              <a:ext cx="943" cy="270"/>
+            </a:xfrm>
+            <a:prstGeom prst="rect">
+              <a:avLst/>
+            </a:prstGeom>
+            <a:grpFill/>
+            <a:ln w="25400">
+              <a:solidFill>
+                <a:srgbClr val="FFFFFF"/>
+              </a:solidFill>
+              <a:prstDash val="solid"/>
+              <a:miter lim="800000"/>
+              <a:headEnd type="none" w="med" len="med"/>
+              <a:tailEnd type="none" w="med" len="med"/>
+            </a:ln>
+            <a:effectLst>
+              <a:outerShdw blurRad="63500" dist="101600" dir="2700000" algn="ctr" rotWithShape="0">
+                <a:schemeClr val="bg2">
+                  <a:alpha val="75000"/>
+                </a:schemeClr>
+              </a:outerShdw>
+            </a:effectLst>
+          </p:spPr>
+          <p:txBody>
+            <a:bodyPr lIns="0" tIns="0" rIns="0" bIns="0"/>
+            <a:lstStyle/>
+            <a:p>
+              <a:pPr>
+                <a:defRPr/>
+              </a:pPr>
+              <a:endParaRPr lang="en-US">
+                <a:solidFill>
+                  <a:schemeClr val="bg1"/>
+                </a:solidFill>
+              </a:endParaRPr>
+            </a:p>
+          </p:txBody>
+        </p:sp>
+        <p:sp>
+          <p:nvSpPr>
+            <p:cNvPr id="12" name="Rectangle 11">
+              <a:extLst>
+                <a:ext uri="{FF2B5EF4-FFF2-40B4-BE49-F238E27FC236}">
+                  <a16:creationId xmlns:a16="http://schemas.microsoft.com/office/drawing/2014/main" id="{AE27B870-E4D7-4EF6-9D5A-2CB54B0737C9}"/>
+                </a:ext>
+              </a:extLst>
+            </p:cNvPr>
+            <p:cNvSpPr>
+              <a:spLocks/>
+            </p:cNvSpPr>
+            <p:nvPr/>
+          </p:nvSpPr>
+          <p:spPr bwMode="auto">
+            <a:xfrm>
+              <a:off x="140" y="23"/>
+              <a:ext cx="663" cy="223"/>
+            </a:xfrm>
+            <a:prstGeom prst="rect">
+              <a:avLst/>
+            </a:prstGeom>
+            <a:grpFill/>
+            <a:ln>
+              <a:noFill/>
+            </a:ln>
+            <a:extLst>
+              <a:ext uri="{909E8E84-426E-40dd-AFC4-6F175D3DCCD1}">
+                <a14:hiddenFill xmlns:a14="http://schemas.microsoft.com/office/drawing/2010/main" xmlns="">
+                  <a:solidFill>
+                    <a:srgbClr val="FFFFFF"/>
+                  </a:solidFill>
+                </a14:hiddenFill>
+              </a:ext>
+              <a:ext uri="{91240B29-F687-4f45-9708-019B960494DF}">
+                <a14:hiddenLine xmlns:a14="http://schemas.microsoft.com/office/drawing/2010/main" xmlns="" w="12700">
+                  <a:solidFill>
+                    <a:schemeClr val="tx1"/>
+                  </a:solidFill>
+                  <a:miter lim="800000"/>
+                  <a:headEnd/>
+                  <a:tailEnd/>
+                </a14:hiddenLine>
+              </a:ext>
+            </a:extLst>
+          </p:spPr>
+          <p:txBody>
+            <a:bodyPr wrap="none" lIns="38100" tIns="38100" rIns="90479" bIns="38100" anchor="ctr">
+              <a:spAutoFit/>
+            </a:bodyPr>
+            <a:lstStyle/>
+            <a:p>
+              <a:pPr marL="11113" algn="ctr"/>
+              <a:r>
+                <a:rPr lang="en-US" sz="1800">
+                  <a:solidFill>
+                    <a:schemeClr val="bg1"/>
+                  </a:solidFill>
+                  <a:latin typeface="Arial" charset="0"/>
+                  <a:cs typeface="Arial" charset="0"/>
+                  <a:sym typeface="Arial" charset="0"/>
+                </a:rPr>
+                <a:t>Network</a:t>
+              </a:r>
+            </a:p>
+          </p:txBody>
+        </p:sp>
+      </p:grpSp>
+      <p:grpSp>
+        <p:nvGrpSpPr>
+          <p:cNvPr id="13" name="Group 12">
+            <a:extLst>
+              <a:ext uri="{FF2B5EF4-FFF2-40B4-BE49-F238E27FC236}">
+                <a16:creationId xmlns:a16="http://schemas.microsoft.com/office/drawing/2014/main" id="{689264C2-7BB1-4272-BED2-0CAEA7599916}"/>
+              </a:ext>
+            </a:extLst>
+          </p:cNvPr>
+          <p:cNvGrpSpPr>
+            <a:grpSpLocks/>
+          </p:cNvGrpSpPr>
+          <p:nvPr/>
+        </p:nvGrpSpPr>
+        <p:grpSpPr bwMode="auto">
+          <a:xfrm>
+            <a:off x="2757851" y="4371761"/>
+            <a:ext cx="1649413" cy="431800"/>
+            <a:chOff x="0" y="0"/>
+            <a:chExt cx="943" cy="272"/>
+          </a:xfrm>
+          <a:solidFill>
+            <a:srgbClr val="0000FF"/>
+          </a:solidFill>
+          <a:effectLst/>
+        </p:grpSpPr>
+        <p:sp>
+          <p:nvSpPr>
+            <p:cNvPr id="14" name="Rectangle 13">
+              <a:extLst>
+                <a:ext uri="{FF2B5EF4-FFF2-40B4-BE49-F238E27FC236}">
+                  <a16:creationId xmlns:a16="http://schemas.microsoft.com/office/drawing/2014/main" id="{4A0E9983-D696-41B4-B976-6C0B4699B552}"/>
+                </a:ext>
+              </a:extLst>
+            </p:cNvPr>
+            <p:cNvSpPr>
+              <a:spLocks/>
+            </p:cNvSpPr>
+            <p:nvPr/>
+          </p:nvSpPr>
+          <p:spPr bwMode="auto">
+            <a:xfrm>
+              <a:off x="0" y="0"/>
+              <a:ext cx="943" cy="272"/>
+            </a:xfrm>
+            <a:prstGeom prst="rect">
+              <a:avLst/>
+            </a:prstGeom>
+            <a:grpFill/>
+            <a:ln w="25400">
+              <a:solidFill>
+                <a:srgbClr val="FFFFFF"/>
+              </a:solidFill>
+              <a:prstDash val="solid"/>
+              <a:miter lim="800000"/>
+              <a:headEnd type="none" w="med" len="med"/>
+              <a:tailEnd type="none" w="med" len="med"/>
+            </a:ln>
+            <a:effectLst>
+              <a:outerShdw blurRad="63500" dist="101600" dir="2700000" algn="ctr" rotWithShape="0">
+                <a:schemeClr val="bg2">
+                  <a:alpha val="75000"/>
+                </a:schemeClr>
+              </a:outerShdw>
+            </a:effectLst>
+          </p:spPr>
+          <p:txBody>
+            <a:bodyPr lIns="0" tIns="0" rIns="0" bIns="0"/>
+            <a:lstStyle/>
+            <a:p>
+              <a:pPr>
+                <a:defRPr/>
+              </a:pPr>
+              <a:endParaRPr lang="en-US">
+                <a:solidFill>
+                  <a:schemeClr val="bg1"/>
+                </a:solidFill>
+              </a:endParaRPr>
+            </a:p>
+          </p:txBody>
+        </p:sp>
+        <p:sp>
+          <p:nvSpPr>
+            <p:cNvPr id="15" name="Rectangle 14">
+              <a:extLst>
+                <a:ext uri="{FF2B5EF4-FFF2-40B4-BE49-F238E27FC236}">
+                  <a16:creationId xmlns:a16="http://schemas.microsoft.com/office/drawing/2014/main" id="{2CAEFD8D-0C71-40F1-96E0-8EADA7B6961C}"/>
+                </a:ext>
+              </a:extLst>
+            </p:cNvPr>
+            <p:cNvSpPr>
+              <a:spLocks/>
+            </p:cNvSpPr>
+            <p:nvPr/>
+          </p:nvSpPr>
+          <p:spPr bwMode="auto">
+            <a:xfrm>
+              <a:off x="126" y="24"/>
+              <a:ext cx="695" cy="223"/>
+            </a:xfrm>
+            <a:prstGeom prst="rect">
+              <a:avLst/>
+            </a:prstGeom>
+            <a:grpFill/>
+            <a:ln>
+              <a:noFill/>
+            </a:ln>
+            <a:extLst>
+              <a:ext uri="{909E8E84-426E-40dd-AFC4-6F175D3DCCD1}">
+                <a14:hiddenFill xmlns:a14="http://schemas.microsoft.com/office/drawing/2010/main" xmlns="">
+                  <a:solidFill>
+                    <a:srgbClr val="FFFFFF"/>
+                  </a:solidFill>
+                </a14:hiddenFill>
+              </a:ext>
+              <a:ext uri="{91240B29-F687-4f45-9708-019B960494DF}">
+                <a14:hiddenLine xmlns:a14="http://schemas.microsoft.com/office/drawing/2010/main" xmlns="" w="12700">
+                  <a:solidFill>
+                    <a:schemeClr val="tx1"/>
+                  </a:solidFill>
+                  <a:miter lim="800000"/>
+                  <a:headEnd/>
+                  <a:tailEnd/>
+                </a14:hiddenLine>
+              </a:ext>
+            </a:extLst>
+          </p:spPr>
+          <p:txBody>
+            <a:bodyPr wrap="none" lIns="38100" tIns="38100" rIns="90479" bIns="38100" anchor="ctr">
+              <a:spAutoFit/>
+            </a:bodyPr>
+            <a:lstStyle/>
+            <a:p>
+              <a:pPr marL="11113" algn="ctr"/>
+              <a:r>
+                <a:rPr lang="en-US" sz="1800">
+                  <a:solidFill>
+                    <a:schemeClr val="bg1"/>
+                  </a:solidFill>
+                  <a:latin typeface="Arial" charset="0"/>
+                  <a:cs typeface="Arial" charset="0"/>
+                  <a:sym typeface="Arial" charset="0"/>
+                </a:rPr>
+                <a:t>Data link</a:t>
+              </a:r>
+            </a:p>
+          </p:txBody>
+        </p:sp>
+      </p:grpSp>
+      <p:grpSp>
+        <p:nvGrpSpPr>
+          <p:cNvPr id="16" name="Group 15">
+            <a:extLst>
+              <a:ext uri="{FF2B5EF4-FFF2-40B4-BE49-F238E27FC236}">
+                <a16:creationId xmlns:a16="http://schemas.microsoft.com/office/drawing/2014/main" id="{C28602F3-C0ED-432E-9D30-DDDDFDE315E3}"/>
+              </a:ext>
+            </a:extLst>
+          </p:cNvPr>
+          <p:cNvGrpSpPr>
+            <a:grpSpLocks/>
+          </p:cNvGrpSpPr>
+          <p:nvPr/>
+        </p:nvGrpSpPr>
+        <p:grpSpPr bwMode="auto">
+          <a:xfrm>
+            <a:off x="2757851" y="4828961"/>
+            <a:ext cx="1649413" cy="430212"/>
+            <a:chOff x="0" y="0"/>
+            <a:chExt cx="943" cy="271"/>
+          </a:xfrm>
+          <a:solidFill>
+            <a:srgbClr val="0000FF"/>
+          </a:solidFill>
+          <a:effectLst/>
+        </p:grpSpPr>
+        <p:sp>
+          <p:nvSpPr>
+            <p:cNvPr id="17" name="Rectangle 16">
+              <a:extLst>
+                <a:ext uri="{FF2B5EF4-FFF2-40B4-BE49-F238E27FC236}">
+                  <a16:creationId xmlns:a16="http://schemas.microsoft.com/office/drawing/2014/main" id="{C267AE64-AB4D-41C5-B481-85F68F2E251A}"/>
+                </a:ext>
+              </a:extLst>
+            </p:cNvPr>
+            <p:cNvSpPr>
+              <a:spLocks/>
+            </p:cNvSpPr>
+            <p:nvPr/>
+          </p:nvSpPr>
+          <p:spPr bwMode="auto">
+            <a:xfrm>
+              <a:off x="0" y="0"/>
+              <a:ext cx="943" cy="271"/>
+            </a:xfrm>
+            <a:prstGeom prst="rect">
+              <a:avLst/>
+            </a:prstGeom>
+            <a:grpFill/>
+            <a:ln w="25400">
+              <a:solidFill>
+                <a:srgbClr val="FFFFFF"/>
+              </a:solidFill>
+              <a:prstDash val="solid"/>
+              <a:miter lim="800000"/>
+              <a:headEnd type="none" w="med" len="med"/>
+              <a:tailEnd type="none" w="med" len="med"/>
+            </a:ln>
+            <a:effectLst>
+              <a:outerShdw blurRad="63500" dist="101600" dir="2700000" algn="ctr" rotWithShape="0">
+                <a:schemeClr val="bg2">
+                  <a:alpha val="75000"/>
+                </a:schemeClr>
+              </a:outerShdw>
+            </a:effectLst>
+          </p:spPr>
+          <p:txBody>
+            <a:bodyPr lIns="0" tIns="0" rIns="0" bIns="0"/>
+            <a:lstStyle/>
+            <a:p>
+              <a:pPr>
+                <a:defRPr/>
+              </a:pPr>
+              <a:endParaRPr lang="en-US">
+                <a:solidFill>
+                  <a:schemeClr val="bg1"/>
+                </a:solidFill>
+              </a:endParaRPr>
+            </a:p>
+          </p:txBody>
+        </p:sp>
+        <p:sp>
+          <p:nvSpPr>
+            <p:cNvPr id="18" name="Rectangle 17">
+              <a:extLst>
+                <a:ext uri="{FF2B5EF4-FFF2-40B4-BE49-F238E27FC236}">
+                  <a16:creationId xmlns:a16="http://schemas.microsoft.com/office/drawing/2014/main" id="{8096579C-A034-4968-BE57-76408F01EBF5}"/>
+                </a:ext>
+              </a:extLst>
+            </p:cNvPr>
+            <p:cNvSpPr>
+              <a:spLocks/>
+            </p:cNvSpPr>
+            <p:nvPr/>
+          </p:nvSpPr>
+          <p:spPr bwMode="auto">
+            <a:xfrm>
+              <a:off x="134" y="23"/>
+              <a:ext cx="679" cy="223"/>
+            </a:xfrm>
+            <a:prstGeom prst="rect">
+              <a:avLst/>
+            </a:prstGeom>
+            <a:grpFill/>
+            <a:ln>
+              <a:noFill/>
+            </a:ln>
+            <a:extLst>
+              <a:ext uri="{909E8E84-426E-40dd-AFC4-6F175D3DCCD1}">
+                <a14:hiddenFill xmlns:a14="http://schemas.microsoft.com/office/drawing/2010/main" xmlns="">
+                  <a:solidFill>
+                    <a:srgbClr val="FFFFFF"/>
+                  </a:solidFill>
+                </a14:hiddenFill>
+              </a:ext>
+              <a:ext uri="{91240B29-F687-4f45-9708-019B960494DF}">
+                <a14:hiddenLine xmlns:a14="http://schemas.microsoft.com/office/drawing/2010/main" xmlns="" w="12700">
+                  <a:solidFill>
+                    <a:schemeClr val="tx1"/>
+                  </a:solidFill>
+                  <a:miter lim="800000"/>
+                  <a:headEnd/>
+                  <a:tailEnd/>
+                </a14:hiddenLine>
+              </a:ext>
+            </a:extLst>
+          </p:spPr>
+          <p:txBody>
+            <a:bodyPr wrap="none" lIns="38100" tIns="38100" rIns="90479" bIns="38100" anchor="ctr">
+              <a:spAutoFit/>
+            </a:bodyPr>
+            <a:lstStyle/>
+            <a:p>
+              <a:pPr marL="11113" algn="ctr"/>
+              <a:r>
+                <a:rPr lang="en-US" sz="1800">
+                  <a:solidFill>
+                    <a:schemeClr val="bg1"/>
+                  </a:solidFill>
+                  <a:latin typeface="Arial" charset="0"/>
+                  <a:cs typeface="Arial" charset="0"/>
+                  <a:sym typeface="Arial" charset="0"/>
+                </a:rPr>
+                <a:t>Physical</a:t>
+              </a:r>
+            </a:p>
+          </p:txBody>
+        </p:sp>
+      </p:grpSp>
+      <p:sp>
+        <p:nvSpPr>
+          <p:cNvPr id="19" name="TextBox 18">
+            <a:extLst>
+              <a:ext uri="{FF2B5EF4-FFF2-40B4-BE49-F238E27FC236}">
+                <a16:creationId xmlns:a16="http://schemas.microsoft.com/office/drawing/2014/main" id="{EC87430E-FAD8-455B-88F2-77BF7472E96A}"/>
+              </a:ext>
+            </a:extLst>
+          </p:cNvPr>
+          <p:cNvSpPr txBox="1"/>
+          <p:nvPr/>
+        </p:nvSpPr>
+        <p:spPr>
+          <a:xfrm>
+            <a:off x="2246996" y="2526744"/>
+            <a:ext cx="453970" cy="369332"/>
+          </a:xfrm>
+          <a:prstGeom prst="rect">
+            <a:avLst/>
+          </a:prstGeom>
+          <a:solidFill>
+            <a:schemeClr val="bg1"/>
+          </a:solidFill>
+        </p:spPr>
+        <p:txBody>
+          <a:bodyPr wrap="none" rtlCol="0">
+            <a:spAutoFit/>
+          </a:bodyPr>
+          <a:lstStyle/>
+          <a:p>
+            <a:r>
+              <a:rPr lang="en-US" sz="1800" dirty="0">
+                <a:solidFill>
+                  <a:schemeClr val="accent2"/>
+                </a:solidFill>
+              </a:rPr>
+              <a:t>L7</a:t>
+            </a:r>
+          </a:p>
+        </p:txBody>
+      </p:sp>
+      <p:sp>
+        <p:nvSpPr>
+          <p:cNvPr id="20" name="TextBox 19">
+            <a:extLst>
+              <a:ext uri="{FF2B5EF4-FFF2-40B4-BE49-F238E27FC236}">
+                <a16:creationId xmlns:a16="http://schemas.microsoft.com/office/drawing/2014/main" id="{A273E866-D81F-4EFB-A024-952AE090546B}"/>
+              </a:ext>
+            </a:extLst>
+          </p:cNvPr>
+          <p:cNvSpPr txBox="1"/>
+          <p:nvPr/>
+        </p:nvSpPr>
+        <p:spPr>
+          <a:xfrm>
+            <a:off x="2246996" y="3490182"/>
+            <a:ext cx="453970" cy="369332"/>
+          </a:xfrm>
+          <a:prstGeom prst="rect">
+            <a:avLst/>
+          </a:prstGeom>
+          <a:solidFill>
+            <a:schemeClr val="bg1"/>
+          </a:solidFill>
+        </p:spPr>
+        <p:txBody>
+          <a:bodyPr wrap="none" rtlCol="0">
+            <a:spAutoFit/>
+          </a:bodyPr>
+          <a:lstStyle/>
+          <a:p>
+            <a:r>
+              <a:rPr lang="en-US" sz="1800" dirty="0">
+                <a:solidFill>
+                  <a:schemeClr val="accent2"/>
+                </a:solidFill>
+              </a:rPr>
+              <a:t>L4</a:t>
+            </a:r>
+          </a:p>
+        </p:txBody>
+      </p:sp>
+      <p:sp>
+        <p:nvSpPr>
+          <p:cNvPr id="21" name="TextBox 20">
+            <a:extLst>
+              <a:ext uri="{FF2B5EF4-FFF2-40B4-BE49-F238E27FC236}">
+                <a16:creationId xmlns:a16="http://schemas.microsoft.com/office/drawing/2014/main" id="{20C18CB8-5FA6-4376-996C-6E016CE49551}"/>
+              </a:ext>
+            </a:extLst>
+          </p:cNvPr>
+          <p:cNvSpPr txBox="1"/>
+          <p:nvPr/>
+        </p:nvSpPr>
+        <p:spPr>
+          <a:xfrm>
+            <a:off x="2246996" y="3945794"/>
+            <a:ext cx="453970" cy="369332"/>
+          </a:xfrm>
+          <a:prstGeom prst="rect">
+            <a:avLst/>
+          </a:prstGeom>
+          <a:solidFill>
+            <a:schemeClr val="bg1"/>
+          </a:solidFill>
+        </p:spPr>
+        <p:txBody>
+          <a:bodyPr wrap="none" rtlCol="0">
+            <a:spAutoFit/>
+          </a:bodyPr>
+          <a:lstStyle/>
+          <a:p>
+            <a:r>
+              <a:rPr lang="en-US" sz="1800" dirty="0">
+                <a:solidFill>
+                  <a:schemeClr val="accent2"/>
+                </a:solidFill>
+              </a:rPr>
+              <a:t>L3</a:t>
+            </a:r>
+          </a:p>
+        </p:txBody>
+      </p:sp>
+      <p:sp>
+        <p:nvSpPr>
+          <p:cNvPr id="22" name="TextBox 21">
+            <a:extLst>
+              <a:ext uri="{FF2B5EF4-FFF2-40B4-BE49-F238E27FC236}">
+                <a16:creationId xmlns:a16="http://schemas.microsoft.com/office/drawing/2014/main" id="{6826EC72-38D1-426F-8A35-73C33C4F0C6F}"/>
+              </a:ext>
+            </a:extLst>
+          </p:cNvPr>
+          <p:cNvSpPr txBox="1"/>
+          <p:nvPr/>
+        </p:nvSpPr>
+        <p:spPr>
+          <a:xfrm>
+            <a:off x="2246996" y="4402995"/>
+            <a:ext cx="453970" cy="369332"/>
+          </a:xfrm>
+          <a:prstGeom prst="rect">
+            <a:avLst/>
+          </a:prstGeom>
+          <a:solidFill>
+            <a:schemeClr val="bg1"/>
+          </a:solidFill>
+        </p:spPr>
+        <p:txBody>
+          <a:bodyPr wrap="none" rtlCol="0">
+            <a:spAutoFit/>
+          </a:bodyPr>
+          <a:lstStyle/>
+          <a:p>
+            <a:r>
+              <a:rPr lang="en-US" sz="1800" dirty="0">
+                <a:solidFill>
+                  <a:schemeClr val="accent2"/>
+                </a:solidFill>
+              </a:rPr>
+              <a:t>L2</a:t>
+            </a:r>
+          </a:p>
+        </p:txBody>
+      </p:sp>
+      <p:sp>
+        <p:nvSpPr>
+          <p:cNvPr id="23" name="TextBox 22">
+            <a:extLst>
+              <a:ext uri="{FF2B5EF4-FFF2-40B4-BE49-F238E27FC236}">
+                <a16:creationId xmlns:a16="http://schemas.microsoft.com/office/drawing/2014/main" id="{6698C70D-41D2-44D6-B494-EF2C63798ADA}"/>
+              </a:ext>
+            </a:extLst>
+          </p:cNvPr>
+          <p:cNvSpPr txBox="1"/>
+          <p:nvPr/>
+        </p:nvSpPr>
+        <p:spPr>
+          <a:xfrm>
+            <a:off x="2246996" y="4859401"/>
+            <a:ext cx="453970" cy="369332"/>
+          </a:xfrm>
+          <a:prstGeom prst="rect">
+            <a:avLst/>
+          </a:prstGeom>
+          <a:solidFill>
+            <a:schemeClr val="bg1"/>
+          </a:solidFill>
+        </p:spPr>
+        <p:txBody>
+          <a:bodyPr wrap="none" rtlCol="0">
+            <a:spAutoFit/>
+          </a:bodyPr>
+          <a:lstStyle/>
+          <a:p>
+            <a:r>
+              <a:rPr lang="en-US" sz="1800" dirty="0">
+                <a:solidFill>
+                  <a:schemeClr val="accent2"/>
+                </a:solidFill>
+              </a:rPr>
+              <a:t>L1</a:t>
+            </a:r>
+          </a:p>
+        </p:txBody>
+      </p:sp>
+      <p:cxnSp>
+        <p:nvCxnSpPr>
+          <p:cNvPr id="24" name="Straight Connector 44">
+            <a:extLst>
+              <a:ext uri="{FF2B5EF4-FFF2-40B4-BE49-F238E27FC236}">
+                <a16:creationId xmlns:a16="http://schemas.microsoft.com/office/drawing/2014/main" id="{9A0616A5-F08E-414C-801C-A08DB9E21354}"/>
+              </a:ext>
+            </a:extLst>
+          </p:cNvPr>
+          <p:cNvCxnSpPr>
+            <a:cxnSpLocks noChangeShapeType="1"/>
+          </p:cNvCxnSpPr>
+          <p:nvPr/>
+        </p:nvCxnSpPr>
+        <p:spPr bwMode="auto">
+          <a:xfrm>
+            <a:off x="4442509" y="2708513"/>
+            <a:ext cx="3228975" cy="0"/>
+          </a:xfrm>
+          <a:prstGeom prst="line">
+            <a:avLst/>
+          </a:prstGeom>
+          <a:noFill/>
+          <a:ln w="19050">
+            <a:solidFill>
+              <a:schemeClr val="tx1"/>
+            </a:solidFill>
+            <a:prstDash val="dash"/>
+            <a:round/>
+            <a:headEnd type="triangle" w="med" len="med"/>
+            <a:tailEnd type="triangle" w="med" len="med"/>
+          </a:ln>
+          <a:extLst>
+            <a:ext uri="{909E8E84-426E-40dd-AFC4-6F175D3DCCD1}">
+              <a14:hiddenFill xmlns:a14="http://schemas.microsoft.com/office/drawing/2010/main" xmlns="">
+                <a:noFill/>
+              </a14:hiddenFill>
+            </a:ext>
+          </a:extLst>
+        </p:spPr>
+      </p:cxnSp>
+      <p:cxnSp>
+        <p:nvCxnSpPr>
+          <p:cNvPr id="25" name="Straight Connector 46">
+            <a:extLst>
+              <a:ext uri="{FF2B5EF4-FFF2-40B4-BE49-F238E27FC236}">
+                <a16:creationId xmlns:a16="http://schemas.microsoft.com/office/drawing/2014/main" id="{DD8453A4-424B-444F-95DD-D4E0A06B26A0}"/>
+              </a:ext>
+            </a:extLst>
+          </p:cNvPr>
+          <p:cNvCxnSpPr>
+            <a:cxnSpLocks noChangeShapeType="1"/>
+          </p:cNvCxnSpPr>
+          <p:nvPr/>
+        </p:nvCxnSpPr>
+        <p:spPr bwMode="auto">
+          <a:xfrm>
+            <a:off x="4442509" y="3630398"/>
+            <a:ext cx="3228975" cy="0"/>
+          </a:xfrm>
+          <a:prstGeom prst="line">
+            <a:avLst/>
+          </a:prstGeom>
+          <a:noFill/>
+          <a:ln w="19050">
+            <a:solidFill>
+              <a:schemeClr val="tx1"/>
+            </a:solidFill>
+            <a:prstDash val="dash"/>
+            <a:round/>
+            <a:headEnd type="triangle" w="med" len="med"/>
+            <a:tailEnd type="triangle" w="med" len="med"/>
+          </a:ln>
+          <a:extLst>
+            <a:ext uri="{909E8E84-426E-40dd-AFC4-6F175D3DCCD1}">
+              <a14:hiddenFill xmlns:a14="http://schemas.microsoft.com/office/drawing/2010/main" xmlns="">
+                <a:noFill/>
+              </a14:hiddenFill>
+            </a:ext>
+          </a:extLst>
+        </p:spPr>
+      </p:cxnSp>
+      <p:cxnSp>
+        <p:nvCxnSpPr>
+          <p:cNvPr id="26" name="Straight Connector 47">
+            <a:extLst>
+              <a:ext uri="{FF2B5EF4-FFF2-40B4-BE49-F238E27FC236}">
+                <a16:creationId xmlns:a16="http://schemas.microsoft.com/office/drawing/2014/main" id="{64E99D29-FD98-4960-8497-950408DE3736}"/>
+              </a:ext>
+            </a:extLst>
+          </p:cNvPr>
+          <p:cNvCxnSpPr>
+            <a:cxnSpLocks noChangeShapeType="1"/>
+          </p:cNvCxnSpPr>
+          <p:nvPr/>
+        </p:nvCxnSpPr>
+        <p:spPr bwMode="auto">
+          <a:xfrm>
+            <a:off x="4442509" y="4087598"/>
+            <a:ext cx="3228975" cy="0"/>
+          </a:xfrm>
+          <a:prstGeom prst="line">
+            <a:avLst/>
+          </a:prstGeom>
+          <a:noFill/>
+          <a:ln w="19050">
+            <a:solidFill>
+              <a:schemeClr val="tx1"/>
+            </a:solidFill>
+            <a:prstDash val="dash"/>
+            <a:round/>
+            <a:headEnd type="triangle" w="med" len="med"/>
+            <a:tailEnd type="triangle" w="med" len="med"/>
+          </a:ln>
+          <a:extLst>
+            <a:ext uri="{909E8E84-426E-40dd-AFC4-6F175D3DCCD1}">
+              <a14:hiddenFill xmlns:a14="http://schemas.microsoft.com/office/drawing/2010/main" xmlns="">
+                <a:noFill/>
+              </a14:hiddenFill>
+            </a:ext>
+          </a:extLst>
+        </p:spPr>
+      </p:cxnSp>
+      <p:cxnSp>
+        <p:nvCxnSpPr>
+          <p:cNvPr id="27" name="Straight Connector 48">
+            <a:extLst>
+              <a:ext uri="{FF2B5EF4-FFF2-40B4-BE49-F238E27FC236}">
+                <a16:creationId xmlns:a16="http://schemas.microsoft.com/office/drawing/2014/main" id="{D05CC176-2F6D-4020-A9F2-EF3B522BFA1C}"/>
+              </a:ext>
+            </a:extLst>
+          </p:cNvPr>
+          <p:cNvCxnSpPr>
+            <a:cxnSpLocks noChangeShapeType="1"/>
+          </p:cNvCxnSpPr>
+          <p:nvPr/>
+        </p:nvCxnSpPr>
+        <p:spPr bwMode="auto">
+          <a:xfrm>
+            <a:off x="4442509" y="4620998"/>
+            <a:ext cx="3228975" cy="0"/>
+          </a:xfrm>
+          <a:prstGeom prst="line">
+            <a:avLst/>
+          </a:prstGeom>
+          <a:noFill/>
+          <a:ln w="19050">
+            <a:solidFill>
+              <a:schemeClr val="tx1"/>
+            </a:solidFill>
+            <a:prstDash val="dash"/>
+            <a:round/>
+            <a:headEnd type="triangle" w="med" len="med"/>
+            <a:tailEnd type="triangle" w="med" len="med"/>
+          </a:ln>
+          <a:extLst>
+            <a:ext uri="{909E8E84-426E-40dd-AFC4-6F175D3DCCD1}">
+              <a14:hiddenFill xmlns:a14="http://schemas.microsoft.com/office/drawing/2010/main" xmlns="">
+                <a:noFill/>
+              </a14:hiddenFill>
+            </a:ext>
+          </a:extLst>
+        </p:spPr>
+      </p:cxnSp>
+      <p:cxnSp>
+        <p:nvCxnSpPr>
+          <p:cNvPr id="28" name="Straight Connector 49">
+            <a:extLst>
+              <a:ext uri="{FF2B5EF4-FFF2-40B4-BE49-F238E27FC236}">
+                <a16:creationId xmlns:a16="http://schemas.microsoft.com/office/drawing/2014/main" id="{87890218-6332-4256-B4C1-321DA2F273B3}"/>
+              </a:ext>
+            </a:extLst>
+          </p:cNvPr>
+          <p:cNvCxnSpPr>
+            <a:cxnSpLocks noChangeShapeType="1"/>
+          </p:cNvCxnSpPr>
+          <p:nvPr/>
+        </p:nvCxnSpPr>
+        <p:spPr bwMode="auto">
+          <a:xfrm>
+            <a:off x="4442509" y="5001998"/>
+            <a:ext cx="3228975" cy="0"/>
+          </a:xfrm>
+          <a:prstGeom prst="line">
+            <a:avLst/>
+          </a:prstGeom>
+          <a:noFill/>
+          <a:ln w="19050">
+            <a:solidFill>
+              <a:schemeClr val="tx1"/>
+            </a:solidFill>
+            <a:prstDash val="dash"/>
+            <a:round/>
+            <a:headEnd type="triangle" w="med" len="med"/>
+            <a:tailEnd type="triangle" w="med" len="med"/>
+          </a:ln>
+          <a:extLst>
+            <a:ext uri="{909E8E84-426E-40dd-AFC4-6F175D3DCCD1}">
+              <a14:hiddenFill xmlns:a14="http://schemas.microsoft.com/office/drawing/2010/main" xmlns="">
+                <a:noFill/>
+              </a14:hiddenFill>
+            </a:ext>
+          </a:extLst>
+        </p:spPr>
+      </p:cxnSp>
+      <p:grpSp>
+        <p:nvGrpSpPr>
+          <p:cNvPr id="29" name="Group 28">
+            <a:extLst>
+              <a:ext uri="{FF2B5EF4-FFF2-40B4-BE49-F238E27FC236}">
+                <a16:creationId xmlns:a16="http://schemas.microsoft.com/office/drawing/2014/main" id="{CB69BEA1-0BB0-4067-948F-2E81161DAD71}"/>
+              </a:ext>
+            </a:extLst>
+          </p:cNvPr>
+          <p:cNvGrpSpPr>
+            <a:grpSpLocks/>
+          </p:cNvGrpSpPr>
+          <p:nvPr/>
+        </p:nvGrpSpPr>
+        <p:grpSpPr bwMode="auto">
+          <a:xfrm>
+            <a:off x="7706728" y="2521188"/>
+            <a:ext cx="1649412" cy="431800"/>
+            <a:chOff x="0" y="0"/>
+            <a:chExt cx="943" cy="272"/>
+          </a:xfrm>
+          <a:solidFill>
+            <a:srgbClr val="0000FF"/>
+          </a:solidFill>
+          <a:effectLst/>
+        </p:grpSpPr>
+        <p:sp>
+          <p:nvSpPr>
+            <p:cNvPr id="30" name="Rectangle 29">
+              <a:extLst>
+                <a:ext uri="{FF2B5EF4-FFF2-40B4-BE49-F238E27FC236}">
+                  <a16:creationId xmlns:a16="http://schemas.microsoft.com/office/drawing/2014/main" id="{02826820-2D99-4C72-AF78-34B09C8F3941}"/>
+                </a:ext>
+              </a:extLst>
+            </p:cNvPr>
+            <p:cNvSpPr>
+              <a:spLocks/>
+            </p:cNvSpPr>
+            <p:nvPr/>
+          </p:nvSpPr>
+          <p:spPr bwMode="auto">
+            <a:xfrm>
+              <a:off x="0" y="0"/>
+              <a:ext cx="943" cy="272"/>
+            </a:xfrm>
+            <a:prstGeom prst="rect">
+              <a:avLst/>
+            </a:prstGeom>
+            <a:grpFill/>
+            <a:ln w="25400">
+              <a:solidFill>
+                <a:srgbClr val="FFFFFF"/>
+              </a:solidFill>
+              <a:prstDash val="solid"/>
+              <a:miter lim="800000"/>
+              <a:headEnd type="none" w="med" len="med"/>
+              <a:tailEnd type="none" w="med" len="med"/>
+            </a:ln>
+            <a:effectLst>
+              <a:outerShdw blurRad="63500" dist="101600" dir="2700000" algn="ctr" rotWithShape="0">
+                <a:schemeClr val="bg2">
+                  <a:alpha val="75000"/>
+                </a:schemeClr>
+              </a:outerShdw>
+            </a:effectLst>
+          </p:spPr>
+          <p:txBody>
+            <a:bodyPr lIns="0" tIns="0" rIns="0" bIns="0"/>
+            <a:lstStyle/>
+            <a:p>
+              <a:pPr>
+                <a:defRPr/>
+              </a:pPr>
+              <a:endParaRPr lang="en-US">
+                <a:solidFill>
+                  <a:schemeClr val="bg1"/>
+                </a:solidFill>
+              </a:endParaRPr>
+            </a:p>
+          </p:txBody>
+        </p:sp>
+        <p:sp>
+          <p:nvSpPr>
+            <p:cNvPr id="31" name="Rectangle 30">
+              <a:extLst>
+                <a:ext uri="{FF2B5EF4-FFF2-40B4-BE49-F238E27FC236}">
+                  <a16:creationId xmlns:a16="http://schemas.microsoft.com/office/drawing/2014/main" id="{D7AD3824-DB9A-4568-8A66-4ABFA8B8CE53}"/>
+                </a:ext>
+              </a:extLst>
+            </p:cNvPr>
+            <p:cNvSpPr>
+              <a:spLocks/>
+            </p:cNvSpPr>
+            <p:nvPr/>
+          </p:nvSpPr>
+          <p:spPr bwMode="auto">
+            <a:xfrm>
+              <a:off x="30" y="24"/>
+              <a:ext cx="882" cy="223"/>
+            </a:xfrm>
+            <a:prstGeom prst="rect">
+              <a:avLst/>
+            </a:prstGeom>
+            <a:grpFill/>
+            <a:ln>
+              <a:noFill/>
+            </a:ln>
+            <a:extLst>
+              <a:ext uri="{91240B29-F687-4f45-9708-019B960494DF}">
+                <a14:hiddenLine xmlns:a14="http://schemas.microsoft.com/office/drawing/2010/main" xmlns="" w="12700">
+                  <a:solidFill>
+                    <a:schemeClr val="tx1"/>
+                  </a:solidFill>
+                  <a:miter lim="800000"/>
+                  <a:headEnd type="none" w="med" len="med"/>
+                  <a:tailEnd type="none" w="med" len="med"/>
+                </a14:hiddenLine>
+              </a:ext>
+            </a:extLst>
+          </p:spPr>
+          <p:txBody>
+            <a:bodyPr wrap="none" lIns="38100" tIns="38100" rIns="90479" bIns="38100" anchor="ctr">
+              <a:spAutoFit/>
+            </a:bodyPr>
+            <a:lstStyle/>
+            <a:p>
+              <a:pPr marL="12699" algn="ctr">
+                <a:defRPr/>
+              </a:pPr>
+              <a:r>
+                <a:rPr lang="en-US" sz="1800" dirty="0">
+                  <a:solidFill>
+                    <a:schemeClr val="bg1"/>
+                  </a:solidFill>
+                  <a:latin typeface="Arial" charset="0"/>
+                  <a:cs typeface="Arial" charset="0"/>
+                  <a:sym typeface="Arial" charset="0"/>
+                </a:rPr>
+                <a:t>Application</a:t>
+              </a:r>
+            </a:p>
+          </p:txBody>
+        </p:sp>
+      </p:grpSp>
+      <p:grpSp>
+        <p:nvGrpSpPr>
+          <p:cNvPr id="32" name="Group 31">
+            <a:extLst>
+              <a:ext uri="{FF2B5EF4-FFF2-40B4-BE49-F238E27FC236}">
+                <a16:creationId xmlns:a16="http://schemas.microsoft.com/office/drawing/2014/main" id="{2B64781F-9039-48BC-8536-E0CE65393279}"/>
+              </a:ext>
+            </a:extLst>
+          </p:cNvPr>
+          <p:cNvGrpSpPr>
+            <a:grpSpLocks/>
+          </p:cNvGrpSpPr>
+          <p:nvPr/>
+        </p:nvGrpSpPr>
+        <p:grpSpPr bwMode="auto">
+          <a:xfrm>
+            <a:off x="7706728" y="3458948"/>
+            <a:ext cx="1649412" cy="431800"/>
+            <a:chOff x="0" y="0"/>
+            <a:chExt cx="943" cy="272"/>
+          </a:xfrm>
+          <a:solidFill>
+            <a:srgbClr val="0000FF"/>
+          </a:solidFill>
+          <a:effectLst/>
+        </p:grpSpPr>
+        <p:sp>
+          <p:nvSpPr>
+            <p:cNvPr id="33" name="Rectangle 32">
+              <a:extLst>
+                <a:ext uri="{FF2B5EF4-FFF2-40B4-BE49-F238E27FC236}">
+                  <a16:creationId xmlns:a16="http://schemas.microsoft.com/office/drawing/2014/main" id="{C014801E-40F5-4E8E-A6B9-B31B3602AE8D}"/>
+                </a:ext>
+              </a:extLst>
+            </p:cNvPr>
+            <p:cNvSpPr>
+              <a:spLocks/>
+            </p:cNvSpPr>
+            <p:nvPr/>
+          </p:nvSpPr>
+          <p:spPr bwMode="auto">
+            <a:xfrm>
+              <a:off x="0" y="0"/>
+              <a:ext cx="943" cy="272"/>
+            </a:xfrm>
+            <a:prstGeom prst="rect">
+              <a:avLst/>
+            </a:prstGeom>
+            <a:grpFill/>
+            <a:ln w="25400">
+              <a:solidFill>
+                <a:srgbClr val="FFFFFF"/>
+              </a:solidFill>
+              <a:prstDash val="solid"/>
+              <a:miter lim="800000"/>
+              <a:headEnd type="none" w="med" len="med"/>
+              <a:tailEnd type="none" w="med" len="med"/>
+            </a:ln>
+            <a:effectLst>
+              <a:outerShdw blurRad="63500" dist="101600" dir="2700000" algn="ctr" rotWithShape="0">
+                <a:schemeClr val="bg2">
+                  <a:alpha val="75000"/>
+                </a:schemeClr>
+              </a:outerShdw>
+            </a:effectLst>
+          </p:spPr>
+          <p:txBody>
+            <a:bodyPr lIns="0" tIns="0" rIns="0" bIns="0"/>
+            <a:lstStyle/>
+            <a:p>
+              <a:pPr>
+                <a:defRPr/>
+              </a:pPr>
+              <a:endParaRPr lang="en-US">
+                <a:solidFill>
+                  <a:schemeClr val="bg1"/>
+                </a:solidFill>
+              </a:endParaRPr>
+            </a:p>
+          </p:txBody>
+        </p:sp>
+        <p:sp>
+          <p:nvSpPr>
+            <p:cNvPr id="34" name="Rectangle 33">
+              <a:extLst>
+                <a:ext uri="{FF2B5EF4-FFF2-40B4-BE49-F238E27FC236}">
+                  <a16:creationId xmlns:a16="http://schemas.microsoft.com/office/drawing/2014/main" id="{4637BFF4-3C2C-497F-9227-D0E8ECFB50FB}"/>
+                </a:ext>
+              </a:extLst>
+            </p:cNvPr>
+            <p:cNvSpPr>
+              <a:spLocks/>
+            </p:cNvSpPr>
+            <p:nvPr/>
+          </p:nvSpPr>
+          <p:spPr bwMode="auto">
+            <a:xfrm>
+              <a:off x="89" y="24"/>
+              <a:ext cx="760" cy="223"/>
+            </a:xfrm>
+            <a:prstGeom prst="rect">
+              <a:avLst/>
+            </a:prstGeom>
+            <a:grpFill/>
+            <a:ln>
+              <a:noFill/>
+            </a:ln>
+            <a:extLst>
+              <a:ext uri="{91240B29-F687-4f45-9708-019B960494DF}">
+                <a14:hiddenLine xmlns:a14="http://schemas.microsoft.com/office/drawing/2010/main" xmlns="" w="12700">
+                  <a:solidFill>
+                    <a:schemeClr val="tx1"/>
+                  </a:solidFill>
+                  <a:miter lim="800000"/>
+                  <a:headEnd type="none" w="med" len="med"/>
+                  <a:tailEnd type="none" w="med" len="med"/>
+                </a14:hiddenLine>
+              </a:ext>
+            </a:extLst>
+          </p:spPr>
+          <p:txBody>
+            <a:bodyPr wrap="none" lIns="38100" tIns="38100" rIns="90479" bIns="38100" anchor="ctr">
+              <a:spAutoFit/>
+            </a:bodyPr>
+            <a:lstStyle/>
+            <a:p>
+              <a:pPr marL="12699" algn="ctr">
+                <a:defRPr/>
+              </a:pPr>
+              <a:r>
+                <a:rPr lang="en-US" sz="1800" dirty="0">
+                  <a:solidFill>
+                    <a:schemeClr val="bg1"/>
+                  </a:solidFill>
+                  <a:latin typeface="Arial" charset="0"/>
+                  <a:cs typeface="Arial" charset="0"/>
+                  <a:sym typeface="Arial" charset="0"/>
+                </a:rPr>
+                <a:t>Transport</a:t>
+              </a:r>
+            </a:p>
+          </p:txBody>
+        </p:sp>
+      </p:grpSp>
+      <p:grpSp>
+        <p:nvGrpSpPr>
+          <p:cNvPr id="35" name="Group 34">
+            <a:extLst>
+              <a:ext uri="{FF2B5EF4-FFF2-40B4-BE49-F238E27FC236}">
+                <a16:creationId xmlns:a16="http://schemas.microsoft.com/office/drawing/2014/main" id="{74C39FBC-00DC-4F2B-AC6A-2080D35C3E80}"/>
+              </a:ext>
+            </a:extLst>
+          </p:cNvPr>
+          <p:cNvGrpSpPr>
+            <a:grpSpLocks/>
+          </p:cNvGrpSpPr>
+          <p:nvPr/>
+        </p:nvGrpSpPr>
+        <p:grpSpPr bwMode="auto">
+          <a:xfrm>
+            <a:off x="7706728" y="3916148"/>
+            <a:ext cx="1649413" cy="428625"/>
+            <a:chOff x="0" y="0"/>
+            <a:chExt cx="943" cy="270"/>
+          </a:xfrm>
+          <a:solidFill>
+            <a:srgbClr val="0000FF"/>
+          </a:solidFill>
+          <a:effectLst/>
+        </p:grpSpPr>
+        <p:sp>
+          <p:nvSpPr>
+            <p:cNvPr id="36" name="Rectangle 35">
+              <a:extLst>
+                <a:ext uri="{FF2B5EF4-FFF2-40B4-BE49-F238E27FC236}">
+                  <a16:creationId xmlns:a16="http://schemas.microsoft.com/office/drawing/2014/main" id="{943D2684-A106-4246-AA5C-27255FDE55FE}"/>
+                </a:ext>
+              </a:extLst>
+            </p:cNvPr>
+            <p:cNvSpPr>
+              <a:spLocks/>
+            </p:cNvSpPr>
+            <p:nvPr/>
+          </p:nvSpPr>
+          <p:spPr bwMode="auto">
+            <a:xfrm>
+              <a:off x="0" y="0"/>
+              <a:ext cx="943" cy="270"/>
+            </a:xfrm>
+            <a:prstGeom prst="rect">
+              <a:avLst/>
+            </a:prstGeom>
+            <a:grpFill/>
+            <a:ln w="25400">
+              <a:solidFill>
+                <a:srgbClr val="FFFFFF"/>
+              </a:solidFill>
+              <a:prstDash val="solid"/>
+              <a:miter lim="800000"/>
+              <a:headEnd type="none" w="med" len="med"/>
+              <a:tailEnd type="none" w="med" len="med"/>
+            </a:ln>
+            <a:effectLst>
+              <a:outerShdw blurRad="63500" dist="101600" dir="2700000" algn="ctr" rotWithShape="0">
+                <a:schemeClr val="bg2">
+                  <a:alpha val="75000"/>
+                </a:schemeClr>
+              </a:outerShdw>
+            </a:effectLst>
+          </p:spPr>
+          <p:txBody>
+            <a:bodyPr lIns="0" tIns="0" rIns="0" bIns="0"/>
+            <a:lstStyle/>
+            <a:p>
+              <a:pPr>
+                <a:defRPr/>
+              </a:pPr>
+              <a:endParaRPr lang="en-US">
+                <a:solidFill>
+                  <a:schemeClr val="bg1"/>
+                </a:solidFill>
+              </a:endParaRPr>
+            </a:p>
+          </p:txBody>
+        </p:sp>
+        <p:sp>
+          <p:nvSpPr>
+            <p:cNvPr id="37" name="Rectangle 36">
+              <a:extLst>
+                <a:ext uri="{FF2B5EF4-FFF2-40B4-BE49-F238E27FC236}">
+                  <a16:creationId xmlns:a16="http://schemas.microsoft.com/office/drawing/2014/main" id="{6A689236-C6C6-4704-A413-73E1B4FB57F6}"/>
+                </a:ext>
+              </a:extLst>
+            </p:cNvPr>
+            <p:cNvSpPr>
+              <a:spLocks/>
+            </p:cNvSpPr>
+            <p:nvPr/>
+          </p:nvSpPr>
+          <p:spPr bwMode="auto">
+            <a:xfrm>
+              <a:off x="140" y="23"/>
+              <a:ext cx="663" cy="223"/>
+            </a:xfrm>
+            <a:prstGeom prst="rect">
+              <a:avLst/>
+            </a:prstGeom>
+            <a:grpFill/>
+            <a:ln>
+              <a:noFill/>
+            </a:ln>
+            <a:extLst>
+              <a:ext uri="{909E8E84-426E-40dd-AFC4-6F175D3DCCD1}">
+                <a14:hiddenFill xmlns:a14="http://schemas.microsoft.com/office/drawing/2010/main" xmlns="">
+                  <a:solidFill>
+                    <a:srgbClr val="FFFFFF"/>
+                  </a:solidFill>
+                </a14:hiddenFill>
+              </a:ext>
+              <a:ext uri="{91240B29-F687-4f45-9708-019B960494DF}">
+                <a14:hiddenLine xmlns:a14="http://schemas.microsoft.com/office/drawing/2010/main" xmlns="" w="12700">
+                  <a:solidFill>
+                    <a:schemeClr val="tx1"/>
+                  </a:solidFill>
+                  <a:miter lim="800000"/>
+                  <a:headEnd/>
+                  <a:tailEnd/>
+                </a14:hiddenLine>
+              </a:ext>
+            </a:extLst>
+          </p:spPr>
+          <p:txBody>
+            <a:bodyPr wrap="none" lIns="38100" tIns="38100" rIns="90479" bIns="38100" anchor="ctr">
+              <a:spAutoFit/>
+            </a:bodyPr>
+            <a:lstStyle/>
+            <a:p>
+              <a:pPr marL="11113" algn="ctr"/>
+              <a:r>
+                <a:rPr lang="en-US" sz="1800">
+                  <a:solidFill>
+                    <a:schemeClr val="bg1"/>
+                  </a:solidFill>
+                  <a:latin typeface="Arial" charset="0"/>
+                  <a:cs typeface="Arial" charset="0"/>
+                  <a:sym typeface="Arial" charset="0"/>
+                </a:rPr>
+                <a:t>Network</a:t>
+              </a:r>
+            </a:p>
+          </p:txBody>
+        </p:sp>
+      </p:grpSp>
+      <p:grpSp>
+        <p:nvGrpSpPr>
+          <p:cNvPr id="38" name="Group 37">
+            <a:extLst>
+              <a:ext uri="{FF2B5EF4-FFF2-40B4-BE49-F238E27FC236}">
+                <a16:creationId xmlns:a16="http://schemas.microsoft.com/office/drawing/2014/main" id="{9056390B-FCCF-43AC-A8D8-3FA45F1377B4}"/>
+              </a:ext>
+            </a:extLst>
+          </p:cNvPr>
+          <p:cNvGrpSpPr>
+            <a:grpSpLocks/>
+          </p:cNvGrpSpPr>
+          <p:nvPr/>
+        </p:nvGrpSpPr>
+        <p:grpSpPr bwMode="auto">
+          <a:xfrm>
+            <a:off x="7706728" y="4371761"/>
+            <a:ext cx="1649413" cy="431800"/>
+            <a:chOff x="0" y="0"/>
+            <a:chExt cx="943" cy="272"/>
+          </a:xfrm>
+          <a:solidFill>
+            <a:srgbClr val="0000FF"/>
+          </a:solidFill>
+          <a:effectLst/>
+        </p:grpSpPr>
+        <p:sp>
+          <p:nvSpPr>
+            <p:cNvPr id="39" name="Rectangle 38">
+              <a:extLst>
+                <a:ext uri="{FF2B5EF4-FFF2-40B4-BE49-F238E27FC236}">
+                  <a16:creationId xmlns:a16="http://schemas.microsoft.com/office/drawing/2014/main" id="{090DC30F-F73D-4751-A7DD-767BB64AEB34}"/>
+                </a:ext>
+              </a:extLst>
+            </p:cNvPr>
+            <p:cNvSpPr>
+              <a:spLocks/>
+            </p:cNvSpPr>
+            <p:nvPr/>
+          </p:nvSpPr>
+          <p:spPr bwMode="auto">
+            <a:xfrm>
+              <a:off x="0" y="0"/>
+              <a:ext cx="943" cy="272"/>
+            </a:xfrm>
+            <a:prstGeom prst="rect">
+              <a:avLst/>
+            </a:prstGeom>
+            <a:grpFill/>
+            <a:ln w="25400">
+              <a:solidFill>
+                <a:srgbClr val="FFFFFF"/>
+              </a:solidFill>
+              <a:prstDash val="solid"/>
+              <a:miter lim="800000"/>
+              <a:headEnd type="none" w="med" len="med"/>
+              <a:tailEnd type="none" w="med" len="med"/>
+            </a:ln>
+            <a:effectLst>
+              <a:outerShdw blurRad="63500" dist="101600" dir="2700000" algn="ctr" rotWithShape="0">
+                <a:schemeClr val="bg2">
+                  <a:alpha val="75000"/>
+                </a:schemeClr>
+              </a:outerShdw>
+            </a:effectLst>
+          </p:spPr>
+          <p:txBody>
+            <a:bodyPr lIns="0" tIns="0" rIns="0" bIns="0"/>
+            <a:lstStyle/>
+            <a:p>
+              <a:pPr>
+                <a:defRPr/>
+              </a:pPr>
+              <a:endParaRPr lang="en-US">
+                <a:solidFill>
+                  <a:schemeClr val="bg1"/>
+                </a:solidFill>
+              </a:endParaRPr>
+            </a:p>
+          </p:txBody>
+        </p:sp>
+        <p:sp>
+          <p:nvSpPr>
+            <p:cNvPr id="40" name="Rectangle 39">
+              <a:extLst>
+                <a:ext uri="{FF2B5EF4-FFF2-40B4-BE49-F238E27FC236}">
+                  <a16:creationId xmlns:a16="http://schemas.microsoft.com/office/drawing/2014/main" id="{3753A03B-1625-468D-B82B-F3996467A270}"/>
+                </a:ext>
+              </a:extLst>
+            </p:cNvPr>
+            <p:cNvSpPr>
+              <a:spLocks/>
+            </p:cNvSpPr>
+            <p:nvPr/>
+          </p:nvSpPr>
+          <p:spPr bwMode="auto">
+            <a:xfrm>
+              <a:off x="126" y="24"/>
+              <a:ext cx="695" cy="223"/>
+            </a:xfrm>
+            <a:prstGeom prst="rect">
+              <a:avLst/>
+            </a:prstGeom>
+            <a:grpFill/>
+            <a:ln>
+              <a:noFill/>
+            </a:ln>
+            <a:extLst>
+              <a:ext uri="{909E8E84-426E-40dd-AFC4-6F175D3DCCD1}">
+                <a14:hiddenFill xmlns:a14="http://schemas.microsoft.com/office/drawing/2010/main" xmlns="">
+                  <a:solidFill>
+                    <a:srgbClr val="FFFFFF"/>
+                  </a:solidFill>
+                </a14:hiddenFill>
+              </a:ext>
+              <a:ext uri="{91240B29-F687-4f45-9708-019B960494DF}">
+                <a14:hiddenLine xmlns:a14="http://schemas.microsoft.com/office/drawing/2010/main" xmlns="" w="12700">
+                  <a:solidFill>
+                    <a:schemeClr val="tx1"/>
+                  </a:solidFill>
+                  <a:miter lim="800000"/>
+                  <a:headEnd/>
+                  <a:tailEnd/>
+                </a14:hiddenLine>
+              </a:ext>
+            </a:extLst>
+          </p:spPr>
+          <p:txBody>
+            <a:bodyPr wrap="none" lIns="38100" tIns="38100" rIns="90479" bIns="38100" anchor="ctr">
+              <a:spAutoFit/>
+            </a:bodyPr>
+            <a:lstStyle/>
+            <a:p>
+              <a:pPr marL="11113" algn="ctr"/>
+              <a:r>
+                <a:rPr lang="en-US" sz="1800">
+                  <a:solidFill>
+                    <a:schemeClr val="bg1"/>
+                  </a:solidFill>
+                  <a:latin typeface="Arial" charset="0"/>
+                  <a:cs typeface="Arial" charset="0"/>
+                  <a:sym typeface="Arial" charset="0"/>
+                </a:rPr>
+                <a:t>Data link</a:t>
+              </a:r>
+            </a:p>
+          </p:txBody>
+        </p:sp>
+      </p:grpSp>
+      <p:grpSp>
+        <p:nvGrpSpPr>
+          <p:cNvPr id="41" name="Group 40">
+            <a:extLst>
+              <a:ext uri="{FF2B5EF4-FFF2-40B4-BE49-F238E27FC236}">
+                <a16:creationId xmlns:a16="http://schemas.microsoft.com/office/drawing/2014/main" id="{5AD4C60B-4A0E-415A-9075-E90A221FF9ED}"/>
+              </a:ext>
+            </a:extLst>
+          </p:cNvPr>
+          <p:cNvGrpSpPr>
+            <a:grpSpLocks/>
+          </p:cNvGrpSpPr>
+          <p:nvPr/>
+        </p:nvGrpSpPr>
+        <p:grpSpPr bwMode="auto">
+          <a:xfrm>
+            <a:off x="7706728" y="4828961"/>
+            <a:ext cx="1649413" cy="430212"/>
+            <a:chOff x="0" y="0"/>
+            <a:chExt cx="943" cy="271"/>
+          </a:xfrm>
+          <a:solidFill>
+            <a:srgbClr val="0000FF"/>
+          </a:solidFill>
+          <a:effectLst/>
+        </p:grpSpPr>
+        <p:sp>
+          <p:nvSpPr>
+            <p:cNvPr id="42" name="Rectangle 41">
+              <a:extLst>
+                <a:ext uri="{FF2B5EF4-FFF2-40B4-BE49-F238E27FC236}">
+                  <a16:creationId xmlns:a16="http://schemas.microsoft.com/office/drawing/2014/main" id="{A3B5B15A-E019-4FB3-A2C3-C5360A58F3F9}"/>
+                </a:ext>
+              </a:extLst>
+            </p:cNvPr>
+            <p:cNvSpPr>
+              <a:spLocks/>
+            </p:cNvSpPr>
+            <p:nvPr/>
+          </p:nvSpPr>
+          <p:spPr bwMode="auto">
+            <a:xfrm>
+              <a:off x="0" y="0"/>
+              <a:ext cx="943" cy="271"/>
+            </a:xfrm>
+            <a:prstGeom prst="rect">
+              <a:avLst/>
+            </a:prstGeom>
+            <a:grpFill/>
+            <a:ln w="25400">
+              <a:solidFill>
+                <a:srgbClr val="FFFFFF"/>
+              </a:solidFill>
+              <a:prstDash val="solid"/>
+              <a:miter lim="800000"/>
+              <a:headEnd type="none" w="med" len="med"/>
+              <a:tailEnd type="none" w="med" len="med"/>
+            </a:ln>
+            <a:effectLst>
+              <a:outerShdw blurRad="63500" dist="101600" dir="2700000" algn="ctr" rotWithShape="0">
+                <a:schemeClr val="bg2">
+                  <a:alpha val="75000"/>
+                </a:schemeClr>
+              </a:outerShdw>
+            </a:effectLst>
+          </p:spPr>
+          <p:txBody>
+            <a:bodyPr lIns="0" tIns="0" rIns="0" bIns="0"/>
+            <a:lstStyle/>
+            <a:p>
+              <a:pPr>
+                <a:defRPr/>
+              </a:pPr>
+              <a:endParaRPr lang="en-US">
+                <a:solidFill>
+                  <a:schemeClr val="bg1"/>
+                </a:solidFill>
+              </a:endParaRPr>
+            </a:p>
+          </p:txBody>
+        </p:sp>
+        <p:sp>
+          <p:nvSpPr>
+            <p:cNvPr id="43" name="Rectangle 42">
+              <a:extLst>
+                <a:ext uri="{FF2B5EF4-FFF2-40B4-BE49-F238E27FC236}">
+                  <a16:creationId xmlns:a16="http://schemas.microsoft.com/office/drawing/2014/main" id="{93A973F6-1273-463B-9BFD-583A7D6D4FF1}"/>
+                </a:ext>
+              </a:extLst>
+            </p:cNvPr>
+            <p:cNvSpPr>
+              <a:spLocks/>
+            </p:cNvSpPr>
+            <p:nvPr/>
+          </p:nvSpPr>
+          <p:spPr bwMode="auto">
+            <a:xfrm>
+              <a:off x="134" y="23"/>
+              <a:ext cx="679" cy="223"/>
+            </a:xfrm>
+            <a:prstGeom prst="rect">
+              <a:avLst/>
+            </a:prstGeom>
+            <a:grpFill/>
+            <a:ln>
+              <a:noFill/>
+            </a:ln>
+            <a:extLst>
+              <a:ext uri="{909E8E84-426E-40dd-AFC4-6F175D3DCCD1}">
+                <a14:hiddenFill xmlns:a14="http://schemas.microsoft.com/office/drawing/2010/main" xmlns="">
+                  <a:solidFill>
+                    <a:srgbClr val="FFFFFF"/>
+                  </a:solidFill>
+                </a14:hiddenFill>
+              </a:ext>
+              <a:ext uri="{91240B29-F687-4f45-9708-019B960494DF}">
+                <a14:hiddenLine xmlns:a14="http://schemas.microsoft.com/office/drawing/2010/main" xmlns="" w="12700">
+                  <a:solidFill>
+                    <a:schemeClr val="tx1"/>
+                  </a:solidFill>
+                  <a:miter lim="800000"/>
+                  <a:headEnd/>
+                  <a:tailEnd/>
+                </a14:hiddenLine>
+              </a:ext>
+            </a:extLst>
+          </p:spPr>
+          <p:txBody>
+            <a:bodyPr wrap="none" lIns="38100" tIns="38100" rIns="90479" bIns="38100" anchor="ctr">
+              <a:spAutoFit/>
+            </a:bodyPr>
+            <a:lstStyle/>
+            <a:p>
+              <a:pPr marL="11113" algn="ctr"/>
+              <a:r>
+                <a:rPr lang="en-US" sz="1800">
+                  <a:solidFill>
+                    <a:schemeClr val="bg1"/>
+                  </a:solidFill>
+                  <a:latin typeface="Arial" charset="0"/>
+                  <a:cs typeface="Arial" charset="0"/>
+                  <a:sym typeface="Arial" charset="0"/>
+                </a:rPr>
+                <a:t>Physical</a:t>
+              </a:r>
+            </a:p>
+          </p:txBody>
+        </p:sp>
+      </p:grpSp>
+      <p:sp>
+        <p:nvSpPr>
+          <p:cNvPr id="44" name="TextBox 43">
+            <a:extLst>
+              <a:ext uri="{FF2B5EF4-FFF2-40B4-BE49-F238E27FC236}">
+                <a16:creationId xmlns:a16="http://schemas.microsoft.com/office/drawing/2014/main" id="{464D5EFF-AA73-4609-AC80-7D2AD5881C45}"/>
+              </a:ext>
+            </a:extLst>
+          </p:cNvPr>
+          <p:cNvSpPr txBox="1"/>
+          <p:nvPr/>
+        </p:nvSpPr>
+        <p:spPr>
+          <a:xfrm>
+            <a:off x="9565426" y="2526744"/>
+            <a:ext cx="453970" cy="369332"/>
+          </a:xfrm>
+          <a:prstGeom prst="rect">
+            <a:avLst/>
+          </a:prstGeom>
+          <a:solidFill>
+            <a:schemeClr val="bg1"/>
+          </a:solidFill>
+        </p:spPr>
+        <p:txBody>
+          <a:bodyPr wrap="none" rtlCol="0">
+            <a:spAutoFit/>
+          </a:bodyPr>
+          <a:lstStyle/>
+          <a:p>
+            <a:r>
+              <a:rPr lang="en-US" sz="1800" dirty="0">
+                <a:solidFill>
+                  <a:schemeClr val="accent2"/>
+                </a:solidFill>
+              </a:rPr>
+              <a:t>L7</a:t>
+            </a:r>
+          </a:p>
+        </p:txBody>
+      </p:sp>
+      <p:sp>
+        <p:nvSpPr>
+          <p:cNvPr id="45" name="TextBox 44">
+            <a:extLst>
+              <a:ext uri="{FF2B5EF4-FFF2-40B4-BE49-F238E27FC236}">
+                <a16:creationId xmlns:a16="http://schemas.microsoft.com/office/drawing/2014/main" id="{2A65E828-BD11-4CD0-8D68-353B49B05433}"/>
+              </a:ext>
+            </a:extLst>
+          </p:cNvPr>
+          <p:cNvSpPr txBox="1"/>
+          <p:nvPr/>
+        </p:nvSpPr>
+        <p:spPr>
+          <a:xfrm>
+            <a:off x="9565426" y="3490182"/>
+            <a:ext cx="453970" cy="369332"/>
+          </a:xfrm>
+          <a:prstGeom prst="rect">
+            <a:avLst/>
+          </a:prstGeom>
+          <a:solidFill>
+            <a:schemeClr val="bg1"/>
+          </a:solidFill>
+        </p:spPr>
+        <p:txBody>
+          <a:bodyPr wrap="none" rtlCol="0">
+            <a:spAutoFit/>
+          </a:bodyPr>
+          <a:lstStyle/>
+          <a:p>
+            <a:r>
+              <a:rPr lang="en-US" sz="1800" dirty="0">
+                <a:solidFill>
+                  <a:schemeClr val="accent2"/>
+                </a:solidFill>
+              </a:rPr>
+              <a:t>L4</a:t>
+            </a:r>
+          </a:p>
+        </p:txBody>
+      </p:sp>
+      <p:sp>
+        <p:nvSpPr>
+          <p:cNvPr id="46" name="TextBox 45">
+            <a:extLst>
+              <a:ext uri="{FF2B5EF4-FFF2-40B4-BE49-F238E27FC236}">
+                <a16:creationId xmlns:a16="http://schemas.microsoft.com/office/drawing/2014/main" id="{1631607C-4A5F-4FD5-97EF-A76A3C222904}"/>
+              </a:ext>
+            </a:extLst>
+          </p:cNvPr>
+          <p:cNvSpPr txBox="1"/>
+          <p:nvPr/>
+        </p:nvSpPr>
+        <p:spPr>
+          <a:xfrm>
+            <a:off x="9565426" y="3945794"/>
+            <a:ext cx="453970" cy="369332"/>
+          </a:xfrm>
+          <a:prstGeom prst="rect">
+            <a:avLst/>
+          </a:prstGeom>
+          <a:solidFill>
+            <a:schemeClr val="bg1"/>
+          </a:solidFill>
+        </p:spPr>
+        <p:txBody>
+          <a:bodyPr wrap="none" rtlCol="0">
+            <a:spAutoFit/>
+          </a:bodyPr>
+          <a:lstStyle/>
+          <a:p>
+            <a:r>
+              <a:rPr lang="en-US" sz="1800" dirty="0">
+                <a:solidFill>
+                  <a:schemeClr val="accent2"/>
+                </a:solidFill>
+              </a:rPr>
+              <a:t>L3</a:t>
+            </a:r>
+          </a:p>
+        </p:txBody>
+      </p:sp>
+      <p:sp>
+        <p:nvSpPr>
+          <p:cNvPr id="47" name="TextBox 46">
+            <a:extLst>
+              <a:ext uri="{FF2B5EF4-FFF2-40B4-BE49-F238E27FC236}">
+                <a16:creationId xmlns:a16="http://schemas.microsoft.com/office/drawing/2014/main" id="{2F8FE0F3-5EB6-4F5C-AC2A-C6752373F32A}"/>
+              </a:ext>
+            </a:extLst>
+          </p:cNvPr>
+          <p:cNvSpPr txBox="1"/>
+          <p:nvPr/>
+        </p:nvSpPr>
+        <p:spPr>
+          <a:xfrm>
+            <a:off x="9565426" y="4402995"/>
+            <a:ext cx="453970" cy="369332"/>
+          </a:xfrm>
+          <a:prstGeom prst="rect">
+            <a:avLst/>
+          </a:prstGeom>
+          <a:solidFill>
+            <a:schemeClr val="bg1"/>
+          </a:solidFill>
+        </p:spPr>
+        <p:txBody>
+          <a:bodyPr wrap="none" rtlCol="0">
+            <a:spAutoFit/>
+          </a:bodyPr>
+          <a:lstStyle/>
+          <a:p>
+            <a:r>
+              <a:rPr lang="en-US" sz="1800" dirty="0">
+                <a:solidFill>
+                  <a:schemeClr val="accent2"/>
+                </a:solidFill>
+              </a:rPr>
+              <a:t>L2</a:t>
+            </a:r>
+          </a:p>
+        </p:txBody>
+      </p:sp>
+      <p:sp>
+        <p:nvSpPr>
+          <p:cNvPr id="48" name="TextBox 47">
+            <a:extLst>
+              <a:ext uri="{FF2B5EF4-FFF2-40B4-BE49-F238E27FC236}">
+                <a16:creationId xmlns:a16="http://schemas.microsoft.com/office/drawing/2014/main" id="{F3D1D51D-78C3-4709-ABBB-0F2F737F52FC}"/>
+              </a:ext>
+            </a:extLst>
+          </p:cNvPr>
+          <p:cNvSpPr txBox="1"/>
+          <p:nvPr/>
+        </p:nvSpPr>
+        <p:spPr>
+          <a:xfrm>
+            <a:off x="9565426" y="4859401"/>
+            <a:ext cx="453970" cy="369332"/>
+          </a:xfrm>
+          <a:prstGeom prst="rect">
+            <a:avLst/>
+          </a:prstGeom>
+          <a:solidFill>
+            <a:schemeClr val="bg1"/>
+          </a:solidFill>
+        </p:spPr>
+        <p:txBody>
+          <a:bodyPr wrap="none" rtlCol="0">
+            <a:spAutoFit/>
+          </a:bodyPr>
+          <a:lstStyle/>
+          <a:p>
+            <a:r>
+              <a:rPr lang="en-US" sz="1800" dirty="0">
+                <a:solidFill>
+                  <a:schemeClr val="accent2"/>
+                </a:solidFill>
+              </a:rPr>
+              <a:t>L1</a:t>
+            </a:r>
+          </a:p>
+        </p:txBody>
+      </p:sp>
+      <p:sp>
+        <p:nvSpPr>
+          <p:cNvPr id="49" name="Title 1">
+            <a:extLst>
+              <a:ext uri="{FF2B5EF4-FFF2-40B4-BE49-F238E27FC236}">
+                <a16:creationId xmlns:a16="http://schemas.microsoft.com/office/drawing/2014/main" id="{1E66C6DF-8B5A-4DCC-B068-39F838B95819}"/>
+              </a:ext>
+            </a:extLst>
+          </p:cNvPr>
+          <p:cNvSpPr>
+            <a:spLocks noGrp="1"/>
+          </p:cNvSpPr>
+          <p:nvPr>
+            <p:ph type="title"/>
+          </p:nvPr>
+        </p:nvSpPr>
+        <p:spPr>
+          <a:xfrm>
+            <a:off x="838200" y="365125"/>
+            <a:ext cx="10515600" cy="1325563"/>
+          </a:xfrm>
+        </p:spPr>
+        <p:txBody>
+          <a:bodyPr/>
+          <a:lstStyle/>
+          <a:p>
+            <a:r>
+              <a:rPr lang="en-US" b="1" dirty="0"/>
+              <a:t>Socket Programming: Intro</a:t>
+            </a:r>
+          </a:p>
+        </p:txBody>
+      </p:sp>
+      <p:sp>
+        <p:nvSpPr>
+          <p:cNvPr id="63" name="Title 1">
+            <a:extLst>
+              <a:ext uri="{FF2B5EF4-FFF2-40B4-BE49-F238E27FC236}">
+                <a16:creationId xmlns:a16="http://schemas.microsoft.com/office/drawing/2014/main" id="{ECE89933-058D-4A9E-A95B-D820B56492B2}"/>
+              </a:ext>
+            </a:extLst>
+          </p:cNvPr>
+          <p:cNvSpPr txBox="1">
+            <a:spLocks/>
+          </p:cNvSpPr>
+          <p:nvPr/>
+        </p:nvSpPr>
+        <p:spPr>
+          <a:xfrm>
+            <a:off x="10287001" y="4065896"/>
+            <a:ext cx="1905000" cy="717644"/>
+          </a:xfrm>
+          <a:prstGeom prst="rect">
+            <a:avLst/>
+          </a:prstGeom>
+        </p:spPr>
+        <p:txBody>
+          <a:bodyPr vert="horz" lIns="91440" tIns="45720" rIns="91440" bIns="45720" rtlCol="0" anchor="ctr">
+            <a:normAutofit/>
+          </a:bodyPr>
+          <a:lstStyle>
+            <a:lvl1pPr algn="l" defTabSz="914400" rtl="0" eaLnBrk="1" latinLnBrk="0" hangingPunct="1">
+              <a:lnSpc>
+                <a:spcPct val="90000"/>
+              </a:lnSpc>
+              <a:spcBef>
+                <a:spcPct val="0"/>
+              </a:spcBef>
+              <a:buNone/>
+              <a:defRPr sz="4400" kern="1200">
+                <a:solidFill>
+                  <a:schemeClr val="tx1"/>
+                </a:solidFill>
+                <a:latin typeface="+mj-lt"/>
+                <a:ea typeface="+mj-ea"/>
+                <a:cs typeface="+mj-cs"/>
+              </a:defRPr>
+            </a:lvl1pPr>
+          </a:lstStyle>
+          <a:p>
+            <a:r>
+              <a:rPr lang="en-US" sz="2000" b="1" dirty="0"/>
+              <a:t>Abstracted away</a:t>
+            </a:r>
+          </a:p>
+        </p:txBody>
+      </p:sp>
+    </p:spTree>
+    <p:extLst>
+      <p:ext uri="{BB962C8B-B14F-4D97-AF65-F5344CB8AC3E}">
+        <p14:creationId xmlns:p14="http://schemas.microsoft.com/office/powerpoint/2010/main" val="913890822"/>
+      </p:ext>
+    </p:extLst>
+  </p:cSld>
+  <p:clrMapOvr>
+    <a:masterClrMapping/>
+  </p:clrMapOvr>
+</p:sld>
+</file>
+
+<file path=ppt/slides/slide7.xml><?xml version="1.0" encoding="utf-8"?>
 <p:sld xmlns:a="http://schemas.openxmlformats.org/drawingml/2006/main" xmlns:r="http://schemas.openxmlformats.org/officeDocument/2006/relationships" xmlns:p="http://schemas.openxmlformats.org/presentationml/2006/main">
   <p:cSld>
     <p:spTree>
@@ -8598,7 +12473,7 @@
 </p:sld>
 </file>
 
-<file path=ppt/slides/slide7.xml><?xml version="1.0" encoding="utf-8"?>
+<file path=ppt/slides/slide8.xml><?xml version="1.0" encoding="utf-8"?>
 <p:sld xmlns:a="http://schemas.openxmlformats.org/drawingml/2006/main" xmlns:r="http://schemas.openxmlformats.org/officeDocument/2006/relationships" xmlns:p="http://schemas.openxmlformats.org/presentationml/2006/main">
   <p:cSld>
     <p:spTree>
@@ -10371,7 +14246,7 @@
 </p:sld>
 </file>
 
-<file path=ppt/slides/slide8.xml><?xml version="1.0" encoding="utf-8"?>
+<file path=ppt/slides/slide9.xml><?xml version="1.0" encoding="utf-8"?>
 <p:sld xmlns:a="http://schemas.openxmlformats.org/drawingml/2006/main" xmlns:r="http://schemas.openxmlformats.org/officeDocument/2006/relationships" xmlns:p="http://schemas.openxmlformats.org/presentationml/2006/main">
   <p:cSld>
     <p:spTree>
@@ -10522,1330 +14397,6 @@
     <p:extLst>
       <p:ext uri="{BB962C8B-B14F-4D97-AF65-F5344CB8AC3E}">
         <p14:creationId xmlns:p14="http://schemas.microsoft.com/office/powerpoint/2010/main" val="2946419580"/>
-      </p:ext>
-    </p:extLst>
-  </p:cSld>
-  <p:clrMapOvr>
-    <a:masterClrMapping/>
-  </p:clrMapOvr>
-</p:sld>
-</file>
-
-<file path=ppt/slides/slide9.xml><?xml version="1.0" encoding="utf-8"?>
-<p:sld xmlns:a="http://schemas.openxmlformats.org/drawingml/2006/main" xmlns:r="http://schemas.openxmlformats.org/officeDocument/2006/relationships" xmlns:p="http://schemas.openxmlformats.org/presentationml/2006/main">
-  <p:cSld>
-    <p:spTree>
-      <p:nvGrpSpPr>
-        <p:cNvPr id="1" name=""/>
-        <p:cNvGrpSpPr/>
-        <p:nvPr/>
-      </p:nvGrpSpPr>
-      <p:grpSpPr>
-        <a:xfrm>
-          <a:off x="0" y="0"/>
-          <a:ext cx="0" cy="0"/>
-          <a:chOff x="0" y="0"/>
-          <a:chExt cx="0" cy="0"/>
-        </a:xfrm>
-      </p:grpSpPr>
-      <p:sp>
-        <p:nvSpPr>
-          <p:cNvPr id="2" name="Title 1">
-            <a:extLst>
-              <a:ext uri="{FF2B5EF4-FFF2-40B4-BE49-F238E27FC236}">
-                <a16:creationId xmlns:a16="http://schemas.microsoft.com/office/drawing/2014/main" id="{45C79BA1-37A3-5741-B0A1-E64646E4283C}"/>
-              </a:ext>
-            </a:extLst>
-          </p:cNvPr>
-          <p:cNvSpPr>
-            <a:spLocks noGrp="1"/>
-          </p:cNvSpPr>
-          <p:nvPr>
-            <p:ph type="title"/>
-          </p:nvPr>
-        </p:nvSpPr>
-        <p:spPr/>
-        <p:txBody>
-          <a:bodyPr/>
-          <a:lstStyle/>
-          <a:p>
-            <a:r>
-              <a:rPr lang="en-US" b="1" dirty="0"/>
-              <a:t>Socket Programming: Complete Flow</a:t>
-            </a:r>
-          </a:p>
-        </p:txBody>
-      </p:sp>
-      <p:sp>
-        <p:nvSpPr>
-          <p:cNvPr id="9" name="Text Box 6">
-            <a:extLst>
-              <a:ext uri="{FF2B5EF4-FFF2-40B4-BE49-F238E27FC236}">
-                <a16:creationId xmlns:a16="http://schemas.microsoft.com/office/drawing/2014/main" id="{F6AFE687-0492-4A55-AB34-D24ED6DC8C22}"/>
-              </a:ext>
-            </a:extLst>
-          </p:cNvPr>
-          <p:cNvSpPr txBox="1">
-            <a:spLocks noChangeArrowheads="1"/>
-          </p:cNvSpPr>
-          <p:nvPr/>
-        </p:nvSpPr>
-        <p:spPr bwMode="auto">
-          <a:xfrm>
-            <a:off x="2263775" y="1876426"/>
-            <a:ext cx="1196975" cy="376237"/>
-          </a:xfrm>
-          <a:prstGeom prst="rect">
-            <a:avLst/>
-          </a:prstGeom>
-          <a:solidFill>
-            <a:srgbClr val="FFFF99"/>
-          </a:solidFill>
-          <a:ln w="9525">
-            <a:solidFill>
-              <a:schemeClr val="tx1"/>
-            </a:solidFill>
-            <a:miter lim="800000"/>
-            <a:headEnd/>
-            <a:tailEnd/>
-          </a:ln>
-        </p:spPr>
-        <p:txBody>
-          <a:bodyPr wrap="none">
-            <a:spAutoFit/>
-          </a:bodyPr>
-          <a:lstStyle/>
-          <a:p>
-            <a:r>
-              <a:rPr lang="en-US" altLang="zh-TW" b="1" dirty="0">
-                <a:latin typeface="Consolas" pitchFamily="49" charset="0"/>
-              </a:rPr>
-              <a:t>socket()</a:t>
-            </a:r>
-          </a:p>
-        </p:txBody>
-      </p:sp>
-      <p:sp>
-        <p:nvSpPr>
-          <p:cNvPr id="10" name="Text Box 7">
-            <a:extLst>
-              <a:ext uri="{FF2B5EF4-FFF2-40B4-BE49-F238E27FC236}">
-                <a16:creationId xmlns:a16="http://schemas.microsoft.com/office/drawing/2014/main" id="{34CEA3E1-E825-4190-BA28-33FC42C33F18}"/>
-              </a:ext>
-            </a:extLst>
-          </p:cNvPr>
-          <p:cNvSpPr txBox="1">
-            <a:spLocks noChangeArrowheads="1"/>
-          </p:cNvSpPr>
-          <p:nvPr/>
-        </p:nvSpPr>
-        <p:spPr bwMode="auto">
-          <a:xfrm>
-            <a:off x="5997575" y="1876426"/>
-            <a:ext cx="1196975" cy="376237"/>
-          </a:xfrm>
-          <a:prstGeom prst="rect">
-            <a:avLst/>
-          </a:prstGeom>
-          <a:solidFill>
-            <a:srgbClr val="FFFF99"/>
-          </a:solidFill>
-          <a:ln w="9525">
-            <a:solidFill>
-              <a:schemeClr val="tx1"/>
-            </a:solidFill>
-            <a:miter lim="800000"/>
-            <a:headEnd/>
-            <a:tailEnd/>
-          </a:ln>
-        </p:spPr>
-        <p:txBody>
-          <a:bodyPr wrap="none">
-            <a:spAutoFit/>
-          </a:bodyPr>
-          <a:lstStyle/>
-          <a:p>
-            <a:r>
-              <a:rPr lang="en-US" altLang="zh-TW" b="1">
-                <a:latin typeface="Consolas" pitchFamily="49" charset="0"/>
-              </a:rPr>
-              <a:t>listen()</a:t>
-            </a:r>
-          </a:p>
-        </p:txBody>
-      </p:sp>
-      <p:sp>
-        <p:nvSpPr>
-          <p:cNvPr id="11" name="Text Box 9">
-            <a:extLst>
-              <a:ext uri="{FF2B5EF4-FFF2-40B4-BE49-F238E27FC236}">
-                <a16:creationId xmlns:a16="http://schemas.microsoft.com/office/drawing/2014/main" id="{9EDF3584-74B0-4730-AA57-AAA168C844E0}"/>
-              </a:ext>
-            </a:extLst>
-          </p:cNvPr>
-          <p:cNvSpPr txBox="1">
-            <a:spLocks noChangeArrowheads="1"/>
-          </p:cNvSpPr>
-          <p:nvPr/>
-        </p:nvSpPr>
-        <p:spPr bwMode="auto">
-          <a:xfrm>
-            <a:off x="8740775" y="2271713"/>
-            <a:ext cx="1219200" cy="650875"/>
-          </a:xfrm>
-          <a:prstGeom prst="rect">
-            <a:avLst/>
-          </a:prstGeom>
-          <a:solidFill>
-            <a:srgbClr val="FFFF99"/>
-          </a:solidFill>
-          <a:ln w="9525">
-            <a:solidFill>
-              <a:schemeClr val="tx1"/>
-            </a:solidFill>
-            <a:miter lim="800000"/>
-            <a:headEnd/>
-            <a:tailEnd/>
-          </a:ln>
-        </p:spPr>
-        <p:txBody>
-          <a:bodyPr>
-            <a:spAutoFit/>
-          </a:bodyPr>
-          <a:lstStyle/>
-          <a:p>
-            <a:r>
-              <a:rPr lang="en-US" altLang="zh-TW" b="1">
-                <a:latin typeface="Consolas" pitchFamily="49" charset="0"/>
-              </a:rPr>
-              <a:t>read() &amp; write()</a:t>
-            </a:r>
-          </a:p>
-        </p:txBody>
-      </p:sp>
-      <p:sp>
-        <p:nvSpPr>
-          <p:cNvPr id="12" name="Line 10">
-            <a:extLst>
-              <a:ext uri="{FF2B5EF4-FFF2-40B4-BE49-F238E27FC236}">
-                <a16:creationId xmlns:a16="http://schemas.microsoft.com/office/drawing/2014/main" id="{E83C4907-AB29-4059-8561-579811A2BBEB}"/>
-              </a:ext>
-            </a:extLst>
-          </p:cNvPr>
-          <p:cNvSpPr>
-            <a:spLocks noChangeShapeType="1"/>
-          </p:cNvSpPr>
-          <p:nvPr/>
-        </p:nvSpPr>
-        <p:spPr bwMode="auto">
-          <a:xfrm>
-            <a:off x="3635375" y="2043113"/>
-            <a:ext cx="457200" cy="0"/>
-          </a:xfrm>
-          <a:prstGeom prst="line">
-            <a:avLst/>
-          </a:prstGeom>
-          <a:noFill/>
-          <a:ln w="9525">
-            <a:solidFill>
-              <a:schemeClr val="tx1"/>
-            </a:solidFill>
-            <a:round/>
-            <a:headEnd/>
-            <a:tailEnd type="triangle" w="med" len="med"/>
-          </a:ln>
-        </p:spPr>
-        <p:txBody>
-          <a:bodyPr/>
-          <a:lstStyle/>
-          <a:p>
-            <a:endParaRPr lang="en-US"/>
-          </a:p>
-        </p:txBody>
-      </p:sp>
-      <p:sp>
-        <p:nvSpPr>
-          <p:cNvPr id="13" name="Text Box 11">
-            <a:extLst>
-              <a:ext uri="{FF2B5EF4-FFF2-40B4-BE49-F238E27FC236}">
-                <a16:creationId xmlns:a16="http://schemas.microsoft.com/office/drawing/2014/main" id="{244D6EC8-8247-47DF-AB89-82CCA3504F2F}"/>
-              </a:ext>
-            </a:extLst>
-          </p:cNvPr>
-          <p:cNvSpPr txBox="1">
-            <a:spLocks noChangeArrowheads="1"/>
-          </p:cNvSpPr>
-          <p:nvPr/>
-        </p:nvSpPr>
-        <p:spPr bwMode="auto">
-          <a:xfrm>
-            <a:off x="4244975" y="1876426"/>
-            <a:ext cx="946150" cy="376237"/>
-          </a:xfrm>
-          <a:prstGeom prst="rect">
-            <a:avLst/>
-          </a:prstGeom>
-          <a:solidFill>
-            <a:srgbClr val="FFFF99"/>
-          </a:solidFill>
-          <a:ln w="9525">
-            <a:solidFill>
-              <a:schemeClr val="tx1"/>
-            </a:solidFill>
-            <a:miter lim="800000"/>
-            <a:headEnd/>
-            <a:tailEnd/>
-          </a:ln>
-        </p:spPr>
-        <p:txBody>
-          <a:bodyPr wrap="none">
-            <a:spAutoFit/>
-          </a:bodyPr>
-          <a:lstStyle/>
-          <a:p>
-            <a:r>
-              <a:rPr lang="en-US" altLang="zh-TW" b="1">
-                <a:latin typeface="Consolas" pitchFamily="49" charset="0"/>
-              </a:rPr>
-              <a:t>bind()</a:t>
-            </a:r>
-          </a:p>
-        </p:txBody>
-      </p:sp>
-      <p:sp>
-        <p:nvSpPr>
-          <p:cNvPr id="14" name="Line 12">
-            <a:extLst>
-              <a:ext uri="{FF2B5EF4-FFF2-40B4-BE49-F238E27FC236}">
-                <a16:creationId xmlns:a16="http://schemas.microsoft.com/office/drawing/2014/main" id="{2C0B79DC-7211-46C9-9B05-933BEAB4A187}"/>
-              </a:ext>
-            </a:extLst>
-          </p:cNvPr>
-          <p:cNvSpPr>
-            <a:spLocks noChangeShapeType="1"/>
-          </p:cNvSpPr>
-          <p:nvPr/>
-        </p:nvSpPr>
-        <p:spPr bwMode="auto">
-          <a:xfrm>
-            <a:off x="5387975" y="2043113"/>
-            <a:ext cx="457200" cy="0"/>
-          </a:xfrm>
-          <a:prstGeom prst="line">
-            <a:avLst/>
-          </a:prstGeom>
-          <a:noFill/>
-          <a:ln w="9525">
-            <a:solidFill>
-              <a:schemeClr val="tx1"/>
-            </a:solidFill>
-            <a:round/>
-            <a:headEnd/>
-            <a:tailEnd type="triangle" w="med" len="med"/>
-          </a:ln>
-        </p:spPr>
-        <p:txBody>
-          <a:bodyPr/>
-          <a:lstStyle/>
-          <a:p>
-            <a:endParaRPr lang="en-US"/>
-          </a:p>
-        </p:txBody>
-      </p:sp>
-      <p:sp>
-        <p:nvSpPr>
-          <p:cNvPr id="15" name="Line 14">
-            <a:extLst>
-              <a:ext uri="{FF2B5EF4-FFF2-40B4-BE49-F238E27FC236}">
-                <a16:creationId xmlns:a16="http://schemas.microsoft.com/office/drawing/2014/main" id="{43E296AB-0EEF-4E91-94A8-7EBF3F9648E3}"/>
-              </a:ext>
-            </a:extLst>
-          </p:cNvPr>
-          <p:cNvSpPr>
-            <a:spLocks noChangeShapeType="1"/>
-          </p:cNvSpPr>
-          <p:nvPr/>
-        </p:nvSpPr>
-        <p:spPr bwMode="auto">
-          <a:xfrm flipV="1">
-            <a:off x="7216775" y="2617788"/>
-            <a:ext cx="1447800" cy="0"/>
-          </a:xfrm>
-          <a:prstGeom prst="line">
-            <a:avLst/>
-          </a:prstGeom>
-          <a:noFill/>
-          <a:ln w="9525">
-            <a:solidFill>
-              <a:schemeClr val="tx1"/>
-            </a:solidFill>
-            <a:round/>
-            <a:headEnd/>
-            <a:tailEnd type="triangle" w="med" len="med"/>
-          </a:ln>
-        </p:spPr>
-        <p:txBody>
-          <a:bodyPr/>
-          <a:lstStyle/>
-          <a:p>
-            <a:endParaRPr lang="en-US"/>
-          </a:p>
-        </p:txBody>
-      </p:sp>
-      <p:sp>
-        <p:nvSpPr>
-          <p:cNvPr id="16" name="Text Box 15">
-            <a:extLst>
-              <a:ext uri="{FF2B5EF4-FFF2-40B4-BE49-F238E27FC236}">
-                <a16:creationId xmlns:a16="http://schemas.microsoft.com/office/drawing/2014/main" id="{6BCF302D-B88D-477B-8D98-501931225764}"/>
-              </a:ext>
-            </a:extLst>
-          </p:cNvPr>
-          <p:cNvSpPr txBox="1">
-            <a:spLocks noChangeArrowheads="1"/>
-          </p:cNvSpPr>
-          <p:nvPr/>
-        </p:nvSpPr>
-        <p:spPr bwMode="auto">
-          <a:xfrm>
-            <a:off x="2187575" y="3709988"/>
-            <a:ext cx="1866900" cy="314325"/>
-          </a:xfrm>
-          <a:prstGeom prst="rect">
-            <a:avLst/>
-          </a:prstGeom>
-          <a:solidFill>
-            <a:schemeClr val="bg1"/>
-          </a:solidFill>
-          <a:ln w="9525">
-            <a:solidFill>
-              <a:srgbClr val="FF3300"/>
-            </a:solidFill>
-            <a:miter lim="800000"/>
-            <a:headEnd/>
-            <a:tailEnd/>
-          </a:ln>
-        </p:spPr>
-        <p:txBody>
-          <a:bodyPr wrap="none">
-            <a:spAutoFit/>
-          </a:bodyPr>
-          <a:lstStyle/>
-          <a:p>
-            <a:r>
-              <a:rPr lang="en-US" altLang="zh-TW" sz="1400" b="1" dirty="0">
-                <a:latin typeface="Consolas" pitchFamily="49" charset="0"/>
-              </a:rPr>
-              <a:t>Server flow chart</a:t>
-            </a:r>
-          </a:p>
-        </p:txBody>
-      </p:sp>
-      <p:sp>
-        <p:nvSpPr>
-          <p:cNvPr id="17" name="Text Box 16">
-            <a:extLst>
-              <a:ext uri="{FF2B5EF4-FFF2-40B4-BE49-F238E27FC236}">
-                <a16:creationId xmlns:a16="http://schemas.microsoft.com/office/drawing/2014/main" id="{17F0FCD2-C122-43FA-A96E-A2EF64DB3C05}"/>
-              </a:ext>
-            </a:extLst>
-          </p:cNvPr>
-          <p:cNvSpPr txBox="1">
-            <a:spLocks noChangeArrowheads="1"/>
-          </p:cNvSpPr>
-          <p:nvPr/>
-        </p:nvSpPr>
-        <p:spPr bwMode="auto">
-          <a:xfrm>
-            <a:off x="5997575" y="2486026"/>
-            <a:ext cx="1196975" cy="376237"/>
-          </a:xfrm>
-          <a:prstGeom prst="rect">
-            <a:avLst/>
-          </a:prstGeom>
-          <a:solidFill>
-            <a:srgbClr val="FFFF99"/>
-          </a:solidFill>
-          <a:ln w="9525">
-            <a:solidFill>
-              <a:schemeClr val="tx1"/>
-            </a:solidFill>
-            <a:miter lim="800000"/>
-            <a:headEnd/>
-            <a:tailEnd/>
-          </a:ln>
-        </p:spPr>
-        <p:txBody>
-          <a:bodyPr wrap="none">
-            <a:spAutoFit/>
-          </a:bodyPr>
-          <a:lstStyle/>
-          <a:p>
-            <a:r>
-              <a:rPr lang="en-US" altLang="zh-TW" b="1">
-                <a:latin typeface="Consolas" pitchFamily="49" charset="0"/>
-              </a:rPr>
-              <a:t>accept()</a:t>
-            </a:r>
-          </a:p>
-        </p:txBody>
-      </p:sp>
-      <p:sp>
-        <p:nvSpPr>
-          <p:cNvPr id="18" name="Line 17">
-            <a:extLst>
-              <a:ext uri="{FF2B5EF4-FFF2-40B4-BE49-F238E27FC236}">
-                <a16:creationId xmlns:a16="http://schemas.microsoft.com/office/drawing/2014/main" id="{4D023969-95A2-468A-A3E0-B675ED6570BA}"/>
-              </a:ext>
-            </a:extLst>
-          </p:cNvPr>
-          <p:cNvSpPr>
-            <a:spLocks noChangeShapeType="1"/>
-          </p:cNvSpPr>
-          <p:nvPr/>
-        </p:nvSpPr>
-        <p:spPr bwMode="auto">
-          <a:xfrm>
-            <a:off x="6607175" y="2271713"/>
-            <a:ext cx="0" cy="228600"/>
-          </a:xfrm>
-          <a:prstGeom prst="line">
-            <a:avLst/>
-          </a:prstGeom>
-          <a:noFill/>
-          <a:ln w="9525">
-            <a:solidFill>
-              <a:schemeClr val="tx1"/>
-            </a:solidFill>
-            <a:round/>
-            <a:headEnd/>
-            <a:tailEnd type="triangle" w="med" len="med"/>
-          </a:ln>
-        </p:spPr>
-        <p:txBody>
-          <a:bodyPr/>
-          <a:lstStyle/>
-          <a:p>
-            <a:endParaRPr lang="en-US"/>
-          </a:p>
-        </p:txBody>
-      </p:sp>
-      <p:sp>
-        <p:nvSpPr>
-          <p:cNvPr id="19" name="Rectangle 18">
-            <a:extLst>
-              <a:ext uri="{FF2B5EF4-FFF2-40B4-BE49-F238E27FC236}">
-                <a16:creationId xmlns:a16="http://schemas.microsoft.com/office/drawing/2014/main" id="{D4289FA5-0234-4100-9377-F65B26C0F808}"/>
-              </a:ext>
-            </a:extLst>
-          </p:cNvPr>
-          <p:cNvSpPr>
-            <a:spLocks noChangeArrowheads="1"/>
-          </p:cNvSpPr>
-          <p:nvPr/>
-        </p:nvSpPr>
-        <p:spPr bwMode="auto">
-          <a:xfrm>
-            <a:off x="2339975" y="2195513"/>
-            <a:ext cx="990600" cy="304800"/>
-          </a:xfrm>
-          <a:prstGeom prst="rect">
-            <a:avLst/>
-          </a:prstGeom>
-          <a:solidFill>
-            <a:schemeClr val="folHlink"/>
-          </a:solidFill>
-          <a:ln w="9525" algn="ctr">
-            <a:solidFill>
-              <a:schemeClr val="tx1"/>
-            </a:solidFill>
-            <a:miter lim="800000"/>
-            <a:headEnd/>
-            <a:tailEnd/>
-          </a:ln>
-        </p:spPr>
-        <p:txBody>
-          <a:bodyPr wrap="none" anchor="ctr"/>
-          <a:lstStyle/>
-          <a:p>
-            <a:r>
-              <a:rPr lang="en-US" altLang="zh-TW" sz="1400" b="1" dirty="0">
-                <a:latin typeface="Consolas" pitchFamily="49" charset="0"/>
-              </a:rPr>
-              <a:t>Socket FD</a:t>
-            </a:r>
-          </a:p>
-        </p:txBody>
-      </p:sp>
-      <p:sp>
-        <p:nvSpPr>
-          <p:cNvPr id="20" name="Rectangle 19">
-            <a:extLst>
-              <a:ext uri="{FF2B5EF4-FFF2-40B4-BE49-F238E27FC236}">
-                <a16:creationId xmlns:a16="http://schemas.microsoft.com/office/drawing/2014/main" id="{7FD8A21C-1E7E-4D09-B905-8CE711B8C75A}"/>
-              </a:ext>
-            </a:extLst>
-          </p:cNvPr>
-          <p:cNvSpPr>
-            <a:spLocks noChangeArrowheads="1"/>
-          </p:cNvSpPr>
-          <p:nvPr/>
-        </p:nvSpPr>
-        <p:spPr bwMode="auto">
-          <a:xfrm>
-            <a:off x="4244975" y="2195513"/>
-            <a:ext cx="990600" cy="304800"/>
-          </a:xfrm>
-          <a:prstGeom prst="rect">
-            <a:avLst/>
-          </a:prstGeom>
-          <a:solidFill>
-            <a:schemeClr val="folHlink"/>
-          </a:solidFill>
-          <a:ln w="9525" algn="ctr">
-            <a:solidFill>
-              <a:schemeClr val="tx1"/>
-            </a:solidFill>
-            <a:miter lim="800000"/>
-            <a:headEnd/>
-            <a:tailEnd/>
-          </a:ln>
-        </p:spPr>
-        <p:txBody>
-          <a:bodyPr wrap="none" anchor="ctr"/>
-          <a:lstStyle/>
-          <a:p>
-            <a:r>
-              <a:rPr lang="en-US" altLang="zh-TW" sz="1400" b="1">
-                <a:latin typeface="Consolas" pitchFamily="49" charset="0"/>
-              </a:rPr>
-              <a:t>Socket FD</a:t>
-            </a:r>
-          </a:p>
-        </p:txBody>
-      </p:sp>
-      <p:sp>
-        <p:nvSpPr>
-          <p:cNvPr id="21" name="Rectangle 20">
-            <a:extLst>
-              <a:ext uri="{FF2B5EF4-FFF2-40B4-BE49-F238E27FC236}">
-                <a16:creationId xmlns:a16="http://schemas.microsoft.com/office/drawing/2014/main" id="{D2B94EDB-4E65-4E1D-A28A-5B6B4ED81935}"/>
-              </a:ext>
-            </a:extLst>
-          </p:cNvPr>
-          <p:cNvSpPr>
-            <a:spLocks noChangeArrowheads="1"/>
-          </p:cNvSpPr>
-          <p:nvPr/>
-        </p:nvSpPr>
-        <p:spPr bwMode="auto">
-          <a:xfrm>
-            <a:off x="6073775" y="1585913"/>
-            <a:ext cx="990600" cy="304800"/>
-          </a:xfrm>
-          <a:prstGeom prst="rect">
-            <a:avLst/>
-          </a:prstGeom>
-          <a:solidFill>
-            <a:schemeClr val="folHlink"/>
-          </a:solidFill>
-          <a:ln w="9525" algn="ctr">
-            <a:solidFill>
-              <a:schemeClr val="tx1"/>
-            </a:solidFill>
-            <a:miter lim="800000"/>
-            <a:headEnd/>
-            <a:tailEnd/>
-          </a:ln>
-        </p:spPr>
-        <p:txBody>
-          <a:bodyPr wrap="none" anchor="ctr"/>
-          <a:lstStyle/>
-          <a:p>
-            <a:r>
-              <a:rPr lang="en-US" altLang="zh-TW" sz="1400" b="1">
-                <a:latin typeface="Consolas" pitchFamily="49" charset="0"/>
-              </a:rPr>
-              <a:t>Socket FD</a:t>
-            </a:r>
-          </a:p>
-        </p:txBody>
-      </p:sp>
-      <p:sp>
-        <p:nvSpPr>
-          <p:cNvPr id="22" name="Rectangle 21">
-            <a:extLst>
-              <a:ext uri="{FF2B5EF4-FFF2-40B4-BE49-F238E27FC236}">
-                <a16:creationId xmlns:a16="http://schemas.microsoft.com/office/drawing/2014/main" id="{49E2CC8E-EDB7-4393-86A1-74F25FC28D6D}"/>
-              </a:ext>
-            </a:extLst>
-          </p:cNvPr>
-          <p:cNvSpPr>
-            <a:spLocks noChangeArrowheads="1"/>
-          </p:cNvSpPr>
-          <p:nvPr/>
-        </p:nvSpPr>
-        <p:spPr bwMode="auto">
-          <a:xfrm>
-            <a:off x="6073775" y="2805113"/>
-            <a:ext cx="990600" cy="304800"/>
-          </a:xfrm>
-          <a:prstGeom prst="rect">
-            <a:avLst/>
-          </a:prstGeom>
-          <a:solidFill>
-            <a:schemeClr val="folHlink"/>
-          </a:solidFill>
-          <a:ln w="9525" algn="ctr">
-            <a:solidFill>
-              <a:schemeClr val="tx1"/>
-            </a:solidFill>
-            <a:miter lim="800000"/>
-            <a:headEnd/>
-            <a:tailEnd/>
-          </a:ln>
-        </p:spPr>
-        <p:txBody>
-          <a:bodyPr wrap="none" anchor="ctr"/>
-          <a:lstStyle/>
-          <a:p>
-            <a:r>
-              <a:rPr lang="en-US" altLang="zh-TW" sz="1400" b="1">
-                <a:latin typeface="Consolas" pitchFamily="49" charset="0"/>
-              </a:rPr>
-              <a:t>Socket FD</a:t>
-            </a:r>
-          </a:p>
-        </p:txBody>
-      </p:sp>
-      <p:sp>
-        <p:nvSpPr>
-          <p:cNvPr id="23" name="Rectangle 22">
-            <a:extLst>
-              <a:ext uri="{FF2B5EF4-FFF2-40B4-BE49-F238E27FC236}">
-                <a16:creationId xmlns:a16="http://schemas.microsoft.com/office/drawing/2014/main" id="{1C9CEC58-E6BE-4C40-8200-5922040D68EC}"/>
-              </a:ext>
-            </a:extLst>
-          </p:cNvPr>
-          <p:cNvSpPr>
-            <a:spLocks noChangeArrowheads="1"/>
-          </p:cNvSpPr>
-          <p:nvPr/>
-        </p:nvSpPr>
-        <p:spPr bwMode="auto">
-          <a:xfrm>
-            <a:off x="8816975" y="2008188"/>
-            <a:ext cx="990600" cy="304800"/>
-          </a:xfrm>
-          <a:prstGeom prst="rect">
-            <a:avLst/>
-          </a:prstGeom>
-          <a:solidFill>
-            <a:schemeClr val="hlink"/>
-          </a:solidFill>
-          <a:ln w="9525" algn="ctr">
-            <a:solidFill>
-              <a:schemeClr val="tx1"/>
-            </a:solidFill>
-            <a:miter lim="800000"/>
-            <a:headEnd/>
-            <a:tailEnd/>
-          </a:ln>
-        </p:spPr>
-        <p:txBody>
-          <a:bodyPr wrap="none" anchor="ctr"/>
-          <a:lstStyle/>
-          <a:p>
-            <a:r>
-              <a:rPr lang="en-US" altLang="zh-TW" sz="1400" b="1" dirty="0">
-                <a:solidFill>
-                  <a:schemeClr val="bg1"/>
-                </a:solidFill>
-                <a:latin typeface="Consolas" pitchFamily="49" charset="0"/>
-              </a:rPr>
-              <a:t>Accept FD</a:t>
-            </a:r>
-          </a:p>
-        </p:txBody>
-      </p:sp>
-      <p:sp>
-        <p:nvSpPr>
-          <p:cNvPr id="24" name="Text Box 23">
-            <a:extLst>
-              <a:ext uri="{FF2B5EF4-FFF2-40B4-BE49-F238E27FC236}">
-                <a16:creationId xmlns:a16="http://schemas.microsoft.com/office/drawing/2014/main" id="{94F98D6C-E4AD-4590-AE5B-B0B3DBE42A12}"/>
-              </a:ext>
-            </a:extLst>
-          </p:cNvPr>
-          <p:cNvSpPr txBox="1">
-            <a:spLocks noChangeArrowheads="1"/>
-          </p:cNvSpPr>
-          <p:nvPr/>
-        </p:nvSpPr>
-        <p:spPr bwMode="auto">
-          <a:xfrm>
-            <a:off x="8359775" y="3373438"/>
-            <a:ext cx="1219200" cy="650875"/>
-          </a:xfrm>
-          <a:prstGeom prst="rect">
-            <a:avLst/>
-          </a:prstGeom>
-          <a:solidFill>
-            <a:srgbClr val="FFFF99"/>
-          </a:solidFill>
-          <a:ln w="9525">
-            <a:solidFill>
-              <a:schemeClr val="tx1"/>
-            </a:solidFill>
-            <a:miter lim="800000"/>
-            <a:headEnd/>
-            <a:tailEnd/>
-          </a:ln>
-        </p:spPr>
-        <p:txBody>
-          <a:bodyPr>
-            <a:spAutoFit/>
-          </a:bodyPr>
-          <a:lstStyle/>
-          <a:p>
-            <a:r>
-              <a:rPr lang="en-US" altLang="zh-TW" b="1">
-                <a:latin typeface="Consolas" pitchFamily="49" charset="0"/>
-              </a:rPr>
-              <a:t>read() &amp; write()</a:t>
-            </a:r>
-          </a:p>
-        </p:txBody>
-      </p:sp>
-      <p:sp>
-        <p:nvSpPr>
-          <p:cNvPr id="25" name="Line 24">
-            <a:extLst>
-              <a:ext uri="{FF2B5EF4-FFF2-40B4-BE49-F238E27FC236}">
-                <a16:creationId xmlns:a16="http://schemas.microsoft.com/office/drawing/2014/main" id="{670D0AA2-BFA6-4BC7-AE67-50825652B4B7}"/>
-              </a:ext>
-            </a:extLst>
-          </p:cNvPr>
-          <p:cNvSpPr>
-            <a:spLocks noChangeShapeType="1"/>
-          </p:cNvSpPr>
-          <p:nvPr/>
-        </p:nvSpPr>
-        <p:spPr bwMode="auto">
-          <a:xfrm>
-            <a:off x="7292975" y="2881313"/>
-            <a:ext cx="990600" cy="685800"/>
-          </a:xfrm>
-          <a:prstGeom prst="line">
-            <a:avLst/>
-          </a:prstGeom>
-          <a:noFill/>
-          <a:ln w="9525">
-            <a:solidFill>
-              <a:schemeClr val="tx1"/>
-            </a:solidFill>
-            <a:round/>
-            <a:headEnd/>
-            <a:tailEnd type="triangle" w="med" len="med"/>
-          </a:ln>
-        </p:spPr>
-        <p:txBody>
-          <a:bodyPr/>
-          <a:lstStyle/>
-          <a:p>
-            <a:endParaRPr lang="en-US"/>
-          </a:p>
-        </p:txBody>
-      </p:sp>
-      <p:sp>
-        <p:nvSpPr>
-          <p:cNvPr id="26" name="Rectangle 25">
-            <a:extLst>
-              <a:ext uri="{FF2B5EF4-FFF2-40B4-BE49-F238E27FC236}">
-                <a16:creationId xmlns:a16="http://schemas.microsoft.com/office/drawing/2014/main" id="{60BC3896-39BA-478F-BF56-19FA3C55759C}"/>
-              </a:ext>
-            </a:extLst>
-          </p:cNvPr>
-          <p:cNvSpPr>
-            <a:spLocks noChangeArrowheads="1"/>
-          </p:cNvSpPr>
-          <p:nvPr/>
-        </p:nvSpPr>
-        <p:spPr bwMode="auto">
-          <a:xfrm>
-            <a:off x="8435975" y="3109913"/>
-            <a:ext cx="990600" cy="304800"/>
-          </a:xfrm>
-          <a:prstGeom prst="rect">
-            <a:avLst/>
-          </a:prstGeom>
-          <a:solidFill>
-            <a:schemeClr val="hlink"/>
-          </a:solidFill>
-          <a:ln w="9525" algn="ctr">
-            <a:solidFill>
-              <a:schemeClr val="tx1"/>
-            </a:solidFill>
-            <a:miter lim="800000"/>
-            <a:headEnd/>
-            <a:tailEnd/>
-          </a:ln>
-        </p:spPr>
-        <p:txBody>
-          <a:bodyPr wrap="none" anchor="ctr"/>
-          <a:lstStyle/>
-          <a:p>
-            <a:r>
-              <a:rPr lang="en-US" altLang="zh-TW" sz="1400" b="1" dirty="0">
-                <a:solidFill>
-                  <a:schemeClr val="bg1"/>
-                </a:solidFill>
-                <a:latin typeface="Consolas" pitchFamily="49" charset="0"/>
-              </a:rPr>
-              <a:t>Accept FD</a:t>
-            </a:r>
-          </a:p>
-        </p:txBody>
-      </p:sp>
-      <p:sp>
-        <p:nvSpPr>
-          <p:cNvPr id="27" name="Oval 26">
-            <a:extLst>
-              <a:ext uri="{FF2B5EF4-FFF2-40B4-BE49-F238E27FC236}">
-                <a16:creationId xmlns:a16="http://schemas.microsoft.com/office/drawing/2014/main" id="{D04EEB0F-761A-4404-822C-C1CEB3CD10F8}"/>
-              </a:ext>
-            </a:extLst>
-          </p:cNvPr>
-          <p:cNvSpPr>
-            <a:spLocks noChangeArrowheads="1"/>
-          </p:cNvSpPr>
-          <p:nvPr/>
-        </p:nvSpPr>
-        <p:spPr bwMode="auto">
-          <a:xfrm>
-            <a:off x="7978775" y="2728913"/>
-            <a:ext cx="76200" cy="76200"/>
-          </a:xfrm>
-          <a:prstGeom prst="ellipse">
-            <a:avLst/>
-          </a:prstGeom>
-          <a:solidFill>
-            <a:schemeClr val="tx1"/>
-          </a:solidFill>
-          <a:ln w="9525" algn="ctr">
-            <a:solidFill>
-              <a:schemeClr val="tx1"/>
-            </a:solidFill>
-            <a:round/>
-            <a:headEnd/>
-            <a:tailEnd/>
-          </a:ln>
-        </p:spPr>
-        <p:txBody>
-          <a:bodyPr wrap="none" anchor="ctr"/>
-          <a:lstStyle/>
-          <a:p>
-            <a:endParaRPr lang="en-US"/>
-          </a:p>
-        </p:txBody>
-      </p:sp>
-      <p:sp>
-        <p:nvSpPr>
-          <p:cNvPr id="28" name="Oval 27">
-            <a:extLst>
-              <a:ext uri="{FF2B5EF4-FFF2-40B4-BE49-F238E27FC236}">
-                <a16:creationId xmlns:a16="http://schemas.microsoft.com/office/drawing/2014/main" id="{5C2683EF-7905-4295-8288-A7DF6297853F}"/>
-              </a:ext>
-            </a:extLst>
-          </p:cNvPr>
-          <p:cNvSpPr>
-            <a:spLocks noChangeArrowheads="1"/>
-          </p:cNvSpPr>
-          <p:nvPr/>
-        </p:nvSpPr>
-        <p:spPr bwMode="auto">
-          <a:xfrm>
-            <a:off x="7978775" y="2881313"/>
-            <a:ext cx="76200" cy="76200"/>
-          </a:xfrm>
-          <a:prstGeom prst="ellipse">
-            <a:avLst/>
-          </a:prstGeom>
-          <a:solidFill>
-            <a:schemeClr val="tx1"/>
-          </a:solidFill>
-          <a:ln w="9525" algn="ctr">
-            <a:solidFill>
-              <a:schemeClr val="tx1"/>
-            </a:solidFill>
-            <a:round/>
-            <a:headEnd/>
-            <a:tailEnd/>
-          </a:ln>
-        </p:spPr>
-        <p:txBody>
-          <a:bodyPr wrap="none" anchor="ctr"/>
-          <a:lstStyle/>
-          <a:p>
-            <a:endParaRPr lang="en-US"/>
-          </a:p>
-        </p:txBody>
-      </p:sp>
-      <p:sp>
-        <p:nvSpPr>
-          <p:cNvPr id="29" name="Oval 28">
-            <a:extLst>
-              <a:ext uri="{FF2B5EF4-FFF2-40B4-BE49-F238E27FC236}">
-                <a16:creationId xmlns:a16="http://schemas.microsoft.com/office/drawing/2014/main" id="{38A9B143-8954-45B1-B481-3D090FB57874}"/>
-              </a:ext>
-            </a:extLst>
-          </p:cNvPr>
-          <p:cNvSpPr>
-            <a:spLocks noChangeArrowheads="1"/>
-          </p:cNvSpPr>
-          <p:nvPr/>
-        </p:nvSpPr>
-        <p:spPr bwMode="auto">
-          <a:xfrm>
-            <a:off x="7978775" y="3033713"/>
-            <a:ext cx="76200" cy="76200"/>
-          </a:xfrm>
-          <a:prstGeom prst="ellipse">
-            <a:avLst/>
-          </a:prstGeom>
-          <a:solidFill>
-            <a:schemeClr val="tx1"/>
-          </a:solidFill>
-          <a:ln w="9525" algn="ctr">
-            <a:solidFill>
-              <a:schemeClr val="tx1"/>
-            </a:solidFill>
-            <a:round/>
-            <a:headEnd/>
-            <a:tailEnd/>
-          </a:ln>
-        </p:spPr>
-        <p:txBody>
-          <a:bodyPr wrap="none" anchor="ctr"/>
-          <a:lstStyle/>
-          <a:p>
-            <a:endParaRPr lang="en-US"/>
-          </a:p>
-        </p:txBody>
-      </p:sp>
-      <p:sp>
-        <p:nvSpPr>
-          <p:cNvPr id="31" name="Text Box 30">
-            <a:extLst>
-              <a:ext uri="{FF2B5EF4-FFF2-40B4-BE49-F238E27FC236}">
-                <a16:creationId xmlns:a16="http://schemas.microsoft.com/office/drawing/2014/main" id="{F0B5B28B-72D4-4E80-87A2-4986B9984663}"/>
-              </a:ext>
-            </a:extLst>
-          </p:cNvPr>
-          <p:cNvSpPr txBox="1">
-            <a:spLocks noChangeArrowheads="1"/>
-          </p:cNvSpPr>
-          <p:nvPr/>
-        </p:nvSpPr>
-        <p:spPr bwMode="auto">
-          <a:xfrm>
-            <a:off x="2187575" y="4329113"/>
-            <a:ext cx="7696200" cy="430213"/>
-          </a:xfrm>
-          <a:prstGeom prst="rect">
-            <a:avLst/>
-          </a:prstGeom>
-          <a:solidFill>
-            <a:schemeClr val="bg1"/>
-          </a:solidFill>
-          <a:ln w="9525">
-            <a:solidFill>
-              <a:schemeClr val="tx1"/>
-            </a:solidFill>
-            <a:miter lim="800000"/>
-            <a:headEnd/>
-            <a:tailEnd/>
-          </a:ln>
-        </p:spPr>
-        <p:txBody>
-          <a:bodyPr tIns="91440" bIns="91440">
-            <a:spAutoFit/>
-          </a:bodyPr>
-          <a:lstStyle/>
-          <a:p>
-            <a:r>
-              <a:rPr lang="en-US" altLang="zh-TW" sz="1600" dirty="0">
-                <a:latin typeface="Calibri" pitchFamily="34" charset="0"/>
-              </a:rPr>
-              <a:t>An interesting thing about </a:t>
-            </a:r>
-            <a:r>
-              <a:rPr lang="en-US" altLang="zh-TW" sz="1600" b="1" dirty="0">
-                <a:latin typeface="Calibri" pitchFamily="34" charset="0"/>
-              </a:rPr>
-              <a:t>accept()</a:t>
-            </a:r>
-            <a:r>
-              <a:rPr lang="en-US" altLang="zh-TW" sz="1600" dirty="0">
-                <a:latin typeface="Calibri" pitchFamily="34" charset="0"/>
-              </a:rPr>
-              <a:t> is the creation of a </a:t>
-            </a:r>
-            <a:r>
-              <a:rPr lang="en-US" altLang="zh-TW" sz="1600" b="1" dirty="0">
-                <a:solidFill>
-                  <a:srgbClr val="FF3300"/>
-                </a:solidFill>
-                <a:latin typeface="Calibri" pitchFamily="34" charset="0"/>
-              </a:rPr>
-              <a:t>new file descriptor</a:t>
-            </a:r>
-            <a:r>
-              <a:rPr lang="en-US" altLang="zh-TW" sz="1600" dirty="0">
-                <a:latin typeface="Calibri" pitchFamily="34" charset="0"/>
-              </a:rPr>
-              <a:t>!</a:t>
-            </a:r>
-          </a:p>
-        </p:txBody>
-      </p:sp>
-      <p:sp>
-        <p:nvSpPr>
-          <p:cNvPr id="32" name="Text Box 31">
-            <a:extLst>
-              <a:ext uri="{FF2B5EF4-FFF2-40B4-BE49-F238E27FC236}">
-                <a16:creationId xmlns:a16="http://schemas.microsoft.com/office/drawing/2014/main" id="{3BF08CE2-AE43-465C-8504-4E22C3A2FA9C}"/>
-              </a:ext>
-            </a:extLst>
-          </p:cNvPr>
-          <p:cNvSpPr txBox="1">
-            <a:spLocks noChangeArrowheads="1"/>
-          </p:cNvSpPr>
-          <p:nvPr/>
-        </p:nvSpPr>
-        <p:spPr bwMode="auto">
-          <a:xfrm>
-            <a:off x="2187575" y="4938713"/>
-            <a:ext cx="3733800" cy="1416050"/>
-          </a:xfrm>
-          <a:prstGeom prst="rect">
-            <a:avLst/>
-          </a:prstGeom>
-          <a:solidFill>
-            <a:schemeClr val="bg1"/>
-          </a:solidFill>
-          <a:ln w="9525">
-            <a:solidFill>
-              <a:schemeClr val="tx1"/>
-            </a:solidFill>
-            <a:miter lim="800000"/>
-            <a:headEnd/>
-            <a:tailEnd/>
-          </a:ln>
-        </p:spPr>
-        <p:txBody>
-          <a:bodyPr tIns="91440" bIns="91440">
-            <a:spAutoFit/>
-          </a:bodyPr>
-          <a:lstStyle/>
-          <a:p>
-            <a:r>
-              <a:rPr lang="en-US" altLang="zh-TW" sz="1600" b="1" u="sng" dirty="0">
-                <a:latin typeface="Calibri" pitchFamily="34" charset="0"/>
-              </a:rPr>
-              <a:t>Application layer’s point of view.</a:t>
-            </a:r>
-          </a:p>
-          <a:p>
-            <a:endParaRPr lang="en-US" altLang="zh-TW" sz="1600" dirty="0">
-              <a:latin typeface="Calibri" pitchFamily="34" charset="0"/>
-            </a:endParaRPr>
-          </a:p>
-          <a:p>
-            <a:r>
-              <a:rPr lang="en-US" altLang="zh-TW" sz="1600" dirty="0">
-                <a:latin typeface="Calibri" pitchFamily="34" charset="0"/>
-              </a:rPr>
-              <a:t>Good!  It provides each connection a new handler and we can distinguish every connection!</a:t>
-            </a:r>
-          </a:p>
-        </p:txBody>
-      </p:sp>
-      <p:sp>
-        <p:nvSpPr>
-          <p:cNvPr id="33" name="Rectangle 32">
-            <a:extLst>
-              <a:ext uri="{FF2B5EF4-FFF2-40B4-BE49-F238E27FC236}">
-                <a16:creationId xmlns:a16="http://schemas.microsoft.com/office/drawing/2014/main" id="{5C29ADE9-9816-4B60-9622-82270D1BC9A0}"/>
-              </a:ext>
-            </a:extLst>
-          </p:cNvPr>
-          <p:cNvSpPr>
-            <a:spLocks noChangeArrowheads="1"/>
-          </p:cNvSpPr>
-          <p:nvPr/>
-        </p:nvSpPr>
-        <p:spPr bwMode="auto">
-          <a:xfrm>
-            <a:off x="7292975" y="2195513"/>
-            <a:ext cx="1295400" cy="304800"/>
-          </a:xfrm>
-          <a:prstGeom prst="rect">
-            <a:avLst/>
-          </a:prstGeom>
-          <a:solidFill>
-            <a:schemeClr val="bg1"/>
-          </a:solidFill>
-          <a:ln w="9525" algn="ctr">
-            <a:solidFill>
-              <a:schemeClr val="tx1"/>
-            </a:solidFill>
-            <a:miter lim="800000"/>
-            <a:headEnd/>
-            <a:tailEnd/>
-          </a:ln>
-        </p:spPr>
-        <p:txBody>
-          <a:bodyPr wrap="none" anchor="ctr"/>
-          <a:lstStyle/>
-          <a:p>
-            <a:r>
-              <a:rPr lang="en-US" altLang="zh-TW" sz="1200" b="1">
-                <a:latin typeface="Consolas" pitchFamily="49" charset="0"/>
-              </a:rPr>
-              <a:t>connection #1</a:t>
-            </a:r>
-          </a:p>
-        </p:txBody>
-      </p:sp>
-      <p:sp>
-        <p:nvSpPr>
-          <p:cNvPr id="34" name="Rectangle 33">
-            <a:extLst>
-              <a:ext uri="{FF2B5EF4-FFF2-40B4-BE49-F238E27FC236}">
-                <a16:creationId xmlns:a16="http://schemas.microsoft.com/office/drawing/2014/main" id="{F75872B7-6D75-4EF2-A03D-2B66163D87F5}"/>
-              </a:ext>
-            </a:extLst>
-          </p:cNvPr>
-          <p:cNvSpPr>
-            <a:spLocks noChangeArrowheads="1"/>
-          </p:cNvSpPr>
-          <p:nvPr/>
-        </p:nvSpPr>
-        <p:spPr bwMode="auto">
-          <a:xfrm>
-            <a:off x="6759575" y="3414713"/>
-            <a:ext cx="1295400" cy="304800"/>
-          </a:xfrm>
-          <a:prstGeom prst="rect">
-            <a:avLst/>
-          </a:prstGeom>
-          <a:solidFill>
-            <a:schemeClr val="bg1"/>
-          </a:solidFill>
-          <a:ln w="9525" algn="ctr">
-            <a:solidFill>
-              <a:schemeClr val="tx1"/>
-            </a:solidFill>
-            <a:miter lim="800000"/>
-            <a:headEnd/>
-            <a:tailEnd/>
-          </a:ln>
-        </p:spPr>
-        <p:txBody>
-          <a:bodyPr wrap="none" anchor="ctr"/>
-          <a:lstStyle/>
-          <a:p>
-            <a:r>
-              <a:rPr lang="en-US" altLang="zh-TW" sz="1200" b="1">
-                <a:latin typeface="Consolas" pitchFamily="49" charset="0"/>
-              </a:rPr>
-              <a:t>connection #n</a:t>
-            </a:r>
-          </a:p>
-        </p:txBody>
-      </p:sp>
-      <p:sp>
-        <p:nvSpPr>
-          <p:cNvPr id="35" name="Text Box 34">
-            <a:extLst>
-              <a:ext uri="{FF2B5EF4-FFF2-40B4-BE49-F238E27FC236}">
-                <a16:creationId xmlns:a16="http://schemas.microsoft.com/office/drawing/2014/main" id="{72FED377-0EC2-45E9-8638-AA6034CD5CB5}"/>
-              </a:ext>
-            </a:extLst>
-          </p:cNvPr>
-          <p:cNvSpPr txBox="1">
-            <a:spLocks noChangeArrowheads="1"/>
-          </p:cNvSpPr>
-          <p:nvPr/>
-        </p:nvSpPr>
-        <p:spPr bwMode="auto">
-          <a:xfrm>
-            <a:off x="6149975" y="4938713"/>
-            <a:ext cx="3733800" cy="1416050"/>
-          </a:xfrm>
-          <a:prstGeom prst="rect">
-            <a:avLst/>
-          </a:prstGeom>
-          <a:solidFill>
-            <a:schemeClr val="bg1"/>
-          </a:solidFill>
-          <a:ln w="9525">
-            <a:solidFill>
-              <a:schemeClr val="tx1"/>
-            </a:solidFill>
-            <a:miter lim="800000"/>
-            <a:headEnd/>
-            <a:tailEnd/>
-          </a:ln>
-        </p:spPr>
-        <p:txBody>
-          <a:bodyPr tIns="91440" bIns="91440">
-            <a:spAutoFit/>
-          </a:bodyPr>
-          <a:lstStyle/>
-          <a:p>
-            <a:r>
-              <a:rPr lang="en-US" altLang="zh-TW" sz="1600" b="1" u="sng" dirty="0">
-                <a:latin typeface="Calibri" pitchFamily="34" charset="0"/>
-              </a:rPr>
-              <a:t>Transport layer’s point of view.</a:t>
-            </a:r>
-          </a:p>
-          <a:p>
-            <a:endParaRPr lang="en-US" altLang="zh-TW" sz="1600" dirty="0">
-              <a:latin typeface="Calibri" pitchFamily="34" charset="0"/>
-            </a:endParaRPr>
-          </a:p>
-          <a:p>
-            <a:r>
-              <a:rPr lang="en-US" altLang="zh-TW" sz="1600" dirty="0">
-                <a:latin typeface="Calibri" pitchFamily="34" charset="0"/>
-              </a:rPr>
-              <a:t>Well, for TCP, every FD points to </a:t>
-            </a:r>
-            <a:r>
-              <a:rPr lang="en-US" altLang="zh-TW" sz="1600" b="1" dirty="0">
-                <a:solidFill>
-                  <a:srgbClr val="C00000"/>
-                </a:solidFill>
-                <a:latin typeface="Calibri" pitchFamily="34" charset="0"/>
-              </a:rPr>
-              <a:t>a unique TCP control structure</a:t>
-            </a:r>
-            <a:r>
-              <a:rPr lang="en-US" altLang="zh-TW" sz="1600" dirty="0">
-                <a:latin typeface="Calibri" pitchFamily="34" charset="0"/>
-              </a:rPr>
-              <a:t>. It is a necessary for reliable data transfer!</a:t>
-            </a:r>
-          </a:p>
-        </p:txBody>
-      </p:sp>
-    </p:spTree>
-    <p:extLst>
-      <p:ext uri="{BB962C8B-B14F-4D97-AF65-F5344CB8AC3E}">
-        <p14:creationId xmlns:p14="http://schemas.microsoft.com/office/powerpoint/2010/main" val="2287890620"/>
       </p:ext>
     </p:extLst>
   </p:cSld>
